--- a/presentations/Industrial-Protocols.pptx
+++ b/presentations/Industrial-Protocols.pptx
@@ -5,30 +5,31 @@
     <p:sldMasterId id="2147483660" r:id="rId1"/>
   </p:sldMasterIdLst>
   <p:notesMasterIdLst>
-    <p:notesMasterId r:id="rId23"/>
+    <p:notesMasterId r:id="rId24"/>
   </p:notesMasterIdLst>
   <p:sldIdLst>
     <p:sldId id="257" r:id="rId2"/>
-    <p:sldId id="265" r:id="rId3"/>
-    <p:sldId id="305" r:id="rId4"/>
-    <p:sldId id="303" r:id="rId5"/>
-    <p:sldId id="307" r:id="rId6"/>
-    <p:sldId id="266" r:id="rId7"/>
-    <p:sldId id="289" r:id="rId8"/>
-    <p:sldId id="273" r:id="rId9"/>
-    <p:sldId id="274" r:id="rId10"/>
-    <p:sldId id="278" r:id="rId11"/>
-    <p:sldId id="262" r:id="rId12"/>
-    <p:sldId id="263" r:id="rId13"/>
-    <p:sldId id="271" r:id="rId14"/>
-    <p:sldId id="300" r:id="rId15"/>
-    <p:sldId id="295" r:id="rId16"/>
-    <p:sldId id="296" r:id="rId17"/>
-    <p:sldId id="297" r:id="rId18"/>
-    <p:sldId id="301" r:id="rId19"/>
-    <p:sldId id="258" r:id="rId20"/>
-    <p:sldId id="269" r:id="rId21"/>
-    <p:sldId id="276" r:id="rId22"/>
+    <p:sldId id="308" r:id="rId3"/>
+    <p:sldId id="265" r:id="rId4"/>
+    <p:sldId id="305" r:id="rId5"/>
+    <p:sldId id="303" r:id="rId6"/>
+    <p:sldId id="307" r:id="rId7"/>
+    <p:sldId id="266" r:id="rId8"/>
+    <p:sldId id="289" r:id="rId9"/>
+    <p:sldId id="273" r:id="rId10"/>
+    <p:sldId id="274" r:id="rId11"/>
+    <p:sldId id="278" r:id="rId12"/>
+    <p:sldId id="262" r:id="rId13"/>
+    <p:sldId id="263" r:id="rId14"/>
+    <p:sldId id="271" r:id="rId15"/>
+    <p:sldId id="300" r:id="rId16"/>
+    <p:sldId id="295" r:id="rId17"/>
+    <p:sldId id="296" r:id="rId18"/>
+    <p:sldId id="297" r:id="rId19"/>
+    <p:sldId id="301" r:id="rId20"/>
+    <p:sldId id="258" r:id="rId21"/>
+    <p:sldId id="269" r:id="rId22"/>
+    <p:sldId id="276" r:id="rId23"/>
   </p:sldIdLst>
   <p:sldSz cx="12192000" cy="6858000"/>
   <p:notesSz cx="7010400" cy="9296400"/>
@@ -133,6 +134,7 @@
         <p14:section name="Title Slide" id="{18DE493E-085B-4561-B437-3436A70F7F4C}">
           <p14:sldIdLst>
             <p14:sldId id="257"/>
+            <p14:sldId id="308"/>
           </p14:sldIdLst>
         </p14:section>
         <p14:section name="The IIoT Challenge" id="{CAE35C95-80B5-4A2B-92D7-D07C9F8F4BDC}">
@@ -274,7 +276,7 @@
           <a:p>
             <a:fld id="{CB2AC661-31A4-46DB-97AE-947D7B173D52}" type="datetimeFigureOut">
               <a:rPr lang="en-US" smtClean="0"/>
-              <a:t>8/27/2018</a:t>
+              <a:t>9/6/2018</a:t>
             </a:fld>
             <a:endParaRPr lang="en-US"/>
           </a:p>
@@ -687,136 +689,716 @@
           <a:bodyPr/>
           <a:lstStyle/>
           <a:p>
-            <a:pPr fontAlgn="base"/>
             <a:r>
               <a:rPr lang="en-US" dirty="0"/>
-              <a:t>The Data Distribution Service (DDS™) is a middleware protocol and API standard for data-centric connectivity from the Object Management Group® (OMG®). It integrates the components of a system together, providing low-latency data connectivity, extreme reliability, and a scalable architecture that business and mission-critical Internet of Things (</a:t>
-            </a:r>
-            <a:r>
-              <a:rPr lang="en-US" dirty="0" err="1"/>
-              <a:t>IoT</a:t>
+              <a:t>The lowest layer is the </a:t>
+            </a:r>
+            <a:r>
+              <a:rPr lang="en-US" i="1" dirty="0"/>
+              <a:t>physical layer</a:t>
             </a:r>
             <a:r>
               <a:rPr lang="en-US" dirty="0"/>
-              <a:t>) applications need.</a:t>
-            </a:r>
-          </a:p>
-          <a:p>
-            <a:pPr fontAlgn="base"/>
-            <a:endParaRPr lang="en-US" dirty="0"/>
-          </a:p>
-          <a:p>
-            <a:pPr fontAlgn="base"/>
-            <a:r>
-              <a:rPr lang="en-US" dirty="0"/>
-              <a:t>In a distributed system, middleware is the software layer that lies between the operating system and applications. It enables the various components of a system to more easily communicate and share data. It simplifies the development of distributed systems by letting software developers focus on the specific purpose of their applications rather than the mechanics of passing information between applications and systems.</a:t>
-            </a:r>
-          </a:p>
-          <a:p>
-            <a:pPr fontAlgn="base"/>
-            <a:endParaRPr lang="en-US" dirty="0"/>
-          </a:p>
-          <a:p>
-            <a:pPr fontAlgn="base"/>
-            <a:r>
-              <a:rPr lang="en-US" dirty="0"/>
-              <a:t>DDS provides a “middleware” software layer that abstracts an application from the details of the operating system, network transport, and low-level data formats. An application</a:t>
+              <a:t>, which refers to the exchange of physical signals (electric,</a:t>
             </a:r>
             <a:br>
               <a:rPr lang="en-US" dirty="0"/>
             </a:br>
             <a:r>
               <a:rPr lang="en-US" dirty="0"/>
-              <a:t>links to a DDS middleware library to participate in an data exchange. The same concepts and APIs are provided in different programming languages allowing applications to</a:t>
+              <a:t>optical, or other) on the physical media (wired or wireless) connecting the participants. Above it</a:t>
             </a:r>
             <a:br>
               <a:rPr lang="en-US" dirty="0"/>
             </a:br>
             <a:r>
               <a:rPr lang="en-US" dirty="0"/>
-              <a:t>exchange data across of operating systems, languages and processor architectures. Low level details like data wire format, discovery, connections, reliability, timing and </a:t>
-            </a:r>
-            <a:r>
-              <a:rPr lang="en-US" dirty="0" err="1"/>
-              <a:t>QoS</a:t>
+              <a:t>is the </a:t>
+            </a:r>
+            <a:r>
+              <a:rPr lang="en-US" i="1" dirty="0"/>
+              <a:t>link layer</a:t>
             </a:r>
             <a:r>
               <a:rPr lang="en-US" dirty="0"/>
-              <a:t/>
+              <a:t>, which refers to the exchange of </a:t>
+            </a:r>
+            <a:r>
+              <a:rPr lang="en-US" i="1" dirty="0"/>
+              <a:t>frames </a:t>
+            </a:r>
+            <a:r>
+              <a:rPr lang="en-US" dirty="0"/>
+              <a:t>using signaling protocols on the shared</a:t>
             </a:r>
             <a:br>
               <a:rPr lang="en-US" dirty="0"/>
             </a:br>
             <a:r>
               <a:rPr lang="en-US" dirty="0"/>
-              <a:t>management are managed by the middleware layer. It integrates the components of a system together, providing low-latency data connectivity, extreme reliability and a scalable architecture that business and mission-critical Internet of Things (</a:t>
+              <a:t>physical link between adjacent participants. Above it is the </a:t>
+            </a:r>
+            <a:r>
+              <a:rPr lang="en-US" i="1" dirty="0"/>
+              <a:t>network layer</a:t>
+            </a:r>
+            <a:r>
+              <a:rPr lang="en-US" dirty="0"/>
+              <a:t>, which refers to the</a:t>
+            </a:r>
+            <a:br>
+              <a:rPr lang="en-US" dirty="0"/>
+            </a:br>
+            <a:r>
+              <a:rPr lang="en-US" dirty="0"/>
+              <a:t>exchange of </a:t>
+            </a:r>
+            <a:r>
+              <a:rPr lang="en-US" i="1" dirty="0"/>
+              <a:t>packets </a:t>
+            </a:r>
+            <a:r>
+              <a:rPr lang="en-US" dirty="0"/>
+              <a:t>(bounded length</a:t>
+            </a:r>
+            <a:r>
+              <a:rPr lang="en-US" i="1" dirty="0"/>
+              <a:t>), </a:t>
+            </a:r>
+            <a:r>
+              <a:rPr lang="en-US" dirty="0"/>
+              <a:t>possibly routing them over multiple links to communicate</a:t>
+            </a:r>
+            <a:br>
+              <a:rPr lang="en-US" dirty="0"/>
+            </a:br>
+            <a:r>
+              <a:rPr lang="en-US" dirty="0"/>
+              <a:t>between non-adjacent (remote) participants. Above it is the </a:t>
+            </a:r>
+            <a:r>
+              <a:rPr lang="en-US" i="1" dirty="0"/>
+              <a:t>transport layer</a:t>
+            </a:r>
+            <a:r>
+              <a:rPr lang="en-US" dirty="0"/>
+              <a:t>, which refers to the</a:t>
+            </a:r>
+            <a:br>
+              <a:rPr lang="en-US" dirty="0"/>
+            </a:br>
+            <a:r>
+              <a:rPr lang="en-US" dirty="0"/>
+              <a:t>exchange of </a:t>
+            </a:r>
+            <a:r>
+              <a:rPr lang="en-US" i="1" dirty="0"/>
+              <a:t>messages </a:t>
+            </a:r>
+            <a:r>
+              <a:rPr lang="en-US" dirty="0"/>
+              <a:t>(variable length) between participant applications. Above it is the</a:t>
+            </a:r>
+            <a:br>
+              <a:rPr lang="en-US" dirty="0"/>
+            </a:br>
+            <a:r>
+              <a:rPr lang="en-US" i="1" dirty="0"/>
+              <a:t>framework layer, </a:t>
+            </a:r>
+            <a:r>
+              <a:rPr lang="en-US" dirty="0"/>
+              <a:t>which refers to the exchange of structured data (state, events, streams) with</a:t>
+            </a:r>
+            <a:br>
+              <a:rPr lang="en-US" dirty="0"/>
+            </a:br>
+            <a:r>
+              <a:rPr lang="en-US" dirty="0"/>
+              <a:t>configurable quality-of-service between participant applications. Above it, but outside the scope</a:t>
+            </a:r>
+            <a:br>
+              <a:rPr lang="en-US" dirty="0"/>
+            </a:br>
+            <a:r>
+              <a:rPr lang="en-US" dirty="0"/>
+              <a:t>of connectivity, is the </a:t>
+            </a:r>
+            <a:r>
+              <a:rPr lang="en-US" i="1" dirty="0"/>
+              <a:t>distributed data interoperability and management </a:t>
+            </a:r>
+            <a:r>
+              <a:rPr lang="en-US" dirty="0"/>
+              <a:t>layer crosscutting</a:t>
+            </a:r>
+            <a:br>
+              <a:rPr lang="en-US" dirty="0"/>
+            </a:br>
+            <a:r>
+              <a:rPr lang="en-US" dirty="0"/>
+              <a:t>function that relies on the data sharing mechanism provided by the connectivity framework layer.</a:t>
+            </a:r>
+            <a:r>
+              <a:rPr lang="en-US" dirty="0" smtClean="0"/>
+              <a:t> </a:t>
+            </a:r>
+          </a:p>
+          <a:p>
+            <a:endParaRPr lang="en-US" dirty="0" smtClean="0"/>
+          </a:p>
+          <a:p>
+            <a:r>
+              <a:rPr lang="en-US" b="1" dirty="0" smtClean="0"/>
+              <a:t>Performance</a:t>
+            </a:r>
+          </a:p>
+          <a:p>
+            <a:r>
+              <a:rPr lang="en-US" i="1" dirty="0"/>
+              <a:t>Latency and jitter</a:t>
+            </a:r>
+            <a:r>
+              <a:rPr lang="en-US" dirty="0"/>
+              <a:t>. Latency is the time it takes for data to go from source to destination (“time of</a:t>
+            </a:r>
+            <a:br>
+              <a:rPr lang="en-US" dirty="0"/>
+            </a:br>
+            <a:r>
+              <a:rPr lang="en-US" dirty="0"/>
+              <a:t>flight”). Jitter is the variation in latency. The data usually has a limited useful lifetime, so low</a:t>
+            </a:r>
+            <a:br>
+              <a:rPr lang="en-US" dirty="0"/>
+            </a:br>
+            <a:r>
+              <a:rPr lang="en-US" dirty="0"/>
+              <a:t>latency is essential. Low jitter is also needed to ensure the application has integrity and system</a:t>
+            </a:r>
+            <a:r>
+              <a:rPr lang="en-US" dirty="0" smtClean="0"/>
+              <a:t> </a:t>
+            </a:r>
+          </a:p>
+          <a:p>
+            <a:r>
+              <a:rPr lang="en-US" dirty="0"/>
+              <a:t>maintains predictable performance. The connectivity function addresses latency and jitter in the</a:t>
+            </a:r>
+            <a:br>
+              <a:rPr lang="en-US" dirty="0"/>
+            </a:br>
+            <a:r>
+              <a:rPr lang="en-US" dirty="0"/>
+              <a:t>data exchanged between endpoints, possibly in exchange for throughput.</a:t>
+            </a:r>
+            <a:br>
+              <a:rPr lang="en-US" dirty="0"/>
+            </a:br>
+            <a:r>
+              <a:rPr lang="en-US" i="1" dirty="0"/>
+              <a:t>Throughput</a:t>
+            </a:r>
+            <a:r>
+              <a:rPr lang="en-US" dirty="0"/>
+              <a:t>. Throughput is the load on the network as defined by the volume of data flow per</a:t>
+            </a:r>
+            <a:br>
+              <a:rPr lang="en-US" dirty="0"/>
+            </a:br>
+            <a:r>
+              <a:rPr lang="en-US" dirty="0"/>
+              <a:t>unit of time. Bandwidth is the network capacity of a connectivity technology. In some designs, a</a:t>
+            </a:r>
+            <a:br>
+              <a:rPr lang="en-US" dirty="0"/>
+            </a:br>
+            <a:r>
+              <a:rPr lang="en-US" dirty="0"/>
+              <a:t>large volume of data may be exchanged in a short time on an ongoing basis among endpoints;</a:t>
+            </a:r>
+            <a:br>
+              <a:rPr lang="en-US" dirty="0"/>
+            </a:br>
+            <a:r>
+              <a:rPr lang="en-US" dirty="0"/>
+              <a:t>high throughput would be needed.</a:t>
+            </a:r>
+            <a:br>
+              <a:rPr lang="en-US" dirty="0"/>
+            </a:br>
+            <a:r>
+              <a:rPr lang="en-US" dirty="0"/>
+              <a:t>In practice, the operational settings that optimize for high throughput are not the same as those</a:t>
+            </a:r>
+            <a:br>
+              <a:rPr lang="en-US" dirty="0"/>
+            </a:br>
+            <a:r>
+              <a:rPr lang="en-US" dirty="0"/>
+              <a:t>that optimize for low latency. Therefore, the connectivity function should support achieving the</a:t>
+            </a:r>
+            <a:br>
+              <a:rPr lang="en-US" dirty="0"/>
+            </a:br>
+            <a:r>
+              <a:rPr lang="en-US" dirty="0"/>
+              <a:t>right balance as per the requirements of the data flow.</a:t>
+            </a:r>
+            <a:br>
+              <a:rPr lang="en-US" dirty="0"/>
+            </a:br>
+            <a:r>
+              <a:rPr lang="en-US" dirty="0"/>
+              <a:t>In industrial internet applications, particularly at the edge, low latency and jitter are generally</a:t>
+            </a:r>
+            <a:br>
+              <a:rPr lang="en-US" dirty="0"/>
+            </a:br>
+            <a:r>
+              <a:rPr lang="en-US" dirty="0"/>
+              <a:t>more important to performance than throughput and bandwidth. Automation and control of</a:t>
+            </a:r>
+            <a:br>
+              <a:rPr lang="en-US" dirty="0"/>
+            </a:br>
+            <a:r>
+              <a:rPr lang="en-US" dirty="0"/>
+              <a:t>real-world processes require short reaction times or tight coordination to maintain effective</a:t>
+            </a:r>
+            <a:br>
+              <a:rPr lang="en-US" dirty="0"/>
+            </a:br>
+            <a:r>
+              <a:rPr lang="en-US" dirty="0"/>
+              <a:t>control. Industrial devices in the control domain do not produce large amounts of data in short</a:t>
+            </a:r>
+            <a:br>
+              <a:rPr lang="en-US" dirty="0"/>
+            </a:br>
+            <a:r>
+              <a:rPr lang="en-US" dirty="0"/>
+              <a:t>periods and therefore do not require high bandwidth connectivity. Rather, the data needs to be</a:t>
+            </a:r>
+            <a:br>
+              <a:rPr lang="en-US" dirty="0"/>
+            </a:br>
+            <a:r>
+              <a:rPr lang="en-US" dirty="0"/>
+              <a:t>communicated quickly and consistently (with low latency and jitter).</a:t>
+            </a:r>
+            <a:r>
+              <a:rPr lang="en-US" dirty="0" smtClean="0"/>
+              <a:t> </a:t>
+            </a:r>
+            <a:br>
+              <a:rPr lang="en-US" dirty="0" smtClean="0"/>
+            </a:br>
+            <a:endParaRPr lang="en-US" dirty="0" smtClean="0"/>
+          </a:p>
+          <a:p>
+            <a:r>
+              <a:rPr lang="en-US" b="1" dirty="0" smtClean="0"/>
+              <a:t>Resilience</a:t>
+            </a:r>
+          </a:p>
+          <a:p>
+            <a:r>
+              <a:rPr lang="en-US" dirty="0"/>
+              <a:t>Because many IIoT systems will operate continually in a real-world environment, the connectivity</a:t>
+            </a:r>
+            <a:br>
+              <a:rPr lang="en-US" dirty="0"/>
+            </a:br>
+            <a:r>
+              <a:rPr lang="en-US" dirty="0"/>
+              <a:t>function should be available (in the logical view), even when there is a temporary physical</a:t>
+            </a:r>
+            <a:br>
+              <a:rPr lang="en-US" dirty="0"/>
+            </a:br>
+            <a:r>
+              <a:rPr lang="en-US" dirty="0"/>
+              <a:t>disconnection. When a broken connection is restored, data exchange should be automatically</a:t>
+            </a:r>
+            <a:br>
+              <a:rPr lang="en-US" dirty="0"/>
+            </a:br>
+            <a:r>
+              <a:rPr lang="en-US" dirty="0"/>
+              <a:t>restored so that the latest updates are available to the consumers along with any relevant missed</a:t>
+            </a:r>
+            <a:br>
+              <a:rPr lang="en-US" dirty="0"/>
+            </a:br>
+            <a:r>
+              <a:rPr lang="en-US" dirty="0"/>
+              <a:t>updates.</a:t>
+            </a:r>
+            <a:br>
+              <a:rPr lang="en-US" dirty="0"/>
+            </a:br>
+            <a:r>
+              <a:rPr lang="en-US" dirty="0"/>
+              <a:t>The connectivity function should support graceful failure or disconnection of endpoints, by, for</a:t>
+            </a:r>
+            <a:br>
+              <a:rPr lang="en-US" dirty="0"/>
+            </a:br>
+            <a:r>
+              <a:rPr lang="en-US" dirty="0"/>
+              <a:t>example, confining the loss of data exchange only to disconnected endpoints.</a:t>
+            </a:r>
+            <a:r>
+              <a:rPr lang="en-US" dirty="0" smtClean="0"/>
+              <a:t> </a:t>
+            </a:r>
+            <a:br>
+              <a:rPr lang="en-US" dirty="0" smtClean="0"/>
+            </a:br>
+            <a:endParaRPr lang="en-US" dirty="0" smtClean="0"/>
+          </a:p>
+          <a:p>
+            <a:r>
+              <a:rPr lang="en-US" dirty="0" smtClean="0"/>
+              <a:t>Longevity</a:t>
+            </a:r>
+            <a:r>
+              <a:rPr lang="en-US" baseline="0" dirty="0" smtClean="0"/>
+              <a:t> - </a:t>
+            </a:r>
+            <a:r>
+              <a:rPr lang="en-US" dirty="0"/>
+              <a:t>Connectivity components, especially those in the network layer and below, are built into the</a:t>
+            </a:r>
+            <a:br>
+              <a:rPr lang="en-US" dirty="0"/>
+            </a:br>
+            <a:r>
+              <a:rPr lang="en-US" dirty="0"/>
+              <a:t>hardware and hence are not easily replaceable. Where possible and feasible, the connectivity</a:t>
+            </a:r>
+            <a:r>
+              <a:rPr lang="en-US" dirty="0" smtClean="0"/>
+              <a:t> </a:t>
+            </a:r>
+            <a:br>
+              <a:rPr lang="en-US" dirty="0" smtClean="0"/>
+            </a:br>
+            <a:r>
+              <a:rPr lang="en-US" dirty="0"/>
+              <a:t>software components should support incremental evolution including upgrades, addition and</a:t>
+            </a:r>
+            <a:br>
+              <a:rPr lang="en-US" dirty="0"/>
+            </a:br>
+            <a:r>
+              <a:rPr lang="en-US" dirty="0"/>
+              <a:t>removal of components. The connectivity function should also be able to support incremental</a:t>
+            </a:r>
+            <a:br>
+              <a:rPr lang="en-US" dirty="0"/>
+            </a:br>
+            <a:r>
+              <a:rPr lang="en-US" dirty="0"/>
+              <a:t>evolution of the data exchange solutions during the lifecycle of a system.</a:t>
+            </a:r>
+            <a:r>
+              <a:rPr lang="en-US" dirty="0" smtClean="0"/>
+              <a:t> </a:t>
+            </a:r>
+          </a:p>
+          <a:p>
+            <a:endParaRPr lang="en-US" dirty="0" smtClean="0"/>
+          </a:p>
+          <a:p>
+            <a:r>
+              <a:rPr lang="en-US" b="1" dirty="0" smtClean="0"/>
+              <a:t>Integration and Interoperability</a:t>
+            </a:r>
+            <a:endParaRPr lang="en-US" dirty="0" smtClean="0"/>
+          </a:p>
+          <a:p>
+            <a:r>
+              <a:rPr lang="en-US" dirty="0"/>
+              <a:t>IIoT systems comprise components that are often systems in their own right. The connectivity</a:t>
+            </a:r>
+            <a:br>
+              <a:rPr lang="en-US" dirty="0"/>
+            </a:br>
+            <a:r>
+              <a:rPr lang="en-US" dirty="0"/>
+              <a:t>function should support the integration and the interoperability of system components, isolation</a:t>
+            </a:r>
+            <a:br>
+              <a:rPr lang="en-US" dirty="0"/>
+            </a:br>
+            <a:r>
+              <a:rPr lang="en-US" dirty="0"/>
+              <a:t>and encapsulation of data exchanges internal to a system component, and hierarchical</a:t>
+            </a:r>
+            <a:br>
+              <a:rPr lang="en-US" dirty="0"/>
+            </a:br>
+            <a:r>
+              <a:rPr lang="en-US" dirty="0"/>
+              <a:t>organization of data exchanges. In dynamic systems, the connectivity function should also</a:t>
+            </a:r>
+            <a:br>
+              <a:rPr lang="en-US" dirty="0"/>
+            </a:br>
+            <a:r>
+              <a:rPr lang="en-US" dirty="0"/>
+              <a:t>support discovery of system components and the discovery of relevant data exchanges for</a:t>
+            </a:r>
+            <a:br>
+              <a:rPr lang="en-US" dirty="0"/>
+            </a:br>
+            <a:r>
+              <a:rPr lang="en-US" dirty="0"/>
+              <a:t>system composition.</a:t>
+            </a:r>
+            <a:r>
+              <a:rPr lang="en-US" dirty="0" smtClean="0"/>
+              <a:t> </a:t>
+            </a:r>
+            <a:br>
+              <a:rPr lang="en-US" dirty="0" smtClean="0"/>
+            </a:br>
+            <a:endParaRPr lang="en-US" dirty="0" smtClean="0"/>
+          </a:p>
+          <a:p>
+            <a:r>
+              <a:rPr lang="en-US" b="1" dirty="0" smtClean="0"/>
+              <a:t>Operation</a:t>
+            </a:r>
+            <a:r>
+              <a:rPr lang="en-US" dirty="0" smtClean="0"/>
+              <a:t/>
+            </a:r>
+            <a:br>
+              <a:rPr lang="en-US" dirty="0" smtClean="0"/>
+            </a:br>
+            <a:r>
+              <a:rPr lang="en-US" dirty="0"/>
+              <a:t>IIoT systems generally operate non-stop in a real-world environment. To support a system’s</a:t>
+            </a:r>
+            <a:br>
+              <a:rPr lang="en-US" dirty="0"/>
+            </a:br>
+            <a:r>
+              <a:rPr lang="en-US" dirty="0"/>
+              <a:t>operational needs, it should be possible to monitor, manage and dynamically replace</a:t>
+            </a:r>
+            <a:br>
+              <a:rPr lang="en-US" dirty="0"/>
+            </a:br>
+            <a:r>
+              <a:rPr lang="en-US" dirty="0"/>
+              <a:t>connectivity elements. Monitoring includes health, performance and service-level characteristics</a:t>
+            </a:r>
+            <a:br>
+              <a:rPr lang="en-US" dirty="0"/>
+            </a:br>
+            <a:r>
+              <a:rPr lang="en-US" dirty="0"/>
+              <a:t>of the connectivity function; management includes configuring and administering the</a:t>
+            </a:r>
+            <a:br>
+              <a:rPr lang="en-US" dirty="0"/>
+            </a:br>
+            <a:r>
+              <a:rPr lang="en-US" dirty="0"/>
+              <a:t>capabilities; dynamic replacement requires replacement of hardware and or software while a</a:t>
+            </a:r>
+            <a:br>
+              <a:rPr lang="en-US" dirty="0"/>
+            </a:br>
+            <a:r>
+              <a:rPr lang="en-US" dirty="0"/>
+              <a:t>system is operating</a:t>
+            </a:r>
+            <a:r>
+              <a:rPr lang="en-US" dirty="0" smtClean="0"/>
+              <a:t> </a:t>
+            </a:r>
+          </a:p>
+          <a:p>
+            <a:endParaRPr lang="en-US" dirty="0" smtClean="0"/>
+          </a:p>
+          <a:p>
+            <a:r>
+              <a:rPr lang="en-US" b="1" dirty="0"/>
+              <a:t>SAFETY</a:t>
+            </a:r>
+            <a:r>
+              <a:rPr lang="en-US" dirty="0" smtClean="0"/>
+              <a:t> </a:t>
+            </a:r>
+          </a:p>
+          <a:p>
+            <a:r>
+              <a:rPr lang="en-US" dirty="0"/>
+              <a:t>A high degree of assurance is required in life- and mission-critical systems1 to avoid unintended</a:t>
+            </a:r>
+            <a:br>
+              <a:rPr lang="en-US" dirty="0"/>
+            </a:br>
+            <a:r>
+              <a:rPr lang="en-US" dirty="0"/>
+              <a:t>consequences during system operation. The connectivity function should be able to support</a:t>
+            </a:r>
+            <a:br>
+              <a:rPr lang="en-US" dirty="0"/>
+            </a:br>
+            <a:r>
+              <a:rPr lang="en-US" dirty="0"/>
+              <a:t>safety evaluations and provide evidence required to make informed safety assessments.</a:t>
+            </a:r>
+            <a:r>
+              <a:rPr lang="en-US" dirty="0" smtClean="0"/>
+              <a:t> </a:t>
+            </a:r>
+          </a:p>
+          <a:p>
+            <a:endParaRPr lang="en-US" dirty="0" smtClean="0"/>
+          </a:p>
+          <a:p>
+            <a:endParaRPr lang="en-US" dirty="0" smtClean="0"/>
+          </a:p>
+          <a:p>
+            <a:pPr defTabSz="931774">
+              <a:defRPr/>
+            </a:pPr>
+            <a:r>
+              <a:rPr lang="en-US" b="1" dirty="0"/>
+              <a:t>CONNECTIVITY FRAMEWORK LAYER</a:t>
+            </a:r>
+            <a:br>
+              <a:rPr lang="en-US" b="1" dirty="0"/>
+            </a:br>
+            <a:r>
+              <a:rPr lang="en-US" dirty="0"/>
+              <a:t>The </a:t>
+            </a:r>
+            <a:r>
+              <a:rPr lang="en-US" i="1" dirty="0"/>
+              <a:t>connectivity framework </a:t>
+            </a:r>
+            <a:r>
+              <a:rPr lang="en-US" dirty="0"/>
+              <a:t>layer provides a logical data exchange service to the endpoints</a:t>
+            </a:r>
+            <a:br>
+              <a:rPr lang="en-US" dirty="0"/>
+            </a:br>
+            <a:r>
+              <a:rPr lang="en-US" dirty="0"/>
+              <a:t>participating in an information exchange. It can observe and “understand” the data exchanges,</a:t>
+            </a:r>
+            <a:br>
+              <a:rPr lang="en-US" dirty="0"/>
+            </a:br>
+            <a:r>
+              <a:rPr lang="en-US" dirty="0"/>
+              <a:t>and use that knowledge to optimize data delivery. It is a logical functional layer on top of the</a:t>
+            </a:r>
+            <a:br>
+              <a:rPr lang="en-US" dirty="0"/>
+            </a:br>
+            <a:r>
+              <a:rPr lang="en-US" dirty="0"/>
+              <a:t>connectivity transport layer (see Figure 2-1) and should be agnostic to the technologies used to</a:t>
+            </a:r>
+            <a:br>
+              <a:rPr lang="en-US" dirty="0"/>
+            </a:br>
+            <a:r>
+              <a:rPr lang="en-US" dirty="0"/>
+              <a:t>implement connectivity transports.</a:t>
+            </a:r>
+            <a:br>
+              <a:rPr lang="en-US" dirty="0"/>
+            </a:br>
+            <a:r>
+              <a:rPr lang="en-US" dirty="0"/>
+              <a:t>The key role of the connectivity framework layer is to provide syntactic interoperability among</a:t>
+            </a:r>
+            <a:br>
+              <a:rPr lang="en-US" dirty="0"/>
+            </a:br>
+            <a:r>
+              <a:rPr lang="en-US" dirty="0"/>
+              <a:t>the endpoints. Data that is exchanged is structured in a common, unambiguous data format,</a:t>
+            </a:r>
+            <a:br>
+              <a:rPr lang="en-US" dirty="0"/>
+            </a:br>
+            <a:r>
+              <a:rPr lang="en-US" dirty="0"/>
+              <a:t>independent of endpoint implementation, and decoupled from the hardware and programming</a:t>
+            </a:r>
+            <a:br>
+              <a:rPr lang="en-US" dirty="0"/>
+            </a:br>
+            <a:r>
+              <a:rPr lang="en-US" dirty="0"/>
+              <a:t>platform. Depending on the application logic behind endpoint, one or more data exchange</a:t>
+            </a:r>
+            <a:br>
+              <a:rPr lang="en-US" dirty="0"/>
+            </a:br>
+            <a:r>
+              <a:rPr lang="en-US" dirty="0"/>
+              <a:t>patterns may be required. There are two predominant data exchange pattern styles: </a:t>
             </a:r>
             <a:r>
               <a:rPr lang="en-US" dirty="0" err="1"/>
-              <a:t>IoT</a:t>
+              <a:t>publishsubscribe</a:t>
             </a:r>
             <a:r>
               <a:rPr lang="en-US" dirty="0"/>
-              <a:t>) applications need.</a:t>
-            </a:r>
-          </a:p>
-          <a:p>
-            <a:pPr fontAlgn="base"/>
-            <a:endParaRPr lang="en-US" dirty="0"/>
-          </a:p>
-          <a:p>
-            <a:pPr fontAlgn="base"/>
-            <a:r>
+              <a:t> (see section 4.1.6) and request-reply (see section 4.1.7).</a:t>
+            </a:r>
+            <a:br>
               <a:rPr lang="en-US" dirty="0"/>
-              <a:t>The DDS Middleware is a software layer that abstracts the Application from the details of the operating system, network transport, and low-level data formats. The same concepts and APIs are provided in different programming languages allowing applications to exchange information across of operating systems, languages, and processor architectures. Low-level details like data wire format, discovery, connections, reliability, protocols, </a:t>
-            </a:r>
-            <a:r>
-              <a:rPr lang="en-US" dirty="0" err="1"/>
-              <a:t>Qos</a:t>
-            </a:r>
+            </a:br>
             <a:r>
               <a:rPr lang="en-US" dirty="0"/>
-              <a:t> management, etc. are managed by the middleware.</a:t>
-            </a:r>
-          </a:p>
-          <a:p>
-            <a:pPr fontAlgn="base"/>
-            <a:endParaRPr lang="en-US" dirty="0"/>
-          </a:p>
-          <a:p>
-            <a:pPr fontAlgn="base"/>
-            <a:r>
+              <a:t>A key benefit of the connectivity framework is to abstract and hide the implementation of the</a:t>
+            </a:r>
+            <a:br>
               <a:rPr lang="en-US" dirty="0"/>
-              <a:t>There are many communications middleware standards and products. DDS is uniquely </a:t>
-            </a:r>
-            <a:r>
-              <a:rPr lang="en-US" b="1" dirty="0"/>
-              <a:t>data centric</a:t>
-            </a:r>
+            </a:br>
             <a:r>
               <a:rPr lang="en-US" dirty="0"/>
-              <a:t>, which is ideal for the Internet of Things. Most middleware works by sending information between applications and systems. Data centricity ensures that all messages include the contextual information an application needs to understand the data it receives.</a:t>
-            </a:r>
-          </a:p>
-          <a:p>
-            <a:pPr fontAlgn="base"/>
-            <a:endParaRPr lang="en-US" dirty="0"/>
-          </a:p>
-          <a:p>
-            <a:pPr fontAlgn="base"/>
-            <a:r>
+              <a:t>various functions so that the applications that use the connectivity framework won’t need to</a:t>
+            </a:r>
+            <a:br>
               <a:rPr lang="en-US" dirty="0"/>
-              <a:t>The essence of data centricity is that DDS knows what data it stores and controls how to share that data. Programmers using traditional message-centric middleware must write code that sends messages. Programmers using data-centric middleware write code that specifies how and when to share data and then directly share data values. Rather than managing all this complexity in the application (your) code, DDS directly implements controlled, managed, secure data sharing for you.</a:t>
-            </a:r>
-          </a:p>
-          <a:p>
-            <a:pPr fontAlgn="base"/>
-            <a:endParaRPr lang="en-US" dirty="0"/>
-          </a:p>
-          <a:p>
+            </a:br>
+            <a:r>
+              <a:rPr lang="en-US" dirty="0"/>
+              <a:t>know the implementation, just use its capabilities. It reduces the cost of development and</a:t>
+            </a:r>
+            <a:br>
+              <a:rPr lang="en-US" dirty="0"/>
+            </a:br>
+            <a:r>
+              <a:rPr lang="en-US" dirty="0"/>
+              <a:t>increases productivity and quality. </a:t>
+            </a:r>
             <a:endParaRPr lang="en-US" dirty="0" smtClean="0"/>
           </a:p>
           <a:p>
+            <a:r>
+              <a:rPr lang="en-US" dirty="0" smtClean="0"/>
+              <a:t/>
+            </a:r>
+            <a:br>
+              <a:rPr lang="en-US" dirty="0" smtClean="0"/>
+            </a:br>
             <a:endParaRPr lang="en-US" dirty="0"/>
           </a:p>
         </p:txBody>
@@ -836,7 +1418,7 @@
           <a:bodyPr/>
           <a:lstStyle/>
           <a:p>
-            <a:fld id="{5411DBE0-381C-46D4-8DEC-C543B120D642}" type="slidenum">
+            <a:fld id="{E8F1D1A0-1B1E-4AF3-8776-D184071874B4}" type="slidenum">
               <a:rPr lang="en-US" smtClean="0"/>
               <a:t>11</a:t>
             </a:fld>
@@ -847,7 +1429,7 @@
     </p:spTree>
     <p:extLst>
       <p:ext uri="{BB962C8B-B14F-4D97-AF65-F5344CB8AC3E}">
-        <p14:creationId xmlns:p14="http://schemas.microsoft.com/office/powerpoint/2010/main" val="501729957"/>
+        <p14:creationId xmlns:p14="http://schemas.microsoft.com/office/powerpoint/2010/main" val="163271793"/>
       </p:ext>
     </p:extLst>
   </p:cSld>
@@ -903,16 +1485,52 @@
           <a:p>
             <a:pPr fontAlgn="base"/>
             <a:r>
-              <a:rPr lang="en-US" b="1" dirty="0"/>
-              <a:t>Quality of Service</a:t>
-            </a:r>
+              <a:rPr lang="en-US" dirty="0"/>
+              <a:t>The Data Distribution Service (DDS™) is a middleware protocol and API standard for data-centric connectivity from the Object Management Group® (OMG®). It integrates the components of a system together, providing low-latency data connectivity, extreme reliability, and a scalable architecture that business and mission-critical Internet of Things (</a:t>
+            </a:r>
+            <a:r>
+              <a:rPr lang="en-US" dirty="0" err="1"/>
+              <a:t>IoT</a:t>
+            </a:r>
+            <a:r>
+              <a:rPr lang="en-US" dirty="0"/>
+              <a:t>) applications need.</a:t>
+            </a:r>
+          </a:p>
+          <a:p>
+            <a:pPr fontAlgn="base"/>
             <a:endParaRPr lang="en-US" dirty="0"/>
           </a:p>
           <a:p>
             <a:pPr fontAlgn="base"/>
             <a:r>
               <a:rPr lang="en-US" dirty="0"/>
-              <a:t>The data can also be shared with flexible Quality of Service (</a:t>
+              <a:t>In a distributed system, middleware is the software layer that lies between the operating system and applications. It enables the various components of a system to more easily communicate and share data. It simplifies the development of distributed systems by letting software developers focus on the specific purpose of their applications rather than the mechanics of passing information between applications and systems.</a:t>
+            </a:r>
+          </a:p>
+          <a:p>
+            <a:pPr fontAlgn="base"/>
+            <a:endParaRPr lang="en-US" dirty="0"/>
+          </a:p>
+          <a:p>
+            <a:pPr fontAlgn="base"/>
+            <a:r>
+              <a:rPr lang="en-US" dirty="0"/>
+              <a:t>DDS provides a “middleware” software layer that abstracts an application from the details of the operating system, network transport, and low-level data formats. An application</a:t>
+            </a:r>
+            <a:br>
+              <a:rPr lang="en-US" dirty="0"/>
+            </a:br>
+            <a:r>
+              <a:rPr lang="en-US" dirty="0"/>
+              <a:t>links to a DDS middleware library to participate in an data exchange. The same concepts and APIs are provided in different programming languages allowing applications to</a:t>
+            </a:r>
+            <a:br>
+              <a:rPr lang="en-US" dirty="0"/>
+            </a:br>
+            <a:r>
+              <a:rPr lang="en-US" dirty="0"/>
+              <a:t>exchange data across of operating systems, languages and processor architectures. Low level details like data wire format, discovery, connections, reliability, timing and </a:t>
             </a:r>
             <a:r>
               <a:rPr lang="en-US" dirty="0" err="1"/>
@@ -920,21 +1538,22 @@
             </a:r>
             <a:r>
               <a:rPr lang="en-US" dirty="0"/>
-              <a:t>) specifications including reliability, system health (liveliness), and even security. In a real system, not every other end-point needs every item in your local store. DDS is smart about sending just what it needs. If messages don’t always reach their intended destinations, the middleware implements reliability where needed. When systems change, the middleware dynamically figures out where to send which data, and intelligently informs participants of the changes. If the total data size is huge, DDS intelligently filters and sends only the data each end-point really needs. When updates need to be fast, DDS sends multicast messages to update many remote applications at once. As data formats evolve, DDS keeps track of the versions used by various parts of the system and automatically translates. For security-critical applications, DDS controls access, enforces data flow paths, and encrypts data on-the-fly.</a:t>
-            </a:r>
-          </a:p>
-          <a:p>
-            <a:pPr fontAlgn="base"/>
-            <a:r>
+              <a:t/>
+            </a:r>
+            <a:br>
               <a:rPr lang="en-US" dirty="0"/>
-              <a:t>The true power of DDS emerges when you specify all of these things simultaneously, at extremely high speeds, and in a very dynamic, demanding, and unpredictable environment.</a:t>
-            </a:r>
-          </a:p>
-          <a:p>
-            <a:pPr fontAlgn="base"/>
+            </a:br>
             <a:r>
               <a:rPr lang="en-US" dirty="0"/>
-              <a:t> </a:t>
+              <a:t>management are managed by the middleware layer. It integrates the components of a system together, providing low-latency data connectivity, extreme reliability and a scalable architecture that business and mission-critical Internet of Things (</a:t>
+            </a:r>
+            <a:r>
+              <a:rPr lang="en-US" dirty="0" err="1"/>
+              <a:t>IoT</a:t>
+            </a:r>
+            <a:r>
+              <a:rPr lang="en-US" dirty="0"/>
+              <a:t>) applications need.</a:t>
             </a:r>
           </a:p>
           <a:p>
@@ -944,78 +1563,54 @@
           <a:p>
             <a:pPr fontAlgn="base"/>
             <a:r>
+              <a:rPr lang="en-US" dirty="0"/>
+              <a:t>The DDS Middleware is a software layer that abstracts the Application from the details of the operating system, network transport, and low-level data formats. The same concepts and APIs are provided in different programming languages allowing applications to exchange information across of operating systems, languages, and processor architectures. Low-level details like data wire format, discovery, connections, reliability, protocols, </a:t>
+            </a:r>
+            <a:r>
+              <a:rPr lang="en-US" dirty="0" err="1"/>
+              <a:t>Qos</a:t>
+            </a:r>
+            <a:r>
+              <a:rPr lang="en-US" dirty="0"/>
+              <a:t> management, etc. are managed by the middleware.</a:t>
+            </a:r>
+          </a:p>
+          <a:p>
+            <a:pPr fontAlgn="base"/>
+            <a:endParaRPr lang="en-US" dirty="0"/>
+          </a:p>
+          <a:p>
+            <a:pPr fontAlgn="base"/>
+            <a:r>
+              <a:rPr lang="en-US" dirty="0"/>
+              <a:t>There are many communications middleware standards and products. DDS is uniquely </a:t>
+            </a:r>
+            <a:r>
               <a:rPr lang="en-US" b="1" dirty="0"/>
-              <a:t>Dynamic Discover</a:t>
+              <a:t>data centric</a:t>
+            </a:r>
+            <a:r>
+              <a:rPr lang="en-US" dirty="0"/>
+              <a:t>, which is ideal for the Internet of Things. Most middleware works by sending information between applications and systems. Data centricity ensures that all messages include the contextual information an application needs to understand the data it receives.</a:t>
             </a:r>
           </a:p>
           <a:p>
             <a:pPr fontAlgn="base"/>
+            <a:endParaRPr lang="en-US" dirty="0"/>
+          </a:p>
+          <a:p>
+            <a:pPr fontAlgn="base"/>
             <a:r>
               <a:rPr lang="en-US" dirty="0"/>
-              <a:t>DDS provides Dynamic Discovery of publishers and subscribers. Dynamic Discovery makes your DDS applications extensible. This means the application does not have to know or configure the endpoints for communications because they are automatically discovered by DDS. This can be completed at runtime and not necessarily at design or compile time, enabling real “plug-and-play” for DDS applications.</a:t>
+              <a:t>The essence of data centricity is that DDS knows what data it stores and controls how to share that data. Programmers using traditional message-centric middleware must write code that sends messages. Programmers using data-centric middleware write code that specifies how and when to share data and then directly share data values. Rather than managing all this complexity in the application (your) code, DDS directly implements controlled, managed, secure data sharing for you.</a:t>
             </a:r>
           </a:p>
           <a:p>
             <a:pPr fontAlgn="base"/>
-            <a:r>
-              <a:rPr lang="en-US" dirty="0"/>
-              <a:t>This dynamic discovery goes even further than discovering endpoints. DDS will discover if the endpoint is publishing data, subscribing to data, or both. It will discover the type of data being published or subscribed to. It will also discover the publisher’s offered communication characteristics and the subscriber’s requested communications characteristics. All of these attributes are taken into consideration during the dynamic discovery and matching of DDS participants.</a:t>
-            </a:r>
-          </a:p>
-          <a:p>
-            <a:pPr fontAlgn="base"/>
-            <a:r>
-              <a:rPr lang="en-US" dirty="0"/>
-              <a:t>DDS participants can be on the same machine or across a network: the application uses the same DDS API for communications. Because there is no need to know or configure IP addresses, or take into account the differences in machine architectures, adding an additional communication participant on any operating system or hardware platform becomes an easy, almost trivial, task.</a:t>
-            </a:r>
-          </a:p>
-          <a:p>
-            <a:r>
-              <a:rPr lang="en-US" dirty="0" smtClean="0"/>
-              <a:t/>
-            </a:r>
-            <a:br>
-              <a:rPr lang="en-US" dirty="0" smtClean="0"/>
-            </a:br>
             <a:endParaRPr lang="en-US" dirty="0"/>
           </a:p>
           <a:p>
-            <a:r>
-              <a:rPr lang="en-US" b="1" dirty="0" smtClean="0"/>
-              <a:t>Scalable Architecture</a:t>
-            </a:r>
-          </a:p>
-          <a:p>
-            <a:pPr fontAlgn="base"/>
-            <a:r>
-              <a:rPr lang="en-US" dirty="0"/>
-              <a:t>The OMG DDS architecture is designed to be scalable from small devices to the cloud and for very large </a:t>
-            </a:r>
-            <a:r>
-              <a:rPr lang="en-US" dirty="0" err="1"/>
-              <a:t>systems.DDS</a:t>
-            </a:r>
-            <a:r>
-              <a:rPr lang="en-US" dirty="0"/>
-              <a:t> enables the Internet of Things by scaling across thousands or millions of participants, delivering data at ultra-high speed, managing many thousands of data objects, and providing extreme availability and security. DDS simplifies distributed systems development by absorbing much of the complexity in a single, standard communications layer.</a:t>
-            </a:r>
-          </a:p>
-          <a:p>
-            <a:pPr fontAlgn="base"/>
-            <a:r>
-              <a:rPr lang="en-US" dirty="0"/>
-              <a:t>For further information on the DDS standard then please visit </a:t>
-            </a:r>
-            <a:r>
-              <a:rPr lang="en-US" dirty="0">
-                <a:hlinkClick r:id="rId3"/>
-              </a:rPr>
-              <a:t>the specifications page</a:t>
-            </a:r>
-            <a:r>
-              <a:rPr lang="en-US" dirty="0"/>
-              <a:t>.</a:t>
-            </a:r>
+            <a:endParaRPr lang="en-US" dirty="0" smtClean="0"/>
           </a:p>
           <a:p>
             <a:endParaRPr lang="en-US" dirty="0"/>
@@ -1048,7 +1643,7 @@
     </p:spTree>
     <p:extLst>
       <p:ext uri="{BB962C8B-B14F-4D97-AF65-F5344CB8AC3E}">
-        <p14:creationId xmlns:p14="http://schemas.microsoft.com/office/powerpoint/2010/main" val="3466713915"/>
+        <p14:creationId xmlns:p14="http://schemas.microsoft.com/office/powerpoint/2010/main" val="501729957"/>
       </p:ext>
     </p:extLst>
   </p:cSld>
@@ -1102,7 +1697,124 @@
           <a:bodyPr/>
           <a:lstStyle/>
           <a:p>
-            <a:endParaRPr lang="en-US"/>
+            <a:pPr fontAlgn="base"/>
+            <a:r>
+              <a:rPr lang="en-US" b="1" dirty="0"/>
+              <a:t>Quality of Service</a:t>
+            </a:r>
+            <a:endParaRPr lang="en-US" dirty="0"/>
+          </a:p>
+          <a:p>
+            <a:pPr fontAlgn="base"/>
+            <a:r>
+              <a:rPr lang="en-US" dirty="0"/>
+              <a:t>The data can also be shared with flexible Quality of Service (</a:t>
+            </a:r>
+            <a:r>
+              <a:rPr lang="en-US" dirty="0" err="1"/>
+              <a:t>QoS</a:t>
+            </a:r>
+            <a:r>
+              <a:rPr lang="en-US" dirty="0"/>
+              <a:t>) specifications including reliability, system health (liveliness), and even security. In a real system, not every other end-point needs every item in your local store. DDS is smart about sending just what it needs. If messages don’t always reach their intended destinations, the middleware implements reliability where needed. When systems change, the middleware dynamically figures out where to send which data, and intelligently informs participants of the changes. If the total data size is huge, DDS intelligently filters and sends only the data each end-point really needs. When updates need to be fast, DDS sends multicast messages to update many remote applications at once. As data formats evolve, DDS keeps track of the versions used by various parts of the system and automatically translates. For security-critical applications, DDS controls access, enforces data flow paths, and encrypts data on-the-fly.</a:t>
+            </a:r>
+          </a:p>
+          <a:p>
+            <a:pPr fontAlgn="base"/>
+            <a:r>
+              <a:rPr lang="en-US" dirty="0"/>
+              <a:t>The true power of DDS emerges when you specify all of these things simultaneously, at extremely high speeds, and in a very dynamic, demanding, and unpredictable environment.</a:t>
+            </a:r>
+          </a:p>
+          <a:p>
+            <a:pPr fontAlgn="base"/>
+            <a:r>
+              <a:rPr lang="en-US" dirty="0"/>
+              <a:t> </a:t>
+            </a:r>
+          </a:p>
+          <a:p>
+            <a:pPr fontAlgn="base"/>
+            <a:endParaRPr lang="en-US" dirty="0"/>
+          </a:p>
+          <a:p>
+            <a:pPr fontAlgn="base"/>
+            <a:r>
+              <a:rPr lang="en-US" b="1" dirty="0"/>
+              <a:t>Dynamic Discover</a:t>
+            </a:r>
+          </a:p>
+          <a:p>
+            <a:pPr fontAlgn="base"/>
+            <a:r>
+              <a:rPr lang="en-US" dirty="0"/>
+              <a:t>DDS provides Dynamic Discovery of publishers and subscribers. Dynamic Discovery makes your DDS applications extensible. This means the application does not have to know or configure the endpoints for communications because they are automatically discovered by DDS. This can be completed at runtime and not necessarily at design or compile time, enabling real “plug-and-play” for DDS applications.</a:t>
+            </a:r>
+          </a:p>
+          <a:p>
+            <a:pPr fontAlgn="base"/>
+            <a:r>
+              <a:rPr lang="en-US" dirty="0"/>
+              <a:t>This dynamic discovery goes even further than discovering endpoints. DDS will discover if the endpoint is publishing data, subscribing to data, or both. It will discover the type of data being published or subscribed to. It will also discover the publisher’s offered communication characteristics and the subscriber’s requested communications characteristics. All of these attributes are taken into consideration during the dynamic discovery and matching of DDS participants.</a:t>
+            </a:r>
+          </a:p>
+          <a:p>
+            <a:pPr fontAlgn="base"/>
+            <a:r>
+              <a:rPr lang="en-US" dirty="0"/>
+              <a:t>DDS participants can be on the same machine or across a network: the application uses the same DDS API for communications. Because there is no need to know or configure IP addresses, or take into account the differences in machine architectures, adding an additional communication participant on any operating system or hardware platform becomes an easy, almost trivial, task.</a:t>
+            </a:r>
+          </a:p>
+          <a:p>
+            <a:r>
+              <a:rPr lang="en-US" dirty="0" smtClean="0"/>
+              <a:t/>
+            </a:r>
+            <a:br>
+              <a:rPr lang="en-US" dirty="0" smtClean="0"/>
+            </a:br>
+            <a:endParaRPr lang="en-US" dirty="0"/>
+          </a:p>
+          <a:p>
+            <a:r>
+              <a:rPr lang="en-US" b="1" dirty="0" smtClean="0"/>
+              <a:t>Scalable Architecture</a:t>
+            </a:r>
+          </a:p>
+          <a:p>
+            <a:pPr fontAlgn="base"/>
+            <a:r>
+              <a:rPr lang="en-US" dirty="0"/>
+              <a:t>The OMG DDS architecture is designed to be scalable from small devices to the cloud and for very large </a:t>
+            </a:r>
+            <a:r>
+              <a:rPr lang="en-US" dirty="0" err="1"/>
+              <a:t>systems.DDS</a:t>
+            </a:r>
+            <a:r>
+              <a:rPr lang="en-US" dirty="0"/>
+              <a:t> enables the Internet of Things by scaling across thousands or millions of participants, delivering data at ultra-high speed, managing many thousands of data objects, and providing extreme availability and security. DDS simplifies distributed systems development by absorbing much of the complexity in a single, standard communications layer.</a:t>
+            </a:r>
+          </a:p>
+          <a:p>
+            <a:pPr fontAlgn="base"/>
+            <a:r>
+              <a:rPr lang="en-US" dirty="0"/>
+              <a:t>For further information on the DDS standard then please visit </a:t>
+            </a:r>
+            <a:r>
+              <a:rPr lang="en-US" dirty="0">
+                <a:hlinkClick r:id="rId3"/>
+              </a:rPr>
+              <a:t>the specifications page</a:t>
+            </a:r>
+            <a:r>
+              <a:rPr lang="en-US" dirty="0"/>
+              <a:t>.</a:t>
+            </a:r>
+          </a:p>
+          <a:p>
+            <a:endParaRPr lang="en-US" dirty="0"/>
           </a:p>
         </p:txBody>
       </p:sp>
@@ -1132,7 +1844,7 @@
     </p:spTree>
     <p:extLst>
       <p:ext uri="{BB962C8B-B14F-4D97-AF65-F5344CB8AC3E}">
-        <p14:creationId xmlns:p14="http://schemas.microsoft.com/office/powerpoint/2010/main" val="2915586512"/>
+        <p14:creationId xmlns:p14="http://schemas.microsoft.com/office/powerpoint/2010/main" val="3466713915"/>
       </p:ext>
     </p:extLst>
   </p:cSld>
@@ -1186,51 +1898,7 @@
           <a:bodyPr/>
           <a:lstStyle/>
           <a:p>
-            <a:r>
-              <a:rPr lang="en-GB" dirty="0" smtClean="0"/>
-              <a:t>Message format:</a:t>
-            </a:r>
-            <a:r>
-              <a:rPr lang="en-GB" baseline="0" dirty="0" smtClean="0"/>
-              <a:t> UA XML, UA Binary</a:t>
-            </a:r>
-          </a:p>
-          <a:p>
-            <a:r>
-              <a:rPr lang="en-GB" baseline="0" dirty="0" smtClean="0"/>
-              <a:t>Transport: OPC TCP, SOAP/HTTP(S)</a:t>
-            </a:r>
-          </a:p>
-          <a:p>
-            <a:r>
-              <a:rPr lang="en-GB" baseline="0" dirty="0" smtClean="0"/>
-              <a:t>Channel Security: None, Signed, Signed and Encrypted</a:t>
-            </a:r>
-          </a:p>
-          <a:p>
-            <a:endParaRPr lang="en-GB" baseline="0" dirty="0" smtClean="0"/>
-          </a:p>
-          <a:p>
-            <a:r>
-              <a:rPr lang="en-GB" baseline="0" dirty="0" err="1" smtClean="0"/>
-              <a:t>Authenthication</a:t>
-            </a:r>
-            <a:r>
-              <a:rPr lang="en-GB" baseline="0" dirty="0" smtClean="0"/>
-              <a:t>, Authorization, Encryption and Data integrity are performed by signatures.</a:t>
-            </a:r>
-          </a:p>
-          <a:p>
-            <a:endParaRPr lang="en-GB" baseline="0" dirty="0" smtClean="0"/>
-          </a:p>
-          <a:p>
-            <a:r>
-              <a:rPr lang="en-GB" baseline="0" dirty="0" smtClean="0"/>
-              <a:t>SOAP w/ binary is a firewall-friendly variant with efficient coding.</a:t>
-            </a:r>
-          </a:p>
-          <a:p>
-            <a:endParaRPr lang="en-US" dirty="0"/>
+            <a:endParaRPr lang="en-US"/>
           </a:p>
         </p:txBody>
       </p:sp>
@@ -1249,27 +1917,18 @@
           <a:bodyPr/>
           <a:lstStyle/>
           <a:p>
-            <a:fld id="{D61C8689-8455-3546-ADF9-3B7273760F66}" type="slidenum">
-              <a:rPr lang="en-US" smtClean="0">
-                <a:solidFill>
-                  <a:prstClr val="black"/>
-                </a:solidFill>
-              </a:rPr>
-              <a:pPr/>
-              <a:t>15</a:t>
+            <a:fld id="{5411DBE0-381C-46D4-8DEC-C543B120D642}" type="slidenum">
+              <a:rPr lang="en-US" smtClean="0"/>
+              <a:t>14</a:t>
             </a:fld>
-            <a:endParaRPr lang="en-US" dirty="0">
-              <a:solidFill>
-                <a:prstClr val="black"/>
-              </a:solidFill>
-            </a:endParaRPr>
+            <a:endParaRPr lang="en-US"/>
           </a:p>
         </p:txBody>
       </p:sp>
     </p:spTree>
     <p:extLst>
       <p:ext uri="{BB962C8B-B14F-4D97-AF65-F5344CB8AC3E}">
-        <p14:creationId xmlns:p14="http://schemas.microsoft.com/office/powerpoint/2010/main" val="1948928291"/>
+        <p14:creationId xmlns:p14="http://schemas.microsoft.com/office/powerpoint/2010/main" val="2915586512"/>
       </p:ext>
     </p:extLst>
   </p:cSld>
@@ -1325,18 +1984,48 @@
           <a:p>
             <a:r>
               <a:rPr lang="en-GB" dirty="0" smtClean="0"/>
-              <a:t>Client</a:t>
+              <a:t>Message format:</a:t>
             </a:r>
             <a:r>
               <a:rPr lang="en-GB" baseline="0" dirty="0" smtClean="0"/>
-              <a:t> redundancy: the server simply sees two clients. But the clients are talking to each other.</a:t>
+              <a:t> UA XML, UA Binary</a:t>
             </a:r>
           </a:p>
           <a:p>
             <a:r>
               <a:rPr lang="en-GB" baseline="0" dirty="0" smtClean="0"/>
-              <a:t>Server redundancy: client sends commands to both servers, but only the active one processes it.</a:t>
-            </a:r>
+              <a:t>Transport: OPC TCP, SOAP/HTTP(S)</a:t>
+            </a:r>
+          </a:p>
+          <a:p>
+            <a:r>
+              <a:rPr lang="en-GB" baseline="0" dirty="0" smtClean="0"/>
+              <a:t>Channel Security: None, Signed, Signed and Encrypted</a:t>
+            </a:r>
+          </a:p>
+          <a:p>
+            <a:endParaRPr lang="en-GB" baseline="0" dirty="0" smtClean="0"/>
+          </a:p>
+          <a:p>
+            <a:r>
+              <a:rPr lang="en-GB" baseline="0" dirty="0" err="1" smtClean="0"/>
+              <a:t>Authenthication</a:t>
+            </a:r>
+            <a:r>
+              <a:rPr lang="en-GB" baseline="0" dirty="0" smtClean="0"/>
+              <a:t>, Authorization, Encryption and Data integrity are performed by signatures.</a:t>
+            </a:r>
+          </a:p>
+          <a:p>
+            <a:endParaRPr lang="en-GB" baseline="0" dirty="0" smtClean="0"/>
+          </a:p>
+          <a:p>
+            <a:r>
+              <a:rPr lang="en-GB" baseline="0" dirty="0" smtClean="0"/>
+              <a:t>SOAP w/ binary is a firewall-friendly variant with efficient coding.</a:t>
+            </a:r>
+          </a:p>
+          <a:p>
             <a:endParaRPr lang="en-US" dirty="0"/>
           </a:p>
         </p:txBody>
@@ -1376,7 +2065,7 @@
     </p:spTree>
     <p:extLst>
       <p:ext uri="{BB962C8B-B14F-4D97-AF65-F5344CB8AC3E}">
-        <p14:creationId xmlns:p14="http://schemas.microsoft.com/office/powerpoint/2010/main" val="3306114152"/>
+        <p14:creationId xmlns:p14="http://schemas.microsoft.com/office/powerpoint/2010/main" val="1948928291"/>
       </p:ext>
     </p:extLst>
   </p:cSld>
@@ -1430,7 +2119,21 @@
           <a:bodyPr/>
           <a:lstStyle/>
           <a:p>
-            <a:endParaRPr lang="en-US"/>
+            <a:r>
+              <a:rPr lang="en-GB" dirty="0" smtClean="0"/>
+              <a:t>Client</a:t>
+            </a:r>
+            <a:r>
+              <a:rPr lang="en-GB" baseline="0" dirty="0" smtClean="0"/>
+              <a:t> redundancy: the server simply sees two clients. But the clients are talking to each other.</a:t>
+            </a:r>
+          </a:p>
+          <a:p>
+            <a:r>
+              <a:rPr lang="en-GB" baseline="0" dirty="0" smtClean="0"/>
+              <a:t>Server redundancy: client sends commands to both servers, but only the active one processes it.</a:t>
+            </a:r>
+            <a:endParaRPr lang="en-US" dirty="0"/>
           </a:p>
         </p:txBody>
       </p:sp>
@@ -1469,7 +2172,7 @@
     </p:spTree>
     <p:extLst>
       <p:ext uri="{BB962C8B-B14F-4D97-AF65-F5344CB8AC3E}">
-        <p14:creationId xmlns:p14="http://schemas.microsoft.com/office/powerpoint/2010/main" val="3610149511"/>
+        <p14:creationId xmlns:p14="http://schemas.microsoft.com/office/powerpoint/2010/main" val="3306114152"/>
       </p:ext>
     </p:extLst>
   </p:cSld>
@@ -1542,18 +2245,27 @@
           <a:bodyPr/>
           <a:lstStyle/>
           <a:p>
-            <a:fld id="{5411DBE0-381C-46D4-8DEC-C543B120D642}" type="slidenum">
-              <a:rPr lang="en-US" smtClean="0"/>
-              <a:t>19</a:t>
+            <a:fld id="{D61C8689-8455-3546-ADF9-3B7273760F66}" type="slidenum">
+              <a:rPr lang="en-US" smtClean="0">
+                <a:solidFill>
+                  <a:prstClr val="black"/>
+                </a:solidFill>
+              </a:rPr>
+              <a:pPr/>
+              <a:t>18</a:t>
             </a:fld>
-            <a:endParaRPr lang="en-US"/>
+            <a:endParaRPr lang="en-US" dirty="0">
+              <a:solidFill>
+                <a:prstClr val="black"/>
+              </a:solidFill>
+            </a:endParaRPr>
           </a:p>
         </p:txBody>
       </p:sp>
     </p:spTree>
     <p:extLst>
       <p:ext uri="{BB962C8B-B14F-4D97-AF65-F5344CB8AC3E}">
-        <p14:creationId xmlns:p14="http://schemas.microsoft.com/office/powerpoint/2010/main" val="698063069"/>
+        <p14:creationId xmlns:p14="http://schemas.microsoft.com/office/powerpoint/2010/main" val="3610149511"/>
       </p:ext>
     </p:extLst>
   </p:cSld>
@@ -1637,6 +2349,90 @@
     </p:spTree>
     <p:extLst>
       <p:ext uri="{BB962C8B-B14F-4D97-AF65-F5344CB8AC3E}">
+        <p14:creationId xmlns:p14="http://schemas.microsoft.com/office/powerpoint/2010/main" val="698063069"/>
+      </p:ext>
+    </p:extLst>
+  </p:cSld>
+  <p:clrMapOvr>
+    <a:masterClrMapping/>
+  </p:clrMapOvr>
+</p:notes>
+</file>
+
+<file path=ppt/notesSlides/notesSlide18.xml><?xml version="1.0" encoding="utf-8"?>
+<p:notes xmlns:a="http://schemas.openxmlformats.org/drawingml/2006/main" xmlns:r="http://schemas.openxmlformats.org/officeDocument/2006/relationships" xmlns:p="http://schemas.openxmlformats.org/presentationml/2006/main">
+  <p:cSld>
+    <p:spTree>
+      <p:nvGrpSpPr>
+        <p:cNvPr id="1" name=""/>
+        <p:cNvGrpSpPr/>
+        <p:nvPr/>
+      </p:nvGrpSpPr>
+      <p:grpSpPr>
+        <a:xfrm>
+          <a:off x="0" y="0"/>
+          <a:ext cx="0" cy="0"/>
+          <a:chOff x="0" y="0"/>
+          <a:chExt cx="0" cy="0"/>
+        </a:xfrm>
+      </p:grpSpPr>
+      <p:sp>
+        <p:nvSpPr>
+          <p:cNvPr id="2" name="Slide Image Placeholder 1"/>
+          <p:cNvSpPr>
+            <a:spLocks noGrp="1" noRot="1" noChangeAspect="1"/>
+          </p:cNvSpPr>
+          <p:nvPr>
+            <p:ph type="sldImg"/>
+          </p:nvPr>
+        </p:nvSpPr>
+        <p:spPr/>
+      </p:sp>
+      <p:sp>
+        <p:nvSpPr>
+          <p:cNvPr id="3" name="Notes Placeholder 2"/>
+          <p:cNvSpPr>
+            <a:spLocks noGrp="1"/>
+          </p:cNvSpPr>
+          <p:nvPr>
+            <p:ph type="body" idx="1"/>
+          </p:nvPr>
+        </p:nvSpPr>
+        <p:spPr/>
+        <p:txBody>
+          <a:bodyPr/>
+          <a:lstStyle/>
+          <a:p>
+            <a:endParaRPr lang="en-US"/>
+          </a:p>
+        </p:txBody>
+      </p:sp>
+      <p:sp>
+        <p:nvSpPr>
+          <p:cNvPr id="4" name="Slide Number Placeholder 3"/>
+          <p:cNvSpPr>
+            <a:spLocks noGrp="1"/>
+          </p:cNvSpPr>
+          <p:nvPr>
+            <p:ph type="sldNum" sz="quarter" idx="10"/>
+          </p:nvPr>
+        </p:nvSpPr>
+        <p:spPr/>
+        <p:txBody>
+          <a:bodyPr/>
+          <a:lstStyle/>
+          <a:p>
+            <a:fld id="{5411DBE0-381C-46D4-8DEC-C543B120D642}" type="slidenum">
+              <a:rPr lang="en-US" smtClean="0"/>
+              <a:t>21</a:t>
+            </a:fld>
+            <a:endParaRPr lang="en-US"/>
+          </a:p>
+        </p:txBody>
+      </p:sp>
+    </p:spTree>
+    <p:extLst>
+      <p:ext uri="{BB962C8B-B14F-4D97-AF65-F5344CB8AC3E}">
         <p14:creationId xmlns:p14="http://schemas.microsoft.com/office/powerpoint/2010/main" val="3442609829"/>
       </p:ext>
     </p:extLst>
@@ -1647,7 +2443,7 @@
 </p:notes>
 </file>
 
-<file path=ppt/notesSlides/notesSlide18.xml><?xml version="1.0" encoding="utf-8"?>
+<file path=ppt/notesSlides/notesSlide19.xml><?xml version="1.0" encoding="utf-8"?>
 <p:notes xmlns:a="http://schemas.openxmlformats.org/drawingml/2006/main" xmlns:r="http://schemas.openxmlformats.org/officeDocument/2006/relationships" xmlns:p="http://schemas.openxmlformats.org/presentationml/2006/main" showMasterSp="0" showMasterPhAnim="0">
   <p:cSld>
     <p:spTree>
@@ -1813,7 +2609,7 @@
                 </a:buClr>
                 <a:buSzPct val="25000"/>
               </a:pPr>
-              <a:t>21</a:t>
+              <a:t>22</a:t>
             </a:fld>
             <a:endParaRPr lang="en-US" sz="1400">
               <a:solidFill>
@@ -1884,53 +2680,6 @@
           <a:bodyPr/>
           <a:lstStyle/>
           <a:p>
-            <a:r>
-              <a:rPr lang="en-US" b="1" dirty="0"/>
-              <a:t>IIoT Connectivity Challenge</a:t>
-            </a:r>
-          </a:p>
-          <a:p>
-            <a:endParaRPr lang="en-US" dirty="0"/>
-          </a:p>
-          <a:p>
-            <a:r>
-              <a:rPr lang="en-US" dirty="0"/>
-              <a:t>The goal of the industrial internet is to enable seamless information sharing across domains and industries. </a:t>
-            </a:r>
-          </a:p>
-          <a:p>
-            <a:r>
-              <a:rPr lang="en-US" dirty="0"/>
-              <a:t>Past capital investments in equipment have create a myriad of domain specific connectivity technologies, tightly vertically integrated and optimized to solve domain specific needs.</a:t>
-            </a:r>
-          </a:p>
-          <a:p>
-            <a:r>
-              <a:rPr lang="en-US" dirty="0"/>
-              <a:t>IIoT systems usually integrate with </a:t>
-            </a:r>
-            <a:r>
-              <a:rPr lang="en-US" b="1" dirty="0"/>
-              <a:t>brownfield</a:t>
-            </a:r>
-            <a:r>
-              <a:rPr lang="en-US" dirty="0"/>
-              <a:t> technologies to preserve the capital investments, and </a:t>
-            </a:r>
-            <a:r>
-              <a:rPr lang="en-US" b="1" dirty="0"/>
-              <a:t>greenfield</a:t>
-            </a:r>
-            <a:r>
-              <a:rPr lang="en-US" dirty="0"/>
-              <a:t> technologies to spur innovation. </a:t>
-            </a:r>
-            <a:br>
-              <a:rPr lang="en-US" dirty="0"/>
-            </a:br>
-            <a:endParaRPr lang="en-US" dirty="0"/>
-          </a:p>
-          <a:p>
             <a:endParaRPr lang="en-US" dirty="0"/>
           </a:p>
         </p:txBody>
@@ -1950,18 +2699,34 @@
           <a:bodyPr/>
           <a:lstStyle/>
           <a:p>
-            <a:fld id="{5411DBE0-381C-46D4-8DEC-C543B120D642}" type="slidenum">
-              <a:rPr lang="en-US" smtClean="0"/>
+            <a:pPr defTabSz="918515">
+              <a:defRPr/>
+            </a:pPr>
+            <a:fld id="{B1683E88-F191-4F69-A29D-62A3EA806C18}" type="slidenum">
+              <a:rPr lang="en-US" sz="900">
+                <a:solidFill>
+                  <a:prstClr val="black"/>
+                </a:solidFill>
+                <a:latin typeface="Arial"/>
+              </a:rPr>
+              <a:pPr defTabSz="918515">
+                <a:defRPr/>
+              </a:pPr>
               <a:t>2</a:t>
             </a:fld>
-            <a:endParaRPr lang="en-US"/>
+            <a:endParaRPr lang="en-US" sz="900" dirty="0">
+              <a:solidFill>
+                <a:prstClr val="black"/>
+              </a:solidFill>
+              <a:latin typeface="Arial"/>
+            </a:endParaRPr>
           </a:p>
         </p:txBody>
       </p:sp>
     </p:spTree>
     <p:extLst>
       <p:ext uri="{BB962C8B-B14F-4D97-AF65-F5344CB8AC3E}">
-        <p14:creationId xmlns:p14="http://schemas.microsoft.com/office/powerpoint/2010/main" val="2261870092"/>
+        <p14:creationId xmlns:p14="http://schemas.microsoft.com/office/powerpoint/2010/main" val="2710694180"/>
       </p:ext>
     </p:extLst>
   </p:cSld>
@@ -2016,495 +2781,50 @@
           <a:lstStyle/>
           <a:p>
             <a:r>
-              <a:rPr lang="en-US" altLang="ja-JP" sz="1200" b="0" i="0" kern="1200" dirty="0" smtClean="0">
-                <a:solidFill>
-                  <a:schemeClr val="tx1"/>
-                </a:solidFill>
-                <a:effectLst/>
-                <a:latin typeface="Intel Clear"/>
-                <a:ea typeface="+mn-ea"/>
-                <a:cs typeface="+mn-cs"/>
-              </a:rPr>
-              <a:t>INDUSTRIAL </a:t>
-            </a:r>
-            <a:r>
-              <a:rPr lang="en-US" altLang="ja-JP" sz="1200" b="0" i="0" kern="1200" dirty="0" smtClean="0">
-                <a:solidFill>
-                  <a:schemeClr val="tx1"/>
-                </a:solidFill>
-                <a:effectLst/>
-                <a:latin typeface="Intel Clear"/>
-                <a:ea typeface="+mn-ea"/>
-                <a:cs typeface="+mn-cs"/>
-              </a:rPr>
-              <a:t>according </a:t>
-            </a:r>
-            <a:r>
-              <a:rPr lang="en-US" altLang="ja-JP" sz="1200" b="0" i="0" kern="1200" dirty="0" smtClean="0">
-                <a:solidFill>
-                  <a:schemeClr val="tx1"/>
-                </a:solidFill>
-                <a:effectLst/>
-                <a:latin typeface="Intel Clear"/>
-                <a:ea typeface="+mn-ea"/>
-                <a:cs typeface="+mn-cs"/>
-              </a:rPr>
-              <a:t>to the automation pyramid (see Fig. communication today is mainly organized ac- </a:t>
-            </a:r>
-          </a:p>
-          <a:p>
-            <a:r>
-              <a:rPr lang="en-US" altLang="ja-JP" sz="1200" b="0" i="0" kern="1200" dirty="0" smtClean="0">
-                <a:solidFill>
-                  <a:schemeClr val="tx1"/>
-                </a:solidFill>
-                <a:effectLst/>
-                <a:latin typeface="Intel Clear"/>
-                <a:ea typeface="+mn-ea"/>
-                <a:cs typeface="+mn-cs"/>
-              </a:rPr>
-              <a:t>1)On top</a:t>
-            </a:r>
-            <a:r>
-              <a:rPr lang="en-US" altLang="ja-JP" sz="1200" b="0" i="0" kern="1200" baseline="0" dirty="0" smtClean="0">
-                <a:solidFill>
-                  <a:schemeClr val="tx1"/>
-                </a:solidFill>
-                <a:effectLst/>
-                <a:latin typeface="Intel Clear"/>
-                <a:ea typeface="+mn-ea"/>
-                <a:cs typeface="+mn-cs"/>
-              </a:rPr>
-              <a:t> at</a:t>
-            </a:r>
-            <a:r>
-              <a:rPr lang="en-US" altLang="ja-JP" sz="1200" b="0" i="0" kern="1200" dirty="0" smtClean="0">
-                <a:solidFill>
-                  <a:schemeClr val="tx1"/>
-                </a:solidFill>
-                <a:effectLst/>
-                <a:latin typeface="Intel Clear"/>
-                <a:ea typeface="+mn-ea"/>
-                <a:cs typeface="+mn-cs"/>
-              </a:rPr>
-              <a:t> the computer level, standard IT protocols (Internet Protocol Suite) are used. </a:t>
-            </a:r>
-          </a:p>
-          <a:p>
-            <a:endParaRPr lang="en-US" altLang="ja-JP" sz="1200" b="0" i="0" kern="1200" dirty="0" smtClean="0">
-              <a:solidFill>
-                <a:schemeClr val="tx1"/>
-              </a:solidFill>
-              <a:effectLst/>
-              <a:latin typeface="Intel Clear"/>
-              <a:ea typeface="+mn-ea"/>
-              <a:cs typeface="+mn-cs"/>
-            </a:endParaRPr>
-          </a:p>
-          <a:p>
-            <a:r>
-              <a:rPr lang="en-US" altLang="ja-JP" sz="1200" b="0" i="0" kern="1200" dirty="0" smtClean="0">
-                <a:solidFill>
-                  <a:schemeClr val="tx1"/>
-                </a:solidFill>
-                <a:effectLst/>
-                <a:latin typeface="Intel Clear"/>
-                <a:ea typeface="+mn-ea"/>
-                <a:cs typeface="+mn-cs"/>
-              </a:rPr>
-              <a:t>2)For machine-to-machine and process</a:t>
-            </a:r>
-            <a:r>
-              <a:rPr lang="en-US" altLang="ja-JP" sz="1200" b="0" i="0" kern="1200" baseline="0" dirty="0" smtClean="0">
-                <a:solidFill>
-                  <a:schemeClr val="tx1"/>
-                </a:solidFill>
-                <a:effectLst/>
-                <a:latin typeface="Intel Clear"/>
-                <a:ea typeface="+mn-ea"/>
-                <a:cs typeface="+mn-cs"/>
-              </a:rPr>
-              <a:t> </a:t>
-            </a:r>
-            <a:r>
-              <a:rPr lang="en-US" altLang="ja-JP" sz="1200" b="0" i="0" kern="1200" dirty="0" smtClean="0">
-                <a:solidFill>
-                  <a:schemeClr val="tx1"/>
-                </a:solidFill>
-                <a:effectLst/>
-                <a:latin typeface="Intel Clear"/>
-                <a:ea typeface="+mn-ea"/>
-                <a:cs typeface="+mn-cs"/>
-              </a:rPr>
-              <a:t>communication (the distributed controller level), the role of</a:t>
+              <a:rPr lang="en-US" b="1" dirty="0"/>
+              <a:t>IIoT Connectivity Challenge</a:t>
+            </a:r>
+          </a:p>
+          <a:p>
+            <a:endParaRPr lang="en-US" dirty="0"/>
+          </a:p>
+          <a:p>
+            <a:r>
+              <a:rPr lang="en-US" dirty="0"/>
+              <a:t>The goal of the industrial internet is to enable seamless information sharing across domains and industries. </a:t>
+            </a:r>
+          </a:p>
+          <a:p>
+            <a:r>
+              <a:rPr lang="en-US" dirty="0"/>
+              <a:t>Past capital investments in equipment have create a myriad of domain specific connectivity technologies, tightly vertically integrated and optimized to solve domain specific needs.</a:t>
+            </a:r>
+          </a:p>
+          <a:p>
+            <a:r>
+              <a:rPr lang="en-US" dirty="0"/>
+              <a:t>IIoT systems usually integrate with </a:t>
+            </a:r>
+            <a:r>
+              <a:rPr lang="en-US" b="1" dirty="0"/>
+              <a:t>brownfield</a:t>
+            </a:r>
+            <a:r>
+              <a:rPr lang="en-US" dirty="0"/>
+              <a:t> technologies to preserve the capital investments, and </a:t>
+            </a:r>
+            <a:r>
+              <a:rPr lang="en-US" b="1" dirty="0"/>
+              <a:t>greenfield</a:t>
+            </a:r>
+            <a:r>
+              <a:rPr lang="en-US" dirty="0"/>
+              <a:t> technologies to spur innovation. </a:t>
             </a:r>
             <a:br>
-              <a:rPr lang="en-US" altLang="ja-JP" sz="1200" b="0" i="0" kern="1200" dirty="0" smtClean="0">
-                <a:solidFill>
-                  <a:schemeClr val="tx1"/>
-                </a:solidFill>
-                <a:effectLst/>
-                <a:latin typeface="Intel Clear"/>
-                <a:ea typeface="+mn-ea"/>
-                <a:cs typeface="+mn-cs"/>
-              </a:rPr>
+              <a:rPr lang="en-US" dirty="0"/>
             </a:br>
-            <a:r>
-              <a:rPr lang="en-US" altLang="ja-JP" sz="1200" b="0" i="0" kern="1200" dirty="0" smtClean="0">
-                <a:solidFill>
-                  <a:schemeClr val="tx1"/>
-                </a:solidFill>
-                <a:effectLst/>
-                <a:latin typeface="Intel Clear"/>
-                <a:ea typeface="+mn-ea"/>
-                <a:cs typeface="+mn-cs"/>
-              </a:rPr>
-              <a:t>OPC UA (IEC 62541) is rapidly increasing in significance</a:t>
-            </a:r>
-            <a:r>
-              <a:rPr lang="en-US" altLang="ja-JP" sz="1200" b="0" i="0" kern="1200" baseline="0" dirty="0" smtClean="0">
-                <a:solidFill>
-                  <a:schemeClr val="tx1"/>
-                </a:solidFill>
-                <a:effectLst/>
-                <a:latin typeface="Intel Clear"/>
-                <a:ea typeface="+mn-ea"/>
-                <a:cs typeface="+mn-cs"/>
-              </a:rPr>
-              <a:t> </a:t>
-            </a:r>
-            <a:r>
-              <a:rPr lang="en-US" altLang="ja-JP" sz="1200" b="0" i="0" kern="1200" dirty="0" smtClean="0">
-                <a:solidFill>
-                  <a:schemeClr val="tx1"/>
-                </a:solidFill>
-                <a:effectLst/>
-                <a:latin typeface="Intel Clear"/>
-                <a:ea typeface="+mn-ea"/>
-                <a:cs typeface="+mn-cs"/>
-              </a:rPr>
-              <a:t>alongside the traditional Ethernet-based M2M fieldbus systems (PROFINET, </a:t>
-            </a:r>
-            <a:r>
-              <a:rPr lang="en-US" altLang="ja-JP" sz="1200" b="0" i="0" kern="1200" dirty="0" err="1" smtClean="0">
-                <a:solidFill>
-                  <a:schemeClr val="tx1"/>
-                </a:solidFill>
-                <a:effectLst/>
-                <a:latin typeface="Intel Clear"/>
-                <a:ea typeface="+mn-ea"/>
-                <a:cs typeface="+mn-cs"/>
-              </a:rPr>
-              <a:t>EtherNet</a:t>
-            </a:r>
-            <a:r>
-              <a:rPr lang="en-US" altLang="ja-JP" sz="1200" b="0" i="0" kern="1200" dirty="0" smtClean="0">
-                <a:solidFill>
-                  <a:schemeClr val="tx1"/>
-                </a:solidFill>
-                <a:effectLst/>
-                <a:latin typeface="Intel Clear"/>
-                <a:ea typeface="+mn-ea"/>
-                <a:cs typeface="+mn-cs"/>
-              </a:rPr>
-              <a:t>/IP, CC-Link IE). </a:t>
-            </a:r>
-          </a:p>
-          <a:p>
-            <a:endParaRPr lang="en-US" altLang="ja-JP" sz="1200" b="0" i="0" kern="1200" dirty="0" smtClean="0">
-              <a:solidFill>
-                <a:schemeClr val="tx1"/>
-              </a:solidFill>
-              <a:effectLst/>
-              <a:latin typeface="Intel Clear"/>
-              <a:ea typeface="+mn-ea"/>
-              <a:cs typeface="+mn-cs"/>
-            </a:endParaRPr>
-          </a:p>
-          <a:p>
-            <a:r>
-              <a:rPr lang="en-US" altLang="ja-JP" sz="1200" b="0" i="0" kern="1200" dirty="0" smtClean="0">
-                <a:solidFill>
-                  <a:schemeClr val="tx1"/>
-                </a:solidFill>
-                <a:effectLst/>
-                <a:latin typeface="Intel Clear"/>
-                <a:ea typeface="+mn-ea"/>
-                <a:cs typeface="+mn-cs"/>
-              </a:rPr>
-              <a:t>3)Inside the</a:t>
-            </a:r>
-            <a:r>
-              <a:rPr lang="en-US" altLang="ja-JP" sz="1200" b="0" i="0" kern="1200" baseline="0" dirty="0" smtClean="0">
-                <a:solidFill>
-                  <a:schemeClr val="tx1"/>
-                </a:solidFill>
-                <a:effectLst/>
-                <a:latin typeface="Intel Clear"/>
-                <a:ea typeface="+mn-ea"/>
-                <a:cs typeface="+mn-cs"/>
-              </a:rPr>
-              <a:t> </a:t>
-            </a:r>
-            <a:r>
-              <a:rPr lang="en-US" altLang="ja-JP" sz="1200" b="0" i="0" kern="1200" dirty="0" smtClean="0">
-                <a:solidFill>
-                  <a:schemeClr val="tx1"/>
-                </a:solidFill>
-                <a:effectLst/>
-                <a:latin typeface="Intel Clear"/>
-                <a:ea typeface="+mn-ea"/>
-                <a:cs typeface="+mn-cs"/>
-              </a:rPr>
-              <a:t>machine (device and sensor levels), protocols with hard real-time capabilities (also known as real-time Ethernet) dominate</a:t>
-            </a:r>
-            <a:br>
-              <a:rPr lang="en-US" altLang="ja-JP" sz="1200" b="0" i="0" kern="1200" dirty="0" smtClean="0">
-                <a:solidFill>
-                  <a:schemeClr val="tx1"/>
-                </a:solidFill>
-                <a:effectLst/>
-                <a:latin typeface="Intel Clear"/>
-                <a:ea typeface="+mn-ea"/>
-                <a:cs typeface="+mn-cs"/>
-              </a:rPr>
-            </a:br>
-            <a:r>
-              <a:rPr lang="en-US" altLang="ja-JP" sz="1200" b="0" i="0" kern="1200" dirty="0" smtClean="0">
-                <a:solidFill>
-                  <a:schemeClr val="tx1"/>
-                </a:solidFill>
-                <a:effectLst/>
-                <a:latin typeface="Intel Clear"/>
-                <a:ea typeface="+mn-ea"/>
-                <a:cs typeface="+mn-cs"/>
-              </a:rPr>
-              <a:t>the field. According to market share, the most significant</a:t>
-            </a:r>
-            <a:r>
-              <a:rPr lang="en-US" altLang="ja-JP" sz="1200" b="0" i="0" kern="1200" baseline="0" dirty="0" smtClean="0">
-                <a:solidFill>
-                  <a:schemeClr val="tx1"/>
-                </a:solidFill>
-                <a:effectLst/>
-                <a:latin typeface="Intel Clear"/>
-                <a:ea typeface="+mn-ea"/>
-                <a:cs typeface="+mn-cs"/>
-              </a:rPr>
-              <a:t> </a:t>
-            </a:r>
-            <a:r>
-              <a:rPr lang="en-US" altLang="ja-JP" sz="1200" b="0" i="0" kern="1200" dirty="0" smtClean="0">
-                <a:solidFill>
-                  <a:schemeClr val="tx1"/>
-                </a:solidFill>
-                <a:effectLst/>
-                <a:latin typeface="Intel Clear"/>
-                <a:ea typeface="+mn-ea"/>
-                <a:cs typeface="+mn-cs"/>
-              </a:rPr>
-              <a:t>ones are </a:t>
-            </a:r>
-            <a:r>
-              <a:rPr lang="en-US" altLang="ja-JP" sz="1200" b="0" i="0" kern="1200" dirty="0" err="1" smtClean="0">
-                <a:solidFill>
-                  <a:schemeClr val="tx1"/>
-                </a:solidFill>
-                <a:effectLst/>
-                <a:latin typeface="Intel Clear"/>
-                <a:ea typeface="+mn-ea"/>
-                <a:cs typeface="+mn-cs"/>
-              </a:rPr>
-              <a:t>EtherCAT</a:t>
-            </a:r>
-            <a:r>
-              <a:rPr lang="en-US" altLang="ja-JP" sz="1200" b="0" i="0" kern="1200" dirty="0" smtClean="0">
-                <a:solidFill>
-                  <a:schemeClr val="tx1"/>
-                </a:solidFill>
-                <a:effectLst/>
-                <a:latin typeface="Intel Clear"/>
-                <a:ea typeface="+mn-ea"/>
-                <a:cs typeface="+mn-cs"/>
-              </a:rPr>
-              <a:t>, PROFINET IRT, POWERLINK and</a:t>
-            </a:r>
-            <a:r>
-              <a:rPr lang="en-US" altLang="ja-JP" sz="1200" b="0" i="0" kern="1200" baseline="0" dirty="0" smtClean="0">
-                <a:solidFill>
-                  <a:schemeClr val="tx1"/>
-                </a:solidFill>
-                <a:effectLst/>
-                <a:latin typeface="Intel Clear"/>
-                <a:ea typeface="+mn-ea"/>
-                <a:cs typeface="+mn-cs"/>
-              </a:rPr>
-              <a:t> </a:t>
-            </a:r>
-            <a:r>
-              <a:rPr lang="en-US" altLang="ja-JP" sz="1200" b="0" i="0" kern="1200" dirty="0" err="1" smtClean="0">
-                <a:solidFill>
-                  <a:schemeClr val="tx1"/>
-                </a:solidFill>
-                <a:effectLst/>
-                <a:latin typeface="Intel Clear"/>
-                <a:ea typeface="+mn-ea"/>
-                <a:cs typeface="+mn-cs"/>
-              </a:rPr>
-              <a:t>Sercos</a:t>
-            </a:r>
-            <a:r>
-              <a:rPr lang="en-US" altLang="ja-JP" sz="1200" b="0" i="0" kern="1200" dirty="0" smtClean="0">
-                <a:solidFill>
-                  <a:schemeClr val="tx1"/>
-                </a:solidFill>
-                <a:effectLst/>
-                <a:latin typeface="Intel Clear"/>
-                <a:ea typeface="+mn-ea"/>
-                <a:cs typeface="+mn-cs"/>
-              </a:rPr>
-              <a:t> III. </a:t>
-            </a:r>
-          </a:p>
-          <a:p>
-            <a:endParaRPr lang="en-US" altLang="ja-JP" sz="1200" b="0" i="0" kern="1200" dirty="0" smtClean="0">
-              <a:solidFill>
-                <a:schemeClr val="tx1"/>
-              </a:solidFill>
-              <a:effectLst/>
-              <a:latin typeface="Intel Clear"/>
-              <a:ea typeface="+mn-ea"/>
-              <a:cs typeface="+mn-cs"/>
-            </a:endParaRPr>
-          </a:p>
-          <a:p>
-            <a:r>
-              <a:rPr lang="en-US" altLang="ja-JP" sz="1200" b="0" i="0" kern="1200" dirty="0" smtClean="0">
-                <a:solidFill>
-                  <a:schemeClr val="tx1"/>
-                </a:solidFill>
-                <a:effectLst/>
-                <a:latin typeface="Intel Clear"/>
-                <a:ea typeface="+mn-ea"/>
-                <a:cs typeface="+mn-cs"/>
-              </a:rPr>
-              <a:t>Although these technologies share common requirements, their implementations differ substantially. Hence,</a:t>
-            </a:r>
-            <a:br>
-              <a:rPr lang="en-US" altLang="ja-JP" sz="1200" b="0" i="0" kern="1200" dirty="0" smtClean="0">
-                <a:solidFill>
-                  <a:schemeClr val="tx1"/>
-                </a:solidFill>
-                <a:effectLst/>
-                <a:latin typeface="Intel Clear"/>
-                <a:ea typeface="+mn-ea"/>
-                <a:cs typeface="+mn-cs"/>
-              </a:rPr>
-            </a:br>
-            <a:r>
-              <a:rPr lang="en-US" altLang="ja-JP" sz="1200" b="0" i="0" kern="1200" dirty="0" smtClean="0">
-                <a:solidFill>
-                  <a:schemeClr val="tx1"/>
-                </a:solidFill>
-                <a:effectLst/>
-                <a:latin typeface="Intel Clear"/>
-                <a:ea typeface="+mn-ea"/>
-                <a:cs typeface="+mn-cs"/>
-              </a:rPr>
-              <a:t>comparing them is a complicated matter and depends heavily</a:t>
-            </a:r>
-            <a:br>
-              <a:rPr lang="en-US" altLang="ja-JP" sz="1200" b="0" i="0" kern="1200" dirty="0" smtClean="0">
-                <a:solidFill>
-                  <a:schemeClr val="tx1"/>
-                </a:solidFill>
-                <a:effectLst/>
-                <a:latin typeface="Intel Clear"/>
-                <a:ea typeface="+mn-ea"/>
-                <a:cs typeface="+mn-cs"/>
-              </a:rPr>
-            </a:br>
-            <a:r>
-              <a:rPr lang="en-US" altLang="ja-JP" sz="1200" b="0" i="0" kern="1200" dirty="0" smtClean="0">
-                <a:solidFill>
-                  <a:schemeClr val="tx1"/>
-                </a:solidFill>
-                <a:effectLst/>
-                <a:latin typeface="Intel Clear"/>
-                <a:ea typeface="+mn-ea"/>
-                <a:cs typeface="+mn-cs"/>
-              </a:rPr>
-              <a:t>on the intended application (process control, motion, I/O,</a:t>
-            </a:r>
-            <a:br>
-              <a:rPr lang="en-US" altLang="ja-JP" sz="1200" b="0" i="0" kern="1200" dirty="0" smtClean="0">
-                <a:solidFill>
-                  <a:schemeClr val="tx1"/>
-                </a:solidFill>
-                <a:effectLst/>
-                <a:latin typeface="Intel Clear"/>
-                <a:ea typeface="+mn-ea"/>
-                <a:cs typeface="+mn-cs"/>
-              </a:rPr>
-            </a:br>
-            <a:r>
-              <a:rPr lang="en-US" altLang="ja-JP" sz="1200" b="0" i="0" kern="1200" dirty="0" smtClean="0">
-                <a:solidFill>
-                  <a:schemeClr val="tx1"/>
-                </a:solidFill>
-                <a:effectLst/>
-                <a:latin typeface="Intel Clear"/>
-                <a:ea typeface="+mn-ea"/>
-                <a:cs typeface="+mn-cs"/>
-              </a:rPr>
-              <a:t>centralized vs. decentralized control, etc.). An endeavor to</a:t>
-            </a:r>
-            <a:br>
-              <a:rPr lang="en-US" altLang="ja-JP" sz="1200" b="0" i="0" kern="1200" dirty="0" smtClean="0">
-                <a:solidFill>
-                  <a:schemeClr val="tx1"/>
-                </a:solidFill>
-                <a:effectLst/>
-                <a:latin typeface="Intel Clear"/>
-                <a:ea typeface="+mn-ea"/>
-                <a:cs typeface="+mn-cs"/>
-              </a:rPr>
-            </a:br>
-            <a:r>
-              <a:rPr lang="en-US" altLang="ja-JP" sz="1200" b="0" i="0" kern="1200" dirty="0" smtClean="0">
-                <a:solidFill>
-                  <a:schemeClr val="tx1"/>
-                </a:solidFill>
-                <a:effectLst/>
-                <a:latin typeface="Intel Clear"/>
-                <a:ea typeface="+mn-ea"/>
-                <a:cs typeface="+mn-cs"/>
-              </a:rPr>
-              <a:t>compare the performance of various real-time Ethernet protocols in a number of categories has been undertaken by the</a:t>
-            </a:r>
-            <a:br>
-              <a:rPr lang="en-US" altLang="ja-JP" sz="1200" b="0" i="0" kern="1200" dirty="0" smtClean="0">
-                <a:solidFill>
-                  <a:schemeClr val="tx1"/>
-                </a:solidFill>
-                <a:effectLst/>
-                <a:latin typeface="Intel Clear"/>
-                <a:ea typeface="+mn-ea"/>
-                <a:cs typeface="+mn-cs"/>
-              </a:rPr>
-            </a:br>
-            <a:r>
-              <a:rPr lang="en-US" altLang="ja-JP" sz="1200" b="0" i="0" kern="1200" dirty="0" smtClean="0">
-                <a:solidFill>
-                  <a:schemeClr val="tx1"/>
-                </a:solidFill>
-                <a:effectLst/>
-                <a:latin typeface="Intel Clear"/>
-                <a:ea typeface="+mn-ea"/>
-                <a:cs typeface="+mn-cs"/>
-              </a:rPr>
-              <a:t>Ethernet POWERLINK Standardization Group (EPSG)</a:t>
-            </a:r>
+            <a:endParaRPr lang="en-US" dirty="0"/>
           </a:p>
           <a:p>
             <a:endParaRPr lang="en-US" dirty="0"/>
@@ -2526,7 +2846,7 @@
           <a:bodyPr/>
           <a:lstStyle/>
           <a:p>
-            <a:fld id="{0331ECBF-CC2B-47B0-A627-BCA69053E9B5}" type="slidenum">
+            <a:fld id="{5411DBE0-381C-46D4-8DEC-C543B120D642}" type="slidenum">
               <a:rPr lang="en-US" smtClean="0"/>
               <a:t>3</a:t>
             </a:fld>
@@ -2537,7 +2857,7 @@
     </p:spTree>
     <p:extLst>
       <p:ext uri="{BB962C8B-B14F-4D97-AF65-F5344CB8AC3E}">
-        <p14:creationId xmlns:p14="http://schemas.microsoft.com/office/powerpoint/2010/main" val="1336022660"/>
+        <p14:creationId xmlns:p14="http://schemas.microsoft.com/office/powerpoint/2010/main" val="2261870092"/>
       </p:ext>
     </p:extLst>
   </p:cSld>
@@ -2592,16 +2912,7 @@
           <a:lstStyle/>
           <a:p>
             <a:r>
-              <a:rPr kumimoji="1" lang="en-US" altLang="ja-JP" dirty="0" smtClean="0"/>
-              <a:t>Source http://www.iebmedia.com/index.php?id=12993&amp;parentid=74&amp;themeid=255&amp;hpid=2&amp;showdetail=true&amp;bb=1&amp;appsw=1 </a:t>
-            </a:r>
-          </a:p>
-          <a:p>
-            <a:endParaRPr kumimoji="1" lang="en-US" altLang="ja-JP" dirty="0" smtClean="0"/>
-          </a:p>
-          <a:p>
-            <a:r>
-              <a:rPr lang="en-US" altLang="ja-JP" sz="1200" b="1" i="0" kern="1200" dirty="0" smtClean="0">
+              <a:rPr lang="en-US" altLang="ja-JP" sz="1200" b="0" i="0" kern="1200" dirty="0" smtClean="0">
                 <a:solidFill>
                   <a:schemeClr val="tx1"/>
                 </a:solidFill>
@@ -2610,7 +2921,7 @@
                 <a:ea typeface="+mn-ea"/>
                 <a:cs typeface="+mn-cs"/>
               </a:rPr>
-              <a:t>Annual market analysis</a:t>
+              <a:t>INDUSTRIAL according to the automation pyramid (see Fig. communication today is mainly organized ac- </a:t>
             </a:r>
           </a:p>
           <a:p>
@@ -2624,12 +2935,10 @@
                 <a:ea typeface="+mn-ea"/>
                 <a:cs typeface="+mn-cs"/>
               </a:rPr>
-              <a:t>HMS Industrial Networks, again this year, has presented their annual analysis of the industrial network market which focuses on new installed nodes within factory automation globally.</a:t>
-            </a:r>
-          </a:p>
-          <a:p>
-            <a:r>
-              <a:rPr lang="en-US" altLang="ja-JP" sz="1200" b="0" i="0" kern="1200" dirty="0" smtClean="0">
+              <a:t>1)On top</a:t>
+            </a:r>
+            <a:r>
+              <a:rPr lang="en-US" altLang="ja-JP" sz="1200" b="0" i="0" kern="1200" baseline="0" dirty="0" smtClean="0">
                 <a:solidFill>
                   <a:schemeClr val="tx1"/>
                 </a:solidFill>
@@ -2638,12 +2947,10 @@
                 <a:ea typeface="+mn-ea"/>
                 <a:cs typeface="+mn-cs"/>
               </a:rPr>
-              <a:t>As an independent supplier of products and services for industrial communication and the Internet of Things, HMS has insight into the industrial network market. Here are some of the trends they see within industrial communication in 2018, also looking back on the network market share evolution during the last 5 years.</a:t>
-            </a:r>
-          </a:p>
-          <a:p>
-            <a:r>
-              <a:rPr lang="en-US" altLang="ja-JP" sz="1200" b="1" i="0" kern="1200" dirty="0" smtClean="0">
+              <a:t> at</a:t>
+            </a:r>
+            <a:r>
+              <a:rPr lang="en-US" altLang="ja-JP" sz="1200" b="0" i="0" kern="1200" dirty="0" smtClean="0">
                 <a:solidFill>
                   <a:schemeClr val="tx1"/>
                 </a:solidFill>
@@ -2652,455 +2959,10 @@
                 <a:ea typeface="+mn-ea"/>
                 <a:cs typeface="+mn-cs"/>
               </a:rPr>
-              <a:t>Growth powered by </a:t>
-            </a:r>
-            <a:r>
-              <a:rPr lang="en-US" altLang="ja-JP" sz="1200" b="1" i="0" kern="1200" dirty="0" err="1" smtClean="0">
-                <a:solidFill>
-                  <a:schemeClr val="tx1"/>
-                </a:solidFill>
-                <a:effectLst/>
-                <a:latin typeface="Intel Clear"/>
-                <a:ea typeface="+mn-ea"/>
-                <a:cs typeface="+mn-cs"/>
-              </a:rPr>
-              <a:t>IIoT</a:t>
-            </a:r>
-            <a:endParaRPr lang="en-US" altLang="ja-JP" sz="1200" b="1" i="0" kern="1200" dirty="0" smtClean="0">
-              <a:solidFill>
-                <a:schemeClr val="tx1"/>
-              </a:solidFill>
-              <a:effectLst/>
-              <a:latin typeface="Intel Clear"/>
-              <a:ea typeface="+mn-ea"/>
-              <a:cs typeface="+mn-cs"/>
-            </a:endParaRPr>
-          </a:p>
-          <a:p>
-            <a:r>
-              <a:rPr lang="en-US" altLang="ja-JP" sz="1200" b="0" i="0" kern="1200" dirty="0" smtClean="0">
-                <a:solidFill>
-                  <a:schemeClr val="tx1"/>
-                </a:solidFill>
-                <a:effectLst/>
-                <a:latin typeface="Intel Clear"/>
-                <a:ea typeface="+mn-ea"/>
-                <a:cs typeface="+mn-cs"/>
-              </a:rPr>
-              <a:t>Industrial Ethernet has been growing faster than traditional fieldbuses for a number of years, and has now overtaken fieldbuses. With a growth rate of 22%, Industrial Ethernet now makes up for 52% of the global market compared to 46% last year. </a:t>
-            </a:r>
-            <a:r>
-              <a:rPr lang="en-US" altLang="ja-JP" sz="1200" b="0" i="0" kern="1200" dirty="0" err="1" smtClean="0">
-                <a:solidFill>
-                  <a:schemeClr val="tx1"/>
-                </a:solidFill>
-                <a:effectLst/>
-                <a:latin typeface="Intel Clear"/>
-                <a:ea typeface="+mn-ea"/>
-                <a:cs typeface="+mn-cs"/>
-              </a:rPr>
-              <a:t>EtherNet</a:t>
-            </a:r>
-            <a:r>
-              <a:rPr lang="en-US" altLang="ja-JP" sz="1200" b="0" i="0" kern="1200" dirty="0" smtClean="0">
-                <a:solidFill>
-                  <a:schemeClr val="tx1"/>
-                </a:solidFill>
-                <a:effectLst/>
-                <a:latin typeface="Intel Clear"/>
-                <a:ea typeface="+mn-ea"/>
-                <a:cs typeface="+mn-cs"/>
-              </a:rPr>
-              <a:t>/IP has emerged as the largest network with 15% of the market. Ethernet runners-up globally are PROFINET, </a:t>
-            </a:r>
-            <a:r>
-              <a:rPr lang="en-US" altLang="ja-JP" sz="1200" b="0" i="0" kern="1200" dirty="0" err="1" smtClean="0">
-                <a:solidFill>
-                  <a:schemeClr val="tx1"/>
-                </a:solidFill>
-                <a:effectLst/>
-                <a:latin typeface="Intel Clear"/>
-                <a:ea typeface="+mn-ea"/>
-                <a:cs typeface="+mn-cs"/>
-              </a:rPr>
-              <a:t>EtherCAT</a:t>
-            </a:r>
-            <a:r>
-              <a:rPr lang="en-US" altLang="ja-JP" sz="1200" b="0" i="0" kern="1200" dirty="0" smtClean="0">
-                <a:solidFill>
-                  <a:schemeClr val="tx1"/>
-                </a:solidFill>
-                <a:effectLst/>
-                <a:latin typeface="Intel Clear"/>
-                <a:ea typeface="+mn-ea"/>
-                <a:cs typeface="+mn-cs"/>
-              </a:rPr>
-              <a:t>, Modbus-TCP and Ethernet POWERLINK.</a:t>
-            </a:r>
-          </a:p>
-          <a:p>
-            <a:r>
-              <a:rPr lang="en-US" altLang="ja-JP" sz="1200" b="0" i="0" kern="1200" dirty="0" smtClean="0">
-                <a:solidFill>
-                  <a:schemeClr val="tx1"/>
-                </a:solidFill>
-                <a:effectLst/>
-                <a:latin typeface="Intel Clear"/>
-                <a:ea typeface="+mn-ea"/>
-                <a:cs typeface="+mn-cs"/>
-              </a:rPr>
-              <a:t>"We have seen the transition to industrial Ethernet for a long time, but it isn′t until now that it has actually overtaken fieldbuses when it comes to number of new installed nodes," said Anders Hansson, Chief Marketing Officer at HMS. "The transition to industrial Ethernet is driven by the need for high performance, integration between factory installations and IT/</a:t>
-            </a:r>
-            <a:r>
-              <a:rPr lang="en-US" altLang="ja-JP" sz="1200" b="0" i="0" kern="1200" dirty="0" err="1" smtClean="0">
-                <a:solidFill>
-                  <a:schemeClr val="tx1"/>
-                </a:solidFill>
-                <a:effectLst/>
-                <a:latin typeface="Intel Clear"/>
-                <a:ea typeface="+mn-ea"/>
-                <a:cs typeface="+mn-cs"/>
-              </a:rPr>
-              <a:t>IoT</a:t>
-            </a:r>
-            <a:r>
-              <a:rPr lang="en-US" altLang="ja-JP" sz="1200" b="0" i="0" kern="1200" dirty="0" smtClean="0">
-                <a:solidFill>
-                  <a:schemeClr val="tx1"/>
-                </a:solidFill>
-                <a:effectLst/>
-                <a:latin typeface="Intel Clear"/>
-                <a:ea typeface="+mn-ea"/>
-                <a:cs typeface="+mn-cs"/>
-              </a:rPr>
-              <a:t>-systems, as well as the Industrial Internet of Things in general."</a:t>
-            </a:r>
-          </a:p>
-          <a:p>
-            <a:r>
-              <a:rPr lang="en-US" altLang="ja-JP" sz="1200" b="1" i="0" kern="1200" dirty="0" smtClean="0">
-                <a:solidFill>
-                  <a:schemeClr val="tx1"/>
-                </a:solidFill>
-                <a:effectLst/>
-                <a:latin typeface="Intel Clear"/>
-                <a:ea typeface="+mn-ea"/>
-                <a:cs typeface="+mn-cs"/>
-              </a:rPr>
-              <a:t>Fieldbuses expected to decline</a:t>
-            </a:r>
-          </a:p>
-          <a:p>
-            <a:r>
-              <a:rPr lang="en-US" altLang="ja-JP" sz="1200" b="0" i="0" kern="1200" dirty="0" smtClean="0">
-                <a:solidFill>
-                  <a:schemeClr val="tx1"/>
-                </a:solidFill>
-                <a:effectLst/>
-                <a:latin typeface="Intel Clear"/>
-                <a:ea typeface="+mn-ea"/>
-                <a:cs typeface="+mn-cs"/>
-              </a:rPr>
-              <a:t>Boosted by a strong industry and cyber-security concerns in the industry, fieldbuses are still growing slightly. However, despite an increased growth rate at 6% (4% last year), the number of fieldbus installations are expected to decline steadily over the next few years. The dominant fieldbus is still PROFIBUS with 12% of the total world market, followed by Modbus-RTU and CC-Link, both at 6%.</a:t>
-            </a:r>
-          </a:p>
-          <a:p>
-            <a:r>
-              <a:rPr lang="en-US" altLang="ja-JP" sz="1200" b="1" i="0" kern="1200" dirty="0" smtClean="0">
-                <a:solidFill>
-                  <a:schemeClr val="tx1"/>
-                </a:solidFill>
-                <a:effectLst/>
-                <a:latin typeface="Intel Clear"/>
-                <a:ea typeface="+mn-ea"/>
-                <a:cs typeface="+mn-cs"/>
-              </a:rPr>
-              <a:t>Wireless redefining network picture</a:t>
-            </a:r>
-          </a:p>
-          <a:p>
-            <a:r>
-              <a:rPr lang="en-US" altLang="ja-JP" sz="1200" b="0" i="0" kern="1200" dirty="0" smtClean="0">
-                <a:solidFill>
-                  <a:schemeClr val="tx1"/>
-                </a:solidFill>
-                <a:effectLst/>
-                <a:latin typeface="Intel Clear"/>
-                <a:ea typeface="+mn-ea"/>
-                <a:cs typeface="+mn-cs"/>
-              </a:rPr>
-              <a:t>Wireless technologies are also growing by 32% and accounts for 6% of the total market. Within Wireless, WLAN is the most popular technology, followed by Bluetooth.</a:t>
-            </a:r>
-          </a:p>
-          <a:p>
-            <a:r>
-              <a:rPr lang="en-US" altLang="ja-JP" sz="1200" b="0" i="0" kern="1200" dirty="0" smtClean="0">
-                <a:solidFill>
-                  <a:schemeClr val="tx1"/>
-                </a:solidFill>
-                <a:effectLst/>
-                <a:latin typeface="Intel Clear"/>
-                <a:ea typeface="+mn-ea"/>
-                <a:cs typeface="+mn-cs"/>
-              </a:rPr>
-              <a:t>"Wireless is increasingly being used by machine builders and system integrators to realize innovative automation architectures. Users can reduce cabling and create new solutions for connectivity and control, including Bring Your Own Device solutions via tablets or smartphones," said Hansson.</a:t>
-            </a:r>
-          </a:p>
-          <a:p>
-            <a:r>
-              <a:rPr lang="en-US" altLang="ja-JP" sz="1200" b="1" i="0" kern="1200" dirty="0" smtClean="0">
-                <a:solidFill>
-                  <a:schemeClr val="tx1"/>
-                </a:solidFill>
-                <a:effectLst/>
-                <a:latin typeface="Intel Clear"/>
-                <a:ea typeface="+mn-ea"/>
-                <a:cs typeface="+mn-cs"/>
-              </a:rPr>
-              <a:t>Regional network variations</a:t>
-            </a:r>
-          </a:p>
-          <a:p>
-            <a:r>
-              <a:rPr lang="en-US" altLang="ja-JP" sz="1200" b="0" i="0" kern="1200" dirty="0" smtClean="0">
-                <a:solidFill>
-                  <a:schemeClr val="tx1"/>
-                </a:solidFill>
-                <a:effectLst/>
-                <a:latin typeface="Intel Clear"/>
-                <a:ea typeface="+mn-ea"/>
-                <a:cs typeface="+mn-cs"/>
-              </a:rPr>
-              <a:t>In Europe and the Middle East, PROFINET and </a:t>
-            </a:r>
-            <a:r>
-              <a:rPr lang="en-US" altLang="ja-JP" sz="1200" b="0" i="0" kern="1200" dirty="0" err="1" smtClean="0">
-                <a:solidFill>
-                  <a:schemeClr val="tx1"/>
-                </a:solidFill>
-                <a:effectLst/>
-                <a:latin typeface="Intel Clear"/>
-                <a:ea typeface="+mn-ea"/>
-                <a:cs typeface="+mn-cs"/>
-              </a:rPr>
-              <a:t>EtherNet</a:t>
-            </a:r>
-            <a:r>
-              <a:rPr lang="en-US" altLang="ja-JP" sz="1200" b="0" i="0" kern="1200" dirty="0" smtClean="0">
-                <a:solidFill>
-                  <a:schemeClr val="tx1"/>
-                </a:solidFill>
-                <a:effectLst/>
-                <a:latin typeface="Intel Clear"/>
-                <a:ea typeface="+mn-ea"/>
-                <a:cs typeface="+mn-cs"/>
-              </a:rPr>
-              <a:t>/IP are leading and PROFIBUS is still widely used. Other popular networks are </a:t>
-            </a:r>
-            <a:r>
-              <a:rPr lang="en-US" altLang="ja-JP" sz="1200" b="0" i="0" kern="1200" dirty="0" err="1" smtClean="0">
-                <a:solidFill>
-                  <a:schemeClr val="tx1"/>
-                </a:solidFill>
-                <a:effectLst/>
-                <a:latin typeface="Intel Clear"/>
-                <a:ea typeface="+mn-ea"/>
-                <a:cs typeface="+mn-cs"/>
-              </a:rPr>
-              <a:t>EtherCAT</a:t>
-            </a:r>
-            <a:r>
-              <a:rPr lang="en-US" altLang="ja-JP" sz="1200" b="0" i="0" kern="1200" dirty="0" smtClean="0">
-                <a:solidFill>
-                  <a:schemeClr val="tx1"/>
-                </a:solidFill>
-                <a:effectLst/>
-                <a:latin typeface="Intel Clear"/>
-                <a:ea typeface="+mn-ea"/>
-                <a:cs typeface="+mn-cs"/>
-              </a:rPr>
-              <a:t>, Modbus-TCP and Ethernet POWERLINK. The US market is dominated by the CIP networks, with a clear movement towards </a:t>
-            </a:r>
-            <a:r>
-              <a:rPr lang="en-US" altLang="ja-JP" sz="1200" b="0" i="0" kern="1200" dirty="0" err="1" smtClean="0">
-                <a:solidFill>
-                  <a:schemeClr val="tx1"/>
-                </a:solidFill>
-                <a:effectLst/>
-                <a:latin typeface="Intel Clear"/>
-                <a:ea typeface="+mn-ea"/>
-                <a:cs typeface="+mn-cs"/>
-              </a:rPr>
-              <a:t>EtherNet</a:t>
-            </a:r>
-            <a:r>
-              <a:rPr lang="en-US" altLang="ja-JP" sz="1200" b="0" i="0" kern="1200" dirty="0" smtClean="0">
-                <a:solidFill>
-                  <a:schemeClr val="tx1"/>
-                </a:solidFill>
-                <a:effectLst/>
-                <a:latin typeface="Intel Clear"/>
-                <a:ea typeface="+mn-ea"/>
-                <a:cs typeface="+mn-cs"/>
-              </a:rPr>
-              <a:t>/IP.</a:t>
-            </a:r>
-          </a:p>
-          <a:p>
-            <a:r>
-              <a:rPr lang="en-US" altLang="ja-JP" sz="1200" b="0" i="0" kern="1200" dirty="0" smtClean="0">
-                <a:solidFill>
-                  <a:schemeClr val="tx1"/>
-                </a:solidFill>
-                <a:effectLst/>
-                <a:latin typeface="Intel Clear"/>
-                <a:ea typeface="+mn-ea"/>
-                <a:cs typeface="+mn-cs"/>
-              </a:rPr>
-              <a:t>In Asia, no network stands out as truly market-leading, but PROFINET, </a:t>
-            </a:r>
-            <a:r>
-              <a:rPr lang="en-US" altLang="ja-JP" sz="1200" b="0" i="0" kern="1200" dirty="0" err="1" smtClean="0">
-                <a:solidFill>
-                  <a:schemeClr val="tx1"/>
-                </a:solidFill>
-                <a:effectLst/>
-                <a:latin typeface="Intel Clear"/>
-                <a:ea typeface="+mn-ea"/>
-                <a:cs typeface="+mn-cs"/>
-              </a:rPr>
-              <a:t>EtherNet</a:t>
-            </a:r>
-            <a:r>
-              <a:rPr lang="en-US" altLang="ja-JP" sz="1200" b="0" i="0" kern="1200" dirty="0" smtClean="0">
-                <a:solidFill>
-                  <a:schemeClr val="tx1"/>
-                </a:solidFill>
-                <a:effectLst/>
-                <a:latin typeface="Intel Clear"/>
-                <a:ea typeface="+mn-ea"/>
-                <a:cs typeface="+mn-cs"/>
-              </a:rPr>
-              <a:t>/IP, PROFIBUS, </a:t>
-            </a:r>
-            <a:r>
-              <a:rPr lang="en-US" altLang="ja-JP" sz="1200" b="0" i="0" kern="1200" dirty="0" err="1" smtClean="0">
-                <a:solidFill>
-                  <a:schemeClr val="tx1"/>
-                </a:solidFill>
-                <a:effectLst/>
-                <a:latin typeface="Intel Clear"/>
-                <a:ea typeface="+mn-ea"/>
-                <a:cs typeface="+mn-cs"/>
-              </a:rPr>
-              <a:t>EtherCAT</a:t>
-            </a:r>
-            <a:r>
-              <a:rPr lang="en-US" altLang="ja-JP" sz="1200" b="0" i="0" kern="1200" dirty="0" smtClean="0">
-                <a:solidFill>
-                  <a:schemeClr val="tx1"/>
-                </a:solidFill>
-                <a:effectLst/>
-                <a:latin typeface="Intel Clear"/>
-                <a:ea typeface="+mn-ea"/>
-                <a:cs typeface="+mn-cs"/>
-              </a:rPr>
-              <a:t>, Modbus and CC-Link are widely used, with the Ethernet version CC-Link IE Field also gaining traction.</a:t>
-            </a:r>
-          </a:p>
-          <a:p>
-            <a:r>
-              <a:rPr lang="en-US" altLang="ja-JP" sz="1200" b="1" i="0" kern="1200" dirty="0" smtClean="0">
-                <a:solidFill>
-                  <a:schemeClr val="tx1"/>
-                </a:solidFill>
-                <a:effectLst/>
-                <a:latin typeface="Intel Clear"/>
-                <a:ea typeface="+mn-ea"/>
-                <a:cs typeface="+mn-cs"/>
-              </a:rPr>
-              <a:t>Looking back five years</a:t>
-            </a:r>
-          </a:p>
-          <a:p>
-            <a:r>
-              <a:rPr lang="en-US" altLang="ja-JP" sz="1200" b="0" i="0" kern="1200" dirty="0" smtClean="0">
-                <a:solidFill>
-                  <a:schemeClr val="tx1"/>
-                </a:solidFill>
-                <a:effectLst/>
-                <a:latin typeface="Intel Clear"/>
-                <a:ea typeface="+mn-ea"/>
-                <a:cs typeface="+mn-cs"/>
-              </a:rPr>
-              <a:t>A special feature in this year′s study is a look back on five years of steady industrial network growth. HMS concludes that during 2017, industrial Ethernet finally passed fieldbuses in terms of market share.</a:t>
-            </a:r>
-          </a:p>
-          <a:p>
-            <a:r>
-              <a:rPr lang="en-US" altLang="ja-JP" sz="1200" b="0" i="0" kern="1200" dirty="0" smtClean="0">
-                <a:solidFill>
-                  <a:schemeClr val="tx1"/>
-                </a:solidFill>
-                <a:effectLst/>
-                <a:latin typeface="Intel Clear"/>
-                <a:ea typeface="+mn-ea"/>
-                <a:cs typeface="+mn-cs"/>
-              </a:rPr>
-              <a:t>"The growth of industrial networks has been steady over the last five years, and it is interesting to see that industrial Ethernet now has passed fieldbus, currently accounting for 52% of the market with </a:t>
-            </a:r>
-            <a:r>
-              <a:rPr lang="en-US" altLang="ja-JP" sz="1200" b="0" i="0" kern="1200" dirty="0" err="1" smtClean="0">
-                <a:solidFill>
-                  <a:schemeClr val="tx1"/>
-                </a:solidFill>
-                <a:effectLst/>
-                <a:latin typeface="Intel Clear"/>
-                <a:ea typeface="+mn-ea"/>
-                <a:cs typeface="+mn-cs"/>
-              </a:rPr>
-              <a:t>EtherNet</a:t>
-            </a:r>
-            <a:r>
-              <a:rPr lang="en-US" altLang="ja-JP" sz="1200" b="0" i="0" kern="1200" dirty="0" smtClean="0">
-                <a:solidFill>
-                  <a:schemeClr val="tx1"/>
-                </a:solidFill>
-                <a:effectLst/>
-                <a:latin typeface="Intel Clear"/>
-                <a:ea typeface="+mn-ea"/>
-                <a:cs typeface="+mn-cs"/>
-              </a:rPr>
-              <a:t>/IP as the leading network," said Hansson.</a:t>
-            </a:r>
-          </a:p>
-          <a:p>
-            <a:r>
-              <a:rPr lang="en-US" altLang="ja-JP" sz="1200" b="0" i="0" kern="1200" dirty="0" smtClean="0">
-                <a:solidFill>
-                  <a:schemeClr val="tx1"/>
-                </a:solidFill>
-                <a:effectLst/>
-                <a:latin typeface="Intel Clear"/>
-                <a:ea typeface="+mn-ea"/>
-                <a:cs typeface="+mn-cs"/>
-              </a:rPr>
-              <a:t>"Nevertheless, our study confirms that the network market remains fragmented; users continue to ask for connectivity to a wide variety of networks, depending on application. Looking ahead, it is clear that industrial devices will become increasingly connected, boosted by the Industrial Internet of Things and Industry 4.0. From our point of view, we are well-suited to grow with these trends," Hansson added.</a:t>
-            </a:r>
-          </a:p>
-          <a:p>
-            <a:r>
-              <a:rPr lang="en-US" altLang="ja-JP" sz="1200" b="0" i="1" kern="1200" dirty="0" smtClean="0">
-                <a:solidFill>
-                  <a:schemeClr val="tx1"/>
-                </a:solidFill>
-                <a:effectLst/>
-                <a:latin typeface="Intel Clear"/>
-                <a:ea typeface="+mn-ea"/>
-                <a:cs typeface="+mn-cs"/>
-              </a:rPr>
-              <a:t>Anders Hansson, Chief Marketing Officer, HMS Industrial Networks.</a:t>
-            </a:r>
+              <a:t> the computer level, standard IT protocols (Internet Protocol Suite) are used. </a:t>
+            </a:r>
+          </a:p>
+          <a:p>
             <a:endParaRPr lang="en-US" altLang="ja-JP" sz="1200" b="0" i="0" kern="1200" dirty="0" smtClean="0">
               <a:solidFill>
                 <a:schemeClr val="tx1"/>
@@ -3112,7 +2974,412 @@
             </a:endParaRPr>
           </a:p>
           <a:p>
-            <a:endParaRPr kumimoji="1" lang="ja-JP" altLang="en-US" dirty="0"/>
+            <a:r>
+              <a:rPr lang="en-US" altLang="ja-JP" sz="1200" b="0" i="0" kern="1200" dirty="0" smtClean="0">
+                <a:solidFill>
+                  <a:schemeClr val="tx1"/>
+                </a:solidFill>
+                <a:effectLst/>
+                <a:latin typeface="Intel Clear"/>
+                <a:ea typeface="+mn-ea"/>
+                <a:cs typeface="+mn-cs"/>
+              </a:rPr>
+              <a:t>2)For machine-to-machine and process</a:t>
+            </a:r>
+            <a:r>
+              <a:rPr lang="en-US" altLang="ja-JP" sz="1200" b="0" i="0" kern="1200" baseline="0" dirty="0" smtClean="0">
+                <a:solidFill>
+                  <a:schemeClr val="tx1"/>
+                </a:solidFill>
+                <a:effectLst/>
+                <a:latin typeface="Intel Clear"/>
+                <a:ea typeface="+mn-ea"/>
+                <a:cs typeface="+mn-cs"/>
+              </a:rPr>
+              <a:t> </a:t>
+            </a:r>
+            <a:r>
+              <a:rPr lang="en-US" altLang="ja-JP" sz="1200" b="0" i="0" kern="1200" dirty="0" smtClean="0">
+                <a:solidFill>
+                  <a:schemeClr val="tx1"/>
+                </a:solidFill>
+                <a:effectLst/>
+                <a:latin typeface="Intel Clear"/>
+                <a:ea typeface="+mn-ea"/>
+                <a:cs typeface="+mn-cs"/>
+              </a:rPr>
+              <a:t>communication (the distributed controller level), the role of</a:t>
+            </a:r>
+            <a:br>
+              <a:rPr lang="en-US" altLang="ja-JP" sz="1200" b="0" i="0" kern="1200" dirty="0" smtClean="0">
+                <a:solidFill>
+                  <a:schemeClr val="tx1"/>
+                </a:solidFill>
+                <a:effectLst/>
+                <a:latin typeface="Intel Clear"/>
+                <a:ea typeface="+mn-ea"/>
+                <a:cs typeface="+mn-cs"/>
+              </a:rPr>
+            </a:br>
+            <a:r>
+              <a:rPr lang="en-US" altLang="ja-JP" sz="1200" b="0" i="0" kern="1200" dirty="0" smtClean="0">
+                <a:solidFill>
+                  <a:schemeClr val="tx1"/>
+                </a:solidFill>
+                <a:effectLst/>
+                <a:latin typeface="Intel Clear"/>
+                <a:ea typeface="+mn-ea"/>
+                <a:cs typeface="+mn-cs"/>
+              </a:rPr>
+              <a:t>OPC UA (IEC 62541) is rapidly increasing in significance</a:t>
+            </a:r>
+            <a:r>
+              <a:rPr lang="en-US" altLang="ja-JP" sz="1200" b="0" i="0" kern="1200" baseline="0" dirty="0" smtClean="0">
+                <a:solidFill>
+                  <a:schemeClr val="tx1"/>
+                </a:solidFill>
+                <a:effectLst/>
+                <a:latin typeface="Intel Clear"/>
+                <a:ea typeface="+mn-ea"/>
+                <a:cs typeface="+mn-cs"/>
+              </a:rPr>
+              <a:t> </a:t>
+            </a:r>
+            <a:r>
+              <a:rPr lang="en-US" altLang="ja-JP" sz="1200" b="0" i="0" kern="1200" dirty="0" smtClean="0">
+                <a:solidFill>
+                  <a:schemeClr val="tx1"/>
+                </a:solidFill>
+                <a:effectLst/>
+                <a:latin typeface="Intel Clear"/>
+                <a:ea typeface="+mn-ea"/>
+                <a:cs typeface="+mn-cs"/>
+              </a:rPr>
+              <a:t>alongside the traditional Ethernet-based M2M fieldbus systems (PROFINET, </a:t>
+            </a:r>
+            <a:r>
+              <a:rPr lang="en-US" altLang="ja-JP" sz="1200" b="0" i="0" kern="1200" dirty="0" err="1" smtClean="0">
+                <a:solidFill>
+                  <a:schemeClr val="tx1"/>
+                </a:solidFill>
+                <a:effectLst/>
+                <a:latin typeface="Intel Clear"/>
+                <a:ea typeface="+mn-ea"/>
+                <a:cs typeface="+mn-cs"/>
+              </a:rPr>
+              <a:t>EtherNet</a:t>
+            </a:r>
+            <a:r>
+              <a:rPr lang="en-US" altLang="ja-JP" sz="1200" b="0" i="0" kern="1200" dirty="0" smtClean="0">
+                <a:solidFill>
+                  <a:schemeClr val="tx1"/>
+                </a:solidFill>
+                <a:effectLst/>
+                <a:latin typeface="Intel Clear"/>
+                <a:ea typeface="+mn-ea"/>
+                <a:cs typeface="+mn-cs"/>
+              </a:rPr>
+              <a:t>/IP, CC-Link IE). </a:t>
+            </a:r>
+          </a:p>
+          <a:p>
+            <a:endParaRPr lang="en-US" altLang="ja-JP" sz="1200" b="0" i="0" kern="1200" dirty="0" smtClean="0">
+              <a:solidFill>
+                <a:schemeClr val="tx1"/>
+              </a:solidFill>
+              <a:effectLst/>
+              <a:latin typeface="Intel Clear"/>
+              <a:ea typeface="+mn-ea"/>
+              <a:cs typeface="+mn-cs"/>
+            </a:endParaRPr>
+          </a:p>
+          <a:p>
+            <a:r>
+              <a:rPr lang="en-US" altLang="ja-JP" sz="1200" b="0" i="0" kern="1200" dirty="0" smtClean="0">
+                <a:solidFill>
+                  <a:schemeClr val="tx1"/>
+                </a:solidFill>
+                <a:effectLst/>
+                <a:latin typeface="Intel Clear"/>
+                <a:ea typeface="+mn-ea"/>
+                <a:cs typeface="+mn-cs"/>
+              </a:rPr>
+              <a:t>3)Inside the</a:t>
+            </a:r>
+            <a:r>
+              <a:rPr lang="en-US" altLang="ja-JP" sz="1200" b="0" i="0" kern="1200" baseline="0" dirty="0" smtClean="0">
+                <a:solidFill>
+                  <a:schemeClr val="tx1"/>
+                </a:solidFill>
+                <a:effectLst/>
+                <a:latin typeface="Intel Clear"/>
+                <a:ea typeface="+mn-ea"/>
+                <a:cs typeface="+mn-cs"/>
+              </a:rPr>
+              <a:t> </a:t>
+            </a:r>
+            <a:r>
+              <a:rPr lang="en-US" altLang="ja-JP" sz="1200" b="0" i="0" kern="1200" dirty="0" smtClean="0">
+                <a:solidFill>
+                  <a:schemeClr val="tx1"/>
+                </a:solidFill>
+                <a:effectLst/>
+                <a:latin typeface="Intel Clear"/>
+                <a:ea typeface="+mn-ea"/>
+                <a:cs typeface="+mn-cs"/>
+              </a:rPr>
+              <a:t>machine (device and sensor levels), protocols with hard real-time capabilities (also known as real-time Ethernet) dominate</a:t>
+            </a:r>
+            <a:br>
+              <a:rPr lang="en-US" altLang="ja-JP" sz="1200" b="0" i="0" kern="1200" dirty="0" smtClean="0">
+                <a:solidFill>
+                  <a:schemeClr val="tx1"/>
+                </a:solidFill>
+                <a:effectLst/>
+                <a:latin typeface="Intel Clear"/>
+                <a:ea typeface="+mn-ea"/>
+                <a:cs typeface="+mn-cs"/>
+              </a:rPr>
+            </a:br>
+            <a:r>
+              <a:rPr lang="en-US" altLang="ja-JP" sz="1200" b="0" i="0" kern="1200" dirty="0" smtClean="0">
+                <a:solidFill>
+                  <a:schemeClr val="tx1"/>
+                </a:solidFill>
+                <a:effectLst/>
+                <a:latin typeface="Intel Clear"/>
+                <a:ea typeface="+mn-ea"/>
+                <a:cs typeface="+mn-cs"/>
+              </a:rPr>
+              <a:t>the field. According to market share, the most significant</a:t>
+            </a:r>
+            <a:r>
+              <a:rPr lang="en-US" altLang="ja-JP" sz="1200" b="0" i="0" kern="1200" baseline="0" dirty="0" smtClean="0">
+                <a:solidFill>
+                  <a:schemeClr val="tx1"/>
+                </a:solidFill>
+                <a:effectLst/>
+                <a:latin typeface="Intel Clear"/>
+                <a:ea typeface="+mn-ea"/>
+                <a:cs typeface="+mn-cs"/>
+              </a:rPr>
+              <a:t> </a:t>
+            </a:r>
+            <a:r>
+              <a:rPr lang="en-US" altLang="ja-JP" sz="1200" b="0" i="0" kern="1200" dirty="0" smtClean="0">
+                <a:solidFill>
+                  <a:schemeClr val="tx1"/>
+                </a:solidFill>
+                <a:effectLst/>
+                <a:latin typeface="Intel Clear"/>
+                <a:ea typeface="+mn-ea"/>
+                <a:cs typeface="+mn-cs"/>
+              </a:rPr>
+              <a:t>ones are </a:t>
+            </a:r>
+            <a:r>
+              <a:rPr lang="en-US" altLang="ja-JP" sz="1200" b="0" i="0" kern="1200" dirty="0" err="1" smtClean="0">
+                <a:solidFill>
+                  <a:schemeClr val="tx1"/>
+                </a:solidFill>
+                <a:effectLst/>
+                <a:latin typeface="Intel Clear"/>
+                <a:ea typeface="+mn-ea"/>
+                <a:cs typeface="+mn-cs"/>
+              </a:rPr>
+              <a:t>EtherCAT</a:t>
+            </a:r>
+            <a:r>
+              <a:rPr lang="en-US" altLang="ja-JP" sz="1200" b="0" i="0" kern="1200" dirty="0" smtClean="0">
+                <a:solidFill>
+                  <a:schemeClr val="tx1"/>
+                </a:solidFill>
+                <a:effectLst/>
+                <a:latin typeface="Intel Clear"/>
+                <a:ea typeface="+mn-ea"/>
+                <a:cs typeface="+mn-cs"/>
+              </a:rPr>
+              <a:t>, PROFINET IRT, POWERLINK and</a:t>
+            </a:r>
+            <a:r>
+              <a:rPr lang="en-US" altLang="ja-JP" sz="1200" b="0" i="0" kern="1200" baseline="0" dirty="0" smtClean="0">
+                <a:solidFill>
+                  <a:schemeClr val="tx1"/>
+                </a:solidFill>
+                <a:effectLst/>
+                <a:latin typeface="Intel Clear"/>
+                <a:ea typeface="+mn-ea"/>
+                <a:cs typeface="+mn-cs"/>
+              </a:rPr>
+              <a:t> </a:t>
+            </a:r>
+            <a:r>
+              <a:rPr lang="en-US" altLang="ja-JP" sz="1200" b="0" i="0" kern="1200" dirty="0" err="1" smtClean="0">
+                <a:solidFill>
+                  <a:schemeClr val="tx1"/>
+                </a:solidFill>
+                <a:effectLst/>
+                <a:latin typeface="Intel Clear"/>
+                <a:ea typeface="+mn-ea"/>
+                <a:cs typeface="+mn-cs"/>
+              </a:rPr>
+              <a:t>Sercos</a:t>
+            </a:r>
+            <a:r>
+              <a:rPr lang="en-US" altLang="ja-JP" sz="1200" b="0" i="0" kern="1200" dirty="0" smtClean="0">
+                <a:solidFill>
+                  <a:schemeClr val="tx1"/>
+                </a:solidFill>
+                <a:effectLst/>
+                <a:latin typeface="Intel Clear"/>
+                <a:ea typeface="+mn-ea"/>
+                <a:cs typeface="+mn-cs"/>
+              </a:rPr>
+              <a:t> III. </a:t>
+            </a:r>
+          </a:p>
+          <a:p>
+            <a:endParaRPr lang="en-US" altLang="ja-JP" sz="1200" b="0" i="0" kern="1200" dirty="0" smtClean="0">
+              <a:solidFill>
+                <a:schemeClr val="tx1"/>
+              </a:solidFill>
+              <a:effectLst/>
+              <a:latin typeface="Intel Clear"/>
+              <a:ea typeface="+mn-ea"/>
+              <a:cs typeface="+mn-cs"/>
+            </a:endParaRPr>
+          </a:p>
+          <a:p>
+            <a:r>
+              <a:rPr lang="en-US" altLang="ja-JP" sz="1200" b="0" i="0" kern="1200" dirty="0" smtClean="0">
+                <a:solidFill>
+                  <a:schemeClr val="tx1"/>
+                </a:solidFill>
+                <a:effectLst/>
+                <a:latin typeface="Intel Clear"/>
+                <a:ea typeface="+mn-ea"/>
+                <a:cs typeface="+mn-cs"/>
+              </a:rPr>
+              <a:t>Although these technologies share common requirements, their implementations differ substantially. Hence,</a:t>
+            </a:r>
+            <a:br>
+              <a:rPr lang="en-US" altLang="ja-JP" sz="1200" b="0" i="0" kern="1200" dirty="0" smtClean="0">
+                <a:solidFill>
+                  <a:schemeClr val="tx1"/>
+                </a:solidFill>
+                <a:effectLst/>
+                <a:latin typeface="Intel Clear"/>
+                <a:ea typeface="+mn-ea"/>
+                <a:cs typeface="+mn-cs"/>
+              </a:rPr>
+            </a:br>
+            <a:r>
+              <a:rPr lang="en-US" altLang="ja-JP" sz="1200" b="0" i="0" kern="1200" dirty="0" smtClean="0">
+                <a:solidFill>
+                  <a:schemeClr val="tx1"/>
+                </a:solidFill>
+                <a:effectLst/>
+                <a:latin typeface="Intel Clear"/>
+                <a:ea typeface="+mn-ea"/>
+                <a:cs typeface="+mn-cs"/>
+              </a:rPr>
+              <a:t>comparing them is a complicated matter and depends heavily</a:t>
+            </a:r>
+            <a:br>
+              <a:rPr lang="en-US" altLang="ja-JP" sz="1200" b="0" i="0" kern="1200" dirty="0" smtClean="0">
+                <a:solidFill>
+                  <a:schemeClr val="tx1"/>
+                </a:solidFill>
+                <a:effectLst/>
+                <a:latin typeface="Intel Clear"/>
+                <a:ea typeface="+mn-ea"/>
+                <a:cs typeface="+mn-cs"/>
+              </a:rPr>
+            </a:br>
+            <a:r>
+              <a:rPr lang="en-US" altLang="ja-JP" sz="1200" b="0" i="0" kern="1200" dirty="0" smtClean="0">
+                <a:solidFill>
+                  <a:schemeClr val="tx1"/>
+                </a:solidFill>
+                <a:effectLst/>
+                <a:latin typeface="Intel Clear"/>
+                <a:ea typeface="+mn-ea"/>
+                <a:cs typeface="+mn-cs"/>
+              </a:rPr>
+              <a:t>on the intended application (process control, motion, I/O,</a:t>
+            </a:r>
+            <a:br>
+              <a:rPr lang="en-US" altLang="ja-JP" sz="1200" b="0" i="0" kern="1200" dirty="0" smtClean="0">
+                <a:solidFill>
+                  <a:schemeClr val="tx1"/>
+                </a:solidFill>
+                <a:effectLst/>
+                <a:latin typeface="Intel Clear"/>
+                <a:ea typeface="+mn-ea"/>
+                <a:cs typeface="+mn-cs"/>
+              </a:rPr>
+            </a:br>
+            <a:r>
+              <a:rPr lang="en-US" altLang="ja-JP" sz="1200" b="0" i="0" kern="1200" dirty="0" smtClean="0">
+                <a:solidFill>
+                  <a:schemeClr val="tx1"/>
+                </a:solidFill>
+                <a:effectLst/>
+                <a:latin typeface="Intel Clear"/>
+                <a:ea typeface="+mn-ea"/>
+                <a:cs typeface="+mn-cs"/>
+              </a:rPr>
+              <a:t>centralized vs. decentralized control, etc.). An endeavor to</a:t>
+            </a:r>
+            <a:br>
+              <a:rPr lang="en-US" altLang="ja-JP" sz="1200" b="0" i="0" kern="1200" dirty="0" smtClean="0">
+                <a:solidFill>
+                  <a:schemeClr val="tx1"/>
+                </a:solidFill>
+                <a:effectLst/>
+                <a:latin typeface="Intel Clear"/>
+                <a:ea typeface="+mn-ea"/>
+                <a:cs typeface="+mn-cs"/>
+              </a:rPr>
+            </a:br>
+            <a:r>
+              <a:rPr lang="en-US" altLang="ja-JP" sz="1200" b="0" i="0" kern="1200" dirty="0" smtClean="0">
+                <a:solidFill>
+                  <a:schemeClr val="tx1"/>
+                </a:solidFill>
+                <a:effectLst/>
+                <a:latin typeface="Intel Clear"/>
+                <a:ea typeface="+mn-ea"/>
+                <a:cs typeface="+mn-cs"/>
+              </a:rPr>
+              <a:t>compare the performance of various real-time Ethernet protocols in a number of categories has been undertaken by the</a:t>
+            </a:r>
+            <a:br>
+              <a:rPr lang="en-US" altLang="ja-JP" sz="1200" b="0" i="0" kern="1200" dirty="0" smtClean="0">
+                <a:solidFill>
+                  <a:schemeClr val="tx1"/>
+                </a:solidFill>
+                <a:effectLst/>
+                <a:latin typeface="Intel Clear"/>
+                <a:ea typeface="+mn-ea"/>
+                <a:cs typeface="+mn-cs"/>
+              </a:rPr>
+            </a:br>
+            <a:r>
+              <a:rPr lang="en-US" altLang="ja-JP" sz="1200" b="0" i="0" kern="1200" dirty="0" smtClean="0">
+                <a:solidFill>
+                  <a:schemeClr val="tx1"/>
+                </a:solidFill>
+                <a:effectLst/>
+                <a:latin typeface="Intel Clear"/>
+                <a:ea typeface="+mn-ea"/>
+                <a:cs typeface="+mn-cs"/>
+              </a:rPr>
+              <a:t>Ethernet POWERLINK Standardization Group (EPSG)</a:t>
+            </a:r>
+          </a:p>
+          <a:p>
+            <a:endParaRPr lang="en-US" dirty="0"/>
           </a:p>
         </p:txBody>
       </p:sp>
@@ -3131,27 +3398,18 @@
           <a:bodyPr/>
           <a:lstStyle/>
           <a:p>
-            <a:fld id="{D61C8689-8455-3546-ADF9-3B7273760F66}" type="slidenum">
-              <a:rPr lang="en-US" smtClean="0">
-                <a:solidFill>
-                  <a:prstClr val="black"/>
-                </a:solidFill>
-              </a:rPr>
-              <a:pPr/>
+            <a:fld id="{0331ECBF-CC2B-47B0-A627-BCA69053E9B5}" type="slidenum">
+              <a:rPr lang="en-US" smtClean="0"/>
               <a:t>4</a:t>
             </a:fld>
-            <a:endParaRPr lang="en-US" dirty="0">
-              <a:solidFill>
-                <a:prstClr val="black"/>
-              </a:solidFill>
-            </a:endParaRPr>
+            <a:endParaRPr lang="en-US"/>
           </a:p>
         </p:txBody>
       </p:sp>
     </p:spTree>
     <p:extLst>
       <p:ext uri="{BB962C8B-B14F-4D97-AF65-F5344CB8AC3E}">
-        <p14:creationId xmlns:p14="http://schemas.microsoft.com/office/powerpoint/2010/main" val="144947648"/>
+        <p14:creationId xmlns:p14="http://schemas.microsoft.com/office/powerpoint/2010/main" val="1336022660"/>
       </p:ext>
     </p:extLst>
   </p:cSld>
@@ -3206,168 +3464,527 @@
           <a:lstStyle/>
           <a:p>
             <a:r>
-              <a:rPr lang="en-US" b="1" dirty="0"/>
-              <a:t>IIoT Connectivity Reference Architecture</a:t>
-            </a:r>
-          </a:p>
-          <a:p>
-            <a:endParaRPr lang="en-US" dirty="0"/>
-          </a:p>
-          <a:p>
-            <a:r>
-              <a:rPr lang="en-US" dirty="0"/>
-              <a:t>The Industrial Internet of Things requires us to think about scale and interoperability.  Both the number of installed communicating devices and the number of communication types.  </a:t>
-            </a:r>
-          </a:p>
-          <a:p>
-            <a:endParaRPr lang="en-US" dirty="0"/>
-          </a:p>
-          <a:p>
-            <a:r>
-              <a:rPr lang="en-US" dirty="0"/>
-              <a:t>In this talk we will introduce an IIoT Connectivity Reference Architecture that achieves near linear scalability, O(N), with respect to the number of connectivity technologies. This is important from the our four main viewpoints. From the business viewpoint implementing scalable systems will decrease capital expenditure.  From a Usages and Functional view points it increases the maximum size potential devices that can be connected.  We will mainly focus on the implementation viewpoint by first introducing the idea of a </a:t>
-            </a:r>
-            <a:r>
-              <a:rPr lang="en-US" b="1" dirty="0" err="1"/>
-              <a:t>mutli</a:t>
-            </a:r>
-            <a:r>
-              <a:rPr lang="en-US" b="1" dirty="0"/>
-              <a:t>-bus, multi-protocol network system</a:t>
-            </a:r>
-            <a:r>
-              <a:rPr lang="en-US" dirty="0"/>
-              <a:t>. Then we will discuss some of the commonly used protocols that used in IIoT deployments.</a:t>
-            </a:r>
-          </a:p>
-          <a:p>
-            <a:endParaRPr lang="en-US" dirty="0"/>
-          </a:p>
-          <a:p>
-            <a:r>
-              <a:rPr lang="en-US" dirty="0"/>
-              <a:t>First, let’s consider a fully connected graph of </a:t>
-            </a:r>
-            <a:r>
-              <a:rPr lang="en-US" dirty="0" err="1"/>
+              <a:rPr kumimoji="1" lang="en-US" altLang="ja-JP" dirty="0" smtClean="0"/>
+              <a:t>Source http://www.iebmedia.com/index.php?id=12993&amp;parentid=74&amp;themeid=255&amp;hpid=2&amp;showdetail=true&amp;bb=1&amp;appsw=1 </a:t>
+            </a:r>
+          </a:p>
+          <a:p>
+            <a:endParaRPr kumimoji="1" lang="en-US" altLang="ja-JP" dirty="0" smtClean="0"/>
+          </a:p>
+          <a:p>
+            <a:r>
+              <a:rPr lang="en-US" altLang="ja-JP" sz="1200" b="1" i="0" kern="1200" dirty="0" smtClean="0">
+                <a:solidFill>
+                  <a:schemeClr val="tx1"/>
+                </a:solidFill>
+                <a:effectLst/>
+                <a:latin typeface="Intel Clear"/>
+                <a:ea typeface="+mn-ea"/>
+                <a:cs typeface="+mn-cs"/>
+              </a:rPr>
+              <a:t>Annual market analysis</a:t>
+            </a:r>
+          </a:p>
+          <a:p>
+            <a:r>
+              <a:rPr lang="en-US" altLang="ja-JP" sz="1200" b="0" i="0" kern="1200" dirty="0" smtClean="0">
+                <a:solidFill>
+                  <a:schemeClr val="tx1"/>
+                </a:solidFill>
+                <a:effectLst/>
+                <a:latin typeface="Intel Clear"/>
+                <a:ea typeface="+mn-ea"/>
+                <a:cs typeface="+mn-cs"/>
+              </a:rPr>
+              <a:t>HMS Industrial Networks, again this year, has presented their annual analysis of the industrial network market which focuses on new installed nodes within factory automation globally.</a:t>
+            </a:r>
+          </a:p>
+          <a:p>
+            <a:r>
+              <a:rPr lang="en-US" altLang="ja-JP" sz="1200" b="0" i="0" kern="1200" dirty="0" smtClean="0">
+                <a:solidFill>
+                  <a:schemeClr val="tx1"/>
+                </a:solidFill>
+                <a:effectLst/>
+                <a:latin typeface="Intel Clear"/>
+                <a:ea typeface="+mn-ea"/>
+                <a:cs typeface="+mn-cs"/>
+              </a:rPr>
+              <a:t>As an independent supplier of products and services for industrial communication and the Internet of Things, HMS has insight into the industrial network market. Here are some of the trends they see within industrial communication in 2018, also looking back on the network market share evolution during the last 5 years.</a:t>
+            </a:r>
+          </a:p>
+          <a:p>
+            <a:r>
+              <a:rPr lang="en-US" altLang="ja-JP" sz="1200" b="1" i="0" kern="1200" dirty="0" smtClean="0">
+                <a:solidFill>
+                  <a:schemeClr val="tx1"/>
+                </a:solidFill>
+                <a:effectLst/>
+                <a:latin typeface="Intel Clear"/>
+                <a:ea typeface="+mn-ea"/>
+                <a:cs typeface="+mn-cs"/>
+              </a:rPr>
+              <a:t>Growth powered by </a:t>
+            </a:r>
+            <a:r>
+              <a:rPr lang="en-US" altLang="ja-JP" sz="1200" b="1" i="0" kern="1200" dirty="0" err="1" smtClean="0">
+                <a:solidFill>
+                  <a:schemeClr val="tx1"/>
+                </a:solidFill>
+                <a:effectLst/>
+                <a:latin typeface="Intel Clear"/>
+                <a:ea typeface="+mn-ea"/>
+                <a:cs typeface="+mn-cs"/>
+              </a:rPr>
+              <a:t>IIoT</a:t>
+            </a:r>
+            <a:endParaRPr lang="en-US" altLang="ja-JP" sz="1200" b="1" i="0" kern="1200" dirty="0" smtClean="0">
+              <a:solidFill>
+                <a:schemeClr val="tx1"/>
+              </a:solidFill>
+              <a:effectLst/>
+              <a:latin typeface="Intel Clear"/>
+              <a:ea typeface="+mn-ea"/>
+              <a:cs typeface="+mn-cs"/>
+            </a:endParaRPr>
+          </a:p>
+          <a:p>
+            <a:r>
+              <a:rPr lang="en-US" altLang="ja-JP" sz="1200" b="0" i="0" kern="1200" dirty="0" smtClean="0">
+                <a:solidFill>
+                  <a:schemeClr val="tx1"/>
+                </a:solidFill>
+                <a:effectLst/>
+                <a:latin typeface="Intel Clear"/>
+                <a:ea typeface="+mn-ea"/>
+                <a:cs typeface="+mn-cs"/>
+              </a:rPr>
+              <a:t>Industrial Ethernet has been growing faster than traditional fieldbuses for a number of years, and has now overtaken fieldbuses. With a growth rate of 22%, Industrial Ethernet now makes up for 52% of the global market compared to 46% last year. </a:t>
+            </a:r>
+            <a:r>
+              <a:rPr lang="en-US" altLang="ja-JP" sz="1200" b="0" i="0" kern="1200" dirty="0" err="1" smtClean="0">
+                <a:solidFill>
+                  <a:schemeClr val="tx1"/>
+                </a:solidFill>
+                <a:effectLst/>
+                <a:latin typeface="Intel Clear"/>
+                <a:ea typeface="+mn-ea"/>
+                <a:cs typeface="+mn-cs"/>
+              </a:rPr>
+              <a:t>EtherNet</a:t>
+            </a:r>
+            <a:r>
+              <a:rPr lang="en-US" altLang="ja-JP" sz="1200" b="0" i="0" kern="1200" dirty="0" smtClean="0">
+                <a:solidFill>
+                  <a:schemeClr val="tx1"/>
+                </a:solidFill>
+                <a:effectLst/>
+                <a:latin typeface="Intel Clear"/>
+                <a:ea typeface="+mn-ea"/>
+                <a:cs typeface="+mn-cs"/>
+              </a:rPr>
+              <a:t>/IP has emerged as the largest network with 15% of the market. Ethernet runners-up globally are PROFINET, </a:t>
+            </a:r>
+            <a:r>
+              <a:rPr lang="en-US" altLang="ja-JP" sz="1200" b="0" i="0" kern="1200" dirty="0" err="1" smtClean="0">
+                <a:solidFill>
+                  <a:schemeClr val="tx1"/>
+                </a:solidFill>
+                <a:effectLst/>
+                <a:latin typeface="Intel Clear"/>
+                <a:ea typeface="+mn-ea"/>
+                <a:cs typeface="+mn-cs"/>
+              </a:rPr>
+              <a:t>EtherCAT</a:t>
+            </a:r>
+            <a:r>
+              <a:rPr lang="en-US" altLang="ja-JP" sz="1200" b="0" i="0" kern="1200" dirty="0" smtClean="0">
+                <a:solidFill>
+                  <a:schemeClr val="tx1"/>
+                </a:solidFill>
+                <a:effectLst/>
+                <a:latin typeface="Intel Clear"/>
+                <a:ea typeface="+mn-ea"/>
+                <a:cs typeface="+mn-cs"/>
+              </a:rPr>
+              <a:t>, Modbus-TCP and Ethernet POWERLINK.</a:t>
+            </a:r>
+          </a:p>
+          <a:p>
+            <a:r>
+              <a:rPr lang="en-US" altLang="ja-JP" sz="1200" b="0" i="0" kern="1200" dirty="0" smtClean="0">
+                <a:solidFill>
+                  <a:schemeClr val="tx1"/>
+                </a:solidFill>
+                <a:effectLst/>
+                <a:latin typeface="Intel Clear"/>
+                <a:ea typeface="+mn-ea"/>
+                <a:cs typeface="+mn-cs"/>
+              </a:rPr>
+              <a:t>"We have seen the transition to industrial Ethernet for a long time, but it isn′t until now that it has actually overtaken fieldbuses when it comes to number of new installed nodes," said Anders Hansson, Chief Marketing Officer at HMS. "The transition to industrial Ethernet is driven by the need for high performance, integration between factory installations and IT/</a:t>
+            </a:r>
+            <a:r>
+              <a:rPr lang="en-US" altLang="ja-JP" sz="1200" b="0" i="0" kern="1200" dirty="0" err="1" smtClean="0">
+                <a:solidFill>
+                  <a:schemeClr val="tx1"/>
+                </a:solidFill>
+                <a:effectLst/>
+                <a:latin typeface="Intel Clear"/>
+                <a:ea typeface="+mn-ea"/>
+                <a:cs typeface="+mn-cs"/>
+              </a:rPr>
               <a:t>IoT</a:t>
             </a:r>
             <a:r>
-              <a:rPr lang="en-US" dirty="0"/>
-              <a:t> sensor devices. Fully connected in this case doesn’t just mean that there is a network connection between two endpoints, but that there is data and protocol compatibility.</a:t>
-            </a:r>
-          </a:p>
-          <a:p>
-            <a:endParaRPr lang="en-US" dirty="0"/>
-          </a:p>
-          <a:p>
-            <a:r>
-              <a:rPr lang="en-US" dirty="0"/>
-              <a:t>To keep the connectivity architecture manageable, a connectivity technology standard is chosen as the baseline within a functional domain, and referred to as the “connectivity core standard” (see Figure 3-2). Gateways are used to bridge other connectivity technologies within the domain and to the connectivity core standards used in other functional domains. Connectivity between functional domains, often implemented in a tiered manner, can be intermittent. Connectivity gateways can help mitigate this intermittent connectivity. Applications are simpler and easier to maintain if logic is not needed to react to failed data exchanges.</a:t>
-            </a:r>
-            <a:r>
-              <a:rPr lang="en-US" dirty="0" smtClean="0"/>
-              <a:t> </a:t>
-            </a:r>
-            <a:br>
-              <a:rPr lang="en-US" dirty="0" smtClean="0"/>
-            </a:br>
-            <a:endParaRPr lang="en-US" dirty="0"/>
-          </a:p>
-          <a:p>
-            <a:r>
-              <a:rPr lang="en-US" dirty="0"/>
-              <a:t>Some endpoints can connect directly to a core standard. Other endpoints and subsystems connect through gateways. A core standard then connects them all together, allowing multiple connectivity technologies to be integrated without having to bridge between all possible pairs, so avoiding the dreaded N-squared bridging problem (see Figure 3-1). Each domain-specific connectivity technology needs only a gateway to just one connectivity core standard.</a:t>
-            </a:r>
-            <a:br>
-              <a:rPr lang="en-US" dirty="0"/>
-            </a:br>
-            <a:endParaRPr lang="en-US" dirty="0"/>
-          </a:p>
-          <a:p>
-            <a:r>
-              <a:rPr lang="en-US" dirty="0"/>
-              <a:t>Connectivity gateways enable incorporation of new connectivity technologies. They provide a stable foundation anchored in the “best-of-breed” technologies available today, yet can pivot in the future to a new baseline core standard that better satisfies the requirements.</a:t>
-            </a:r>
-            <a:r>
-              <a:rPr lang="en-US" dirty="0" smtClean="0"/>
-              <a:t> </a:t>
-            </a:r>
-            <a:br>
-              <a:rPr lang="en-US" dirty="0" smtClean="0"/>
-            </a:br>
-            <a:endParaRPr lang="en-US" dirty="0"/>
-          </a:p>
-          <a:p>
-            <a:r>
-              <a:rPr lang="en-US" dirty="0"/>
-              <a:t>It accomplishes this by  defining a small set of connectivity core standards. </a:t>
-            </a:r>
-            <a:r>
-              <a:rPr lang="en-US" i="1" dirty="0"/>
-              <a:t>Standardized core gateways </a:t>
-            </a:r>
-            <a:r>
-              <a:rPr lang="en-US" dirty="0"/>
-              <a:t>bridge the connectivity core standards. Domain-specific connectivity technologies need a gateway to just one of the connectivity core standards, to participate in an information exchange with the rest of the IIoT ecosystem.</a:t>
-            </a:r>
-            <a:r>
-              <a:rPr lang="en-US" dirty="0" smtClean="0"/>
-              <a:t> </a:t>
-            </a:r>
-            <a:br>
-              <a:rPr lang="en-US" dirty="0" smtClean="0"/>
-            </a:br>
-            <a:endParaRPr lang="en-US" dirty="0"/>
-          </a:p>
-          <a:p>
-            <a:r>
-              <a:rPr lang="en-US" dirty="0"/>
-              <a:t>The first diagram shows the challenge of building applications that require information exchange across different connectivity technologies. To facilitate information exchange, one has to build  bridges to each of the other connectivity technologies. Given N connectivity technologies, this requires building N*(N-1)/ 2 = O(N²) bridges. That quickly becomes impractical for large N (&gt; 3 or 4). The result is information silos, making it impossible to realize the vision of the Industrial Internet to create new value stream from heretofore locked up information flows.</a:t>
-            </a:r>
-            <a:r>
-              <a:rPr lang="en-US" b="0" dirty="0" smtClean="0"/>
-              <a:t> </a:t>
-            </a:r>
-            <a:br>
-              <a:rPr lang="en-US" b="0" dirty="0" smtClean="0"/>
-            </a:br>
-            <a:endParaRPr lang="en-US" b="0" dirty="0" smtClean="0"/>
-          </a:p>
-          <a:p>
-            <a:r>
-              <a:rPr lang="en-US" dirty="0"/>
-              <a:t>Using a gateway to a core connectivity standard, a domain-specific endpoint can communicate with endpoints on other domain-specific technologies also connected via gateways to the core connectivity standard (see Figure 3-2). Core connectivity endpoints can directly communicate with each other, and via gateways with domain-specific connectivity endpoints. Different functional domains may have different choices of core connectivity standards, due to different priorities on technical requirements, tradeoffs and ecosystems. To enable communication between different connectivity core standards, standardized gateways are needed. A standardized gateway between core connectivity standards is referred to as a </a:t>
-            </a:r>
-            <a:r>
-              <a:rPr lang="en-US" i="1" dirty="0"/>
-              <a:t>core gateway. </a:t>
-            </a:r>
-            <a:r>
-              <a:rPr lang="en-US" dirty="0"/>
-              <a:t>It allows domain-specific endpoints connected to one core standard to communicate with domain-specific endpoints integrated over another core standard, as shown in Figure 3-3.</a:t>
-            </a:r>
-          </a:p>
-          <a:p>
-            <a:r>
-              <a:rPr lang="en-US" dirty="0"/>
-              <a:t/>
-            </a:r>
-            <a:br>
-              <a:rPr lang="en-US" dirty="0"/>
-            </a:br>
-            <a:r>
-              <a:rPr lang="en-US" dirty="0"/>
-              <a:t>Also, it allows endpoints on the two core connectivity standards to interoperate.</a:t>
-            </a:r>
-            <a:r>
-              <a:rPr lang="en-US" dirty="0" smtClean="0"/>
-              <a:t> </a:t>
-            </a:r>
-            <a:br>
-              <a:rPr lang="en-US" dirty="0" smtClean="0"/>
-            </a:br>
-            <a:endParaRPr lang="en-US" dirty="0"/>
+              <a:rPr lang="en-US" altLang="ja-JP" sz="1200" b="0" i="0" kern="1200" dirty="0" smtClean="0">
+                <a:solidFill>
+                  <a:schemeClr val="tx1"/>
+                </a:solidFill>
+                <a:effectLst/>
+                <a:latin typeface="Intel Clear"/>
+                <a:ea typeface="+mn-ea"/>
+                <a:cs typeface="+mn-cs"/>
+              </a:rPr>
+              <a:t>-systems, as well as the Industrial Internet of Things in general."</a:t>
+            </a:r>
+          </a:p>
+          <a:p>
+            <a:r>
+              <a:rPr lang="en-US" altLang="ja-JP" sz="1200" b="1" i="0" kern="1200" dirty="0" smtClean="0">
+                <a:solidFill>
+                  <a:schemeClr val="tx1"/>
+                </a:solidFill>
+                <a:effectLst/>
+                <a:latin typeface="Intel Clear"/>
+                <a:ea typeface="+mn-ea"/>
+                <a:cs typeface="+mn-cs"/>
+              </a:rPr>
+              <a:t>Fieldbuses expected to decline</a:t>
+            </a:r>
+          </a:p>
+          <a:p>
+            <a:r>
+              <a:rPr lang="en-US" altLang="ja-JP" sz="1200" b="0" i="0" kern="1200" dirty="0" smtClean="0">
+                <a:solidFill>
+                  <a:schemeClr val="tx1"/>
+                </a:solidFill>
+                <a:effectLst/>
+                <a:latin typeface="Intel Clear"/>
+                <a:ea typeface="+mn-ea"/>
+                <a:cs typeface="+mn-cs"/>
+              </a:rPr>
+              <a:t>Boosted by a strong industry and cyber-security concerns in the industry, fieldbuses are still growing slightly. However, despite an increased growth rate at 6% (4% last year), the number of fieldbus installations are expected to decline steadily over the next few years. The dominant fieldbus is still PROFIBUS with 12% of the total world market, followed by Modbus-RTU and CC-Link, both at 6%.</a:t>
+            </a:r>
+          </a:p>
+          <a:p>
+            <a:r>
+              <a:rPr lang="en-US" altLang="ja-JP" sz="1200" b="1" i="0" kern="1200" dirty="0" smtClean="0">
+                <a:solidFill>
+                  <a:schemeClr val="tx1"/>
+                </a:solidFill>
+                <a:effectLst/>
+                <a:latin typeface="Intel Clear"/>
+                <a:ea typeface="+mn-ea"/>
+                <a:cs typeface="+mn-cs"/>
+              </a:rPr>
+              <a:t>Wireless redefining network picture</a:t>
+            </a:r>
+          </a:p>
+          <a:p>
+            <a:r>
+              <a:rPr lang="en-US" altLang="ja-JP" sz="1200" b="0" i="0" kern="1200" dirty="0" smtClean="0">
+                <a:solidFill>
+                  <a:schemeClr val="tx1"/>
+                </a:solidFill>
+                <a:effectLst/>
+                <a:latin typeface="Intel Clear"/>
+                <a:ea typeface="+mn-ea"/>
+                <a:cs typeface="+mn-cs"/>
+              </a:rPr>
+              <a:t>Wireless technologies are also growing by 32% and accounts for 6% of the total market. Within Wireless, WLAN is the most popular technology, followed by Bluetooth.</a:t>
+            </a:r>
+          </a:p>
+          <a:p>
+            <a:r>
+              <a:rPr lang="en-US" altLang="ja-JP" sz="1200" b="0" i="0" kern="1200" dirty="0" smtClean="0">
+                <a:solidFill>
+                  <a:schemeClr val="tx1"/>
+                </a:solidFill>
+                <a:effectLst/>
+                <a:latin typeface="Intel Clear"/>
+                <a:ea typeface="+mn-ea"/>
+                <a:cs typeface="+mn-cs"/>
+              </a:rPr>
+              <a:t>"Wireless is increasingly being used by machine builders and system integrators to realize innovative automation architectures. Users can reduce cabling and create new solutions for connectivity and control, including Bring Your Own Device solutions via tablets or smartphones," said Hansson.</a:t>
+            </a:r>
+          </a:p>
+          <a:p>
+            <a:r>
+              <a:rPr lang="en-US" altLang="ja-JP" sz="1200" b="1" i="0" kern="1200" dirty="0" smtClean="0">
+                <a:solidFill>
+                  <a:schemeClr val="tx1"/>
+                </a:solidFill>
+                <a:effectLst/>
+                <a:latin typeface="Intel Clear"/>
+                <a:ea typeface="+mn-ea"/>
+                <a:cs typeface="+mn-cs"/>
+              </a:rPr>
+              <a:t>Regional network variations</a:t>
+            </a:r>
+          </a:p>
+          <a:p>
+            <a:r>
+              <a:rPr lang="en-US" altLang="ja-JP" sz="1200" b="0" i="0" kern="1200" dirty="0" smtClean="0">
+                <a:solidFill>
+                  <a:schemeClr val="tx1"/>
+                </a:solidFill>
+                <a:effectLst/>
+                <a:latin typeface="Intel Clear"/>
+                <a:ea typeface="+mn-ea"/>
+                <a:cs typeface="+mn-cs"/>
+              </a:rPr>
+              <a:t>In Europe and the Middle East, PROFINET and </a:t>
+            </a:r>
+            <a:r>
+              <a:rPr lang="en-US" altLang="ja-JP" sz="1200" b="0" i="0" kern="1200" dirty="0" err="1" smtClean="0">
+                <a:solidFill>
+                  <a:schemeClr val="tx1"/>
+                </a:solidFill>
+                <a:effectLst/>
+                <a:latin typeface="Intel Clear"/>
+                <a:ea typeface="+mn-ea"/>
+                <a:cs typeface="+mn-cs"/>
+              </a:rPr>
+              <a:t>EtherNet</a:t>
+            </a:r>
+            <a:r>
+              <a:rPr lang="en-US" altLang="ja-JP" sz="1200" b="0" i="0" kern="1200" dirty="0" smtClean="0">
+                <a:solidFill>
+                  <a:schemeClr val="tx1"/>
+                </a:solidFill>
+                <a:effectLst/>
+                <a:latin typeface="Intel Clear"/>
+                <a:ea typeface="+mn-ea"/>
+                <a:cs typeface="+mn-cs"/>
+              </a:rPr>
+              <a:t>/IP are leading and PROFIBUS is still widely used. Other popular networks are </a:t>
+            </a:r>
+            <a:r>
+              <a:rPr lang="en-US" altLang="ja-JP" sz="1200" b="0" i="0" kern="1200" dirty="0" err="1" smtClean="0">
+                <a:solidFill>
+                  <a:schemeClr val="tx1"/>
+                </a:solidFill>
+                <a:effectLst/>
+                <a:latin typeface="Intel Clear"/>
+                <a:ea typeface="+mn-ea"/>
+                <a:cs typeface="+mn-cs"/>
+              </a:rPr>
+              <a:t>EtherCAT</a:t>
+            </a:r>
+            <a:r>
+              <a:rPr lang="en-US" altLang="ja-JP" sz="1200" b="0" i="0" kern="1200" dirty="0" smtClean="0">
+                <a:solidFill>
+                  <a:schemeClr val="tx1"/>
+                </a:solidFill>
+                <a:effectLst/>
+                <a:latin typeface="Intel Clear"/>
+                <a:ea typeface="+mn-ea"/>
+                <a:cs typeface="+mn-cs"/>
+              </a:rPr>
+              <a:t>, Modbus-TCP and Ethernet POWERLINK. The US market is dominated by the CIP networks, with a clear movement towards </a:t>
+            </a:r>
+            <a:r>
+              <a:rPr lang="en-US" altLang="ja-JP" sz="1200" b="0" i="0" kern="1200" dirty="0" err="1" smtClean="0">
+                <a:solidFill>
+                  <a:schemeClr val="tx1"/>
+                </a:solidFill>
+                <a:effectLst/>
+                <a:latin typeface="Intel Clear"/>
+                <a:ea typeface="+mn-ea"/>
+                <a:cs typeface="+mn-cs"/>
+              </a:rPr>
+              <a:t>EtherNet</a:t>
+            </a:r>
+            <a:r>
+              <a:rPr lang="en-US" altLang="ja-JP" sz="1200" b="0" i="0" kern="1200" dirty="0" smtClean="0">
+                <a:solidFill>
+                  <a:schemeClr val="tx1"/>
+                </a:solidFill>
+                <a:effectLst/>
+                <a:latin typeface="Intel Clear"/>
+                <a:ea typeface="+mn-ea"/>
+                <a:cs typeface="+mn-cs"/>
+              </a:rPr>
+              <a:t>/IP.</a:t>
+            </a:r>
+          </a:p>
+          <a:p>
+            <a:r>
+              <a:rPr lang="en-US" altLang="ja-JP" sz="1200" b="0" i="0" kern="1200" dirty="0" smtClean="0">
+                <a:solidFill>
+                  <a:schemeClr val="tx1"/>
+                </a:solidFill>
+                <a:effectLst/>
+                <a:latin typeface="Intel Clear"/>
+                <a:ea typeface="+mn-ea"/>
+                <a:cs typeface="+mn-cs"/>
+              </a:rPr>
+              <a:t>In Asia, no network stands out as truly market-leading, but PROFINET, </a:t>
+            </a:r>
+            <a:r>
+              <a:rPr lang="en-US" altLang="ja-JP" sz="1200" b="0" i="0" kern="1200" dirty="0" err="1" smtClean="0">
+                <a:solidFill>
+                  <a:schemeClr val="tx1"/>
+                </a:solidFill>
+                <a:effectLst/>
+                <a:latin typeface="Intel Clear"/>
+                <a:ea typeface="+mn-ea"/>
+                <a:cs typeface="+mn-cs"/>
+              </a:rPr>
+              <a:t>EtherNet</a:t>
+            </a:r>
+            <a:r>
+              <a:rPr lang="en-US" altLang="ja-JP" sz="1200" b="0" i="0" kern="1200" dirty="0" smtClean="0">
+                <a:solidFill>
+                  <a:schemeClr val="tx1"/>
+                </a:solidFill>
+                <a:effectLst/>
+                <a:latin typeface="Intel Clear"/>
+                <a:ea typeface="+mn-ea"/>
+                <a:cs typeface="+mn-cs"/>
+              </a:rPr>
+              <a:t>/IP, PROFIBUS, </a:t>
+            </a:r>
+            <a:r>
+              <a:rPr lang="en-US" altLang="ja-JP" sz="1200" b="0" i="0" kern="1200" dirty="0" err="1" smtClean="0">
+                <a:solidFill>
+                  <a:schemeClr val="tx1"/>
+                </a:solidFill>
+                <a:effectLst/>
+                <a:latin typeface="Intel Clear"/>
+                <a:ea typeface="+mn-ea"/>
+                <a:cs typeface="+mn-cs"/>
+              </a:rPr>
+              <a:t>EtherCAT</a:t>
+            </a:r>
+            <a:r>
+              <a:rPr lang="en-US" altLang="ja-JP" sz="1200" b="0" i="0" kern="1200" dirty="0" smtClean="0">
+                <a:solidFill>
+                  <a:schemeClr val="tx1"/>
+                </a:solidFill>
+                <a:effectLst/>
+                <a:latin typeface="Intel Clear"/>
+                <a:ea typeface="+mn-ea"/>
+                <a:cs typeface="+mn-cs"/>
+              </a:rPr>
+              <a:t>, Modbus and CC-Link are widely used, with the Ethernet version CC-Link IE Field also gaining traction.</a:t>
+            </a:r>
+          </a:p>
+          <a:p>
+            <a:r>
+              <a:rPr lang="en-US" altLang="ja-JP" sz="1200" b="1" i="0" kern="1200" dirty="0" smtClean="0">
+                <a:solidFill>
+                  <a:schemeClr val="tx1"/>
+                </a:solidFill>
+                <a:effectLst/>
+                <a:latin typeface="Intel Clear"/>
+                <a:ea typeface="+mn-ea"/>
+                <a:cs typeface="+mn-cs"/>
+              </a:rPr>
+              <a:t>Looking back five years</a:t>
+            </a:r>
+          </a:p>
+          <a:p>
+            <a:r>
+              <a:rPr lang="en-US" altLang="ja-JP" sz="1200" b="0" i="0" kern="1200" dirty="0" smtClean="0">
+                <a:solidFill>
+                  <a:schemeClr val="tx1"/>
+                </a:solidFill>
+                <a:effectLst/>
+                <a:latin typeface="Intel Clear"/>
+                <a:ea typeface="+mn-ea"/>
+                <a:cs typeface="+mn-cs"/>
+              </a:rPr>
+              <a:t>A special feature in this year′s study is a look back on five years of steady industrial network growth. HMS concludes that during 2017, industrial Ethernet finally passed fieldbuses in terms of market share.</a:t>
+            </a:r>
+          </a:p>
+          <a:p>
+            <a:r>
+              <a:rPr lang="en-US" altLang="ja-JP" sz="1200" b="0" i="0" kern="1200" dirty="0" smtClean="0">
+                <a:solidFill>
+                  <a:schemeClr val="tx1"/>
+                </a:solidFill>
+                <a:effectLst/>
+                <a:latin typeface="Intel Clear"/>
+                <a:ea typeface="+mn-ea"/>
+                <a:cs typeface="+mn-cs"/>
+              </a:rPr>
+              <a:t>"The growth of industrial networks has been steady over the last five years, and it is interesting to see that industrial Ethernet now has passed fieldbus, currently accounting for 52% of the market with </a:t>
+            </a:r>
+            <a:r>
+              <a:rPr lang="en-US" altLang="ja-JP" sz="1200" b="0" i="0" kern="1200" dirty="0" err="1" smtClean="0">
+                <a:solidFill>
+                  <a:schemeClr val="tx1"/>
+                </a:solidFill>
+                <a:effectLst/>
+                <a:latin typeface="Intel Clear"/>
+                <a:ea typeface="+mn-ea"/>
+                <a:cs typeface="+mn-cs"/>
+              </a:rPr>
+              <a:t>EtherNet</a:t>
+            </a:r>
+            <a:r>
+              <a:rPr lang="en-US" altLang="ja-JP" sz="1200" b="0" i="0" kern="1200" dirty="0" smtClean="0">
+                <a:solidFill>
+                  <a:schemeClr val="tx1"/>
+                </a:solidFill>
+                <a:effectLst/>
+                <a:latin typeface="Intel Clear"/>
+                <a:ea typeface="+mn-ea"/>
+                <a:cs typeface="+mn-cs"/>
+              </a:rPr>
+              <a:t>/IP as the leading network," said Hansson.</a:t>
+            </a:r>
+          </a:p>
+          <a:p>
+            <a:r>
+              <a:rPr lang="en-US" altLang="ja-JP" sz="1200" b="0" i="0" kern="1200" dirty="0" smtClean="0">
+                <a:solidFill>
+                  <a:schemeClr val="tx1"/>
+                </a:solidFill>
+                <a:effectLst/>
+                <a:latin typeface="Intel Clear"/>
+                <a:ea typeface="+mn-ea"/>
+                <a:cs typeface="+mn-cs"/>
+              </a:rPr>
+              <a:t>"Nevertheless, our study confirms that the network market remains fragmented; users continue to ask for connectivity to a wide variety of networks, depending on application. Looking ahead, it is clear that industrial devices will become increasingly connected, boosted by the Industrial Internet of Things and Industry 4.0. From our point of view, we are well-suited to grow with these trends," Hansson added.</a:t>
+            </a:r>
+          </a:p>
+          <a:p>
+            <a:r>
+              <a:rPr lang="en-US" altLang="ja-JP" sz="1200" b="0" i="1" kern="1200" dirty="0" smtClean="0">
+                <a:solidFill>
+                  <a:schemeClr val="tx1"/>
+                </a:solidFill>
+                <a:effectLst/>
+                <a:latin typeface="Intel Clear"/>
+                <a:ea typeface="+mn-ea"/>
+                <a:cs typeface="+mn-cs"/>
+              </a:rPr>
+              <a:t>Anders Hansson, Chief Marketing Officer, HMS Industrial Networks.</a:t>
+            </a:r>
+            <a:endParaRPr lang="en-US" altLang="ja-JP" sz="1200" b="0" i="0" kern="1200" dirty="0" smtClean="0">
+              <a:solidFill>
+                <a:schemeClr val="tx1"/>
+              </a:solidFill>
+              <a:effectLst/>
+              <a:latin typeface="Intel Clear"/>
+              <a:ea typeface="+mn-ea"/>
+              <a:cs typeface="+mn-cs"/>
+            </a:endParaRPr>
+          </a:p>
+          <a:p>
+            <a:endParaRPr kumimoji="1" lang="ja-JP" altLang="en-US" dirty="0"/>
           </a:p>
         </p:txBody>
       </p:sp>
@@ -3386,18 +4003,27 @@
           <a:bodyPr/>
           <a:lstStyle/>
           <a:p>
-            <a:fld id="{5411DBE0-381C-46D4-8DEC-C543B120D642}" type="slidenum">
-              <a:rPr lang="en-US" smtClean="0"/>
-              <a:t>6</a:t>
+            <a:fld id="{D61C8689-8455-3546-ADF9-3B7273760F66}" type="slidenum">
+              <a:rPr lang="en-US" smtClean="0">
+                <a:solidFill>
+                  <a:prstClr val="black"/>
+                </a:solidFill>
+              </a:rPr>
+              <a:pPr/>
+              <a:t>5</a:t>
             </a:fld>
-            <a:endParaRPr lang="en-US"/>
+            <a:endParaRPr lang="en-US" dirty="0">
+              <a:solidFill>
+                <a:prstClr val="black"/>
+              </a:solidFill>
+            </a:endParaRPr>
           </a:p>
         </p:txBody>
       </p:sp>
     </p:spTree>
     <p:extLst>
       <p:ext uri="{BB962C8B-B14F-4D97-AF65-F5344CB8AC3E}">
-        <p14:creationId xmlns:p14="http://schemas.microsoft.com/office/powerpoint/2010/main" val="237711139"/>
+        <p14:creationId xmlns:p14="http://schemas.microsoft.com/office/powerpoint/2010/main" val="144947648"/>
       </p:ext>
     </p:extLst>
   </p:cSld>
@@ -3452,76 +4078,159 @@
           <a:lstStyle/>
           <a:p>
             <a:r>
+              <a:rPr lang="en-US" b="1" dirty="0"/>
+              <a:t>IIoT Connectivity Reference Architecture</a:t>
+            </a:r>
+          </a:p>
+          <a:p>
+            <a:endParaRPr lang="en-US" dirty="0"/>
+          </a:p>
+          <a:p>
+            <a:r>
               <a:rPr lang="en-US" dirty="0"/>
-              <a:t>Let K be the number of core standards. Then the number of core gateways that will be</a:t>
+              <a:t>The Industrial Internet of Things requires us to think about scale and interoperability.  Both the number of installed communicating devices and the number of communication types.  </a:t>
+            </a:r>
+          </a:p>
+          <a:p>
+            <a:endParaRPr lang="en-US" dirty="0"/>
+          </a:p>
+          <a:p>
+            <a:r>
+              <a:rPr lang="en-US" dirty="0"/>
+              <a:t>In this talk we will introduce an IIoT Connectivity Reference Architecture that achieves near linear scalability, O(N), with respect to the number of connectivity technologies. This is important from the our four main viewpoints. From the business viewpoint implementing scalable systems will decrease capital expenditure.  From a Usages and Functional view points it increases the maximum size potential devices that can be connected.  We will mainly focus on the implementation viewpoint by first introducing the idea of a </a:t>
+            </a:r>
+            <a:r>
+              <a:rPr lang="en-US" b="1" dirty="0" err="1"/>
+              <a:t>mutli</a:t>
+            </a:r>
+            <a:r>
+              <a:rPr lang="en-US" b="1" dirty="0"/>
+              <a:t>-bus, multi-protocol network system</a:t>
+            </a:r>
+            <a:r>
+              <a:rPr lang="en-US" dirty="0"/>
+              <a:t>. Then we will discuss some of the commonly used protocols that used in IIoT deployments.</a:t>
+            </a:r>
+          </a:p>
+          <a:p>
+            <a:endParaRPr lang="en-US" dirty="0"/>
+          </a:p>
+          <a:p>
+            <a:r>
+              <a:rPr lang="en-US" dirty="0"/>
+              <a:t>First, let’s consider a fully connected graph of </a:t>
+            </a:r>
+            <a:r>
+              <a:rPr lang="en-US" dirty="0" err="1"/>
+              <a:t>IoT</a:t>
+            </a:r>
+            <a:r>
+              <a:rPr lang="en-US" dirty="0"/>
+              <a:t> sensor devices. Fully connected in this case doesn’t just mean that there is a network connection between two endpoints, but that there is data and protocol compatibility.</a:t>
+            </a:r>
+          </a:p>
+          <a:p>
+            <a:endParaRPr lang="en-US" dirty="0"/>
+          </a:p>
+          <a:p>
+            <a:r>
+              <a:rPr lang="en-US" dirty="0"/>
+              <a:t>To keep the connectivity architecture manageable, a connectivity technology standard is chosen as the baseline within a functional domain, and referred to as the “connectivity core standard” (see Figure 3-2). Gateways are used to bridge other connectivity technologies within the domain and to the connectivity core standards used in other functional domains. Connectivity between functional domains, often implemented in a tiered manner, can be intermittent. Connectivity gateways can help mitigate this intermittent connectivity. Applications are simpler and easier to maintain if logic is not needed to react to failed data exchanges.</a:t>
+            </a:r>
+            <a:r>
+              <a:rPr lang="en-US" dirty="0" smtClean="0"/>
+              <a:t> </a:t>
+            </a:r>
+            <a:br>
+              <a:rPr lang="en-US" dirty="0" smtClean="0"/>
+            </a:br>
+            <a:endParaRPr lang="en-US" dirty="0"/>
+          </a:p>
+          <a:p>
+            <a:r>
+              <a:rPr lang="en-US" dirty="0"/>
+              <a:t>Some endpoints can connect directly to a core standard. Other endpoints and subsystems connect through gateways. A core standard then connects them all together, allowing multiple connectivity technologies to be integrated without having to bridge between all possible pairs, so avoiding the dreaded N-squared bridging problem (see Figure 3-1). Each domain-specific connectivity technology needs only a gateway to just one connectivity core standard.</a:t>
             </a:r>
             <a:br>
               <a:rPr lang="en-US" dirty="0"/>
             </a:br>
+            <a:endParaRPr lang="en-US" dirty="0"/>
+          </a:p>
+          <a:p>
             <a:r>
               <a:rPr lang="en-US" dirty="0"/>
-              <a:t>standardized is K * (K - 1) / 2, as shown in Figure 3-4. If N is the total number of connectivity</a:t>
+              <a:t>Connectivity gateways enable incorporation of new connectivity technologies. They provide a stable foundation anchored in the “best-of-breed” technologies available today, yet can pivot in the future to a new baseline core standard that better satisfies the requirements.</a:t>
+            </a:r>
+            <a:r>
+              <a:rPr lang="en-US" dirty="0" smtClean="0"/>
+              <a:t> </a:t>
+            </a:r>
+            <a:br>
+              <a:rPr lang="en-US" dirty="0" smtClean="0"/>
+            </a:br>
+            <a:endParaRPr lang="en-US" dirty="0"/>
+          </a:p>
+          <a:p>
+            <a:r>
+              <a:rPr lang="en-US" dirty="0"/>
+              <a:t>It accomplishes this by  defining a small set of connectivity core standards. </a:t>
+            </a:r>
+            <a:r>
+              <a:rPr lang="en-US" i="1" dirty="0"/>
+              <a:t>Standardized core gateways </a:t>
+            </a:r>
+            <a:r>
+              <a:rPr lang="en-US" dirty="0"/>
+              <a:t>bridge the connectivity core standards. Domain-specific connectivity technologies need a gateway to just one of the connectivity core standards, to participate in an information exchange with the rest of the IIoT ecosystem.</a:t>
+            </a:r>
+            <a:r>
+              <a:rPr lang="en-US" dirty="0" smtClean="0"/>
+              <a:t> </a:t>
+            </a:r>
+            <a:br>
+              <a:rPr lang="en-US" dirty="0" smtClean="0"/>
+            </a:br>
+            <a:endParaRPr lang="en-US" dirty="0"/>
+          </a:p>
+          <a:p>
+            <a:r>
+              <a:rPr lang="en-US" dirty="0"/>
+              <a:t>The first diagram shows the challenge of building applications that require information exchange across different connectivity technologies. To facilitate information exchange, one has to build  bridges to each of the other connectivity technologies. Given N connectivity technologies, this requires building N*(N-1)/ 2 = O(N²) bridges. That quickly becomes impractical for large N (&gt; 3 or 4). The result is information silos, making it impossible to realize the vision of the Industrial Internet to create new value stream from heretofore locked up information flows.</a:t>
+            </a:r>
+            <a:r>
+              <a:rPr lang="en-US" b="0" dirty="0" smtClean="0"/>
+              <a:t> </a:t>
+            </a:r>
+            <a:br>
+              <a:rPr lang="en-US" b="0" dirty="0" smtClean="0"/>
+            </a:br>
+            <a:endParaRPr lang="en-US" b="0" dirty="0" smtClean="0"/>
+          </a:p>
+          <a:p>
+            <a:r>
+              <a:rPr lang="en-US" dirty="0"/>
+              <a:t>Using a gateway to a core connectivity standard, a domain-specific endpoint can communicate with endpoints on other domain-specific technologies also connected via gateways to the core connectivity standard (see Figure 3-2). Core connectivity endpoints can directly communicate with each other, and via gateways with domain-specific connectivity endpoints. Different functional domains may have different choices of core connectivity standards, due to different priorities on technical requirements, tradeoffs and ecosystems. To enable communication between different connectivity core standards, standardized gateways are needed. A standardized gateway between core connectivity standards is referred to as a </a:t>
+            </a:r>
+            <a:r>
+              <a:rPr lang="en-US" i="1" dirty="0"/>
+              <a:t>core gateway. </a:t>
+            </a:r>
+            <a:r>
+              <a:rPr lang="en-US" dirty="0"/>
+              <a:t>It allows domain-specific endpoints connected to one core standard to communicate with domain-specific endpoints integrated over another core standard, as shown in Figure 3-3.</a:t>
+            </a:r>
+          </a:p>
+          <a:p>
+            <a:r>
+              <a:rPr lang="en-US" dirty="0"/>
+              <a:t/>
             </a:r>
             <a:br>
               <a:rPr lang="en-US" dirty="0"/>
             </a:br>
             <a:r>
               <a:rPr lang="en-US" dirty="0"/>
-              <a:t>technologies (see Figure 3-1), then only additional (N-K) gateways are needed with the</a:t>
-            </a:r>
-            <a:br>
-              <a:rPr lang="en-US" dirty="0"/>
-            </a:br>
-            <a:r>
-              <a:rPr lang="en-US" dirty="0"/>
-              <a:t>introduction of core standards. The total number of gateways required becomes</a:t>
-            </a:r>
-          </a:p>
-          <a:p>
-            <a:r>
-              <a:rPr lang="en-US" dirty="0"/>
-              <a:t> K*(K-1)/2 + (N-K) vs. the original N*(N-1)/2 shown in Figure 3-1. Assuming K &lt;&lt; N, the number of gateways goes</a:t>
-            </a:r>
-            <a:br>
-              <a:rPr lang="en-US" dirty="0"/>
-            </a:br>
-            <a:r>
-              <a:rPr lang="en-US" dirty="0"/>
-              <a:t>from O(N²) to O(N), which is much more tractable.</a:t>
-            </a:r>
-          </a:p>
-          <a:p>
-            <a:r>
-              <a:rPr lang="en-US" dirty="0"/>
-              <a:t/>
-            </a:r>
-            <a:br>
-              <a:rPr lang="en-US" dirty="0"/>
-            </a:br>
-            <a:r>
-              <a:rPr lang="en-US" dirty="0"/>
-              <a:t>Each additional core standard creates increasing complexity and interoperability challenges with</a:t>
-            </a:r>
-            <a:br>
-              <a:rPr lang="en-US" dirty="0"/>
-            </a:br>
-            <a:r>
-              <a:rPr lang="en-US" dirty="0"/>
-              <a:t>the square of the number of core standards. A few (small K) core connectivity standards should</a:t>
-            </a:r>
-            <a:br>
-              <a:rPr lang="en-US" dirty="0"/>
-            </a:br>
-            <a:r>
-              <a:rPr lang="en-US" dirty="0"/>
-              <a:t>suffice to cover the needs of IIoT systems across the functional domains and industries to attain</a:t>
-            </a:r>
-            <a:br>
-              <a:rPr lang="en-US" dirty="0"/>
-            </a:br>
-            <a:r>
-              <a:rPr lang="en-US" dirty="0"/>
-              <a:t>the goal of horizontal interoperability.</a:t>
+              <a:t>Also, it allows endpoints on the two core connectivity standards to interoperate.</a:t>
             </a:r>
             <a:r>
               <a:rPr lang="en-US" dirty="0" smtClean="0"/>
@@ -3530,16 +4239,6 @@
             <a:br>
               <a:rPr lang="en-US" dirty="0" smtClean="0"/>
             </a:br>
-            <a:r>
-              <a:rPr lang="en-US" dirty="0" smtClean="0"/>
-              <a:t/>
-            </a:r>
-            <a:br>
-              <a:rPr lang="en-US" dirty="0" smtClean="0"/>
-            </a:br>
-            <a:endParaRPr lang="en-US" dirty="0" smtClean="0"/>
-          </a:p>
-          <a:p>
             <a:endParaRPr lang="en-US" dirty="0"/>
           </a:p>
         </p:txBody>
@@ -3570,7 +4269,7 @@
     </p:spTree>
     <p:extLst>
       <p:ext uri="{BB962C8B-B14F-4D97-AF65-F5344CB8AC3E}">
-        <p14:creationId xmlns:p14="http://schemas.microsoft.com/office/powerpoint/2010/main" val="523730946"/>
+        <p14:creationId xmlns:p14="http://schemas.microsoft.com/office/powerpoint/2010/main" val="237711139"/>
       </p:ext>
     </p:extLst>
   </p:cSld>
@@ -3624,6 +4323,95 @@
           <a:bodyPr/>
           <a:lstStyle/>
           <a:p>
+            <a:r>
+              <a:rPr lang="en-US" dirty="0"/>
+              <a:t>Let K be the number of core standards. Then the number of core gateways that will be</a:t>
+            </a:r>
+            <a:br>
+              <a:rPr lang="en-US" dirty="0"/>
+            </a:br>
+            <a:r>
+              <a:rPr lang="en-US" dirty="0"/>
+              <a:t>standardized is K * (K - 1) / 2, as shown in Figure 3-4. If N is the total number of connectivity</a:t>
+            </a:r>
+            <a:br>
+              <a:rPr lang="en-US" dirty="0"/>
+            </a:br>
+            <a:r>
+              <a:rPr lang="en-US" dirty="0"/>
+              <a:t>technologies (see Figure 3-1), then only additional (N-K) gateways are needed with the</a:t>
+            </a:r>
+            <a:br>
+              <a:rPr lang="en-US" dirty="0"/>
+            </a:br>
+            <a:r>
+              <a:rPr lang="en-US" dirty="0"/>
+              <a:t>introduction of core standards. The total number of gateways required becomes</a:t>
+            </a:r>
+          </a:p>
+          <a:p>
+            <a:r>
+              <a:rPr lang="en-US" dirty="0"/>
+              <a:t> K*(K-1)/2 + (N-K) vs. the original N*(N-1)/2 shown in Figure 3-1. Assuming K &lt;&lt; N, the number of gateways goes</a:t>
+            </a:r>
+            <a:br>
+              <a:rPr lang="en-US" dirty="0"/>
+            </a:br>
+            <a:r>
+              <a:rPr lang="en-US" dirty="0"/>
+              <a:t>from O(N²) to O(N), which is much more tractable.</a:t>
+            </a:r>
+          </a:p>
+          <a:p>
+            <a:r>
+              <a:rPr lang="en-US" dirty="0"/>
+              <a:t/>
+            </a:r>
+            <a:br>
+              <a:rPr lang="en-US" dirty="0"/>
+            </a:br>
+            <a:r>
+              <a:rPr lang="en-US" dirty="0"/>
+              <a:t>Each additional core standard creates increasing complexity and interoperability challenges with</a:t>
+            </a:r>
+            <a:br>
+              <a:rPr lang="en-US" dirty="0"/>
+            </a:br>
+            <a:r>
+              <a:rPr lang="en-US" dirty="0"/>
+              <a:t>the square of the number of core standards. A few (small K) core connectivity standards should</a:t>
+            </a:r>
+            <a:br>
+              <a:rPr lang="en-US" dirty="0"/>
+            </a:br>
+            <a:r>
+              <a:rPr lang="en-US" dirty="0"/>
+              <a:t>suffice to cover the needs of IIoT systems across the functional domains and industries to attain</a:t>
+            </a:r>
+            <a:br>
+              <a:rPr lang="en-US" dirty="0"/>
+            </a:br>
+            <a:r>
+              <a:rPr lang="en-US" dirty="0"/>
+              <a:t>the goal of horizontal interoperability.</a:t>
+            </a:r>
+            <a:r>
+              <a:rPr lang="en-US" dirty="0" smtClean="0"/>
+              <a:t> </a:t>
+            </a:r>
+            <a:br>
+              <a:rPr lang="en-US" dirty="0" smtClean="0"/>
+            </a:br>
+            <a:r>
+              <a:rPr lang="en-US" dirty="0" smtClean="0"/>
+              <a:t/>
+            </a:r>
+            <a:br>
+              <a:rPr lang="en-US" dirty="0" smtClean="0"/>
+            </a:br>
+            <a:endParaRPr lang="en-US" dirty="0" smtClean="0"/>
+          </a:p>
+          <a:p>
             <a:endParaRPr lang="en-US" dirty="0"/>
           </a:p>
         </p:txBody>
@@ -3654,7 +4442,7 @@
     </p:spTree>
     <p:extLst>
       <p:ext uri="{BB962C8B-B14F-4D97-AF65-F5344CB8AC3E}">
-        <p14:creationId xmlns:p14="http://schemas.microsoft.com/office/powerpoint/2010/main" val="1299270052"/>
+        <p14:creationId xmlns:p14="http://schemas.microsoft.com/office/powerpoint/2010/main" val="523730946"/>
       </p:ext>
     </p:extLst>
   </p:cSld>
@@ -3708,7 +4496,7 @@
           <a:bodyPr/>
           <a:lstStyle/>
           <a:p>
-            <a:endParaRPr lang="en-US"/>
+            <a:endParaRPr lang="en-US" dirty="0"/>
           </a:p>
         </p:txBody>
       </p:sp>
@@ -3738,7 +4526,7 @@
     </p:spTree>
     <p:extLst>
       <p:ext uri="{BB962C8B-B14F-4D97-AF65-F5344CB8AC3E}">
-        <p14:creationId xmlns:p14="http://schemas.microsoft.com/office/powerpoint/2010/main" val="1482952386"/>
+        <p14:creationId xmlns:p14="http://schemas.microsoft.com/office/powerpoint/2010/main" val="1299270052"/>
       </p:ext>
     </p:extLst>
   </p:cSld>
@@ -3792,717 +4580,7 @@
           <a:bodyPr/>
           <a:lstStyle/>
           <a:p>
-            <a:r>
-              <a:rPr lang="en-US" dirty="0"/>
-              <a:t>The lowest layer is the </a:t>
-            </a:r>
-            <a:r>
-              <a:rPr lang="en-US" i="1" dirty="0"/>
-              <a:t>physical layer</a:t>
-            </a:r>
-            <a:r>
-              <a:rPr lang="en-US" dirty="0"/>
-              <a:t>, which refers to the exchange of physical signals (electric,</a:t>
-            </a:r>
-            <a:br>
-              <a:rPr lang="en-US" dirty="0"/>
-            </a:br>
-            <a:r>
-              <a:rPr lang="en-US" dirty="0"/>
-              <a:t>optical, or other) on the physical media (wired or wireless) connecting the participants. Above it</a:t>
-            </a:r>
-            <a:br>
-              <a:rPr lang="en-US" dirty="0"/>
-            </a:br>
-            <a:r>
-              <a:rPr lang="en-US" dirty="0"/>
-              <a:t>is the </a:t>
-            </a:r>
-            <a:r>
-              <a:rPr lang="en-US" i="1" dirty="0"/>
-              <a:t>link layer</a:t>
-            </a:r>
-            <a:r>
-              <a:rPr lang="en-US" dirty="0"/>
-              <a:t>, which refers to the exchange of </a:t>
-            </a:r>
-            <a:r>
-              <a:rPr lang="en-US" i="1" dirty="0"/>
-              <a:t>frames </a:t>
-            </a:r>
-            <a:r>
-              <a:rPr lang="en-US" dirty="0"/>
-              <a:t>using signaling protocols on the shared</a:t>
-            </a:r>
-            <a:br>
-              <a:rPr lang="en-US" dirty="0"/>
-            </a:br>
-            <a:r>
-              <a:rPr lang="en-US" dirty="0"/>
-              <a:t>physical link between adjacent participants. Above it is the </a:t>
-            </a:r>
-            <a:r>
-              <a:rPr lang="en-US" i="1" dirty="0"/>
-              <a:t>network layer</a:t>
-            </a:r>
-            <a:r>
-              <a:rPr lang="en-US" dirty="0"/>
-              <a:t>, which refers to the</a:t>
-            </a:r>
-            <a:br>
-              <a:rPr lang="en-US" dirty="0"/>
-            </a:br>
-            <a:r>
-              <a:rPr lang="en-US" dirty="0"/>
-              <a:t>exchange of </a:t>
-            </a:r>
-            <a:r>
-              <a:rPr lang="en-US" i="1" dirty="0"/>
-              <a:t>packets </a:t>
-            </a:r>
-            <a:r>
-              <a:rPr lang="en-US" dirty="0"/>
-              <a:t>(bounded length</a:t>
-            </a:r>
-            <a:r>
-              <a:rPr lang="en-US" i="1" dirty="0"/>
-              <a:t>), </a:t>
-            </a:r>
-            <a:r>
-              <a:rPr lang="en-US" dirty="0"/>
-              <a:t>possibly routing them over multiple links to communicate</a:t>
-            </a:r>
-            <a:br>
-              <a:rPr lang="en-US" dirty="0"/>
-            </a:br>
-            <a:r>
-              <a:rPr lang="en-US" dirty="0"/>
-              <a:t>between non-adjacent (remote) participants. Above it is the </a:t>
-            </a:r>
-            <a:r>
-              <a:rPr lang="en-US" i="1" dirty="0"/>
-              <a:t>transport layer</a:t>
-            </a:r>
-            <a:r>
-              <a:rPr lang="en-US" dirty="0"/>
-              <a:t>, which refers to the</a:t>
-            </a:r>
-            <a:br>
-              <a:rPr lang="en-US" dirty="0"/>
-            </a:br>
-            <a:r>
-              <a:rPr lang="en-US" dirty="0"/>
-              <a:t>exchange of </a:t>
-            </a:r>
-            <a:r>
-              <a:rPr lang="en-US" i="1" dirty="0"/>
-              <a:t>messages </a:t>
-            </a:r>
-            <a:r>
-              <a:rPr lang="en-US" dirty="0"/>
-              <a:t>(variable length) between participant applications. Above it is the</a:t>
-            </a:r>
-            <a:br>
-              <a:rPr lang="en-US" dirty="0"/>
-            </a:br>
-            <a:r>
-              <a:rPr lang="en-US" i="1" dirty="0"/>
-              <a:t>framework layer, </a:t>
-            </a:r>
-            <a:r>
-              <a:rPr lang="en-US" dirty="0"/>
-              <a:t>which refers to the exchange of structured data (state, events, streams) with</a:t>
-            </a:r>
-            <a:br>
-              <a:rPr lang="en-US" dirty="0"/>
-            </a:br>
-            <a:r>
-              <a:rPr lang="en-US" dirty="0"/>
-              <a:t>configurable quality-of-service between participant applications. Above it, but outside the scope</a:t>
-            </a:r>
-            <a:br>
-              <a:rPr lang="en-US" dirty="0"/>
-            </a:br>
-            <a:r>
-              <a:rPr lang="en-US" dirty="0"/>
-              <a:t>of connectivity, is the </a:t>
-            </a:r>
-            <a:r>
-              <a:rPr lang="en-US" i="1" dirty="0"/>
-              <a:t>distributed data interoperability and management </a:t>
-            </a:r>
-            <a:r>
-              <a:rPr lang="en-US" dirty="0"/>
-              <a:t>layer crosscutting</a:t>
-            </a:r>
-            <a:br>
-              <a:rPr lang="en-US" dirty="0"/>
-            </a:br>
-            <a:r>
-              <a:rPr lang="en-US" dirty="0"/>
-              <a:t>function that relies on the data sharing mechanism provided by the connectivity framework layer.</a:t>
-            </a:r>
-            <a:r>
-              <a:rPr lang="en-US" dirty="0" smtClean="0"/>
-              <a:t> </a:t>
-            </a:r>
-          </a:p>
-          <a:p>
-            <a:endParaRPr lang="en-US" dirty="0" smtClean="0"/>
-          </a:p>
-          <a:p>
-            <a:r>
-              <a:rPr lang="en-US" b="1" dirty="0" smtClean="0"/>
-              <a:t>Performance</a:t>
-            </a:r>
-          </a:p>
-          <a:p>
-            <a:r>
-              <a:rPr lang="en-US" i="1" dirty="0"/>
-              <a:t>Latency and jitter</a:t>
-            </a:r>
-            <a:r>
-              <a:rPr lang="en-US" dirty="0"/>
-              <a:t>. Latency is the time it takes for data to go from source to destination (“time of</a:t>
-            </a:r>
-            <a:br>
-              <a:rPr lang="en-US" dirty="0"/>
-            </a:br>
-            <a:r>
-              <a:rPr lang="en-US" dirty="0"/>
-              <a:t>flight”). Jitter is the variation in latency. The data usually has a limited useful lifetime, so low</a:t>
-            </a:r>
-            <a:br>
-              <a:rPr lang="en-US" dirty="0"/>
-            </a:br>
-            <a:r>
-              <a:rPr lang="en-US" dirty="0"/>
-              <a:t>latency is essential. Low jitter is also needed to ensure the application has integrity and system</a:t>
-            </a:r>
-            <a:r>
-              <a:rPr lang="en-US" dirty="0" smtClean="0"/>
-              <a:t> </a:t>
-            </a:r>
-          </a:p>
-          <a:p>
-            <a:r>
-              <a:rPr lang="en-US" dirty="0"/>
-              <a:t>maintains predictable performance. The connectivity function addresses latency and jitter in the</a:t>
-            </a:r>
-            <a:br>
-              <a:rPr lang="en-US" dirty="0"/>
-            </a:br>
-            <a:r>
-              <a:rPr lang="en-US" dirty="0"/>
-              <a:t>data exchanged between endpoints, possibly in exchange for throughput.</a:t>
-            </a:r>
-            <a:br>
-              <a:rPr lang="en-US" dirty="0"/>
-            </a:br>
-            <a:r>
-              <a:rPr lang="en-US" i="1" dirty="0"/>
-              <a:t>Throughput</a:t>
-            </a:r>
-            <a:r>
-              <a:rPr lang="en-US" dirty="0"/>
-              <a:t>. Throughput is the load on the network as defined by the volume of data flow per</a:t>
-            </a:r>
-            <a:br>
-              <a:rPr lang="en-US" dirty="0"/>
-            </a:br>
-            <a:r>
-              <a:rPr lang="en-US" dirty="0"/>
-              <a:t>unit of time. Bandwidth is the network capacity of a connectivity technology. In some designs, a</a:t>
-            </a:r>
-            <a:br>
-              <a:rPr lang="en-US" dirty="0"/>
-            </a:br>
-            <a:r>
-              <a:rPr lang="en-US" dirty="0"/>
-              <a:t>large volume of data may be exchanged in a short time on an ongoing basis among endpoints;</a:t>
-            </a:r>
-            <a:br>
-              <a:rPr lang="en-US" dirty="0"/>
-            </a:br>
-            <a:r>
-              <a:rPr lang="en-US" dirty="0"/>
-              <a:t>high throughput would be needed.</a:t>
-            </a:r>
-            <a:br>
-              <a:rPr lang="en-US" dirty="0"/>
-            </a:br>
-            <a:r>
-              <a:rPr lang="en-US" dirty="0"/>
-              <a:t>In practice, the operational settings that optimize for high throughput are not the same as those</a:t>
-            </a:r>
-            <a:br>
-              <a:rPr lang="en-US" dirty="0"/>
-            </a:br>
-            <a:r>
-              <a:rPr lang="en-US" dirty="0"/>
-              <a:t>that optimize for low latency. Therefore, the connectivity function should support achieving the</a:t>
-            </a:r>
-            <a:br>
-              <a:rPr lang="en-US" dirty="0"/>
-            </a:br>
-            <a:r>
-              <a:rPr lang="en-US" dirty="0"/>
-              <a:t>right balance as per the requirements of the data flow.</a:t>
-            </a:r>
-            <a:br>
-              <a:rPr lang="en-US" dirty="0"/>
-            </a:br>
-            <a:r>
-              <a:rPr lang="en-US" dirty="0"/>
-              <a:t>In industrial internet applications, particularly at the edge, low latency and jitter are generally</a:t>
-            </a:r>
-            <a:br>
-              <a:rPr lang="en-US" dirty="0"/>
-            </a:br>
-            <a:r>
-              <a:rPr lang="en-US" dirty="0"/>
-              <a:t>more important to performance than throughput and bandwidth. Automation and control of</a:t>
-            </a:r>
-            <a:br>
-              <a:rPr lang="en-US" dirty="0"/>
-            </a:br>
-            <a:r>
-              <a:rPr lang="en-US" dirty="0"/>
-              <a:t>real-world processes require short reaction times or tight coordination to maintain effective</a:t>
-            </a:r>
-            <a:br>
-              <a:rPr lang="en-US" dirty="0"/>
-            </a:br>
-            <a:r>
-              <a:rPr lang="en-US" dirty="0"/>
-              <a:t>control. Industrial devices in the control domain do not produce large amounts of data in short</a:t>
-            </a:r>
-            <a:br>
-              <a:rPr lang="en-US" dirty="0"/>
-            </a:br>
-            <a:r>
-              <a:rPr lang="en-US" dirty="0"/>
-              <a:t>periods and therefore do not require high bandwidth connectivity. Rather, the data needs to be</a:t>
-            </a:r>
-            <a:br>
-              <a:rPr lang="en-US" dirty="0"/>
-            </a:br>
-            <a:r>
-              <a:rPr lang="en-US" dirty="0"/>
-              <a:t>communicated quickly and consistently (with low latency and jitter).</a:t>
-            </a:r>
-            <a:r>
-              <a:rPr lang="en-US" dirty="0" smtClean="0"/>
-              <a:t> </a:t>
-            </a:r>
-            <a:br>
-              <a:rPr lang="en-US" dirty="0" smtClean="0"/>
-            </a:br>
-            <a:endParaRPr lang="en-US" dirty="0" smtClean="0"/>
-          </a:p>
-          <a:p>
-            <a:r>
-              <a:rPr lang="en-US" b="1" dirty="0" smtClean="0"/>
-              <a:t>Resilience</a:t>
-            </a:r>
-          </a:p>
-          <a:p>
-            <a:r>
-              <a:rPr lang="en-US" dirty="0"/>
-              <a:t>Because many IIoT systems will operate continually in a real-world environment, the connectivity</a:t>
-            </a:r>
-            <a:br>
-              <a:rPr lang="en-US" dirty="0"/>
-            </a:br>
-            <a:r>
-              <a:rPr lang="en-US" dirty="0"/>
-              <a:t>function should be available (in the logical view), even when there is a temporary physical</a:t>
-            </a:r>
-            <a:br>
-              <a:rPr lang="en-US" dirty="0"/>
-            </a:br>
-            <a:r>
-              <a:rPr lang="en-US" dirty="0"/>
-              <a:t>disconnection. When a broken connection is restored, data exchange should be automatically</a:t>
-            </a:r>
-            <a:br>
-              <a:rPr lang="en-US" dirty="0"/>
-            </a:br>
-            <a:r>
-              <a:rPr lang="en-US" dirty="0"/>
-              <a:t>restored so that the latest updates are available to the consumers along with any relevant missed</a:t>
-            </a:r>
-            <a:br>
-              <a:rPr lang="en-US" dirty="0"/>
-            </a:br>
-            <a:r>
-              <a:rPr lang="en-US" dirty="0"/>
-              <a:t>updates.</a:t>
-            </a:r>
-            <a:br>
-              <a:rPr lang="en-US" dirty="0"/>
-            </a:br>
-            <a:r>
-              <a:rPr lang="en-US" dirty="0"/>
-              <a:t>The connectivity function should support graceful failure or disconnection of endpoints, by, for</a:t>
-            </a:r>
-            <a:br>
-              <a:rPr lang="en-US" dirty="0"/>
-            </a:br>
-            <a:r>
-              <a:rPr lang="en-US" dirty="0"/>
-              <a:t>example, confining the loss of data exchange only to disconnected endpoints.</a:t>
-            </a:r>
-            <a:r>
-              <a:rPr lang="en-US" dirty="0" smtClean="0"/>
-              <a:t> </a:t>
-            </a:r>
-            <a:br>
-              <a:rPr lang="en-US" dirty="0" smtClean="0"/>
-            </a:br>
-            <a:endParaRPr lang="en-US" dirty="0" smtClean="0"/>
-          </a:p>
-          <a:p>
-            <a:r>
-              <a:rPr lang="en-US" dirty="0" smtClean="0"/>
-              <a:t>Longevity</a:t>
-            </a:r>
-            <a:r>
-              <a:rPr lang="en-US" baseline="0" dirty="0" smtClean="0"/>
-              <a:t> - </a:t>
-            </a:r>
-            <a:r>
-              <a:rPr lang="en-US" dirty="0"/>
-              <a:t>Connectivity components, especially those in the network layer and below, are built into the</a:t>
-            </a:r>
-            <a:br>
-              <a:rPr lang="en-US" dirty="0"/>
-            </a:br>
-            <a:r>
-              <a:rPr lang="en-US" dirty="0"/>
-              <a:t>hardware and hence are not easily replaceable. Where possible and feasible, the connectivity</a:t>
-            </a:r>
-            <a:r>
-              <a:rPr lang="en-US" dirty="0" smtClean="0"/>
-              <a:t> </a:t>
-            </a:r>
-            <a:br>
-              <a:rPr lang="en-US" dirty="0" smtClean="0"/>
-            </a:br>
-            <a:r>
-              <a:rPr lang="en-US" dirty="0"/>
-              <a:t>software components should support incremental evolution including upgrades, addition and</a:t>
-            </a:r>
-            <a:br>
-              <a:rPr lang="en-US" dirty="0"/>
-            </a:br>
-            <a:r>
-              <a:rPr lang="en-US" dirty="0"/>
-              <a:t>removal of components. The connectivity function should also be able to support incremental</a:t>
-            </a:r>
-            <a:br>
-              <a:rPr lang="en-US" dirty="0"/>
-            </a:br>
-            <a:r>
-              <a:rPr lang="en-US" dirty="0"/>
-              <a:t>evolution of the data exchange solutions during the lifecycle of a system.</a:t>
-            </a:r>
-            <a:r>
-              <a:rPr lang="en-US" dirty="0" smtClean="0"/>
-              <a:t> </a:t>
-            </a:r>
-          </a:p>
-          <a:p>
-            <a:endParaRPr lang="en-US" dirty="0" smtClean="0"/>
-          </a:p>
-          <a:p>
-            <a:r>
-              <a:rPr lang="en-US" b="1" dirty="0" smtClean="0"/>
-              <a:t>Integration and Interoperability</a:t>
-            </a:r>
-            <a:endParaRPr lang="en-US" dirty="0" smtClean="0"/>
-          </a:p>
-          <a:p>
-            <a:r>
-              <a:rPr lang="en-US" dirty="0"/>
-              <a:t>IIoT systems comprise components that are often systems in their own right. The connectivity</a:t>
-            </a:r>
-            <a:br>
-              <a:rPr lang="en-US" dirty="0"/>
-            </a:br>
-            <a:r>
-              <a:rPr lang="en-US" dirty="0"/>
-              <a:t>function should support the integration and the interoperability of system components, isolation</a:t>
-            </a:r>
-            <a:br>
-              <a:rPr lang="en-US" dirty="0"/>
-            </a:br>
-            <a:r>
-              <a:rPr lang="en-US" dirty="0"/>
-              <a:t>and encapsulation of data exchanges internal to a system component, and hierarchical</a:t>
-            </a:r>
-            <a:br>
-              <a:rPr lang="en-US" dirty="0"/>
-            </a:br>
-            <a:r>
-              <a:rPr lang="en-US" dirty="0"/>
-              <a:t>organization of data exchanges. In dynamic systems, the connectivity function should also</a:t>
-            </a:r>
-            <a:br>
-              <a:rPr lang="en-US" dirty="0"/>
-            </a:br>
-            <a:r>
-              <a:rPr lang="en-US" dirty="0"/>
-              <a:t>support discovery of system components and the discovery of relevant data exchanges for</a:t>
-            </a:r>
-            <a:br>
-              <a:rPr lang="en-US" dirty="0"/>
-            </a:br>
-            <a:r>
-              <a:rPr lang="en-US" dirty="0"/>
-              <a:t>system composition.</a:t>
-            </a:r>
-            <a:r>
-              <a:rPr lang="en-US" dirty="0" smtClean="0"/>
-              <a:t> </a:t>
-            </a:r>
-            <a:br>
-              <a:rPr lang="en-US" dirty="0" smtClean="0"/>
-            </a:br>
-            <a:endParaRPr lang="en-US" dirty="0" smtClean="0"/>
-          </a:p>
-          <a:p>
-            <a:r>
-              <a:rPr lang="en-US" b="1" dirty="0" smtClean="0"/>
-              <a:t>Operation</a:t>
-            </a:r>
-            <a:r>
-              <a:rPr lang="en-US" dirty="0" smtClean="0"/>
-              <a:t/>
-            </a:r>
-            <a:br>
-              <a:rPr lang="en-US" dirty="0" smtClean="0"/>
-            </a:br>
-            <a:r>
-              <a:rPr lang="en-US" dirty="0"/>
-              <a:t>IIoT systems generally operate non-stop in a real-world environment. To support a system’s</a:t>
-            </a:r>
-            <a:br>
-              <a:rPr lang="en-US" dirty="0"/>
-            </a:br>
-            <a:r>
-              <a:rPr lang="en-US" dirty="0"/>
-              <a:t>operational needs, it should be possible to monitor, manage and dynamically replace</a:t>
-            </a:r>
-            <a:br>
-              <a:rPr lang="en-US" dirty="0"/>
-            </a:br>
-            <a:r>
-              <a:rPr lang="en-US" dirty="0"/>
-              <a:t>connectivity elements. Monitoring includes health, performance and service-level characteristics</a:t>
-            </a:r>
-            <a:br>
-              <a:rPr lang="en-US" dirty="0"/>
-            </a:br>
-            <a:r>
-              <a:rPr lang="en-US" dirty="0"/>
-              <a:t>of the connectivity function; management includes configuring and administering the</a:t>
-            </a:r>
-            <a:br>
-              <a:rPr lang="en-US" dirty="0"/>
-            </a:br>
-            <a:r>
-              <a:rPr lang="en-US" dirty="0"/>
-              <a:t>capabilities; dynamic replacement requires replacement of hardware and or software while a</a:t>
-            </a:r>
-            <a:br>
-              <a:rPr lang="en-US" dirty="0"/>
-            </a:br>
-            <a:r>
-              <a:rPr lang="en-US" dirty="0"/>
-              <a:t>system is operating</a:t>
-            </a:r>
-            <a:r>
-              <a:rPr lang="en-US" dirty="0" smtClean="0"/>
-              <a:t> </a:t>
-            </a:r>
-          </a:p>
-          <a:p>
-            <a:endParaRPr lang="en-US" dirty="0" smtClean="0"/>
-          </a:p>
-          <a:p>
-            <a:r>
-              <a:rPr lang="en-US" b="1" dirty="0"/>
-              <a:t>SAFETY</a:t>
-            </a:r>
-            <a:r>
-              <a:rPr lang="en-US" dirty="0" smtClean="0"/>
-              <a:t> </a:t>
-            </a:r>
-          </a:p>
-          <a:p>
-            <a:r>
-              <a:rPr lang="en-US" dirty="0"/>
-              <a:t>A high degree of assurance is required in life- and mission-critical systems1 to avoid unintended</a:t>
-            </a:r>
-            <a:br>
-              <a:rPr lang="en-US" dirty="0"/>
-            </a:br>
-            <a:r>
-              <a:rPr lang="en-US" dirty="0"/>
-              <a:t>consequences during system operation. The connectivity function should be able to support</a:t>
-            </a:r>
-            <a:br>
-              <a:rPr lang="en-US" dirty="0"/>
-            </a:br>
-            <a:r>
-              <a:rPr lang="en-US" dirty="0"/>
-              <a:t>safety evaluations and provide evidence required to make informed safety assessments.</a:t>
-            </a:r>
-            <a:r>
-              <a:rPr lang="en-US" dirty="0" smtClean="0"/>
-              <a:t> </a:t>
-            </a:r>
-          </a:p>
-          <a:p>
-            <a:endParaRPr lang="en-US" dirty="0" smtClean="0"/>
-          </a:p>
-          <a:p>
-            <a:endParaRPr lang="en-US" dirty="0" smtClean="0"/>
-          </a:p>
-          <a:p>
-            <a:pPr defTabSz="931774">
-              <a:defRPr/>
-            </a:pPr>
-            <a:r>
-              <a:rPr lang="en-US" b="1" dirty="0"/>
-              <a:t>CONNECTIVITY FRAMEWORK LAYER</a:t>
-            </a:r>
-            <a:br>
-              <a:rPr lang="en-US" b="1" dirty="0"/>
-            </a:br>
-            <a:r>
-              <a:rPr lang="en-US" dirty="0"/>
-              <a:t>The </a:t>
-            </a:r>
-            <a:r>
-              <a:rPr lang="en-US" i="1" dirty="0"/>
-              <a:t>connectivity framework </a:t>
-            </a:r>
-            <a:r>
-              <a:rPr lang="en-US" dirty="0"/>
-              <a:t>layer provides a logical data exchange service to the endpoints</a:t>
-            </a:r>
-            <a:br>
-              <a:rPr lang="en-US" dirty="0"/>
-            </a:br>
-            <a:r>
-              <a:rPr lang="en-US" dirty="0"/>
-              <a:t>participating in an information exchange. It can observe and “understand” the data exchanges,</a:t>
-            </a:r>
-            <a:br>
-              <a:rPr lang="en-US" dirty="0"/>
-            </a:br>
-            <a:r>
-              <a:rPr lang="en-US" dirty="0"/>
-              <a:t>and use that knowledge to optimize data delivery. It is a logical functional layer on top of the</a:t>
-            </a:r>
-            <a:br>
-              <a:rPr lang="en-US" dirty="0"/>
-            </a:br>
-            <a:r>
-              <a:rPr lang="en-US" dirty="0"/>
-              <a:t>connectivity transport layer (see Figure 2-1) and should be agnostic to the technologies used to</a:t>
-            </a:r>
-            <a:br>
-              <a:rPr lang="en-US" dirty="0"/>
-            </a:br>
-            <a:r>
-              <a:rPr lang="en-US" dirty="0"/>
-              <a:t>implement connectivity transports.</a:t>
-            </a:r>
-            <a:br>
-              <a:rPr lang="en-US" dirty="0"/>
-            </a:br>
-            <a:r>
-              <a:rPr lang="en-US" dirty="0"/>
-              <a:t>The key role of the connectivity framework layer is to provide syntactic interoperability among</a:t>
-            </a:r>
-            <a:br>
-              <a:rPr lang="en-US" dirty="0"/>
-            </a:br>
-            <a:r>
-              <a:rPr lang="en-US" dirty="0"/>
-              <a:t>the endpoints. Data that is exchanged is structured in a common, unambiguous data format,</a:t>
-            </a:r>
-            <a:br>
-              <a:rPr lang="en-US" dirty="0"/>
-            </a:br>
-            <a:r>
-              <a:rPr lang="en-US" dirty="0"/>
-              <a:t>independent of endpoint implementation, and decoupled from the hardware and programming</a:t>
-            </a:r>
-            <a:br>
-              <a:rPr lang="en-US" dirty="0"/>
-            </a:br>
-            <a:r>
-              <a:rPr lang="en-US" dirty="0"/>
-              <a:t>platform. Depending on the application logic behind endpoint, one or more data exchange</a:t>
-            </a:r>
-            <a:br>
-              <a:rPr lang="en-US" dirty="0"/>
-            </a:br>
-            <a:r>
-              <a:rPr lang="en-US" dirty="0"/>
-              <a:t>patterns may be required. There are two predominant data exchange pattern styles: </a:t>
-            </a:r>
-            <a:r>
-              <a:rPr lang="en-US" dirty="0" err="1"/>
-              <a:t>publishsubscribe</a:t>
-            </a:r>
-            <a:r>
-              <a:rPr lang="en-US" dirty="0"/>
-              <a:t> (see section 4.1.6) and request-reply (see section 4.1.7).</a:t>
-            </a:r>
-            <a:br>
-              <a:rPr lang="en-US" dirty="0"/>
-            </a:br>
-            <a:r>
-              <a:rPr lang="en-US" dirty="0"/>
-              <a:t>A key benefit of the connectivity framework is to abstract and hide the implementation of the</a:t>
-            </a:r>
-            <a:br>
-              <a:rPr lang="en-US" dirty="0"/>
-            </a:br>
-            <a:r>
-              <a:rPr lang="en-US" dirty="0"/>
-              <a:t>various functions so that the applications that use the connectivity framework won’t need to</a:t>
-            </a:r>
-            <a:br>
-              <a:rPr lang="en-US" dirty="0"/>
-            </a:br>
-            <a:r>
-              <a:rPr lang="en-US" dirty="0"/>
-              <a:t>know the implementation, just use its capabilities. It reduces the cost of development and</a:t>
-            </a:r>
-            <a:br>
-              <a:rPr lang="en-US" dirty="0"/>
-            </a:br>
-            <a:r>
-              <a:rPr lang="en-US" dirty="0"/>
-              <a:t>increases productivity and quality. </a:t>
-            </a:r>
-            <a:endParaRPr lang="en-US" dirty="0" smtClean="0"/>
-          </a:p>
-          <a:p>
-            <a:r>
-              <a:rPr lang="en-US" dirty="0" smtClean="0"/>
-              <a:t/>
-            </a:r>
-            <a:br>
-              <a:rPr lang="en-US" dirty="0" smtClean="0"/>
-            </a:br>
-            <a:endParaRPr lang="en-US" dirty="0"/>
+            <a:endParaRPr lang="en-US"/>
           </a:p>
         </p:txBody>
       </p:sp>
@@ -4521,7 +4599,7 @@
           <a:bodyPr/>
           <a:lstStyle/>
           <a:p>
-            <a:fld id="{E8F1D1A0-1B1E-4AF3-8776-D184071874B4}" type="slidenum">
+            <a:fld id="{5411DBE0-381C-46D4-8DEC-C543B120D642}" type="slidenum">
               <a:rPr lang="en-US" smtClean="0"/>
               <a:t>10</a:t>
             </a:fld>
@@ -4532,7 +4610,7 @@
     </p:spTree>
     <p:extLst>
       <p:ext uri="{BB962C8B-B14F-4D97-AF65-F5344CB8AC3E}">
-        <p14:creationId xmlns:p14="http://schemas.microsoft.com/office/powerpoint/2010/main" val="163271793"/>
+        <p14:creationId xmlns:p14="http://schemas.microsoft.com/office/powerpoint/2010/main" val="1482952386"/>
       </p:ext>
     </p:extLst>
   </p:cSld>
@@ -8809,7 +8887,7 @@
           <a:p>
             <a:fld id="{0CFAC217-E878-4AC1-A7B1-0DFDB702C1FF}" type="datetimeFigureOut">
               <a:rPr lang="en-US" smtClean="0"/>
-              <a:t>8/27/2018</a:t>
+              <a:t>9/6/2018</a:t>
             </a:fld>
             <a:endParaRPr lang="en-US"/>
           </a:p>
@@ -8883,6 +8961,386 @@
   <p:clrMapOvr>
     <a:masterClrMapping/>
   </p:clrMapOvr>
+</p:sldLayout>
+</file>
+
+<file path=ppt/slideLayouts/slideLayout9.xml><?xml version="1.0" encoding="utf-8"?>
+<p:sldLayout xmlns:a="http://schemas.openxmlformats.org/drawingml/2006/main" xmlns:r="http://schemas.openxmlformats.org/officeDocument/2006/relationships" xmlns:p="http://schemas.openxmlformats.org/presentationml/2006/main" userDrawn="1">
+  <p:cSld name="Title and Content - dark gradient">
+    <p:bg>
+      <p:bgPr>
+        <a:gradFill>
+          <a:gsLst>
+            <a:gs pos="19000">
+              <a:schemeClr val="bg2"/>
+            </a:gs>
+            <a:gs pos="100000">
+              <a:schemeClr val="bg2">
+                <a:lumMod val="30000"/>
+              </a:schemeClr>
+            </a:gs>
+            <a:gs pos="0">
+              <a:schemeClr val="bg2"/>
+            </a:gs>
+          </a:gsLst>
+          <a:path path="circle">
+            <a:fillToRect l="50000" t="50000" r="50000" b="50000"/>
+          </a:path>
+        </a:gradFill>
+        <a:effectLst/>
+      </p:bgPr>
+    </p:bg>
+    <p:spTree>
+      <p:nvGrpSpPr>
+        <p:cNvPr id="1" name=""/>
+        <p:cNvGrpSpPr/>
+        <p:nvPr/>
+      </p:nvGrpSpPr>
+      <p:grpSpPr>
+        <a:xfrm>
+          <a:off x="0" y="0"/>
+          <a:ext cx="0" cy="0"/>
+          <a:chOff x="0" y="0"/>
+          <a:chExt cx="0" cy="0"/>
+        </a:xfrm>
+      </p:grpSpPr>
+      <p:pic>
+        <p:nvPicPr>
+          <p:cNvPr id="2050" name="Picture 2"/>
+          <p:cNvPicPr>
+            <a:picLocks noChangeAspect="1" noChangeArrowheads="1"/>
+          </p:cNvPicPr>
+          <p:nvPr userDrawn="1"/>
+        </p:nvPicPr>
+        <p:blipFill>
+          <a:blip r:embed="rId2">
+            <a:extLst>
+              <a:ext uri="{28A0092B-C50C-407E-A947-70E740481C1C}">
+                <a14:useLocalDpi xmlns:a14="http://schemas.microsoft.com/office/drawing/2010/main" val="0"/>
+              </a:ext>
+            </a:extLst>
+          </a:blip>
+          <a:stretch>
+            <a:fillRect/>
+          </a:stretch>
+        </p:blipFill>
+        <p:spPr bwMode="auto">
+          <a:xfrm>
+            <a:off x="7566" y="1"/>
+            <a:ext cx="12176869" cy="6405033"/>
+          </a:xfrm>
+          <a:prstGeom prst="rect">
+            <a:avLst/>
+          </a:prstGeom>
+          <a:noFill/>
+          <a:ln>
+            <a:noFill/>
+          </a:ln>
+          <a:effectLst/>
+          <a:extLst>
+            <a:ext uri="{909E8E84-426E-40DD-AFC4-6F175D3DCCD1}">
+              <a14:hiddenFill xmlns:a14="http://schemas.microsoft.com/office/drawing/2010/main">
+                <a:solidFill>
+                  <a:schemeClr val="accent1"/>
+                </a:solidFill>
+              </a14:hiddenFill>
+            </a:ext>
+            <a:ext uri="{91240B29-F687-4F45-9708-019B960494DF}">
+              <a14:hiddenLine xmlns:a14="http://schemas.microsoft.com/office/drawing/2010/main" w="9525">
+                <a:solidFill>
+                  <a:schemeClr val="tx1"/>
+                </a:solidFill>
+                <a:miter lim="800000"/>
+                <a:headEnd/>
+                <a:tailEnd/>
+              </a14:hiddenLine>
+            </a:ext>
+            <a:ext uri="{AF507438-7753-43E0-B8FC-AC1667EBCBE1}">
+              <a14:hiddenEffects xmlns:a14="http://schemas.microsoft.com/office/drawing/2010/main">
+                <a:effectLst>
+                  <a:outerShdw dist="35921" dir="2700000" algn="ctr" rotWithShape="0">
+                    <a:schemeClr val="bg2"/>
+                  </a:outerShdw>
+                </a:effectLst>
+              </a14:hiddenEffects>
+            </a:ext>
+          </a:extLst>
+        </p:spPr>
+      </p:pic>
+      <p:sp>
+        <p:nvSpPr>
+          <p:cNvPr id="2" name="Title 1"/>
+          <p:cNvSpPr>
+            <a:spLocks noGrp="1"/>
+          </p:cNvSpPr>
+          <p:nvPr userDrawn="1">
+            <p:ph type="title" hasCustomPrompt="1"/>
+          </p:nvPr>
+        </p:nvSpPr>
+        <p:spPr>
+          <a:xfrm>
+            <a:off x="471950" y="304701"/>
+            <a:ext cx="11248101" cy="652486"/>
+          </a:xfrm>
+        </p:spPr>
+        <p:txBody>
+          <a:bodyPr/>
+          <a:lstStyle>
+            <a:lvl1pPr>
+              <a:defRPr sz="5200">
+                <a:solidFill>
+                  <a:schemeClr val="tx1">
+                    <a:alpha val="90000"/>
+                  </a:schemeClr>
+                </a:solidFill>
+              </a:defRPr>
+            </a:lvl1pPr>
+          </a:lstStyle>
+          <a:p>
+            <a:r>
+              <a:rPr lang="en-US" dirty="0"/>
+              <a:t>Click to edit title</a:t>
+            </a:r>
+          </a:p>
+        </p:txBody>
+      </p:sp>
+      <p:sp>
+        <p:nvSpPr>
+          <p:cNvPr id="3" name="Content Placeholder 2"/>
+          <p:cNvSpPr>
+            <a:spLocks noGrp="1"/>
+          </p:cNvSpPr>
+          <p:nvPr userDrawn="1">
+            <p:ph idx="1" hasCustomPrompt="1"/>
+          </p:nvPr>
+        </p:nvSpPr>
+        <p:spPr>
+          <a:xfrm>
+            <a:off x="471950" y="1558456"/>
+            <a:ext cx="11248101" cy="4284985"/>
+          </a:xfrm>
+        </p:spPr>
+        <p:txBody>
+          <a:bodyPr/>
+          <a:lstStyle>
+            <a:lvl1pPr>
+              <a:buClr>
+                <a:schemeClr val="tx1"/>
+              </a:buClr>
+              <a:defRPr>
+                <a:solidFill>
+                  <a:schemeClr val="tx1"/>
+                </a:solidFill>
+              </a:defRPr>
+            </a:lvl1pPr>
+            <a:lvl2pPr>
+              <a:buClr>
+                <a:schemeClr val="tx1"/>
+              </a:buClr>
+              <a:defRPr>
+                <a:solidFill>
+                  <a:schemeClr val="tx1"/>
+                </a:solidFill>
+              </a:defRPr>
+            </a:lvl2pPr>
+            <a:lvl3pPr>
+              <a:buClr>
+                <a:schemeClr val="tx1"/>
+              </a:buClr>
+              <a:defRPr>
+                <a:solidFill>
+                  <a:schemeClr val="tx1"/>
+                </a:solidFill>
+              </a:defRPr>
+            </a:lvl3pPr>
+            <a:lvl4pPr>
+              <a:buClr>
+                <a:schemeClr val="tx1"/>
+              </a:buClr>
+              <a:defRPr>
+                <a:solidFill>
+                  <a:schemeClr val="tx1"/>
+                </a:solidFill>
+              </a:defRPr>
+            </a:lvl4pPr>
+            <a:lvl5pPr>
+              <a:buClr>
+                <a:schemeClr val="tx1"/>
+              </a:buClr>
+              <a:defRPr>
+                <a:solidFill>
+                  <a:schemeClr val="tx1"/>
+                </a:solidFill>
+              </a:defRPr>
+            </a:lvl5pPr>
+          </a:lstStyle>
+          <a:p>
+            <a:pPr lvl="0"/>
+            <a:r>
+              <a:rPr lang="en-US" dirty="0"/>
+              <a:t>Click to edit text</a:t>
+            </a:r>
+          </a:p>
+          <a:p>
+            <a:pPr lvl="1"/>
+            <a:r>
+              <a:rPr lang="en-US" dirty="0"/>
+              <a:t>Second level</a:t>
+            </a:r>
+          </a:p>
+          <a:p>
+            <a:pPr lvl="2"/>
+            <a:r>
+              <a:rPr lang="en-US" dirty="0"/>
+              <a:t>Third level</a:t>
+            </a:r>
+          </a:p>
+          <a:p>
+            <a:pPr lvl="3"/>
+            <a:r>
+              <a:rPr lang="en-US" dirty="0"/>
+              <a:t>Fourth level</a:t>
+            </a:r>
+          </a:p>
+          <a:p>
+            <a:pPr lvl="4"/>
+            <a:r>
+              <a:rPr lang="en-US" dirty="0"/>
+              <a:t>Fifth level</a:t>
+            </a:r>
+          </a:p>
+        </p:txBody>
+      </p:sp>
+      <p:sp>
+        <p:nvSpPr>
+          <p:cNvPr id="7" name="Text Placeholder 7"/>
+          <p:cNvSpPr>
+            <a:spLocks noGrp="1"/>
+          </p:cNvSpPr>
+          <p:nvPr userDrawn="1">
+            <p:ph type="body" sz="quarter" idx="13" hasCustomPrompt="1"/>
+          </p:nvPr>
+        </p:nvSpPr>
+        <p:spPr>
+          <a:xfrm>
+            <a:off x="471950" y="6185100"/>
+            <a:ext cx="11248101" cy="222240"/>
+          </a:xfrm>
+        </p:spPr>
+        <p:txBody>
+          <a:bodyPr wrap="square" anchor="b" anchorCtr="0">
+            <a:spAutoFit/>
+          </a:bodyPr>
+          <a:lstStyle>
+            <a:lvl1pPr marL="0" indent="0">
+              <a:lnSpc>
+                <a:spcPct val="75000"/>
+              </a:lnSpc>
+              <a:spcBef>
+                <a:spcPts val="0"/>
+              </a:spcBef>
+              <a:buFont typeface="Arial" pitchFamily="34" charset="0"/>
+              <a:buNone/>
+              <a:defRPr sz="1067">
+                <a:solidFill>
+                  <a:schemeClr val="tx1">
+                    <a:lumMod val="75000"/>
+                  </a:schemeClr>
+                </a:solidFill>
+                <a:latin typeface="+mn-lt"/>
+              </a:defRPr>
+            </a:lvl1pPr>
+            <a:lvl2pPr marL="228594" indent="-152396">
+              <a:defRPr sz="1200"/>
+            </a:lvl2pPr>
+            <a:lvl3pPr marL="457189" indent="-152396">
+              <a:defRPr sz="1200"/>
+            </a:lvl3pPr>
+            <a:lvl4pPr marL="685783" indent="-152396">
+              <a:defRPr sz="1200"/>
+            </a:lvl4pPr>
+            <a:lvl5pPr marL="914377" indent="-152396">
+              <a:defRPr sz="1200"/>
+            </a:lvl5pPr>
+          </a:lstStyle>
+          <a:p>
+            <a:pPr lvl="0"/>
+            <a:r>
+              <a:rPr lang="en-US" dirty="0"/>
+              <a:t>Click to edit footnote</a:t>
+            </a:r>
+          </a:p>
+        </p:txBody>
+      </p:sp>
+      <p:sp>
+        <p:nvSpPr>
+          <p:cNvPr id="4" name="Slide Number Placeholder 3"/>
+          <p:cNvSpPr>
+            <a:spLocks noGrp="1"/>
+          </p:cNvSpPr>
+          <p:nvPr userDrawn="1">
+            <p:ph type="sldNum" sz="quarter" idx="14"/>
+          </p:nvPr>
+        </p:nvSpPr>
+        <p:spPr>
+          <a:xfrm>
+            <a:off x="11797792" y="6553185"/>
+            <a:ext cx="170987" cy="164148"/>
+          </a:xfrm>
+          <a:prstGeom prst="rect">
+            <a:avLst/>
+          </a:prstGeom>
+        </p:spPr>
+        <p:txBody>
+          <a:bodyPr/>
+          <a:lstStyle/>
+          <a:p>
+            <a:pPr eaLnBrk="0" fontAlgn="base" hangingPunct="0">
+              <a:spcBef>
+                <a:spcPct val="50000"/>
+              </a:spcBef>
+              <a:spcAft>
+                <a:spcPct val="0"/>
+              </a:spcAft>
+            </a:pPr>
+            <a:fld id="{FD44707B-D922-47D5-BD24-D96E91B70543}" type="slidenum">
+              <a:rPr/>
+              <a:pPr eaLnBrk="0" fontAlgn="base" hangingPunct="0">
+                <a:spcBef>
+                  <a:spcPct val="50000"/>
+                </a:spcBef>
+                <a:spcAft>
+                  <a:spcPct val="0"/>
+                </a:spcAft>
+              </a:pPr>
+              <a:t>‹#›</a:t>
+            </a:fld>
+            <a:endParaRPr dirty="0"/>
+          </a:p>
+        </p:txBody>
+      </p:sp>
+    </p:spTree>
+    <p:extLst>
+      <p:ext uri="{BB962C8B-B14F-4D97-AF65-F5344CB8AC3E}">
+        <p14:creationId xmlns:p14="http://schemas.microsoft.com/office/powerpoint/2010/main" val="2431568238"/>
+      </p:ext>
+    </p:extLst>
+  </p:cSld>
+  <p:clrMapOvr>
+    <a:overrideClrMapping bg1="dk1" tx1="lt1" bg2="dk2" tx2="lt2" accent1="accent1" accent2="accent2" accent3="accent3" accent4="accent4" accent5="accent5" accent6="accent6" hlink="hlink" folHlink="folHlink"/>
+  </p:clrMapOvr>
+  <mc:AlternateContent xmlns:mc="http://schemas.openxmlformats.org/markup-compatibility/2006" xmlns:p14="http://schemas.microsoft.com/office/powerpoint/2010/main">
+    <mc:Choice Requires="p14">
+      <p:transition spd="med" p14:dur="700">
+        <p:fade/>
+      </p:transition>
+    </mc:Choice>
+    <mc:Fallback xmlns="">
+      <p:transition spd="med">
+        <p:fade/>
+      </p:transition>
+    </mc:Fallback>
+  </mc:AlternateContent>
 </p:sldLayout>
 </file>
 
@@ -11023,6 +11481,7 @@
     <p:sldLayoutId id="2147483666" r:id="rId6"/>
     <p:sldLayoutId id="2147483667" r:id="rId7"/>
     <p:sldLayoutId id="2147483669" r:id="rId8"/>
+    <p:sldLayoutId id="2147483670" r:id="rId9"/>
   </p:sldLayoutIdLst>
   <mc:AlternateContent xmlns:mc="http://schemas.openxmlformats.org/markup-compatibility/2006" xmlns:p14="http://schemas.microsoft.com/office/powerpoint/2010/main">
     <mc:Choice Requires="p14">
@@ -12010,6 +12469,360 @@
       </p:grpSpPr>
       <p:sp>
         <p:nvSpPr>
+          <p:cNvPr id="2" name="Title 1"/>
+          <p:cNvSpPr>
+            <a:spLocks noGrp="1"/>
+          </p:cNvSpPr>
+          <p:nvPr>
+            <p:ph type="title"/>
+          </p:nvPr>
+        </p:nvSpPr>
+        <p:spPr/>
+        <p:txBody>
+          <a:bodyPr/>
+          <a:lstStyle/>
+          <a:p>
+            <a:r>
+              <a:rPr lang="en-US" dirty="0" smtClean="0">
+                <a:solidFill>
+                  <a:schemeClr val="accent3">
+                    <a:alpha val="90000"/>
+                  </a:schemeClr>
+                </a:solidFill>
+              </a:rPr>
+              <a:t>Connectivity</a:t>
+            </a:r>
+            <a:r>
+              <a:rPr lang="en-US" dirty="0" smtClean="0"/>
+              <a:t> Framework Core Functions</a:t>
+            </a:r>
+            <a:endParaRPr lang="en-US" dirty="0"/>
+          </a:p>
+        </p:txBody>
+      </p:sp>
+      <p:sp>
+        <p:nvSpPr>
+          <p:cNvPr id="3" name="Text Placeholder 2"/>
+          <p:cNvSpPr>
+            <a:spLocks noGrp="1"/>
+          </p:cNvSpPr>
+          <p:nvPr>
+            <p:ph type="body" sz="quarter" idx="13"/>
+          </p:nvPr>
+        </p:nvSpPr>
+        <p:spPr/>
+        <p:txBody>
+          <a:bodyPr/>
+          <a:lstStyle/>
+          <a:p>
+            <a:endParaRPr lang="en-US"/>
+          </a:p>
+        </p:txBody>
+      </p:sp>
+      <p:sp>
+        <p:nvSpPr>
+          <p:cNvPr id="4" name="Slide Number Placeholder 3"/>
+          <p:cNvSpPr>
+            <a:spLocks noGrp="1"/>
+          </p:cNvSpPr>
+          <p:nvPr>
+            <p:ph type="sldNum" sz="quarter" idx="14"/>
+          </p:nvPr>
+        </p:nvSpPr>
+        <p:spPr/>
+        <p:txBody>
+          <a:bodyPr/>
+          <a:lstStyle/>
+          <a:p>
+            <a:pPr eaLnBrk="0" fontAlgn="base" hangingPunct="0">
+              <a:spcBef>
+                <a:spcPct val="50000"/>
+              </a:spcBef>
+              <a:spcAft>
+                <a:spcPct val="0"/>
+              </a:spcAft>
+            </a:pPr>
+            <a:fld id="{FD44707B-D922-47D5-BD24-D96E91B70543}" type="slidenum">
+              <a:rPr lang="en-US" smtClean="0">
+                <a:solidFill>
+                  <a:prstClr val="white"/>
+                </a:solidFill>
+              </a:rPr>
+              <a:pPr eaLnBrk="0" fontAlgn="base" hangingPunct="0">
+                <a:spcBef>
+                  <a:spcPct val="50000"/>
+                </a:spcBef>
+                <a:spcAft>
+                  <a:spcPct val="0"/>
+                </a:spcAft>
+              </a:pPr>
+              <a:t>10</a:t>
+            </a:fld>
+            <a:endParaRPr lang="en-US" dirty="0">
+              <a:solidFill>
+                <a:prstClr val="white"/>
+              </a:solidFill>
+            </a:endParaRPr>
+          </a:p>
+        </p:txBody>
+      </p:sp>
+      <p:sp>
+        <p:nvSpPr>
+          <p:cNvPr id="5" name="Content Placeholder 4"/>
+          <p:cNvSpPr>
+            <a:spLocks noGrp="1"/>
+          </p:cNvSpPr>
+          <p:nvPr>
+            <p:ph sz="quarter" idx="15"/>
+          </p:nvPr>
+        </p:nvSpPr>
+        <p:spPr/>
+        <p:txBody>
+          <a:bodyPr/>
+          <a:lstStyle/>
+          <a:p>
+            <a:pPr marL="342900" indent="-342900">
+              <a:buFont typeface="Arial" panose="020B0604020202020204" pitchFamily="34" charset="0"/>
+              <a:buChar char="•"/>
+            </a:pPr>
+            <a:r>
+              <a:rPr lang="en-US" sz="2000" b="1" dirty="0" smtClean="0"/>
+              <a:t>Data Resource Model </a:t>
+            </a:r>
+            <a:r>
+              <a:rPr lang="en-US" sz="2000" dirty="0" smtClean="0"/>
+              <a:t>– represents structured data objects that can change state over time</a:t>
+            </a:r>
+          </a:p>
+          <a:p>
+            <a:pPr marL="342900" indent="-342900">
+              <a:buFont typeface="Arial" panose="020B0604020202020204" pitchFamily="34" charset="0"/>
+              <a:buChar char="•"/>
+            </a:pPr>
+            <a:r>
+              <a:rPr lang="en-US" sz="2000" b="1" dirty="0" smtClean="0"/>
+              <a:t>ID and Addressing </a:t>
+            </a:r>
+            <a:r>
+              <a:rPr lang="en-US" sz="2000" dirty="0" smtClean="0"/>
+              <a:t>– provides the means to identify and address each data object</a:t>
+            </a:r>
+          </a:p>
+          <a:p>
+            <a:pPr marL="342900" indent="-342900">
+              <a:buFont typeface="Arial" panose="020B0604020202020204" pitchFamily="34" charset="0"/>
+              <a:buChar char="•"/>
+            </a:pPr>
+            <a:r>
+              <a:rPr lang="en-US" sz="2000" b="1" dirty="0" smtClean="0"/>
+              <a:t>Data Type System </a:t>
+            </a:r>
+            <a:r>
+              <a:rPr lang="en-US" sz="2000" dirty="0" smtClean="0"/>
+              <a:t>– provides a way to describe the constrains place on data, includes a method of evolving and versioning the data syntax</a:t>
+            </a:r>
+          </a:p>
+          <a:p>
+            <a:pPr marL="342900" indent="-342900">
+              <a:buFont typeface="Arial" panose="020B0604020202020204" pitchFamily="34" charset="0"/>
+              <a:buChar char="•"/>
+            </a:pPr>
+            <a:r>
+              <a:rPr lang="en-US" sz="2000" b="1" dirty="0" smtClean="0"/>
+              <a:t>Publish/Subscribe</a:t>
+            </a:r>
+            <a:r>
+              <a:rPr lang="en-US" sz="2000" dirty="0" smtClean="0"/>
+              <a:t> – supports the well-know </a:t>
+            </a:r>
+            <a:r>
+              <a:rPr lang="en-US" sz="2000" dirty="0" err="1" smtClean="0"/>
+              <a:t>pubsub</a:t>
+            </a:r>
+            <a:r>
+              <a:rPr lang="en-US" sz="2000" dirty="0" smtClean="0"/>
+              <a:t> pattern for decoupled data exchange</a:t>
+            </a:r>
+          </a:p>
+          <a:p>
+            <a:pPr marL="342900" indent="-342900">
+              <a:buFont typeface="Arial" panose="020B0604020202020204" pitchFamily="34" charset="0"/>
+              <a:buChar char="•"/>
+            </a:pPr>
+            <a:r>
+              <a:rPr lang="en-US" sz="2000" b="1" dirty="0" smtClean="0"/>
+              <a:t>Request/Reply</a:t>
+            </a:r>
+            <a:r>
+              <a:rPr lang="en-US" sz="2000" dirty="0" smtClean="0"/>
+              <a:t> - </a:t>
+            </a:r>
+            <a:r>
+              <a:rPr lang="en-US" sz="2000" dirty="0"/>
+              <a:t>supports the well-know </a:t>
+            </a:r>
+            <a:r>
+              <a:rPr lang="en-US" sz="2000" dirty="0" smtClean="0"/>
+              <a:t>request/reply pattern </a:t>
+            </a:r>
+            <a:r>
+              <a:rPr lang="en-US" sz="2000" dirty="0"/>
+              <a:t>for </a:t>
+            </a:r>
+            <a:r>
+              <a:rPr lang="en-US" sz="2000" dirty="0" smtClean="0"/>
+              <a:t>data exchange</a:t>
+            </a:r>
+          </a:p>
+          <a:p>
+            <a:pPr marL="342900" indent="-342900">
+              <a:buFont typeface="Arial" panose="020B0604020202020204" pitchFamily="34" charset="0"/>
+              <a:buChar char="•"/>
+            </a:pPr>
+            <a:r>
+              <a:rPr lang="en-US" sz="2000" b="1" dirty="0" smtClean="0"/>
+              <a:t>Discovery</a:t>
+            </a:r>
+            <a:r>
+              <a:rPr lang="en-US" sz="2000" dirty="0" smtClean="0"/>
+              <a:t> – must be able to find </a:t>
+            </a:r>
+            <a:r>
+              <a:rPr lang="en-US" sz="2000" dirty="0" err="1" smtClean="0"/>
+              <a:t>pubsub</a:t>
+            </a:r>
+            <a:r>
+              <a:rPr lang="en-US" sz="2000" dirty="0" smtClean="0"/>
+              <a:t> services, request/reply services, endpoints and datatypes.</a:t>
+            </a:r>
+            <a:endParaRPr lang="en-US" sz="2000" dirty="0"/>
+          </a:p>
+          <a:p>
+            <a:pPr marL="342900" indent="-342900">
+              <a:buFont typeface="Arial" panose="020B0604020202020204" pitchFamily="34" charset="0"/>
+              <a:buChar char="•"/>
+            </a:pPr>
+            <a:r>
+              <a:rPr lang="en-US" sz="2000" b="1" dirty="0" smtClean="0"/>
+              <a:t>Exception Handling </a:t>
+            </a:r>
+            <a:r>
+              <a:rPr lang="en-US" sz="2000" dirty="0" smtClean="0"/>
+              <a:t>– mechanisms for handling disconnections, changes in configuration or quality, endpoint failures, </a:t>
+            </a:r>
+            <a:r>
+              <a:rPr lang="en-US" sz="2000" dirty="0" err="1" smtClean="0"/>
+              <a:t>etc</a:t>
+            </a:r>
+            <a:r>
+              <a:rPr lang="en-US" sz="2000" dirty="0" smtClean="0"/>
+              <a:t>…</a:t>
+            </a:r>
+          </a:p>
+          <a:p>
+            <a:pPr marL="342900" indent="-342900">
+              <a:buFont typeface="Arial" panose="020B0604020202020204" pitchFamily="34" charset="0"/>
+              <a:buChar char="•"/>
+            </a:pPr>
+            <a:r>
+              <a:rPr lang="en-US" sz="2000" b="1" dirty="0" smtClean="0"/>
+              <a:t>Data Quality of Service</a:t>
+            </a:r>
+            <a:r>
+              <a:rPr lang="en-US" sz="2000" dirty="0" smtClean="0"/>
+              <a:t> – </a:t>
+            </a:r>
+            <a:r>
+              <a:rPr lang="en-US" sz="2000" dirty="0" err="1" smtClean="0"/>
+              <a:t>QoS</a:t>
+            </a:r>
+            <a:r>
+              <a:rPr lang="en-US" sz="2000" dirty="0" smtClean="0"/>
+              <a:t> method implemented, best-effort vs. reliable delivery</a:t>
+            </a:r>
+          </a:p>
+          <a:p>
+            <a:pPr marL="342900" indent="-342900">
+              <a:buFont typeface="Arial" panose="020B0604020202020204" pitchFamily="34" charset="0"/>
+              <a:buChar char="•"/>
+            </a:pPr>
+            <a:r>
+              <a:rPr lang="en-US" sz="2000" b="1" dirty="0" smtClean="0"/>
+              <a:t>Data Security </a:t>
+            </a:r>
+            <a:r>
+              <a:rPr lang="en-US" sz="2000" dirty="0" smtClean="0"/>
+              <a:t>– confidentiality, integrity, authenticity and non-repudiation of the data</a:t>
+            </a:r>
+          </a:p>
+          <a:p>
+            <a:pPr marL="342900" indent="-342900">
+              <a:buFont typeface="Arial" panose="020B0604020202020204" pitchFamily="34" charset="0"/>
+              <a:buChar char="•"/>
+            </a:pPr>
+            <a:r>
+              <a:rPr lang="en-US" sz="2000" b="1" dirty="0" smtClean="0"/>
+              <a:t>Data Governance </a:t>
+            </a:r>
+            <a:r>
+              <a:rPr lang="en-US" sz="2000" dirty="0" smtClean="0"/>
+              <a:t>– is there a standards body that directs this protocol’s evolution</a:t>
+            </a:r>
+            <a:endParaRPr lang="en-US" sz="2000" dirty="0"/>
+          </a:p>
+        </p:txBody>
+      </p:sp>
+    </p:spTree>
+    <p:extLst>
+      <p:ext uri="{BB962C8B-B14F-4D97-AF65-F5344CB8AC3E}">
+        <p14:creationId xmlns:p14="http://schemas.microsoft.com/office/powerpoint/2010/main" val="415364172"/>
+      </p:ext>
+    </p:extLst>
+  </p:cSld>
+  <p:clrMapOvr>
+    <a:masterClrMapping/>
+  </p:clrMapOvr>
+  <mc:AlternateContent xmlns:mc="http://schemas.openxmlformats.org/markup-compatibility/2006" xmlns:p14="http://schemas.microsoft.com/office/powerpoint/2010/main">
+    <mc:Choice Requires="p14">
+      <p:transition spd="med" p14:dur="700">
+        <p:fade/>
+      </p:transition>
+    </mc:Choice>
+    <mc:Fallback xmlns="">
+      <p:transition spd="med">
+        <p:fade/>
+      </p:transition>
+    </mc:Fallback>
+  </mc:AlternateContent>
+  <p:timing>
+    <p:tnLst>
+      <p:par>
+        <p:cTn id="1" dur="indefinite" restart="never" nodeType="tmRoot"/>
+      </p:par>
+    </p:tnLst>
+  </p:timing>
+</p:sld>
+</file>
+
+<file path=ppt/slides/slide11.xml><?xml version="1.0" encoding="utf-8"?>
+<p:sld xmlns:a="http://schemas.openxmlformats.org/drawingml/2006/main" xmlns:r="http://schemas.openxmlformats.org/officeDocument/2006/relationships" xmlns:p="http://schemas.openxmlformats.org/presentationml/2006/main">
+  <p:cSld>
+    <p:spTree>
+      <p:nvGrpSpPr>
+        <p:cNvPr id="1" name=""/>
+        <p:cNvGrpSpPr/>
+        <p:nvPr/>
+      </p:nvGrpSpPr>
+      <p:grpSpPr>
+        <a:xfrm>
+          <a:off x="0" y="0"/>
+          <a:ext cx="0" cy="0"/>
+          <a:chOff x="0" y="0"/>
+          <a:chExt cx="0" cy="0"/>
+        </a:xfrm>
+      </p:grpSpPr>
+      <p:sp>
+        <p:nvSpPr>
           <p:cNvPr id="4" name="Title 3"/>
           <p:cNvSpPr>
             <a:spLocks noGrp="1"/>
@@ -14126,7 +14939,7 @@
 </p:sld>
 </file>
 
-<file path=ppt/slides/slide11.xml><?xml version="1.0" encoding="utf-8"?>
+<file path=ppt/slides/slide12.xml><?xml version="1.0" encoding="utf-8"?>
 <p:sld xmlns:a="http://schemas.openxmlformats.org/drawingml/2006/main" xmlns:r="http://schemas.openxmlformats.org/officeDocument/2006/relationships" xmlns:p="http://schemas.openxmlformats.org/presentationml/2006/main">
   <p:cSld>
     <p:spTree>
@@ -14236,7 +15049,7 @@
                   <a:spcPct val="0"/>
                 </a:spcAft>
               </a:pPr>
-              <a:t>11</a:t>
+              <a:t>12</a:t>
             </a:fld>
             <a:endParaRPr lang="en-US" dirty="0">
               <a:solidFill>
@@ -15296,7 +16109,7 @@
 </p:sld>
 </file>
 
-<file path=ppt/slides/slide12.xml><?xml version="1.0" encoding="utf-8"?>
+<file path=ppt/slides/slide13.xml><?xml version="1.0" encoding="utf-8"?>
 <p:sld xmlns:a="http://schemas.openxmlformats.org/drawingml/2006/main" xmlns:r="http://schemas.openxmlformats.org/officeDocument/2006/relationships" xmlns:p="http://schemas.openxmlformats.org/presentationml/2006/main">
   <p:cSld>
     <p:spTree>
@@ -15402,7 +16215,7 @@
                   <a:spcPct val="0"/>
                 </a:spcAft>
               </a:pPr>
-              <a:t>12</a:t>
+              <a:t>13</a:t>
             </a:fld>
             <a:endParaRPr lang="en-US" dirty="0">
               <a:solidFill>
@@ -15612,7 +16425,7 @@
 </p:sld>
 </file>
 
-<file path=ppt/slides/slide13.xml><?xml version="1.0" encoding="utf-8"?>
+<file path=ppt/slides/slide14.xml><?xml version="1.0" encoding="utf-8"?>
 <p:sld xmlns:a="http://schemas.openxmlformats.org/drawingml/2006/main" xmlns:r="http://schemas.openxmlformats.org/officeDocument/2006/relationships" xmlns:p="http://schemas.openxmlformats.org/presentationml/2006/main">
   <p:cSld>
     <p:spTree>
@@ -15718,7 +16531,7 @@
                   <a:spcPct val="0"/>
                 </a:spcAft>
               </a:pPr>
-              <a:t>13</a:t>
+              <a:t>14</a:t>
             </a:fld>
             <a:endParaRPr lang="en-US" dirty="0">
               <a:solidFill>
@@ -17263,7 +18076,7 @@
 </p:sld>
 </file>
 
-<file path=ppt/slides/slide14.xml><?xml version="1.0" encoding="utf-8"?>
+<file path=ppt/slides/slide15.xml><?xml version="1.0" encoding="utf-8"?>
 <p:sld xmlns:a="http://schemas.openxmlformats.org/drawingml/2006/main" xmlns:r="http://schemas.openxmlformats.org/officeDocument/2006/relationships" xmlns:p="http://schemas.openxmlformats.org/presentationml/2006/main">
   <p:cSld>
     <p:spTree>
@@ -17505,7 +18318,7 @@
 </p:sld>
 </file>
 
-<file path=ppt/slides/slide15.xml><?xml version="1.0" encoding="utf-8"?>
+<file path=ppt/slides/slide16.xml><?xml version="1.0" encoding="utf-8"?>
 <p:sld xmlns:a="http://schemas.openxmlformats.org/drawingml/2006/main" xmlns:r="http://schemas.openxmlformats.org/officeDocument/2006/relationships" xmlns:p="http://schemas.openxmlformats.org/presentationml/2006/main">
   <p:cSld>
     <p:spTree>
@@ -18530,7 +19343,7 @@
 </p:sld>
 </file>
 
-<file path=ppt/slides/slide16.xml><?xml version="1.0" encoding="utf-8"?>
+<file path=ppt/slides/slide17.xml><?xml version="1.0" encoding="utf-8"?>
 <p:sld xmlns:a="http://schemas.openxmlformats.org/drawingml/2006/main" xmlns:r="http://schemas.openxmlformats.org/officeDocument/2006/relationships" xmlns:p="http://schemas.openxmlformats.org/presentationml/2006/main">
   <p:cSld>
     <p:spTree>
@@ -18809,7 +19622,7 @@
 </p:sld>
 </file>
 
-<file path=ppt/slides/slide17.xml><?xml version="1.0" encoding="utf-8"?>
+<file path=ppt/slides/slide18.xml><?xml version="1.0" encoding="utf-8"?>
 <p:sld xmlns:a="http://schemas.openxmlformats.org/drawingml/2006/main" xmlns:r="http://schemas.openxmlformats.org/officeDocument/2006/relationships" xmlns:p="http://schemas.openxmlformats.org/presentationml/2006/main">
   <p:cSld>
     <p:spTree>
@@ -20632,7 +21445,7 @@
 </p:sld>
 </file>
 
-<file path=ppt/slides/slide18.xml><?xml version="1.0" encoding="utf-8"?>
+<file path=ppt/slides/slide19.xml><?xml version="1.0" encoding="utf-8"?>
 <p:sld xmlns:a="http://schemas.openxmlformats.org/drawingml/2006/main" xmlns:r="http://schemas.openxmlformats.org/officeDocument/2006/relationships" xmlns:p="http://schemas.openxmlformats.org/presentationml/2006/main">
   <p:cSld>
     <p:spTree>
@@ -20995,7 +21808,311 @@
 </p:sld>
 </file>
 
-<file path=ppt/slides/slide19.xml><?xml version="1.0" encoding="utf-8"?>
+<file path=ppt/slides/slide2.xml><?xml version="1.0" encoding="utf-8"?>
+<p:sld xmlns:a="http://schemas.openxmlformats.org/drawingml/2006/main" xmlns:r="http://schemas.openxmlformats.org/officeDocument/2006/relationships" xmlns:p="http://schemas.openxmlformats.org/presentationml/2006/main">
+  <p:cSld>
+    <p:spTree>
+      <p:nvGrpSpPr>
+        <p:cNvPr id="1" name=""/>
+        <p:cNvGrpSpPr/>
+        <p:nvPr/>
+      </p:nvGrpSpPr>
+      <p:grpSpPr>
+        <a:xfrm>
+          <a:off x="0" y="0"/>
+          <a:ext cx="0" cy="0"/>
+          <a:chOff x="0" y="0"/>
+          <a:chExt cx="0" cy="0"/>
+        </a:xfrm>
+      </p:grpSpPr>
+      <p:sp>
+        <p:nvSpPr>
+          <p:cNvPr id="4" name="Title 3"/>
+          <p:cNvSpPr>
+            <a:spLocks noGrp="1"/>
+          </p:cNvSpPr>
+          <p:nvPr>
+            <p:ph type="title"/>
+          </p:nvPr>
+        </p:nvSpPr>
+        <p:spPr/>
+        <p:txBody>
+          <a:bodyPr/>
+          <a:lstStyle/>
+          <a:p>
+            <a:r>
+              <a:rPr lang="en-US" dirty="0"/>
+              <a:t>Legal Notices and Disclaimers</a:t>
+            </a:r>
+          </a:p>
+        </p:txBody>
+      </p:sp>
+      <p:sp>
+        <p:nvSpPr>
+          <p:cNvPr id="5" name="Content Placeholder 4"/>
+          <p:cNvSpPr>
+            <a:spLocks noGrp="1"/>
+          </p:cNvSpPr>
+          <p:nvPr>
+            <p:ph idx="1"/>
+          </p:nvPr>
+        </p:nvSpPr>
+        <p:spPr/>
+        <p:txBody>
+          <a:bodyPr/>
+          <a:lstStyle/>
+          <a:p>
+            <a:r>
+              <a:rPr lang="en-US" sz="1200" dirty="0"/>
+              <a:t>Intel technologies’ features and benefits depend on system configuration and may require enabled hardware, software or service activation. Performance varies depending on system configuration. No computer system can be absolutely secure. Check with your system manufacturer or retailer or learn more at </a:t>
+            </a:r>
+            <a:r>
+              <a:rPr lang="en-US" sz="1200" dirty="0">
+                <a:hlinkClick r:id="rId3"/>
+              </a:rPr>
+              <a:t>www.intel.com</a:t>
+            </a:r>
+            <a:r>
+              <a:rPr lang="en-US" sz="1200" dirty="0"/>
+              <a:t>.</a:t>
+            </a:r>
+          </a:p>
+          <a:p>
+            <a:r>
+              <a:rPr lang="en-US" sz="1200"/>
+              <a:t>This </a:t>
+            </a:r>
+            <a:r>
+              <a:rPr lang="en-US" sz="1200" dirty="0"/>
+              <a:t>document contains information on products, services and/or processes in development. All information provided here is subject to change without notice. Contact your Intel representative to obtain the latest forecast, schedule, specifications and roadmaps.</a:t>
+            </a:r>
+          </a:p>
+          <a:p>
+            <a:pPr lvl="0"/>
+            <a:r>
+              <a:rPr lang="en-US" sz="1200" dirty="0"/>
+              <a:t>Any forecasts of goods and services needed for Intel’s operations are provided for discussion purposes only. Intel will have no liability to make any purchase in connection with forecasts published in this document.</a:t>
+            </a:r>
+          </a:p>
+          <a:p>
+            <a:pPr lvl="0"/>
+            <a:r>
+              <a:rPr lang="en-US" sz="1200" dirty="0"/>
+              <a:t>ARDUINO 101 and the ARDUINO infinity logo are trademarks or registered trademarks of Arduino, LLC.</a:t>
+            </a:r>
+          </a:p>
+          <a:p>
+            <a:r>
+              <a:rPr lang="en-US" sz="1200" dirty="0"/>
+              <a:t>Intel, the Intel logo, Intel Inside, the Intel Inside logo, OpenVINO, Intel Atom, Celeron, Intel Core, and Intel </a:t>
+            </a:r>
+            <a:r>
+              <a:rPr lang="en-US" sz="1200" dirty="0" err="1"/>
+              <a:t>Movidius</a:t>
+            </a:r>
+            <a:r>
+              <a:rPr lang="en-US" sz="1200" dirty="0"/>
+              <a:t> Myriad 2 are trademarks of Intel Corporation or its subsidiaries in the U.S. and/or other countries. </a:t>
+            </a:r>
+          </a:p>
+          <a:p>
+            <a:r>
+              <a:rPr lang="en-US" sz="1200" dirty="0"/>
+              <a:t>*Other names and brands may be claimed as the property of others. </a:t>
+            </a:r>
+          </a:p>
+          <a:p>
+            <a:endParaRPr lang="en-US" sz="1200" dirty="0"/>
+          </a:p>
+          <a:p>
+            <a:r>
+              <a:rPr lang="en-US" sz="1200" dirty="0"/>
+              <a:t>Copyright 2018 Intel Corporation. </a:t>
+            </a:r>
+          </a:p>
+        </p:txBody>
+      </p:sp>
+      <p:sp>
+        <p:nvSpPr>
+          <p:cNvPr id="6" name="Slide Number Placeholder 4">
+            <a:extLst>
+              <a:ext uri="{FF2B5EF4-FFF2-40B4-BE49-F238E27FC236}">
+                <a16:creationId xmlns:a16="http://schemas.microsoft.com/office/drawing/2014/main" xmlns="" id="{A2CC5965-A810-4428-AF69-DDA19DFEF8BC}"/>
+              </a:ext>
+            </a:extLst>
+          </p:cNvPr>
+          <p:cNvSpPr txBox="1">
+            <a:spLocks/>
+          </p:cNvSpPr>
+          <p:nvPr/>
+        </p:nvSpPr>
+        <p:spPr>
+          <a:xfrm>
+            <a:off x="11797792" y="6558315"/>
+            <a:ext cx="76944" cy="153888"/>
+          </a:xfrm>
+          <a:prstGeom prst="rect">
+            <a:avLst/>
+          </a:prstGeom>
+          <a:noFill/>
+          <a:ln w="50800" algn="ctr">
+            <a:noFill/>
+            <a:miter lim="800000"/>
+            <a:headEnd type="none" w="sm" len="sm"/>
+            <a:tailEnd type="none" w="sm" len="sm"/>
+          </a:ln>
+          <a:effectLst/>
+        </p:spPr>
+        <p:txBody>
+          <a:bodyPr wrap="none" lIns="0" tIns="0" rIns="0" bIns="0" anchor="ctr" anchorCtr="0">
+            <a:spAutoFit/>
+          </a:bodyPr>
+          <a:lstStyle>
+            <a:defPPr>
+              <a:defRPr lang="en-US"/>
+            </a:defPPr>
+            <a:lvl1pPr marL="0" algn="l" defTabSz="914400" rtl="0" eaLnBrk="1" latinLnBrk="0" hangingPunct="1">
+              <a:defRPr lang="en-US" sz="1067" kern="1200" smtClean="0">
+                <a:solidFill>
+                  <a:srgbClr val="FFFFFF"/>
+                </a:solidFill>
+                <a:latin typeface="+mn-lt"/>
+                <a:ea typeface="+mn-ea"/>
+                <a:cs typeface="Arial" panose="020B0604020202020204" pitchFamily="34" charset="0"/>
+              </a:defRPr>
+            </a:lvl1pPr>
+            <a:lvl2pPr marL="457200" algn="l" defTabSz="914400" rtl="0" eaLnBrk="1" latinLnBrk="0" hangingPunct="1">
+              <a:defRPr sz="1800" kern="1200">
+                <a:solidFill>
+                  <a:schemeClr val="tx1"/>
+                </a:solidFill>
+                <a:latin typeface="+mn-lt"/>
+                <a:ea typeface="+mn-ea"/>
+                <a:cs typeface="+mn-cs"/>
+              </a:defRPr>
+            </a:lvl2pPr>
+            <a:lvl3pPr marL="914400" algn="l" defTabSz="914400" rtl="0" eaLnBrk="1" latinLnBrk="0" hangingPunct="1">
+              <a:defRPr sz="1800" kern="1200">
+                <a:solidFill>
+                  <a:schemeClr val="tx1"/>
+                </a:solidFill>
+                <a:latin typeface="+mn-lt"/>
+                <a:ea typeface="+mn-ea"/>
+                <a:cs typeface="+mn-cs"/>
+              </a:defRPr>
+            </a:lvl3pPr>
+            <a:lvl4pPr marL="1371600" algn="l" defTabSz="914400" rtl="0" eaLnBrk="1" latinLnBrk="0" hangingPunct="1">
+              <a:defRPr sz="1800" kern="1200">
+                <a:solidFill>
+                  <a:schemeClr val="tx1"/>
+                </a:solidFill>
+                <a:latin typeface="+mn-lt"/>
+                <a:ea typeface="+mn-ea"/>
+                <a:cs typeface="+mn-cs"/>
+              </a:defRPr>
+            </a:lvl4pPr>
+            <a:lvl5pPr marL="1828800" algn="l" defTabSz="914400" rtl="0" eaLnBrk="1" latinLnBrk="0" hangingPunct="1">
+              <a:defRPr sz="1800" kern="1200">
+                <a:solidFill>
+                  <a:schemeClr val="tx1"/>
+                </a:solidFill>
+                <a:latin typeface="+mn-lt"/>
+                <a:ea typeface="+mn-ea"/>
+                <a:cs typeface="+mn-cs"/>
+              </a:defRPr>
+            </a:lvl5pPr>
+            <a:lvl6pPr marL="2286000" algn="l" defTabSz="914400" rtl="0" eaLnBrk="1" latinLnBrk="0" hangingPunct="1">
+              <a:defRPr sz="1800" kern="1200">
+                <a:solidFill>
+                  <a:schemeClr val="tx1"/>
+                </a:solidFill>
+                <a:latin typeface="+mn-lt"/>
+                <a:ea typeface="+mn-ea"/>
+                <a:cs typeface="+mn-cs"/>
+              </a:defRPr>
+            </a:lvl6pPr>
+            <a:lvl7pPr marL="2743200" algn="l" defTabSz="914400" rtl="0" eaLnBrk="1" latinLnBrk="0" hangingPunct="1">
+              <a:defRPr sz="1800" kern="1200">
+                <a:solidFill>
+                  <a:schemeClr val="tx1"/>
+                </a:solidFill>
+                <a:latin typeface="+mn-lt"/>
+                <a:ea typeface="+mn-ea"/>
+                <a:cs typeface="+mn-cs"/>
+              </a:defRPr>
+            </a:lvl7pPr>
+            <a:lvl8pPr marL="3200400" algn="l" defTabSz="914400" rtl="0" eaLnBrk="1" latinLnBrk="0" hangingPunct="1">
+              <a:defRPr sz="1800" kern="1200">
+                <a:solidFill>
+                  <a:schemeClr val="tx1"/>
+                </a:solidFill>
+                <a:latin typeface="+mn-lt"/>
+                <a:ea typeface="+mn-ea"/>
+                <a:cs typeface="+mn-cs"/>
+              </a:defRPr>
+            </a:lvl8pPr>
+            <a:lvl9pPr marL="3657600" algn="l" defTabSz="914400" rtl="0" eaLnBrk="1" latinLnBrk="0" hangingPunct="1">
+              <a:defRPr sz="1800" kern="1200">
+                <a:solidFill>
+                  <a:schemeClr val="tx1"/>
+                </a:solidFill>
+                <a:latin typeface="+mn-lt"/>
+                <a:ea typeface="+mn-ea"/>
+                <a:cs typeface="+mn-cs"/>
+              </a:defRPr>
+            </a:lvl9pPr>
+          </a:lstStyle>
+          <a:p>
+            <a:pPr eaLnBrk="0" fontAlgn="base" hangingPunct="0">
+              <a:spcBef>
+                <a:spcPct val="50000"/>
+              </a:spcBef>
+              <a:spcAft>
+                <a:spcPct val="0"/>
+              </a:spcAft>
+            </a:pPr>
+            <a:fld id="{FD44707B-D922-47D5-BD24-D96E91B70543}" type="slidenum">
+              <a:rPr lang="en-US" sz="1000" smtClean="0"/>
+              <a:pPr eaLnBrk="0" fontAlgn="base" hangingPunct="0">
+                <a:spcBef>
+                  <a:spcPct val="50000"/>
+                </a:spcBef>
+                <a:spcAft>
+                  <a:spcPct val="0"/>
+                </a:spcAft>
+              </a:pPr>
+              <a:t>2</a:t>
+            </a:fld>
+            <a:endParaRPr lang="en-US" sz="1000" dirty="0"/>
+          </a:p>
+        </p:txBody>
+      </p:sp>
+    </p:spTree>
+    <p:extLst>
+      <p:ext uri="{BB962C8B-B14F-4D97-AF65-F5344CB8AC3E}">
+        <p14:creationId xmlns:p14="http://schemas.microsoft.com/office/powerpoint/2010/main" val="995439926"/>
+      </p:ext>
+    </p:extLst>
+  </p:cSld>
+  <p:clrMapOvr>
+    <a:masterClrMapping/>
+  </p:clrMapOvr>
+  <mc:AlternateContent xmlns:mc="http://schemas.openxmlformats.org/markup-compatibility/2006" xmlns:p14="http://schemas.microsoft.com/office/powerpoint/2010/main">
+    <mc:Choice Requires="p14">
+      <p:transition spd="med" p14:dur="700">
+        <p:fade/>
+      </p:transition>
+    </mc:Choice>
+    <mc:Fallback xmlns="">
+      <p:transition spd="med">
+        <p:fade/>
+      </p:transition>
+    </mc:Fallback>
+  </mc:AlternateContent>
+</p:sld>
+</file>
+
+<file path=ppt/slides/slide20.xml><?xml version="1.0" encoding="utf-8"?>
 <p:sld xmlns:a="http://schemas.openxmlformats.org/drawingml/2006/main" xmlns:r="http://schemas.openxmlformats.org/officeDocument/2006/relationships" xmlns:p="http://schemas.openxmlformats.org/presentationml/2006/main">
   <p:cSld>
     <p:spTree>
@@ -21057,7 +22174,7 @@
                   <a:spcPct val="0"/>
                 </a:spcAft>
               </a:pPr>
-              <a:t>19</a:t>
+              <a:t>20</a:t>
             </a:fld>
             <a:endParaRPr lang="en-US" dirty="0">
               <a:solidFill>
@@ -21099,280 +22216,7 @@
 </p:sld>
 </file>
 
-<file path=ppt/slides/slide2.xml><?xml version="1.0" encoding="utf-8"?>
-<p:sld xmlns:a="http://schemas.openxmlformats.org/drawingml/2006/main" xmlns:r="http://schemas.openxmlformats.org/officeDocument/2006/relationships" xmlns:p="http://schemas.openxmlformats.org/presentationml/2006/main">
-  <p:cSld>
-    <p:spTree>
-      <p:nvGrpSpPr>
-        <p:cNvPr id="1" name=""/>
-        <p:cNvGrpSpPr/>
-        <p:nvPr/>
-      </p:nvGrpSpPr>
-      <p:grpSpPr>
-        <a:xfrm>
-          <a:off x="0" y="0"/>
-          <a:ext cx="0" cy="0"/>
-          <a:chOff x="0" y="0"/>
-          <a:chExt cx="0" cy="0"/>
-        </a:xfrm>
-      </p:grpSpPr>
-      <p:sp>
-        <p:nvSpPr>
-          <p:cNvPr id="3" name="Title 2"/>
-          <p:cNvSpPr>
-            <a:spLocks noGrp="1"/>
-          </p:cNvSpPr>
-          <p:nvPr>
-            <p:ph type="title"/>
-          </p:nvPr>
-        </p:nvSpPr>
-        <p:spPr/>
-        <p:txBody>
-          <a:bodyPr/>
-          <a:lstStyle/>
-          <a:p>
-            <a:r>
-              <a:rPr lang="en-US" dirty="0" smtClean="0">
-                <a:solidFill>
-                  <a:schemeClr val="accent3">
-                    <a:alpha val="90000"/>
-                  </a:schemeClr>
-                </a:solidFill>
-              </a:rPr>
-              <a:t>IIoT</a:t>
-            </a:r>
-            <a:r>
-              <a:rPr lang="en-US" dirty="0" smtClean="0"/>
-              <a:t> Connectivity Challenge</a:t>
-            </a:r>
-            <a:endParaRPr lang="en-US" dirty="0"/>
-          </a:p>
-        </p:txBody>
-      </p:sp>
-      <p:sp>
-        <p:nvSpPr>
-          <p:cNvPr id="2" name="Slide Number Placeholder 1"/>
-          <p:cNvSpPr>
-            <a:spLocks noGrp="1"/>
-          </p:cNvSpPr>
-          <p:nvPr>
-            <p:ph type="sldNum" sz="quarter" idx="14"/>
-          </p:nvPr>
-        </p:nvSpPr>
-        <p:spPr/>
-        <p:txBody>
-          <a:bodyPr/>
-          <a:lstStyle/>
-          <a:p>
-            <a:pPr eaLnBrk="0" fontAlgn="base" hangingPunct="0">
-              <a:spcBef>
-                <a:spcPct val="50000"/>
-              </a:spcBef>
-              <a:spcAft>
-                <a:spcPct val="0"/>
-              </a:spcAft>
-            </a:pPr>
-            <a:fld id="{FD44707B-D922-47D5-BD24-D96E91B70543}" type="slidenum">
-              <a:rPr lang="en-US" smtClean="0">
-                <a:solidFill>
-                  <a:prstClr val="white"/>
-                </a:solidFill>
-              </a:rPr>
-              <a:pPr eaLnBrk="0" fontAlgn="base" hangingPunct="0">
-                <a:spcBef>
-                  <a:spcPct val="50000"/>
-                </a:spcBef>
-                <a:spcAft>
-                  <a:spcPct val="0"/>
-                </a:spcAft>
-              </a:pPr>
-              <a:t>2</a:t>
-            </a:fld>
-            <a:endParaRPr lang="en-US" dirty="0">
-              <a:solidFill>
-                <a:prstClr val="white"/>
-              </a:solidFill>
-            </a:endParaRPr>
-          </a:p>
-        </p:txBody>
-      </p:sp>
-      <p:sp>
-        <p:nvSpPr>
-          <p:cNvPr id="5" name="Content Placeholder 4"/>
-          <p:cNvSpPr>
-            <a:spLocks noGrp="1"/>
-          </p:cNvSpPr>
-          <p:nvPr>
-            <p:ph sz="quarter" idx="15"/>
-          </p:nvPr>
-        </p:nvSpPr>
-        <p:spPr>
-          <a:xfrm>
-            <a:off x="471951" y="1233488"/>
-            <a:ext cx="4885053" cy="4649787"/>
-          </a:xfrm>
-        </p:spPr>
-        <p:txBody>
-          <a:bodyPr/>
-          <a:lstStyle/>
-          <a:p>
-            <a:r>
-              <a:rPr lang="en-US" sz="2000" dirty="0"/>
-              <a:t>The goal of the industrial internet is to enable seamless information sharing across domains </a:t>
-            </a:r>
-            <a:r>
-              <a:rPr lang="en-US" sz="2000" dirty="0" smtClean="0"/>
-              <a:t>and industries</a:t>
-            </a:r>
-            <a:r>
-              <a:rPr lang="en-US" sz="2000" dirty="0"/>
-              <a:t>. </a:t>
-            </a:r>
-            <a:endParaRPr lang="en-US" sz="2000" dirty="0" smtClean="0"/>
-          </a:p>
-          <a:p>
-            <a:endParaRPr lang="en-US" sz="2000" dirty="0" smtClean="0"/>
-          </a:p>
-          <a:p>
-            <a:r>
-              <a:rPr lang="en-US" sz="2000" dirty="0" smtClean="0"/>
-              <a:t>Past capital investments in </a:t>
-            </a:r>
-            <a:r>
-              <a:rPr lang="en-US" sz="2000" dirty="0"/>
-              <a:t>equipment</a:t>
-            </a:r>
-            <a:r>
-              <a:rPr lang="en-US" sz="2000" dirty="0" smtClean="0"/>
-              <a:t> </a:t>
-            </a:r>
-            <a:r>
-              <a:rPr lang="en-US" sz="2000" smtClean="0"/>
-              <a:t>have created </a:t>
-            </a:r>
-            <a:r>
-              <a:rPr lang="en-US" sz="2000" dirty="0" smtClean="0"/>
-              <a:t>a myriad of </a:t>
-            </a:r>
-            <a:r>
-              <a:rPr lang="en-US" sz="2000" dirty="0"/>
-              <a:t>domain specific connectivity technologies</a:t>
-            </a:r>
-            <a:r>
-              <a:rPr lang="en-US" sz="2000" dirty="0" smtClean="0"/>
-              <a:t>, tightly vertically integrated </a:t>
-            </a:r>
-            <a:r>
-              <a:rPr lang="en-US" sz="2000" dirty="0"/>
-              <a:t>and optimized to solve domain specific </a:t>
-            </a:r>
-            <a:r>
-              <a:rPr lang="en-US" sz="2000" dirty="0" smtClean="0"/>
-              <a:t>needs.</a:t>
-            </a:r>
-          </a:p>
-          <a:p>
-            <a:endParaRPr lang="en-US" sz="2000" dirty="0" smtClean="0"/>
-          </a:p>
-          <a:p>
-            <a:r>
-              <a:rPr lang="en-US" sz="2000" dirty="0" smtClean="0"/>
-              <a:t>IIoT systems usually integrate with </a:t>
-            </a:r>
-            <a:r>
-              <a:rPr lang="en-US" sz="2000" b="1" dirty="0"/>
-              <a:t>brownfield</a:t>
-            </a:r>
-            <a:r>
-              <a:rPr lang="en-US" sz="2000" dirty="0"/>
-              <a:t> technologies to preserve the </a:t>
-            </a:r>
-            <a:r>
-              <a:rPr lang="en-US" sz="2000" dirty="0" smtClean="0"/>
-              <a:t>capital investments, and </a:t>
-            </a:r>
-            <a:r>
-              <a:rPr lang="en-US" sz="2000" b="1" dirty="0" smtClean="0"/>
-              <a:t>greenfield</a:t>
-            </a:r>
-            <a:r>
-              <a:rPr lang="en-US" sz="2000" dirty="0" smtClean="0"/>
-              <a:t> </a:t>
-            </a:r>
-            <a:r>
-              <a:rPr lang="en-US" sz="2000" dirty="0"/>
-              <a:t>technologies to spur innovation. </a:t>
-            </a:r>
-            <a:br>
-              <a:rPr lang="en-US" sz="2000" dirty="0"/>
-            </a:br>
-            <a:endParaRPr lang="en-US" sz="2000" dirty="0"/>
-          </a:p>
-        </p:txBody>
-      </p:sp>
-      <p:pic>
-        <p:nvPicPr>
-          <p:cNvPr id="6" name="Picture 5"/>
-          <p:cNvPicPr>
-            <a:picLocks noChangeAspect="1"/>
-          </p:cNvPicPr>
-          <p:nvPr/>
-        </p:nvPicPr>
-        <p:blipFill>
-          <a:blip r:embed="rId3">
-            <a:extLst>
-              <a:ext uri="{28A0092B-C50C-407E-A947-70E740481C1C}">
-                <a14:useLocalDpi xmlns:a14="http://schemas.microsoft.com/office/drawing/2010/main" val="0"/>
-              </a:ext>
-            </a:extLst>
-          </a:blip>
-          <a:stretch>
-            <a:fillRect/>
-          </a:stretch>
-        </p:blipFill>
-        <p:spPr>
-          <a:xfrm>
-            <a:off x="5606773" y="1233488"/>
-            <a:ext cx="6113279" cy="4382279"/>
-          </a:xfrm>
-          <a:prstGeom prst="rect">
-            <a:avLst/>
-          </a:prstGeom>
-        </p:spPr>
-      </p:pic>
-    </p:spTree>
-    <p:extLst>
-      <p:ext uri="{BB962C8B-B14F-4D97-AF65-F5344CB8AC3E}">
-        <p14:creationId xmlns:p14="http://schemas.microsoft.com/office/powerpoint/2010/main" val="654557709"/>
-      </p:ext>
-    </p:extLst>
-  </p:cSld>
-  <p:clrMapOvr>
-    <a:masterClrMapping/>
-  </p:clrMapOvr>
-  <mc:AlternateContent xmlns:mc="http://schemas.openxmlformats.org/markup-compatibility/2006" xmlns:p14="http://schemas.microsoft.com/office/powerpoint/2010/main">
-    <mc:Choice Requires="p14">
-      <p:transition spd="med" p14:dur="700">
-        <p:fade/>
-      </p:transition>
-    </mc:Choice>
-    <mc:Fallback xmlns="">
-      <p:transition spd="med">
-        <p:fade/>
-      </p:transition>
-    </mc:Fallback>
-  </mc:AlternateContent>
-  <p:timing>
-    <p:tnLst>
-      <p:par>
-        <p:cTn id="1" dur="indefinite" restart="never" nodeType="tmRoot"/>
-      </p:par>
-    </p:tnLst>
-  </p:timing>
-</p:sld>
-</file>
-
-<file path=ppt/slides/slide20.xml><?xml version="1.0" encoding="utf-8"?>
+<file path=ppt/slides/slide21.xml><?xml version="1.0" encoding="utf-8"?>
 <p:sld xmlns:a="http://schemas.openxmlformats.org/drawingml/2006/main" xmlns:r="http://schemas.openxmlformats.org/officeDocument/2006/relationships" xmlns:p="http://schemas.openxmlformats.org/presentationml/2006/main" show="0">
   <p:cSld>
     <p:spTree>
@@ -21467,7 +22311,7 @@
                   <a:spcPct val="0"/>
                 </a:spcAft>
               </a:pPr>
-              <a:t>20</a:t>
+              <a:t>21</a:t>
             </a:fld>
             <a:endParaRPr lang="en-US" dirty="0">
               <a:solidFill>
@@ -23995,7 +24839,7 @@
                 <a:buFont typeface="Arial"/>
                 <a:buNone/>
               </a:pPr>
-              <a:t>20</a:t>
+              <a:t>21</a:t>
             </a:fld>
             <a:endParaRPr lang="en-US" sz="1900"/>
           </a:p>
@@ -24033,7 +24877,7 @@
 </p:sld>
 </file>
 
-<file path=ppt/slides/slide21.xml><?xml version="1.0" encoding="utf-8"?>
+<file path=ppt/slides/slide22.xml><?xml version="1.0" encoding="utf-8"?>
 <p:sld xmlns:a="http://schemas.openxmlformats.org/drawingml/2006/main" xmlns:r="http://schemas.openxmlformats.org/officeDocument/2006/relationships" xmlns:p="http://schemas.openxmlformats.org/presentationml/2006/main" show="0">
   <p:cSld>
     <p:spTree>
@@ -24146,7 +24990,7 @@
             </a:pPr>
             <a:fld id="{00000000-1234-1234-1234-123412341234}" type="slidenum">
               <a:rPr lang="en-US"/>
-              <a:t>21</a:t>
+              <a:t>22</a:t>
             </a:fld>
             <a:endParaRPr lang="en-US" dirty="0"/>
           </a:p>
@@ -26292,6 +27136,279 @@
       </p:grpSpPr>
       <p:sp>
         <p:nvSpPr>
+          <p:cNvPr id="3" name="Title 2"/>
+          <p:cNvSpPr>
+            <a:spLocks noGrp="1"/>
+          </p:cNvSpPr>
+          <p:nvPr>
+            <p:ph type="title"/>
+          </p:nvPr>
+        </p:nvSpPr>
+        <p:spPr/>
+        <p:txBody>
+          <a:bodyPr/>
+          <a:lstStyle/>
+          <a:p>
+            <a:r>
+              <a:rPr lang="en-US" dirty="0" smtClean="0">
+                <a:solidFill>
+                  <a:schemeClr val="accent3">
+                    <a:alpha val="90000"/>
+                  </a:schemeClr>
+                </a:solidFill>
+              </a:rPr>
+              <a:t>IIoT</a:t>
+            </a:r>
+            <a:r>
+              <a:rPr lang="en-US" dirty="0" smtClean="0"/>
+              <a:t> Connectivity Challenge</a:t>
+            </a:r>
+            <a:endParaRPr lang="en-US" dirty="0"/>
+          </a:p>
+        </p:txBody>
+      </p:sp>
+      <p:sp>
+        <p:nvSpPr>
+          <p:cNvPr id="2" name="Slide Number Placeholder 1"/>
+          <p:cNvSpPr>
+            <a:spLocks noGrp="1"/>
+          </p:cNvSpPr>
+          <p:nvPr>
+            <p:ph type="sldNum" sz="quarter" idx="14"/>
+          </p:nvPr>
+        </p:nvSpPr>
+        <p:spPr/>
+        <p:txBody>
+          <a:bodyPr/>
+          <a:lstStyle/>
+          <a:p>
+            <a:pPr eaLnBrk="0" fontAlgn="base" hangingPunct="0">
+              <a:spcBef>
+                <a:spcPct val="50000"/>
+              </a:spcBef>
+              <a:spcAft>
+                <a:spcPct val="0"/>
+              </a:spcAft>
+            </a:pPr>
+            <a:fld id="{FD44707B-D922-47D5-BD24-D96E91B70543}" type="slidenum">
+              <a:rPr lang="en-US" smtClean="0">
+                <a:solidFill>
+                  <a:prstClr val="white"/>
+                </a:solidFill>
+              </a:rPr>
+              <a:pPr eaLnBrk="0" fontAlgn="base" hangingPunct="0">
+                <a:spcBef>
+                  <a:spcPct val="50000"/>
+                </a:spcBef>
+                <a:spcAft>
+                  <a:spcPct val="0"/>
+                </a:spcAft>
+              </a:pPr>
+              <a:t>3</a:t>
+            </a:fld>
+            <a:endParaRPr lang="en-US" dirty="0">
+              <a:solidFill>
+                <a:prstClr val="white"/>
+              </a:solidFill>
+            </a:endParaRPr>
+          </a:p>
+        </p:txBody>
+      </p:sp>
+      <p:sp>
+        <p:nvSpPr>
+          <p:cNvPr id="5" name="Content Placeholder 4"/>
+          <p:cNvSpPr>
+            <a:spLocks noGrp="1"/>
+          </p:cNvSpPr>
+          <p:nvPr>
+            <p:ph sz="quarter" idx="15"/>
+          </p:nvPr>
+        </p:nvSpPr>
+        <p:spPr>
+          <a:xfrm>
+            <a:off x="471951" y="1233488"/>
+            <a:ext cx="4885053" cy="4649787"/>
+          </a:xfrm>
+        </p:spPr>
+        <p:txBody>
+          <a:bodyPr/>
+          <a:lstStyle/>
+          <a:p>
+            <a:r>
+              <a:rPr lang="en-US" sz="2000" dirty="0"/>
+              <a:t>The goal of the industrial internet is to enable seamless information sharing across domains </a:t>
+            </a:r>
+            <a:r>
+              <a:rPr lang="en-US" sz="2000" dirty="0" smtClean="0"/>
+              <a:t>and industries</a:t>
+            </a:r>
+            <a:r>
+              <a:rPr lang="en-US" sz="2000" dirty="0"/>
+              <a:t>. </a:t>
+            </a:r>
+            <a:endParaRPr lang="en-US" sz="2000" dirty="0" smtClean="0"/>
+          </a:p>
+          <a:p>
+            <a:endParaRPr lang="en-US" sz="2000" dirty="0" smtClean="0"/>
+          </a:p>
+          <a:p>
+            <a:r>
+              <a:rPr lang="en-US" sz="2000" dirty="0" smtClean="0"/>
+              <a:t>Past capital investments in </a:t>
+            </a:r>
+            <a:r>
+              <a:rPr lang="en-US" sz="2000" dirty="0"/>
+              <a:t>equipment</a:t>
+            </a:r>
+            <a:r>
+              <a:rPr lang="en-US" sz="2000" dirty="0" smtClean="0"/>
+              <a:t> </a:t>
+            </a:r>
+            <a:r>
+              <a:rPr lang="en-US" sz="2000" smtClean="0"/>
+              <a:t>have created </a:t>
+            </a:r>
+            <a:r>
+              <a:rPr lang="en-US" sz="2000" dirty="0" smtClean="0"/>
+              <a:t>a myriad of </a:t>
+            </a:r>
+            <a:r>
+              <a:rPr lang="en-US" sz="2000" dirty="0"/>
+              <a:t>domain specific connectivity technologies</a:t>
+            </a:r>
+            <a:r>
+              <a:rPr lang="en-US" sz="2000" dirty="0" smtClean="0"/>
+              <a:t>, tightly vertically integrated </a:t>
+            </a:r>
+            <a:r>
+              <a:rPr lang="en-US" sz="2000" dirty="0"/>
+              <a:t>and optimized to solve domain specific </a:t>
+            </a:r>
+            <a:r>
+              <a:rPr lang="en-US" sz="2000" dirty="0" smtClean="0"/>
+              <a:t>needs.</a:t>
+            </a:r>
+          </a:p>
+          <a:p>
+            <a:endParaRPr lang="en-US" sz="2000" dirty="0" smtClean="0"/>
+          </a:p>
+          <a:p>
+            <a:r>
+              <a:rPr lang="en-US" sz="2000" dirty="0" smtClean="0"/>
+              <a:t>IIoT systems usually integrate with </a:t>
+            </a:r>
+            <a:r>
+              <a:rPr lang="en-US" sz="2000" b="1" dirty="0"/>
+              <a:t>brownfield</a:t>
+            </a:r>
+            <a:r>
+              <a:rPr lang="en-US" sz="2000" dirty="0"/>
+              <a:t> technologies to preserve the </a:t>
+            </a:r>
+            <a:r>
+              <a:rPr lang="en-US" sz="2000" dirty="0" smtClean="0"/>
+              <a:t>capital investments, and </a:t>
+            </a:r>
+            <a:r>
+              <a:rPr lang="en-US" sz="2000" b="1" dirty="0" smtClean="0"/>
+              <a:t>greenfield</a:t>
+            </a:r>
+            <a:r>
+              <a:rPr lang="en-US" sz="2000" dirty="0" smtClean="0"/>
+              <a:t> </a:t>
+            </a:r>
+            <a:r>
+              <a:rPr lang="en-US" sz="2000" dirty="0"/>
+              <a:t>technologies to spur innovation. </a:t>
+            </a:r>
+            <a:br>
+              <a:rPr lang="en-US" sz="2000" dirty="0"/>
+            </a:br>
+            <a:endParaRPr lang="en-US" sz="2000" dirty="0"/>
+          </a:p>
+        </p:txBody>
+      </p:sp>
+      <p:pic>
+        <p:nvPicPr>
+          <p:cNvPr id="6" name="Picture 5"/>
+          <p:cNvPicPr>
+            <a:picLocks noChangeAspect="1"/>
+          </p:cNvPicPr>
+          <p:nvPr/>
+        </p:nvPicPr>
+        <p:blipFill>
+          <a:blip r:embed="rId3">
+            <a:extLst>
+              <a:ext uri="{28A0092B-C50C-407E-A947-70E740481C1C}">
+                <a14:useLocalDpi xmlns:a14="http://schemas.microsoft.com/office/drawing/2010/main" val="0"/>
+              </a:ext>
+            </a:extLst>
+          </a:blip>
+          <a:stretch>
+            <a:fillRect/>
+          </a:stretch>
+        </p:blipFill>
+        <p:spPr>
+          <a:xfrm>
+            <a:off x="5606773" y="1233488"/>
+            <a:ext cx="6113279" cy="4382279"/>
+          </a:xfrm>
+          <a:prstGeom prst="rect">
+            <a:avLst/>
+          </a:prstGeom>
+        </p:spPr>
+      </p:pic>
+    </p:spTree>
+    <p:extLst>
+      <p:ext uri="{BB962C8B-B14F-4D97-AF65-F5344CB8AC3E}">
+        <p14:creationId xmlns:p14="http://schemas.microsoft.com/office/powerpoint/2010/main" val="654557709"/>
+      </p:ext>
+    </p:extLst>
+  </p:cSld>
+  <p:clrMapOvr>
+    <a:masterClrMapping/>
+  </p:clrMapOvr>
+  <mc:AlternateContent xmlns:mc="http://schemas.openxmlformats.org/markup-compatibility/2006" xmlns:p14="http://schemas.microsoft.com/office/powerpoint/2010/main">
+    <mc:Choice Requires="p14">
+      <p:transition spd="med" p14:dur="700">
+        <p:fade/>
+      </p:transition>
+    </mc:Choice>
+    <mc:Fallback xmlns="">
+      <p:transition spd="med">
+        <p:fade/>
+      </p:transition>
+    </mc:Fallback>
+  </mc:AlternateContent>
+  <p:timing>
+    <p:tnLst>
+      <p:par>
+        <p:cTn id="1" dur="indefinite" restart="never" nodeType="tmRoot"/>
+      </p:par>
+    </p:tnLst>
+  </p:timing>
+</p:sld>
+</file>
+
+<file path=ppt/slides/slide4.xml><?xml version="1.0" encoding="utf-8"?>
+<p:sld xmlns:a="http://schemas.openxmlformats.org/drawingml/2006/main" xmlns:r="http://schemas.openxmlformats.org/officeDocument/2006/relationships" xmlns:p="http://schemas.openxmlformats.org/presentationml/2006/main">
+  <p:cSld>
+    <p:spTree>
+      <p:nvGrpSpPr>
+        <p:cNvPr id="1" name=""/>
+        <p:cNvGrpSpPr/>
+        <p:nvPr/>
+      </p:nvGrpSpPr>
+      <p:grpSpPr>
+        <a:xfrm>
+          <a:off x="0" y="0"/>
+          <a:ext cx="0" cy="0"/>
+          <a:chOff x="0" y="0"/>
+          <a:chExt cx="0" cy="0"/>
+        </a:xfrm>
+      </p:grpSpPr>
+      <p:sp>
+        <p:nvSpPr>
           <p:cNvPr id="7" name="Title 6"/>
           <p:cNvSpPr>
             <a:spLocks noGrp="1"/>
@@ -26368,7 +27485,7 @@
                   <a:spcPct val="0"/>
                 </a:spcAft>
               </a:pPr>
-              <a:t>3</a:t>
+              <a:t>4</a:t>
             </a:fld>
             <a:endParaRPr lang="en-US" dirty="0">
               <a:solidFill>
@@ -26613,7 +27730,7 @@
 </p:sld>
 </file>
 
-<file path=ppt/slides/slide4.xml><?xml version="1.0" encoding="utf-8"?>
+<file path=ppt/slides/slide5.xml><?xml version="1.0" encoding="utf-8"?>
 <p:sld xmlns:a="http://schemas.openxmlformats.org/drawingml/2006/main" xmlns:r="http://schemas.openxmlformats.org/officeDocument/2006/relationships" xmlns:p="http://schemas.openxmlformats.org/presentationml/2006/main">
   <p:cSld>
     <p:spTree>
@@ -26718,7 +27835,7 @@
                 </a:solidFill>
               </a:rPr>
               <a:pPr/>
-              <a:t>4</a:t>
+              <a:t>5</a:t>
             </a:fld>
             <a:endParaRPr lang="en-US" dirty="0">
               <a:solidFill>
@@ -27068,7 +28185,7 @@
 </p:sld>
 </file>
 
-<file path=ppt/slides/slide5.xml><?xml version="1.0" encoding="utf-8"?>
+<file path=ppt/slides/slide6.xml><?xml version="1.0" encoding="utf-8"?>
 <p:sld xmlns:a="http://schemas.openxmlformats.org/drawingml/2006/main" xmlns:r="http://schemas.openxmlformats.org/officeDocument/2006/relationships" xmlns:p="http://schemas.openxmlformats.org/presentationml/2006/main">
   <p:cSld>
     <p:spTree>
@@ -27182,7 +28299,7 @@
                   <a:spcPct val="0"/>
                 </a:spcAft>
               </a:pPr>
-              <a:t>5</a:t>
+              <a:t>6</a:t>
             </a:fld>
             <a:endParaRPr lang="en-US" dirty="0">
               <a:solidFill>
@@ -27485,7 +28602,7 @@
 </p:sld>
 </file>
 
-<file path=ppt/slides/slide6.xml><?xml version="1.0" encoding="utf-8"?>
+<file path=ppt/slides/slide7.xml><?xml version="1.0" encoding="utf-8"?>
 <p:sld xmlns:a="http://schemas.openxmlformats.org/drawingml/2006/main" xmlns:r="http://schemas.openxmlformats.org/officeDocument/2006/relationships" xmlns:p="http://schemas.openxmlformats.org/presentationml/2006/main">
   <p:cSld>
     <p:spTree>
@@ -27591,7 +28708,7 @@
                   <a:spcPct val="0"/>
                 </a:spcAft>
               </a:pPr>
-              <a:t>6</a:t>
+              <a:t>7</a:t>
             </a:fld>
             <a:endParaRPr lang="en-US" dirty="0">
               <a:solidFill>
@@ -27783,7 +28900,7 @@
 </p:sld>
 </file>
 
-<file path=ppt/slides/slide7.xml><?xml version="1.0" encoding="utf-8"?>
+<file path=ppt/slides/slide8.xml><?xml version="1.0" encoding="utf-8"?>
 <p:sld xmlns:a="http://schemas.openxmlformats.org/drawingml/2006/main" xmlns:r="http://schemas.openxmlformats.org/officeDocument/2006/relationships" xmlns:p="http://schemas.openxmlformats.org/presentationml/2006/main">
   <p:cSld>
     <p:spTree>
@@ -27910,7 +29027,7 @@
 </p:sld>
 </file>
 
-<file path=ppt/slides/slide8.xml><?xml version="1.0" encoding="utf-8"?>
+<file path=ppt/slides/slide9.xml><?xml version="1.0" encoding="utf-8"?>
 <p:sld xmlns:a="http://schemas.openxmlformats.org/drawingml/2006/main" xmlns:r="http://schemas.openxmlformats.org/officeDocument/2006/relationships" xmlns:p="http://schemas.openxmlformats.org/presentationml/2006/main">
   <p:cSld>
     <p:spTree>
@@ -28016,7 +29133,7 @@
                   <a:spcPct val="0"/>
                 </a:spcAft>
               </a:pPr>
-              <a:t>8</a:t>
+              <a:t>9</a:t>
             </a:fld>
             <a:endParaRPr lang="en-US" dirty="0">
               <a:solidFill>
@@ -29360,360 +30477,6 @@
 </p:sld>
 </file>
 
-<file path=ppt/slides/slide9.xml><?xml version="1.0" encoding="utf-8"?>
-<p:sld xmlns:a="http://schemas.openxmlformats.org/drawingml/2006/main" xmlns:r="http://schemas.openxmlformats.org/officeDocument/2006/relationships" xmlns:p="http://schemas.openxmlformats.org/presentationml/2006/main">
-  <p:cSld>
-    <p:spTree>
-      <p:nvGrpSpPr>
-        <p:cNvPr id="1" name=""/>
-        <p:cNvGrpSpPr/>
-        <p:nvPr/>
-      </p:nvGrpSpPr>
-      <p:grpSpPr>
-        <a:xfrm>
-          <a:off x="0" y="0"/>
-          <a:ext cx="0" cy="0"/>
-          <a:chOff x="0" y="0"/>
-          <a:chExt cx="0" cy="0"/>
-        </a:xfrm>
-      </p:grpSpPr>
-      <p:sp>
-        <p:nvSpPr>
-          <p:cNvPr id="2" name="Title 1"/>
-          <p:cNvSpPr>
-            <a:spLocks noGrp="1"/>
-          </p:cNvSpPr>
-          <p:nvPr>
-            <p:ph type="title"/>
-          </p:nvPr>
-        </p:nvSpPr>
-        <p:spPr/>
-        <p:txBody>
-          <a:bodyPr/>
-          <a:lstStyle/>
-          <a:p>
-            <a:r>
-              <a:rPr lang="en-US" dirty="0" smtClean="0">
-                <a:solidFill>
-                  <a:schemeClr val="accent3">
-                    <a:alpha val="90000"/>
-                  </a:schemeClr>
-                </a:solidFill>
-              </a:rPr>
-              <a:t>Connectivity</a:t>
-            </a:r>
-            <a:r>
-              <a:rPr lang="en-US" dirty="0" smtClean="0"/>
-              <a:t> Framework Core Functions</a:t>
-            </a:r>
-            <a:endParaRPr lang="en-US" dirty="0"/>
-          </a:p>
-        </p:txBody>
-      </p:sp>
-      <p:sp>
-        <p:nvSpPr>
-          <p:cNvPr id="3" name="Text Placeholder 2"/>
-          <p:cNvSpPr>
-            <a:spLocks noGrp="1"/>
-          </p:cNvSpPr>
-          <p:nvPr>
-            <p:ph type="body" sz="quarter" idx="13"/>
-          </p:nvPr>
-        </p:nvSpPr>
-        <p:spPr/>
-        <p:txBody>
-          <a:bodyPr/>
-          <a:lstStyle/>
-          <a:p>
-            <a:endParaRPr lang="en-US"/>
-          </a:p>
-        </p:txBody>
-      </p:sp>
-      <p:sp>
-        <p:nvSpPr>
-          <p:cNvPr id="4" name="Slide Number Placeholder 3"/>
-          <p:cNvSpPr>
-            <a:spLocks noGrp="1"/>
-          </p:cNvSpPr>
-          <p:nvPr>
-            <p:ph type="sldNum" sz="quarter" idx="14"/>
-          </p:nvPr>
-        </p:nvSpPr>
-        <p:spPr/>
-        <p:txBody>
-          <a:bodyPr/>
-          <a:lstStyle/>
-          <a:p>
-            <a:pPr eaLnBrk="0" fontAlgn="base" hangingPunct="0">
-              <a:spcBef>
-                <a:spcPct val="50000"/>
-              </a:spcBef>
-              <a:spcAft>
-                <a:spcPct val="0"/>
-              </a:spcAft>
-            </a:pPr>
-            <a:fld id="{FD44707B-D922-47D5-BD24-D96E91B70543}" type="slidenum">
-              <a:rPr lang="en-US" smtClean="0">
-                <a:solidFill>
-                  <a:prstClr val="white"/>
-                </a:solidFill>
-              </a:rPr>
-              <a:pPr eaLnBrk="0" fontAlgn="base" hangingPunct="0">
-                <a:spcBef>
-                  <a:spcPct val="50000"/>
-                </a:spcBef>
-                <a:spcAft>
-                  <a:spcPct val="0"/>
-                </a:spcAft>
-              </a:pPr>
-              <a:t>9</a:t>
-            </a:fld>
-            <a:endParaRPr lang="en-US" dirty="0">
-              <a:solidFill>
-                <a:prstClr val="white"/>
-              </a:solidFill>
-            </a:endParaRPr>
-          </a:p>
-        </p:txBody>
-      </p:sp>
-      <p:sp>
-        <p:nvSpPr>
-          <p:cNvPr id="5" name="Content Placeholder 4"/>
-          <p:cNvSpPr>
-            <a:spLocks noGrp="1"/>
-          </p:cNvSpPr>
-          <p:nvPr>
-            <p:ph sz="quarter" idx="15"/>
-          </p:nvPr>
-        </p:nvSpPr>
-        <p:spPr/>
-        <p:txBody>
-          <a:bodyPr/>
-          <a:lstStyle/>
-          <a:p>
-            <a:pPr marL="342900" indent="-342900">
-              <a:buFont typeface="Arial" panose="020B0604020202020204" pitchFamily="34" charset="0"/>
-              <a:buChar char="•"/>
-            </a:pPr>
-            <a:r>
-              <a:rPr lang="en-US" sz="2000" b="1" dirty="0" smtClean="0"/>
-              <a:t>Data Resource Model </a:t>
-            </a:r>
-            <a:r>
-              <a:rPr lang="en-US" sz="2000" dirty="0" smtClean="0"/>
-              <a:t>– represents structured data objects that can change state over time</a:t>
-            </a:r>
-          </a:p>
-          <a:p>
-            <a:pPr marL="342900" indent="-342900">
-              <a:buFont typeface="Arial" panose="020B0604020202020204" pitchFamily="34" charset="0"/>
-              <a:buChar char="•"/>
-            </a:pPr>
-            <a:r>
-              <a:rPr lang="en-US" sz="2000" b="1" dirty="0" smtClean="0"/>
-              <a:t>ID and Addressing </a:t>
-            </a:r>
-            <a:r>
-              <a:rPr lang="en-US" sz="2000" dirty="0" smtClean="0"/>
-              <a:t>– provides the means to identify and address each data object</a:t>
-            </a:r>
-          </a:p>
-          <a:p>
-            <a:pPr marL="342900" indent="-342900">
-              <a:buFont typeface="Arial" panose="020B0604020202020204" pitchFamily="34" charset="0"/>
-              <a:buChar char="•"/>
-            </a:pPr>
-            <a:r>
-              <a:rPr lang="en-US" sz="2000" b="1" dirty="0" smtClean="0"/>
-              <a:t>Data Type System </a:t>
-            </a:r>
-            <a:r>
-              <a:rPr lang="en-US" sz="2000" dirty="0" smtClean="0"/>
-              <a:t>– provides a way to describe the constrains place on data, includes a method of evolving and versioning the data syntax</a:t>
-            </a:r>
-          </a:p>
-          <a:p>
-            <a:pPr marL="342900" indent="-342900">
-              <a:buFont typeface="Arial" panose="020B0604020202020204" pitchFamily="34" charset="0"/>
-              <a:buChar char="•"/>
-            </a:pPr>
-            <a:r>
-              <a:rPr lang="en-US" sz="2000" b="1" dirty="0" smtClean="0"/>
-              <a:t>Publish/Subscribe</a:t>
-            </a:r>
-            <a:r>
-              <a:rPr lang="en-US" sz="2000" dirty="0" smtClean="0"/>
-              <a:t> – supports the well-know </a:t>
-            </a:r>
-            <a:r>
-              <a:rPr lang="en-US" sz="2000" dirty="0" err="1" smtClean="0"/>
-              <a:t>pubsub</a:t>
-            </a:r>
-            <a:r>
-              <a:rPr lang="en-US" sz="2000" dirty="0" smtClean="0"/>
-              <a:t> pattern for decoupled data exchange</a:t>
-            </a:r>
-          </a:p>
-          <a:p>
-            <a:pPr marL="342900" indent="-342900">
-              <a:buFont typeface="Arial" panose="020B0604020202020204" pitchFamily="34" charset="0"/>
-              <a:buChar char="•"/>
-            </a:pPr>
-            <a:r>
-              <a:rPr lang="en-US" sz="2000" b="1" dirty="0" smtClean="0"/>
-              <a:t>Request/Reply</a:t>
-            </a:r>
-            <a:r>
-              <a:rPr lang="en-US" sz="2000" dirty="0" smtClean="0"/>
-              <a:t> - </a:t>
-            </a:r>
-            <a:r>
-              <a:rPr lang="en-US" sz="2000" dirty="0"/>
-              <a:t>supports the well-know </a:t>
-            </a:r>
-            <a:r>
-              <a:rPr lang="en-US" sz="2000" dirty="0" smtClean="0"/>
-              <a:t>request/reply pattern </a:t>
-            </a:r>
-            <a:r>
-              <a:rPr lang="en-US" sz="2000" dirty="0"/>
-              <a:t>for </a:t>
-            </a:r>
-            <a:r>
-              <a:rPr lang="en-US" sz="2000" dirty="0" smtClean="0"/>
-              <a:t>data exchange</a:t>
-            </a:r>
-          </a:p>
-          <a:p>
-            <a:pPr marL="342900" indent="-342900">
-              <a:buFont typeface="Arial" panose="020B0604020202020204" pitchFamily="34" charset="0"/>
-              <a:buChar char="•"/>
-            </a:pPr>
-            <a:r>
-              <a:rPr lang="en-US" sz="2000" b="1" dirty="0" smtClean="0"/>
-              <a:t>Discovery</a:t>
-            </a:r>
-            <a:r>
-              <a:rPr lang="en-US" sz="2000" dirty="0" smtClean="0"/>
-              <a:t> – must be able to find </a:t>
-            </a:r>
-            <a:r>
-              <a:rPr lang="en-US" sz="2000" dirty="0" err="1" smtClean="0"/>
-              <a:t>pubsub</a:t>
-            </a:r>
-            <a:r>
-              <a:rPr lang="en-US" sz="2000" dirty="0" smtClean="0"/>
-              <a:t> services, request/reply services, endpoints and datatypes.</a:t>
-            </a:r>
-            <a:endParaRPr lang="en-US" sz="2000" dirty="0"/>
-          </a:p>
-          <a:p>
-            <a:pPr marL="342900" indent="-342900">
-              <a:buFont typeface="Arial" panose="020B0604020202020204" pitchFamily="34" charset="0"/>
-              <a:buChar char="•"/>
-            </a:pPr>
-            <a:r>
-              <a:rPr lang="en-US" sz="2000" b="1" dirty="0" smtClean="0"/>
-              <a:t>Exception Handling </a:t>
-            </a:r>
-            <a:r>
-              <a:rPr lang="en-US" sz="2000" dirty="0" smtClean="0"/>
-              <a:t>– mechanisms for handling disconnections, changes in configuration or quality, endpoint failures, </a:t>
-            </a:r>
-            <a:r>
-              <a:rPr lang="en-US" sz="2000" dirty="0" err="1" smtClean="0"/>
-              <a:t>etc</a:t>
-            </a:r>
-            <a:r>
-              <a:rPr lang="en-US" sz="2000" dirty="0" smtClean="0"/>
-              <a:t>…</a:t>
-            </a:r>
-          </a:p>
-          <a:p>
-            <a:pPr marL="342900" indent="-342900">
-              <a:buFont typeface="Arial" panose="020B0604020202020204" pitchFamily="34" charset="0"/>
-              <a:buChar char="•"/>
-            </a:pPr>
-            <a:r>
-              <a:rPr lang="en-US" sz="2000" b="1" dirty="0" smtClean="0"/>
-              <a:t>Data Quality of Service</a:t>
-            </a:r>
-            <a:r>
-              <a:rPr lang="en-US" sz="2000" dirty="0" smtClean="0"/>
-              <a:t> – </a:t>
-            </a:r>
-            <a:r>
-              <a:rPr lang="en-US" sz="2000" dirty="0" err="1" smtClean="0"/>
-              <a:t>QoS</a:t>
-            </a:r>
-            <a:r>
-              <a:rPr lang="en-US" sz="2000" dirty="0" smtClean="0"/>
-              <a:t> method implemented, best-effort vs. reliable delivery</a:t>
-            </a:r>
-          </a:p>
-          <a:p>
-            <a:pPr marL="342900" indent="-342900">
-              <a:buFont typeface="Arial" panose="020B0604020202020204" pitchFamily="34" charset="0"/>
-              <a:buChar char="•"/>
-            </a:pPr>
-            <a:r>
-              <a:rPr lang="en-US" sz="2000" b="1" dirty="0" smtClean="0"/>
-              <a:t>Data Security </a:t>
-            </a:r>
-            <a:r>
-              <a:rPr lang="en-US" sz="2000" dirty="0" smtClean="0"/>
-              <a:t>– confidentiality, integrity, authenticity and non-repudiation of the data</a:t>
-            </a:r>
-          </a:p>
-          <a:p>
-            <a:pPr marL="342900" indent="-342900">
-              <a:buFont typeface="Arial" panose="020B0604020202020204" pitchFamily="34" charset="0"/>
-              <a:buChar char="•"/>
-            </a:pPr>
-            <a:r>
-              <a:rPr lang="en-US" sz="2000" b="1" dirty="0" smtClean="0"/>
-              <a:t>Data Governance </a:t>
-            </a:r>
-            <a:r>
-              <a:rPr lang="en-US" sz="2000" dirty="0" smtClean="0"/>
-              <a:t>– is there a standards body that directs this protocol’s evolution</a:t>
-            </a:r>
-            <a:endParaRPr lang="en-US" sz="2000" dirty="0"/>
-          </a:p>
-        </p:txBody>
-      </p:sp>
-    </p:spTree>
-    <p:extLst>
-      <p:ext uri="{BB962C8B-B14F-4D97-AF65-F5344CB8AC3E}">
-        <p14:creationId xmlns:p14="http://schemas.microsoft.com/office/powerpoint/2010/main" val="415364172"/>
-      </p:ext>
-    </p:extLst>
-  </p:cSld>
-  <p:clrMapOvr>
-    <a:masterClrMapping/>
-  </p:clrMapOvr>
-  <mc:AlternateContent xmlns:mc="http://schemas.openxmlformats.org/markup-compatibility/2006" xmlns:p14="http://schemas.microsoft.com/office/powerpoint/2010/main">
-    <mc:Choice Requires="p14">
-      <p:transition spd="med" p14:dur="700">
-        <p:fade/>
-      </p:transition>
-    </mc:Choice>
-    <mc:Fallback xmlns="">
-      <p:transition spd="med">
-        <p:fade/>
-      </p:transition>
-    </mc:Fallback>
-  </mc:AlternateContent>
-  <p:timing>
-    <p:tnLst>
-      <p:par>
-        <p:cTn id="1" dur="indefinite" restart="never" nodeType="tmRoot"/>
-      </p:par>
-    </p:tnLst>
-  </p:timing>
-</p:sld>
-</file>
-
 <file path=ppt/tags/tag1.xml><?xml version="1.0" encoding="utf-8"?>
 <p:tagLst xmlns:a="http://schemas.openxmlformats.org/drawingml/2006/main" xmlns:r="http://schemas.openxmlformats.org/officeDocument/2006/relationships" xmlns:p="http://schemas.openxmlformats.org/presentationml/2006/main">
   <p:tag name="OFFISYNC_SLIDE_GUID" val="6d500c93-bae6-4842-9436-e3372f02f639"/>

--- a/presentations/Industrial-Protocols.pptx
+++ b/presentations/Industrial-Protocols.pptx
@@ -5,7 +5,7 @@
     <p:sldMasterId id="2147483660" r:id="rId1"/>
   </p:sldMasterIdLst>
   <p:notesMasterIdLst>
-    <p:notesMasterId r:id="rId24"/>
+    <p:notesMasterId r:id="rId30"/>
   </p:notesMasterIdLst>
   <p:sldIdLst>
     <p:sldId id="257" r:id="rId2"/>
@@ -22,14 +22,20 @@
     <p:sldId id="262" r:id="rId13"/>
     <p:sldId id="263" r:id="rId14"/>
     <p:sldId id="271" r:id="rId15"/>
-    <p:sldId id="300" r:id="rId16"/>
-    <p:sldId id="295" r:id="rId17"/>
-    <p:sldId id="296" r:id="rId18"/>
-    <p:sldId id="297" r:id="rId19"/>
-    <p:sldId id="301" r:id="rId20"/>
-    <p:sldId id="258" r:id="rId21"/>
-    <p:sldId id="269" r:id="rId22"/>
-    <p:sldId id="276" r:id="rId23"/>
+    <p:sldId id="315" r:id="rId16"/>
+    <p:sldId id="312" r:id="rId17"/>
+    <p:sldId id="313" r:id="rId18"/>
+    <p:sldId id="295" r:id="rId19"/>
+    <p:sldId id="309" r:id="rId20"/>
+    <p:sldId id="310" r:id="rId21"/>
+    <p:sldId id="296" r:id="rId22"/>
+    <p:sldId id="297" r:id="rId23"/>
+    <p:sldId id="311" r:id="rId24"/>
+    <p:sldId id="301" r:id="rId25"/>
+    <p:sldId id="314" r:id="rId26"/>
+    <p:sldId id="258" r:id="rId27"/>
+    <p:sldId id="269" r:id="rId28"/>
+    <p:sldId id="276" r:id="rId29"/>
   </p:sldIdLst>
   <p:sldSz cx="12192000" cy="6858000"/>
   <p:notesSz cx="7010400" cy="9296400"/>
@@ -165,13 +171,23 @@
             <p14:sldId id="271"/>
           </p14:sldIdLst>
         </p14:section>
+        <p14:section name="MQTT" id="{1D7BD3FF-7F48-451C-8824-631E690DE932}">
+          <p14:sldIdLst>
+            <p14:sldId id="315"/>
+          </p14:sldIdLst>
+        </p14:section>
         <p14:section name="OPC-UA" id="{7DA5C7EE-51BD-4501-B0BB-5B9E79F82609}">
           <p14:sldIdLst>
-            <p14:sldId id="300"/>
+            <p14:sldId id="312"/>
+            <p14:sldId id="313"/>
             <p14:sldId id="295"/>
+            <p14:sldId id="309"/>
+            <p14:sldId id="310"/>
             <p14:sldId id="296"/>
             <p14:sldId id="297"/>
+            <p14:sldId id="311"/>
             <p14:sldId id="301"/>
+            <p14:sldId id="314"/>
             <p14:sldId id="258"/>
           </p14:sldIdLst>
         </p14:section>
@@ -276,7 +292,7 @@
           <a:p>
             <a:fld id="{CB2AC661-31A4-46DB-97AE-947D7B173D52}" type="datetimeFigureOut">
               <a:rPr lang="en-US" smtClean="0"/>
-              <a:t>9/6/2018</a:t>
+              <a:t>9/12/2018</a:t>
             </a:fld>
             <a:endParaRPr lang="en-US"/>
           </a:p>
@@ -1982,51 +1998,7 @@
           <a:bodyPr/>
           <a:lstStyle/>
           <a:p>
-            <a:r>
-              <a:rPr lang="en-GB" dirty="0" smtClean="0"/>
-              <a:t>Message format:</a:t>
-            </a:r>
-            <a:r>
-              <a:rPr lang="en-GB" baseline="0" dirty="0" smtClean="0"/>
-              <a:t> UA XML, UA Binary</a:t>
-            </a:r>
-          </a:p>
-          <a:p>
-            <a:r>
-              <a:rPr lang="en-GB" baseline="0" dirty="0" smtClean="0"/>
-              <a:t>Transport: OPC TCP, SOAP/HTTP(S)</a:t>
-            </a:r>
-          </a:p>
-          <a:p>
-            <a:r>
-              <a:rPr lang="en-GB" baseline="0" dirty="0" smtClean="0"/>
-              <a:t>Channel Security: None, Signed, Signed and Encrypted</a:t>
-            </a:r>
-          </a:p>
-          <a:p>
-            <a:endParaRPr lang="en-GB" baseline="0" dirty="0" smtClean="0"/>
-          </a:p>
-          <a:p>
-            <a:r>
-              <a:rPr lang="en-GB" baseline="0" dirty="0" err="1" smtClean="0"/>
-              <a:t>Authenthication</a:t>
-            </a:r>
-            <a:r>
-              <a:rPr lang="en-GB" baseline="0" dirty="0" smtClean="0"/>
-              <a:t>, Authorization, Encryption and Data integrity are performed by signatures.</a:t>
-            </a:r>
-          </a:p>
-          <a:p>
-            <a:endParaRPr lang="en-GB" baseline="0" dirty="0" smtClean="0"/>
-          </a:p>
-          <a:p>
-            <a:r>
-              <a:rPr lang="en-GB" baseline="0" dirty="0" smtClean="0"/>
-              <a:t>SOAP w/ binary is a firewall-friendly variant with efficient coding.</a:t>
-            </a:r>
-          </a:p>
-          <a:p>
-            <a:endParaRPr lang="en-US" dirty="0"/>
+            <a:endParaRPr lang="en-US"/>
           </a:p>
         </p:txBody>
       </p:sp>
@@ -2045,27 +2017,18 @@
           <a:bodyPr/>
           <a:lstStyle/>
           <a:p>
-            <a:fld id="{D61C8689-8455-3546-ADF9-3B7273760F66}" type="slidenum">
-              <a:rPr lang="en-US" smtClean="0">
-                <a:solidFill>
-                  <a:prstClr val="black"/>
-                </a:solidFill>
-              </a:rPr>
-              <a:pPr/>
-              <a:t>16</a:t>
+            <a:fld id="{5411DBE0-381C-46D4-8DEC-C543B120D642}" type="slidenum">
+              <a:rPr lang="en-US" smtClean="0"/>
+              <a:t>15</a:t>
             </a:fld>
-            <a:endParaRPr lang="en-US" dirty="0">
-              <a:solidFill>
-                <a:prstClr val="black"/>
-              </a:solidFill>
-            </a:endParaRPr>
+            <a:endParaRPr lang="en-US"/>
           </a:p>
         </p:txBody>
       </p:sp>
     </p:spTree>
     <p:extLst>
       <p:ext uri="{BB962C8B-B14F-4D97-AF65-F5344CB8AC3E}">
-        <p14:creationId xmlns:p14="http://schemas.microsoft.com/office/powerpoint/2010/main" val="1948928291"/>
+        <p14:creationId xmlns:p14="http://schemas.microsoft.com/office/powerpoint/2010/main" val="1160511286"/>
       </p:ext>
     </p:extLst>
   </p:cSld>
@@ -2120,19 +2083,303 @@
           <a:lstStyle/>
           <a:p>
             <a:r>
-              <a:rPr lang="en-GB" dirty="0" smtClean="0"/>
-              <a:t>Client</a:t>
-            </a:r>
-            <a:r>
-              <a:rPr lang="en-GB" baseline="0" dirty="0" smtClean="0"/>
-              <a:t> redundancy: the server simply sees two clients. But the clients are talking to each other.</a:t>
-            </a:r>
-          </a:p>
-          <a:p>
-            <a:r>
-              <a:rPr lang="en-GB" baseline="0" dirty="0" smtClean="0"/>
-              <a:t>Server redundancy: client sends commands to both servers, but only the active one processes it.</a:t>
-            </a:r>
+              <a:rPr lang="en-US" sz="1200" b="0" i="0" kern="1200" dirty="0" smtClean="0">
+                <a:solidFill>
+                  <a:schemeClr val="tx1"/>
+                </a:solidFill>
+                <a:effectLst/>
+                <a:latin typeface="+mn-lt"/>
+                <a:ea typeface="+mn-ea"/>
+                <a:cs typeface="+mn-cs"/>
+              </a:rPr>
+              <a:t>OPC UA is a sophisticated, scalable and flexible mechanism for establishing secure connections between clients and servers. Features of this unique technology include:</a:t>
+            </a:r>
+          </a:p>
+          <a:p>
+            <a:r>
+              <a:rPr lang="en-US" sz="1200" b="1" i="0" kern="1200" dirty="0" smtClean="0">
+                <a:solidFill>
+                  <a:schemeClr val="tx1"/>
+                </a:solidFill>
+                <a:effectLst/>
+                <a:latin typeface="+mn-lt"/>
+                <a:ea typeface="+mn-ea"/>
+                <a:cs typeface="+mn-cs"/>
+              </a:rPr>
+              <a:t>Scalability –</a:t>
+            </a:r>
+            <a:r>
+              <a:rPr lang="en-US" sz="1200" b="0" i="0" kern="1200" dirty="0" smtClean="0">
+                <a:solidFill>
+                  <a:schemeClr val="tx1"/>
+                </a:solidFill>
+                <a:effectLst/>
+                <a:latin typeface="+mn-lt"/>
+                <a:ea typeface="+mn-ea"/>
+                <a:cs typeface="+mn-cs"/>
+              </a:rPr>
+              <a:t>OPC UA is scalable and platform independent. It can be supported on high-end servers and on low-end sensors. OPC UA uses discoverable profiles to include tiny embedded platforms as servers in an OPC UA system.</a:t>
+            </a:r>
+          </a:p>
+          <a:p>
+            <a:r>
+              <a:rPr lang="en-US" sz="1200" b="1" i="0" kern="1200" dirty="0" smtClean="0">
+                <a:solidFill>
+                  <a:schemeClr val="tx1"/>
+                </a:solidFill>
+                <a:effectLst/>
+                <a:latin typeface="+mn-lt"/>
+                <a:ea typeface="+mn-ea"/>
+                <a:cs typeface="+mn-cs"/>
+              </a:rPr>
+              <a:t>A Flexible Address Space –</a:t>
+            </a:r>
+            <a:r>
+              <a:rPr lang="en-US" sz="1200" b="0" i="0" kern="1200" dirty="0" smtClean="0">
+                <a:solidFill>
+                  <a:schemeClr val="tx1"/>
+                </a:solidFill>
+                <a:effectLst/>
+                <a:latin typeface="+mn-lt"/>
+                <a:ea typeface="+mn-ea"/>
+                <a:cs typeface="+mn-cs"/>
+              </a:rPr>
+              <a:t> The OPC UA address space is organized around the concept of an object. Objects are entities that consist of variables and methods and provide a standard way for servers to transfer information to clients.</a:t>
+            </a:r>
+          </a:p>
+          <a:p>
+            <a:r>
+              <a:rPr lang="en-US" sz="1200" b="1" i="0" kern="1200" dirty="0" smtClean="0">
+                <a:solidFill>
+                  <a:schemeClr val="tx1"/>
+                </a:solidFill>
+                <a:effectLst/>
+                <a:latin typeface="+mn-lt"/>
+                <a:ea typeface="+mn-ea"/>
+                <a:cs typeface="+mn-cs"/>
+              </a:rPr>
+              <a:t>Common Transports and Encodings – </a:t>
+            </a:r>
+            <a:r>
+              <a:rPr lang="en-US" sz="1200" b="0" i="0" kern="1200" dirty="0" smtClean="0">
+                <a:solidFill>
+                  <a:schemeClr val="tx1"/>
+                </a:solidFill>
+                <a:effectLst/>
+                <a:latin typeface="+mn-lt"/>
+                <a:ea typeface="+mn-ea"/>
+                <a:cs typeface="+mn-cs"/>
+              </a:rPr>
+              <a:t>OPC UA uses standard transports and encodings to ensure that connectivity can be easily achieved in both the embedded and enterprise environments.</a:t>
+            </a:r>
+          </a:p>
+          <a:p>
+            <a:r>
+              <a:rPr lang="en-US" sz="1200" b="1" i="0" kern="1200" dirty="0" smtClean="0">
+                <a:solidFill>
+                  <a:schemeClr val="tx1"/>
+                </a:solidFill>
+                <a:effectLst/>
+                <a:latin typeface="+mn-lt"/>
+                <a:ea typeface="+mn-ea"/>
+                <a:cs typeface="+mn-cs"/>
+              </a:rPr>
+              <a:t>Security – </a:t>
+            </a:r>
+            <a:r>
+              <a:rPr lang="en-US" sz="1200" b="0" i="0" kern="1200" dirty="0" smtClean="0">
+                <a:solidFill>
+                  <a:schemeClr val="tx1"/>
+                </a:solidFill>
+                <a:effectLst/>
+                <a:latin typeface="+mn-lt"/>
+                <a:ea typeface="+mn-ea"/>
+                <a:cs typeface="+mn-cs"/>
+              </a:rPr>
+              <a:t>OPC UA implements a sophisticated security model that ensures the authentication of clients and servers, the authentication of users and the integrity of their communication.</a:t>
+            </a:r>
+          </a:p>
+          <a:p>
+            <a:r>
+              <a:rPr lang="en-US" sz="1200" b="1" i="0" kern="1200" dirty="0" smtClean="0">
+                <a:solidFill>
+                  <a:schemeClr val="tx1"/>
+                </a:solidFill>
+                <a:effectLst/>
+                <a:latin typeface="+mn-lt"/>
+                <a:ea typeface="+mn-ea"/>
+                <a:cs typeface="+mn-cs"/>
+              </a:rPr>
+              <a:t>Internet Capability –</a:t>
+            </a:r>
+            <a:r>
+              <a:rPr lang="en-US" sz="1200" b="0" i="0" kern="1200" dirty="0" smtClean="0">
+                <a:solidFill>
+                  <a:schemeClr val="tx1"/>
+                </a:solidFill>
+                <a:effectLst/>
+                <a:latin typeface="+mn-lt"/>
+                <a:ea typeface="+mn-ea"/>
+                <a:cs typeface="+mn-cs"/>
+              </a:rPr>
+              <a:t>OPC UA is fully capable of moving data over the Internet.</a:t>
+            </a:r>
+          </a:p>
+          <a:p>
+            <a:r>
+              <a:rPr lang="en-US" sz="1200" b="1" i="0" kern="1200" dirty="0" smtClean="0">
+                <a:solidFill>
+                  <a:schemeClr val="tx1"/>
+                </a:solidFill>
+                <a:effectLst/>
+                <a:latin typeface="+mn-lt"/>
+                <a:ea typeface="+mn-ea"/>
+                <a:cs typeface="+mn-cs"/>
+              </a:rPr>
+              <a:t>A Robust Set of Services –</a:t>
+            </a:r>
+            <a:r>
+              <a:rPr lang="en-US" sz="1200" b="0" i="0" kern="1200" dirty="0" smtClean="0">
+                <a:solidFill>
+                  <a:schemeClr val="tx1"/>
+                </a:solidFill>
+                <a:effectLst/>
+                <a:latin typeface="+mn-lt"/>
+                <a:ea typeface="+mn-ea"/>
+                <a:cs typeface="+mn-cs"/>
+              </a:rPr>
+              <a:t>OPC UA provides a full suite of services for </a:t>
+            </a:r>
+            <a:r>
+              <a:rPr lang="en-US" sz="1200" b="0" i="0" kern="1200" dirty="0" err="1" smtClean="0">
+                <a:solidFill>
+                  <a:schemeClr val="tx1"/>
+                </a:solidFill>
+                <a:effectLst/>
+                <a:latin typeface="+mn-lt"/>
+                <a:ea typeface="+mn-ea"/>
+                <a:cs typeface="+mn-cs"/>
+              </a:rPr>
+              <a:t>eventing</a:t>
+            </a:r>
+            <a:r>
+              <a:rPr lang="en-US" sz="1200" b="0" i="0" kern="1200" dirty="0" smtClean="0">
+                <a:solidFill>
+                  <a:schemeClr val="tx1"/>
+                </a:solidFill>
+                <a:effectLst/>
+                <a:latin typeface="+mn-lt"/>
+                <a:ea typeface="+mn-ea"/>
+                <a:cs typeface="+mn-cs"/>
+              </a:rPr>
+              <a:t>, alarming, reading, writing, discovery and more.</a:t>
+            </a:r>
+          </a:p>
+          <a:p>
+            <a:r>
+              <a:rPr lang="en-US" sz="1200" b="1" i="0" kern="1200" dirty="0" smtClean="0">
+                <a:solidFill>
+                  <a:schemeClr val="tx1"/>
+                </a:solidFill>
+                <a:effectLst/>
+                <a:latin typeface="+mn-lt"/>
+                <a:ea typeface="+mn-ea"/>
+                <a:cs typeface="+mn-cs"/>
+              </a:rPr>
+              <a:t>Certified Interoperability –</a:t>
+            </a:r>
+            <a:r>
+              <a:rPr lang="en-US" sz="1200" b="0" i="0" kern="1200" dirty="0" smtClean="0">
+                <a:solidFill>
+                  <a:schemeClr val="tx1"/>
+                </a:solidFill>
+                <a:effectLst/>
+                <a:latin typeface="+mn-lt"/>
+                <a:ea typeface="+mn-ea"/>
+                <a:cs typeface="+mn-cs"/>
+              </a:rPr>
+              <a:t>OPC UA certifies profiles such that connectivity between a client and server using a defined profile can be guaranteed.</a:t>
+            </a:r>
+          </a:p>
+          <a:p>
+            <a:r>
+              <a:rPr lang="en-US" sz="1200" b="1" i="0" kern="1200" dirty="0" smtClean="0">
+                <a:solidFill>
+                  <a:schemeClr val="tx1"/>
+                </a:solidFill>
+                <a:effectLst/>
+                <a:latin typeface="+mn-lt"/>
+                <a:ea typeface="+mn-ea"/>
+                <a:cs typeface="+mn-cs"/>
+              </a:rPr>
+              <a:t>A Sophisticated Information Model – </a:t>
+            </a:r>
+            <a:r>
+              <a:rPr lang="en-US" sz="1200" b="0" i="0" kern="1200" dirty="0" smtClean="0">
+                <a:solidFill>
+                  <a:schemeClr val="tx1"/>
+                </a:solidFill>
+                <a:effectLst/>
+                <a:latin typeface="+mn-lt"/>
+                <a:ea typeface="+mn-ea"/>
+                <a:cs typeface="+mn-cs"/>
+              </a:rPr>
+              <a:t>OPC UA profiles more than just an object model. OPC UA is designed to connect objects in such a way that true information can be shared between clients and servers.</a:t>
+            </a:r>
+          </a:p>
+          <a:p>
+            <a:r>
+              <a:rPr lang="en-US" sz="1200" b="1" i="0" kern="1200" dirty="0" smtClean="0">
+                <a:solidFill>
+                  <a:schemeClr val="tx1"/>
+                </a:solidFill>
+                <a:effectLst/>
+                <a:latin typeface="+mn-lt"/>
+                <a:ea typeface="+mn-ea"/>
+                <a:cs typeface="+mn-cs"/>
+              </a:rPr>
+              <a:t>Sophisticated Alarming and Event Management –</a:t>
+            </a:r>
+            <a:r>
+              <a:rPr lang="en-US" sz="1200" b="0" i="0" kern="1200" dirty="0" smtClean="0">
+                <a:solidFill>
+                  <a:schemeClr val="tx1"/>
+                </a:solidFill>
+                <a:effectLst/>
+                <a:latin typeface="+mn-lt"/>
+                <a:ea typeface="+mn-ea"/>
+                <a:cs typeface="+mn-cs"/>
+              </a:rPr>
+              <a:t>OPC UA provides a highly configurable mechanism for providing alarms and event notifications to interested clients. The alarming and event mechanisms go well beyond the standard change-in-value type alarming found in most protocols.</a:t>
+            </a:r>
+          </a:p>
+          <a:p>
+            <a:r>
+              <a:rPr lang="en-US" sz="1200" b="1" i="0" kern="1200" dirty="0" smtClean="0">
+                <a:solidFill>
+                  <a:schemeClr val="tx1"/>
+                </a:solidFill>
+                <a:effectLst/>
+                <a:latin typeface="+mn-lt"/>
+                <a:ea typeface="+mn-ea"/>
+                <a:cs typeface="+mn-cs"/>
+              </a:rPr>
+              <a:t>Integration with Standard Industry-Specific Data Models –</a:t>
+            </a:r>
+            <a:r>
+              <a:rPr lang="en-US" sz="1200" b="0" i="0" kern="1200" dirty="0" smtClean="0">
+                <a:solidFill>
+                  <a:schemeClr val="tx1"/>
+                </a:solidFill>
+                <a:effectLst/>
+                <a:latin typeface="+mn-lt"/>
+                <a:ea typeface="+mn-ea"/>
+                <a:cs typeface="+mn-cs"/>
+              </a:rPr>
+              <a:t> The OPC Foundation is working with a number of industry trade groups to define specific information models for their industries and to support those information models within OPC UA.</a:t>
+            </a:r>
+          </a:p>
+          <a:p>
             <a:endParaRPr lang="en-US" dirty="0"/>
           </a:p>
         </p:txBody>
@@ -2152,27 +2399,18 @@
           <a:bodyPr/>
           <a:lstStyle/>
           <a:p>
-            <a:fld id="{D61C8689-8455-3546-ADF9-3B7273760F66}" type="slidenum">
-              <a:rPr lang="en-US" smtClean="0">
-                <a:solidFill>
-                  <a:prstClr val="black"/>
-                </a:solidFill>
-              </a:rPr>
-              <a:pPr/>
-              <a:t>17</a:t>
+            <a:fld id="{5411DBE0-381C-46D4-8DEC-C543B120D642}" type="slidenum">
+              <a:rPr lang="en-US" smtClean="0"/>
+              <a:t>16</a:t>
             </a:fld>
-            <a:endParaRPr lang="en-US" dirty="0">
-              <a:solidFill>
-                <a:prstClr val="black"/>
-              </a:solidFill>
-            </a:endParaRPr>
+            <a:endParaRPr lang="en-US"/>
           </a:p>
         </p:txBody>
       </p:sp>
     </p:spTree>
     <p:extLst>
       <p:ext uri="{BB962C8B-B14F-4D97-AF65-F5344CB8AC3E}">
-        <p14:creationId xmlns:p14="http://schemas.microsoft.com/office/powerpoint/2010/main" val="3306114152"/>
+        <p14:creationId xmlns:p14="http://schemas.microsoft.com/office/powerpoint/2010/main" val="1324242173"/>
       </p:ext>
     </p:extLst>
   </p:cSld>
@@ -2226,7 +2464,51 @@
           <a:bodyPr/>
           <a:lstStyle/>
           <a:p>
-            <a:endParaRPr lang="en-US"/>
+            <a:r>
+              <a:rPr lang="en-GB" dirty="0" smtClean="0"/>
+              <a:t>Message format:</a:t>
+            </a:r>
+            <a:r>
+              <a:rPr lang="en-GB" baseline="0" dirty="0" smtClean="0"/>
+              <a:t> UA XML, UA Binary</a:t>
+            </a:r>
+          </a:p>
+          <a:p>
+            <a:r>
+              <a:rPr lang="en-GB" baseline="0" dirty="0" smtClean="0"/>
+              <a:t>Transport: OPC TCP, SOAP/HTTP(S)</a:t>
+            </a:r>
+          </a:p>
+          <a:p>
+            <a:r>
+              <a:rPr lang="en-GB" baseline="0" dirty="0" smtClean="0"/>
+              <a:t>Channel Security: None, Signed, Signed and Encrypted</a:t>
+            </a:r>
+          </a:p>
+          <a:p>
+            <a:endParaRPr lang="en-GB" baseline="0" dirty="0" smtClean="0"/>
+          </a:p>
+          <a:p>
+            <a:r>
+              <a:rPr lang="en-GB" baseline="0" dirty="0" err="1" smtClean="0"/>
+              <a:t>Authenthication</a:t>
+            </a:r>
+            <a:r>
+              <a:rPr lang="en-GB" baseline="0" dirty="0" smtClean="0"/>
+              <a:t>, Authorization, Encryption and Data integrity are performed by signatures.</a:t>
+            </a:r>
+          </a:p>
+          <a:p>
+            <a:endParaRPr lang="en-GB" baseline="0" dirty="0" smtClean="0"/>
+          </a:p>
+          <a:p>
+            <a:r>
+              <a:rPr lang="en-GB" baseline="0" dirty="0" smtClean="0"/>
+              <a:t>SOAP w/ binary is a firewall-friendly variant with efficient coding.</a:t>
+            </a:r>
+          </a:p>
+          <a:p>
+            <a:endParaRPr lang="en-US" dirty="0"/>
           </a:p>
         </p:txBody>
       </p:sp>
@@ -2265,7 +2547,7 @@
     </p:spTree>
     <p:extLst>
       <p:ext uri="{BB962C8B-B14F-4D97-AF65-F5344CB8AC3E}">
-        <p14:creationId xmlns:p14="http://schemas.microsoft.com/office/powerpoint/2010/main" val="3610149511"/>
+        <p14:creationId xmlns:p14="http://schemas.microsoft.com/office/powerpoint/2010/main" val="1948928291"/>
       </p:ext>
     </p:extLst>
   </p:cSld>
@@ -2319,7 +2601,21 @@
           <a:bodyPr/>
           <a:lstStyle/>
           <a:p>
-            <a:endParaRPr lang="en-US"/>
+            <a:r>
+              <a:rPr lang="en-GB" dirty="0" smtClean="0"/>
+              <a:t>Client</a:t>
+            </a:r>
+            <a:r>
+              <a:rPr lang="en-GB" baseline="0" dirty="0" smtClean="0"/>
+              <a:t> redundancy: the server simply sees two clients. But the clients are talking to each other.</a:t>
+            </a:r>
+          </a:p>
+          <a:p>
+            <a:r>
+              <a:rPr lang="en-GB" baseline="0" dirty="0" smtClean="0"/>
+              <a:t>Server redundancy: client sends commands to both servers, but only the active one processes it.</a:t>
+            </a:r>
+            <a:endParaRPr lang="en-US" dirty="0"/>
           </a:p>
         </p:txBody>
       </p:sp>
@@ -2338,18 +2634,27 @@
           <a:bodyPr/>
           <a:lstStyle/>
           <a:p>
-            <a:fld id="{5411DBE0-381C-46D4-8DEC-C543B120D642}" type="slidenum">
-              <a:rPr lang="en-US" smtClean="0"/>
-              <a:t>20</a:t>
+            <a:fld id="{D61C8689-8455-3546-ADF9-3B7273760F66}" type="slidenum">
+              <a:rPr lang="en-US" smtClean="0">
+                <a:solidFill>
+                  <a:prstClr val="black"/>
+                </a:solidFill>
+              </a:rPr>
+              <a:pPr/>
+              <a:t>21</a:t>
             </a:fld>
-            <a:endParaRPr lang="en-US"/>
+            <a:endParaRPr lang="en-US" dirty="0">
+              <a:solidFill>
+                <a:prstClr val="black"/>
+              </a:solidFill>
+            </a:endParaRPr>
           </a:p>
         </p:txBody>
       </p:sp>
     </p:spTree>
     <p:extLst>
       <p:ext uri="{BB962C8B-B14F-4D97-AF65-F5344CB8AC3E}">
-        <p14:creationId xmlns:p14="http://schemas.microsoft.com/office/powerpoint/2010/main" val="698063069"/>
+        <p14:creationId xmlns:p14="http://schemas.microsoft.com/office/powerpoint/2010/main" val="3306114152"/>
       </p:ext>
     </p:extLst>
   </p:cSld>
@@ -2422,9 +2727,286 @@
           <a:bodyPr/>
           <a:lstStyle/>
           <a:p>
+            <a:fld id="{D61C8689-8455-3546-ADF9-3B7273760F66}" type="slidenum">
+              <a:rPr lang="en-US" smtClean="0">
+                <a:solidFill>
+                  <a:prstClr val="black"/>
+                </a:solidFill>
+              </a:rPr>
+              <a:pPr/>
+              <a:t>22</a:t>
+            </a:fld>
+            <a:endParaRPr lang="en-US" dirty="0">
+              <a:solidFill>
+                <a:prstClr val="black"/>
+              </a:solidFill>
+            </a:endParaRPr>
+          </a:p>
+        </p:txBody>
+      </p:sp>
+    </p:spTree>
+    <p:extLst>
+      <p:ext uri="{BB962C8B-B14F-4D97-AF65-F5344CB8AC3E}">
+        <p14:creationId xmlns:p14="http://schemas.microsoft.com/office/powerpoint/2010/main" val="3610149511"/>
+      </p:ext>
+    </p:extLst>
+  </p:cSld>
+  <p:clrMapOvr>
+    <a:masterClrMapping/>
+  </p:clrMapOvr>
+</p:notes>
+</file>
+
+<file path=ppt/notesSlides/notesSlide19.xml><?xml version="1.0" encoding="utf-8"?>
+<p:notes xmlns:a="http://schemas.openxmlformats.org/drawingml/2006/main" xmlns:r="http://schemas.openxmlformats.org/officeDocument/2006/relationships" xmlns:p="http://schemas.openxmlformats.org/presentationml/2006/main">
+  <p:cSld>
+    <p:spTree>
+      <p:nvGrpSpPr>
+        <p:cNvPr id="1" name=""/>
+        <p:cNvGrpSpPr/>
+        <p:nvPr/>
+      </p:nvGrpSpPr>
+      <p:grpSpPr>
+        <a:xfrm>
+          <a:off x="0" y="0"/>
+          <a:ext cx="0" cy="0"/>
+          <a:chOff x="0" y="0"/>
+          <a:chExt cx="0" cy="0"/>
+        </a:xfrm>
+      </p:grpSpPr>
+      <p:sp>
+        <p:nvSpPr>
+          <p:cNvPr id="2" name="Slide Image Placeholder 1"/>
+          <p:cNvSpPr>
+            <a:spLocks noGrp="1" noRot="1" noChangeAspect="1"/>
+          </p:cNvSpPr>
+          <p:nvPr>
+            <p:ph type="sldImg"/>
+          </p:nvPr>
+        </p:nvSpPr>
+        <p:spPr/>
+      </p:sp>
+      <p:sp>
+        <p:nvSpPr>
+          <p:cNvPr id="3" name="Notes Placeholder 2"/>
+          <p:cNvSpPr>
+            <a:spLocks noGrp="1"/>
+          </p:cNvSpPr>
+          <p:nvPr>
+            <p:ph type="body" idx="1"/>
+          </p:nvPr>
+        </p:nvSpPr>
+        <p:spPr/>
+        <p:txBody>
+          <a:bodyPr/>
+          <a:lstStyle/>
+          <a:p>
+            <a:endParaRPr lang="en-US"/>
+          </a:p>
+        </p:txBody>
+      </p:sp>
+      <p:sp>
+        <p:nvSpPr>
+          <p:cNvPr id="4" name="Slide Number Placeholder 3"/>
+          <p:cNvSpPr>
+            <a:spLocks noGrp="1"/>
+          </p:cNvSpPr>
+          <p:nvPr>
+            <p:ph type="sldNum" sz="quarter" idx="10"/>
+          </p:nvPr>
+        </p:nvSpPr>
+        <p:spPr/>
+        <p:txBody>
+          <a:bodyPr/>
+          <a:lstStyle/>
+          <a:p>
             <a:fld id="{5411DBE0-381C-46D4-8DEC-C543B120D642}" type="slidenum">
               <a:rPr lang="en-US" smtClean="0"/>
-              <a:t>21</a:t>
+              <a:t>26</a:t>
+            </a:fld>
+            <a:endParaRPr lang="en-US"/>
+          </a:p>
+        </p:txBody>
+      </p:sp>
+    </p:spTree>
+    <p:extLst>
+      <p:ext uri="{BB962C8B-B14F-4D97-AF65-F5344CB8AC3E}">
+        <p14:creationId xmlns:p14="http://schemas.microsoft.com/office/powerpoint/2010/main" val="698063069"/>
+      </p:ext>
+    </p:extLst>
+  </p:cSld>
+  <p:clrMapOvr>
+    <a:masterClrMapping/>
+  </p:clrMapOvr>
+</p:notes>
+</file>
+
+<file path=ppt/notesSlides/notesSlide2.xml><?xml version="1.0" encoding="utf-8"?>
+<p:notes xmlns:a="http://schemas.openxmlformats.org/drawingml/2006/main" xmlns:r="http://schemas.openxmlformats.org/officeDocument/2006/relationships" xmlns:p="http://schemas.openxmlformats.org/presentationml/2006/main">
+  <p:cSld>
+    <p:spTree>
+      <p:nvGrpSpPr>
+        <p:cNvPr id="1" name=""/>
+        <p:cNvGrpSpPr/>
+        <p:nvPr/>
+      </p:nvGrpSpPr>
+      <p:grpSpPr>
+        <a:xfrm>
+          <a:off x="0" y="0"/>
+          <a:ext cx="0" cy="0"/>
+          <a:chOff x="0" y="0"/>
+          <a:chExt cx="0" cy="0"/>
+        </a:xfrm>
+      </p:grpSpPr>
+      <p:sp>
+        <p:nvSpPr>
+          <p:cNvPr id="2" name="Slide Image Placeholder 1"/>
+          <p:cNvSpPr>
+            <a:spLocks noGrp="1" noRot="1" noChangeAspect="1"/>
+          </p:cNvSpPr>
+          <p:nvPr>
+            <p:ph type="sldImg"/>
+          </p:nvPr>
+        </p:nvSpPr>
+        <p:spPr/>
+      </p:sp>
+      <p:sp>
+        <p:nvSpPr>
+          <p:cNvPr id="3" name="Notes Placeholder 2"/>
+          <p:cNvSpPr>
+            <a:spLocks noGrp="1"/>
+          </p:cNvSpPr>
+          <p:nvPr>
+            <p:ph type="body" idx="1"/>
+          </p:nvPr>
+        </p:nvSpPr>
+        <p:spPr/>
+        <p:txBody>
+          <a:bodyPr/>
+          <a:lstStyle/>
+          <a:p>
+            <a:endParaRPr lang="en-US" dirty="0"/>
+          </a:p>
+        </p:txBody>
+      </p:sp>
+      <p:sp>
+        <p:nvSpPr>
+          <p:cNvPr id="4" name="Slide Number Placeholder 3"/>
+          <p:cNvSpPr>
+            <a:spLocks noGrp="1"/>
+          </p:cNvSpPr>
+          <p:nvPr>
+            <p:ph type="sldNum" sz="quarter" idx="10"/>
+          </p:nvPr>
+        </p:nvSpPr>
+        <p:spPr/>
+        <p:txBody>
+          <a:bodyPr/>
+          <a:lstStyle/>
+          <a:p>
+            <a:pPr defTabSz="918515">
+              <a:defRPr/>
+            </a:pPr>
+            <a:fld id="{B1683E88-F191-4F69-A29D-62A3EA806C18}" type="slidenum">
+              <a:rPr lang="en-US" sz="900">
+                <a:solidFill>
+                  <a:prstClr val="black"/>
+                </a:solidFill>
+                <a:latin typeface="Arial"/>
+              </a:rPr>
+              <a:pPr defTabSz="918515">
+                <a:defRPr/>
+              </a:pPr>
+              <a:t>2</a:t>
+            </a:fld>
+            <a:endParaRPr lang="en-US" sz="900" dirty="0">
+              <a:solidFill>
+                <a:prstClr val="black"/>
+              </a:solidFill>
+              <a:latin typeface="Arial"/>
+            </a:endParaRPr>
+          </a:p>
+        </p:txBody>
+      </p:sp>
+    </p:spTree>
+    <p:extLst>
+      <p:ext uri="{BB962C8B-B14F-4D97-AF65-F5344CB8AC3E}">
+        <p14:creationId xmlns:p14="http://schemas.microsoft.com/office/powerpoint/2010/main" val="2710694180"/>
+      </p:ext>
+    </p:extLst>
+  </p:cSld>
+  <p:clrMapOvr>
+    <a:masterClrMapping/>
+  </p:clrMapOvr>
+</p:notes>
+</file>
+
+<file path=ppt/notesSlides/notesSlide20.xml><?xml version="1.0" encoding="utf-8"?>
+<p:notes xmlns:a="http://schemas.openxmlformats.org/drawingml/2006/main" xmlns:r="http://schemas.openxmlformats.org/officeDocument/2006/relationships" xmlns:p="http://schemas.openxmlformats.org/presentationml/2006/main">
+  <p:cSld>
+    <p:spTree>
+      <p:nvGrpSpPr>
+        <p:cNvPr id="1" name=""/>
+        <p:cNvGrpSpPr/>
+        <p:nvPr/>
+      </p:nvGrpSpPr>
+      <p:grpSpPr>
+        <a:xfrm>
+          <a:off x="0" y="0"/>
+          <a:ext cx="0" cy="0"/>
+          <a:chOff x="0" y="0"/>
+          <a:chExt cx="0" cy="0"/>
+        </a:xfrm>
+      </p:grpSpPr>
+      <p:sp>
+        <p:nvSpPr>
+          <p:cNvPr id="2" name="Slide Image Placeholder 1"/>
+          <p:cNvSpPr>
+            <a:spLocks noGrp="1" noRot="1" noChangeAspect="1"/>
+          </p:cNvSpPr>
+          <p:nvPr>
+            <p:ph type="sldImg"/>
+          </p:nvPr>
+        </p:nvSpPr>
+        <p:spPr/>
+      </p:sp>
+      <p:sp>
+        <p:nvSpPr>
+          <p:cNvPr id="3" name="Notes Placeholder 2"/>
+          <p:cNvSpPr>
+            <a:spLocks noGrp="1"/>
+          </p:cNvSpPr>
+          <p:nvPr>
+            <p:ph type="body" idx="1"/>
+          </p:nvPr>
+        </p:nvSpPr>
+        <p:spPr/>
+        <p:txBody>
+          <a:bodyPr/>
+          <a:lstStyle/>
+          <a:p>
+            <a:endParaRPr lang="en-US"/>
+          </a:p>
+        </p:txBody>
+      </p:sp>
+      <p:sp>
+        <p:nvSpPr>
+          <p:cNvPr id="4" name="Slide Number Placeholder 3"/>
+          <p:cNvSpPr>
+            <a:spLocks noGrp="1"/>
+          </p:cNvSpPr>
+          <p:nvPr>
+            <p:ph type="sldNum" sz="quarter" idx="10"/>
+          </p:nvPr>
+        </p:nvSpPr>
+        <p:spPr/>
+        <p:txBody>
+          <a:bodyPr/>
+          <a:lstStyle/>
+          <a:p>
+            <a:fld id="{5411DBE0-381C-46D4-8DEC-C543B120D642}" type="slidenum">
+              <a:rPr lang="en-US" smtClean="0"/>
+              <a:t>27</a:t>
             </a:fld>
             <a:endParaRPr lang="en-US"/>
           </a:p>
@@ -2443,7 +3025,7 @@
 </p:notes>
 </file>
 
-<file path=ppt/notesSlides/notesSlide19.xml><?xml version="1.0" encoding="utf-8"?>
+<file path=ppt/notesSlides/notesSlide21.xml><?xml version="1.0" encoding="utf-8"?>
 <p:notes xmlns:a="http://schemas.openxmlformats.org/drawingml/2006/main" xmlns:r="http://schemas.openxmlformats.org/officeDocument/2006/relationships" xmlns:p="http://schemas.openxmlformats.org/presentationml/2006/main" showMasterSp="0" showMasterPhAnim="0">
   <p:cSld>
     <p:spTree>
@@ -2609,7 +3191,7 @@
                 </a:buClr>
                 <a:buSzPct val="25000"/>
               </a:pPr>
-              <a:t>22</a:t>
+              <a:t>28</a:t>
             </a:fld>
             <a:endParaRPr lang="en-US" sz="1400">
               <a:solidFill>
@@ -2627,106 +3209,6 @@
     <p:extLst>
       <p:ext uri="{BB962C8B-B14F-4D97-AF65-F5344CB8AC3E}">
         <p14:creationId xmlns:p14="http://schemas.microsoft.com/office/powerpoint/2010/main" val="2826294440"/>
-      </p:ext>
-    </p:extLst>
-  </p:cSld>
-  <p:clrMapOvr>
-    <a:masterClrMapping/>
-  </p:clrMapOvr>
-</p:notes>
-</file>
-
-<file path=ppt/notesSlides/notesSlide2.xml><?xml version="1.0" encoding="utf-8"?>
-<p:notes xmlns:a="http://schemas.openxmlformats.org/drawingml/2006/main" xmlns:r="http://schemas.openxmlformats.org/officeDocument/2006/relationships" xmlns:p="http://schemas.openxmlformats.org/presentationml/2006/main">
-  <p:cSld>
-    <p:spTree>
-      <p:nvGrpSpPr>
-        <p:cNvPr id="1" name=""/>
-        <p:cNvGrpSpPr/>
-        <p:nvPr/>
-      </p:nvGrpSpPr>
-      <p:grpSpPr>
-        <a:xfrm>
-          <a:off x="0" y="0"/>
-          <a:ext cx="0" cy="0"/>
-          <a:chOff x="0" y="0"/>
-          <a:chExt cx="0" cy="0"/>
-        </a:xfrm>
-      </p:grpSpPr>
-      <p:sp>
-        <p:nvSpPr>
-          <p:cNvPr id="2" name="Slide Image Placeholder 1"/>
-          <p:cNvSpPr>
-            <a:spLocks noGrp="1" noRot="1" noChangeAspect="1"/>
-          </p:cNvSpPr>
-          <p:nvPr>
-            <p:ph type="sldImg"/>
-          </p:nvPr>
-        </p:nvSpPr>
-        <p:spPr/>
-      </p:sp>
-      <p:sp>
-        <p:nvSpPr>
-          <p:cNvPr id="3" name="Notes Placeholder 2"/>
-          <p:cNvSpPr>
-            <a:spLocks noGrp="1"/>
-          </p:cNvSpPr>
-          <p:nvPr>
-            <p:ph type="body" idx="1"/>
-          </p:nvPr>
-        </p:nvSpPr>
-        <p:spPr/>
-        <p:txBody>
-          <a:bodyPr/>
-          <a:lstStyle/>
-          <a:p>
-            <a:endParaRPr lang="en-US" dirty="0"/>
-          </a:p>
-        </p:txBody>
-      </p:sp>
-      <p:sp>
-        <p:nvSpPr>
-          <p:cNvPr id="4" name="Slide Number Placeholder 3"/>
-          <p:cNvSpPr>
-            <a:spLocks noGrp="1"/>
-          </p:cNvSpPr>
-          <p:nvPr>
-            <p:ph type="sldNum" sz="quarter" idx="10"/>
-          </p:nvPr>
-        </p:nvSpPr>
-        <p:spPr/>
-        <p:txBody>
-          <a:bodyPr/>
-          <a:lstStyle/>
-          <a:p>
-            <a:pPr defTabSz="918515">
-              <a:defRPr/>
-            </a:pPr>
-            <a:fld id="{B1683E88-F191-4F69-A29D-62A3EA806C18}" type="slidenum">
-              <a:rPr lang="en-US" sz="900">
-                <a:solidFill>
-                  <a:prstClr val="black"/>
-                </a:solidFill>
-                <a:latin typeface="Arial"/>
-              </a:rPr>
-              <a:pPr defTabSz="918515">
-                <a:defRPr/>
-              </a:pPr>
-              <a:t>2</a:t>
-            </a:fld>
-            <a:endParaRPr lang="en-US" sz="900" dirty="0">
-              <a:solidFill>
-                <a:prstClr val="black"/>
-              </a:solidFill>
-              <a:latin typeface="Arial"/>
-            </a:endParaRPr>
-          </a:p>
-        </p:txBody>
-      </p:sp>
-    </p:spTree>
-    <p:extLst>
-      <p:ext uri="{BB962C8B-B14F-4D97-AF65-F5344CB8AC3E}">
-        <p14:creationId xmlns:p14="http://schemas.microsoft.com/office/powerpoint/2010/main" val="2710694180"/>
       </p:ext>
     </p:extLst>
   </p:cSld>
@@ -8887,7 +9369,7 @@
           <a:p>
             <a:fld id="{0CFAC217-E878-4AC1-A7B1-0DFDB702C1FF}" type="datetimeFigureOut">
               <a:rPr lang="en-US" smtClean="0"/>
-              <a:t>9/6/2018</a:t>
+              <a:t>9/12/2018</a:t>
             </a:fld>
             <a:endParaRPr lang="en-US"/>
           </a:p>
@@ -18095,7 +18577,7 @@
       </p:grpSpPr>
       <p:sp>
         <p:nvSpPr>
-          <p:cNvPr id="3" name="Title 2"/>
+          <p:cNvPr id="2" name="Title 1"/>
           <p:cNvSpPr>
             <a:spLocks noGrp="1"/>
           </p:cNvSpPr>
@@ -18109,26 +18591,15 @@
           <a:lstStyle/>
           <a:p>
             <a:r>
-              <a:rPr lang="en-US" dirty="0" smtClean="0">
-                <a:solidFill>
-                  <a:schemeClr val="accent3">
-                    <a:alpha val="90000"/>
-                  </a:schemeClr>
-                </a:solidFill>
-              </a:rPr>
-              <a:t>What</a:t>
-            </a:r>
-            <a:r>
-              <a:rPr lang="en-US" dirty="0" smtClean="0"/>
-              <a:t> is OPC-UA?</a:t>
-            </a:r>
-            <a:endParaRPr lang="en-US" dirty="0"/>
+              <a:rPr lang="en-US" dirty="0"/>
+              <a:t>MQTT - message queue telemetry transport</a:t>
+            </a:r>
           </a:p>
         </p:txBody>
       </p:sp>
       <p:sp>
         <p:nvSpPr>
-          <p:cNvPr id="4" name="Text Placeholder 3"/>
+          <p:cNvPr id="3" name="Text Placeholder 2"/>
           <p:cNvSpPr>
             <a:spLocks noGrp="1"/>
           </p:cNvSpPr>
@@ -18147,12 +18618,12 @@
       </p:sp>
       <p:sp>
         <p:nvSpPr>
-          <p:cNvPr id="5" name="Content Placeholder 4"/>
+          <p:cNvPr id="4" name="Slide Number Placeholder 3"/>
           <p:cNvSpPr>
             <a:spLocks noGrp="1"/>
           </p:cNvSpPr>
           <p:nvPr>
-            <p:ph sz="quarter" idx="15"/>
+            <p:ph type="sldNum" sz="quarter" idx="14"/>
           </p:nvPr>
         </p:nvSpPr>
         <p:spPr/>
@@ -18160,136 +18631,2566 @@
           <a:bodyPr/>
           <a:lstStyle/>
           <a:p>
-            <a:r>
-              <a:rPr lang="en-US" sz="2000" dirty="0"/>
-              <a:t>OPC UA is a protocol for industrial communication and has been standardized in the IEC 62541 series. At its core, OPC UA </a:t>
-            </a:r>
-            <a:r>
-              <a:rPr lang="en-US" sz="2000" dirty="0" smtClean="0"/>
-              <a:t>defines: </a:t>
-            </a:r>
-          </a:p>
-          <a:p>
-            <a:pPr marL="342900" indent="-342900">
-              <a:buFont typeface="Arial" panose="020B0604020202020204" pitchFamily="34" charset="0"/>
-              <a:buChar char="•"/>
+            <a:pPr eaLnBrk="0" fontAlgn="base" hangingPunct="0">
+              <a:spcBef>
+                <a:spcPct val="50000"/>
+              </a:spcBef>
+              <a:spcAft>
+                <a:spcPct val="0"/>
+              </a:spcAft>
             </a:pPr>
-            <a:r>
-              <a:rPr lang="en-US" sz="2000" b="1" dirty="0" smtClean="0"/>
-              <a:t>an </a:t>
-            </a:r>
-            <a:r>
-              <a:rPr lang="en-US" sz="2000" b="1" dirty="0"/>
-              <a:t>asynchronous protocol </a:t>
-            </a:r>
-            <a:r>
-              <a:rPr lang="en-US" sz="2000" dirty="0"/>
-              <a:t>(built upon TCP, HTTP or SOAP) that defines the exchange of messages via sessions, (on top of) secure communication channels, (on top of) raw </a:t>
-            </a:r>
-            <a:r>
-              <a:rPr lang="en-US" sz="2000" dirty="0" smtClean="0"/>
-              <a:t>connections,</a:t>
-            </a:r>
-          </a:p>
-          <a:p>
-            <a:pPr marL="342900" indent="-342900">
-              <a:buFont typeface="Arial" panose="020B0604020202020204" pitchFamily="34" charset="0"/>
-              <a:buChar char="•"/>
+            <a:fld id="{FD44707B-D922-47D5-BD24-D96E91B70543}" type="slidenum">
+              <a:rPr lang="en-US" smtClean="0">
+                <a:solidFill>
+                  <a:prstClr val="white"/>
+                </a:solidFill>
+              </a:rPr>
+              <a:pPr eaLnBrk="0" fontAlgn="base" hangingPunct="0">
+                <a:spcBef>
+                  <a:spcPct val="50000"/>
+                </a:spcBef>
+                <a:spcAft>
+                  <a:spcPct val="0"/>
+                </a:spcAft>
+              </a:pPr>
+              <a:t>15</a:t>
+            </a:fld>
+            <a:endParaRPr lang="en-US" dirty="0">
+              <a:solidFill>
+                <a:prstClr val="white"/>
+              </a:solidFill>
+            </a:endParaRPr>
+          </a:p>
+        </p:txBody>
+      </p:sp>
+      <p:sp>
+        <p:nvSpPr>
+          <p:cNvPr id="6" name="Shape 177"/>
+          <p:cNvSpPr/>
+          <p:nvPr/>
+        </p:nvSpPr>
+        <p:spPr>
+          <a:xfrm>
+            <a:off x="385687" y="1492158"/>
+            <a:ext cx="2080499" cy="807900"/>
+          </a:xfrm>
+          <a:prstGeom prst="roundRect">
+            <a:avLst>
+              <a:gd name="adj" fmla="val 16667"/>
+            </a:avLst>
+          </a:prstGeom>
+          <a:solidFill>
+            <a:schemeClr val="accent1"/>
+          </a:solidFill>
+          <a:ln w="19050" cap="flat" cmpd="sng">
+            <a:solidFill>
+              <a:schemeClr val="dk2"/>
+            </a:solidFill>
+            <a:prstDash val="solid"/>
+            <a:round/>
+            <a:headEnd type="none" w="med" len="med"/>
+            <a:tailEnd type="none" w="med" len="med"/>
+          </a:ln>
+        </p:spPr>
+        <p:txBody>
+          <a:bodyPr wrap="square" lIns="91425" tIns="91425" rIns="91425" bIns="91425" anchor="ctr" anchorCtr="0">
+            <a:noAutofit/>
+          </a:bodyPr>
+          <a:lstStyle>
+            <a:defPPr marR="0" lvl="0" algn="l" rtl="0">
+              <a:lnSpc>
+                <a:spcPct val="100000"/>
+              </a:lnSpc>
+              <a:spcBef>
+                <a:spcPts val="0"/>
+              </a:spcBef>
+              <a:spcAft>
+                <a:spcPts val="0"/>
+              </a:spcAft>
+            </a:defPPr>
+            <a:lvl1pPr marR="0" lvl="0" algn="l" rtl="0">
+              <a:lnSpc>
+                <a:spcPct val="100000"/>
+              </a:lnSpc>
+              <a:spcBef>
+                <a:spcPts val="0"/>
+              </a:spcBef>
+              <a:spcAft>
+                <a:spcPts val="0"/>
+              </a:spcAft>
+              <a:buNone/>
+              <a:defRPr sz="1400" b="0" i="0" u="none" strike="noStrike" cap="none">
+                <a:solidFill>
+                  <a:srgbClr val="000000"/>
+                </a:solidFill>
+                <a:latin typeface="Arial"/>
+                <a:ea typeface="Arial"/>
+                <a:cs typeface="Arial"/>
+                <a:sym typeface="Arial"/>
+              </a:defRPr>
+            </a:lvl1pPr>
+            <a:lvl2pPr marR="0" lvl="1" algn="l" rtl="0">
+              <a:lnSpc>
+                <a:spcPct val="100000"/>
+              </a:lnSpc>
+              <a:spcBef>
+                <a:spcPts val="0"/>
+              </a:spcBef>
+              <a:spcAft>
+                <a:spcPts val="0"/>
+              </a:spcAft>
+              <a:buNone/>
+              <a:defRPr sz="1400" b="0" i="0" u="none" strike="noStrike" cap="none">
+                <a:solidFill>
+                  <a:srgbClr val="000000"/>
+                </a:solidFill>
+                <a:latin typeface="Arial"/>
+                <a:ea typeface="Arial"/>
+                <a:cs typeface="Arial"/>
+                <a:sym typeface="Arial"/>
+              </a:defRPr>
+            </a:lvl2pPr>
+            <a:lvl3pPr marR="0" lvl="2" algn="l" rtl="0">
+              <a:lnSpc>
+                <a:spcPct val="100000"/>
+              </a:lnSpc>
+              <a:spcBef>
+                <a:spcPts val="0"/>
+              </a:spcBef>
+              <a:spcAft>
+                <a:spcPts val="0"/>
+              </a:spcAft>
+              <a:buNone/>
+              <a:defRPr sz="1400" b="0" i="0" u="none" strike="noStrike" cap="none">
+                <a:solidFill>
+                  <a:srgbClr val="000000"/>
+                </a:solidFill>
+                <a:latin typeface="Arial"/>
+                <a:ea typeface="Arial"/>
+                <a:cs typeface="Arial"/>
+                <a:sym typeface="Arial"/>
+              </a:defRPr>
+            </a:lvl3pPr>
+            <a:lvl4pPr marR="0" lvl="3" algn="l" rtl="0">
+              <a:lnSpc>
+                <a:spcPct val="100000"/>
+              </a:lnSpc>
+              <a:spcBef>
+                <a:spcPts val="0"/>
+              </a:spcBef>
+              <a:spcAft>
+                <a:spcPts val="0"/>
+              </a:spcAft>
+              <a:buNone/>
+              <a:defRPr sz="1400" b="0" i="0" u="none" strike="noStrike" cap="none">
+                <a:solidFill>
+                  <a:srgbClr val="000000"/>
+                </a:solidFill>
+                <a:latin typeface="Arial"/>
+                <a:ea typeface="Arial"/>
+                <a:cs typeface="Arial"/>
+                <a:sym typeface="Arial"/>
+              </a:defRPr>
+            </a:lvl4pPr>
+            <a:lvl5pPr marR="0" lvl="4" algn="l" rtl="0">
+              <a:lnSpc>
+                <a:spcPct val="100000"/>
+              </a:lnSpc>
+              <a:spcBef>
+                <a:spcPts val="0"/>
+              </a:spcBef>
+              <a:spcAft>
+                <a:spcPts val="0"/>
+              </a:spcAft>
+              <a:buNone/>
+              <a:defRPr sz="1400" b="0" i="0" u="none" strike="noStrike" cap="none">
+                <a:solidFill>
+                  <a:srgbClr val="000000"/>
+                </a:solidFill>
+                <a:latin typeface="Arial"/>
+                <a:ea typeface="Arial"/>
+                <a:cs typeface="Arial"/>
+                <a:sym typeface="Arial"/>
+              </a:defRPr>
+            </a:lvl5pPr>
+            <a:lvl6pPr marR="0" lvl="5" algn="l" rtl="0">
+              <a:lnSpc>
+                <a:spcPct val="100000"/>
+              </a:lnSpc>
+              <a:spcBef>
+                <a:spcPts val="0"/>
+              </a:spcBef>
+              <a:spcAft>
+                <a:spcPts val="0"/>
+              </a:spcAft>
+              <a:buNone/>
+              <a:defRPr sz="1400" b="0" i="0" u="none" strike="noStrike" cap="none">
+                <a:solidFill>
+                  <a:srgbClr val="000000"/>
+                </a:solidFill>
+                <a:latin typeface="Arial"/>
+                <a:ea typeface="Arial"/>
+                <a:cs typeface="Arial"/>
+                <a:sym typeface="Arial"/>
+              </a:defRPr>
+            </a:lvl6pPr>
+            <a:lvl7pPr marR="0" lvl="6" algn="l" rtl="0">
+              <a:lnSpc>
+                <a:spcPct val="100000"/>
+              </a:lnSpc>
+              <a:spcBef>
+                <a:spcPts val="0"/>
+              </a:spcBef>
+              <a:spcAft>
+                <a:spcPts val="0"/>
+              </a:spcAft>
+              <a:buNone/>
+              <a:defRPr sz="1400" b="0" i="0" u="none" strike="noStrike" cap="none">
+                <a:solidFill>
+                  <a:srgbClr val="000000"/>
+                </a:solidFill>
+                <a:latin typeface="Arial"/>
+                <a:ea typeface="Arial"/>
+                <a:cs typeface="Arial"/>
+                <a:sym typeface="Arial"/>
+              </a:defRPr>
+            </a:lvl7pPr>
+            <a:lvl8pPr marR="0" lvl="7" algn="l" rtl="0">
+              <a:lnSpc>
+                <a:spcPct val="100000"/>
+              </a:lnSpc>
+              <a:spcBef>
+                <a:spcPts val="0"/>
+              </a:spcBef>
+              <a:spcAft>
+                <a:spcPts val="0"/>
+              </a:spcAft>
+              <a:buNone/>
+              <a:defRPr sz="1400" b="0" i="0" u="none" strike="noStrike" cap="none">
+                <a:solidFill>
+                  <a:srgbClr val="000000"/>
+                </a:solidFill>
+                <a:latin typeface="Arial"/>
+                <a:ea typeface="Arial"/>
+                <a:cs typeface="Arial"/>
+                <a:sym typeface="Arial"/>
+              </a:defRPr>
+            </a:lvl8pPr>
+            <a:lvl9pPr marR="0" lvl="8" algn="l" rtl="0">
+              <a:lnSpc>
+                <a:spcPct val="100000"/>
+              </a:lnSpc>
+              <a:spcBef>
+                <a:spcPts val="0"/>
+              </a:spcBef>
+              <a:spcAft>
+                <a:spcPts val="0"/>
+              </a:spcAft>
+              <a:buNone/>
+              <a:defRPr sz="1400" b="0" i="0" u="none" strike="noStrike" cap="none">
+                <a:solidFill>
+                  <a:srgbClr val="000000"/>
+                </a:solidFill>
+                <a:latin typeface="Arial"/>
+                <a:ea typeface="Arial"/>
+                <a:cs typeface="Arial"/>
+                <a:sym typeface="Arial"/>
+              </a:defRPr>
+            </a:lvl9pPr>
+          </a:lstStyle>
+          <a:p>
+            <a:pPr marL="0" marR="0" lvl="0" indent="0" algn="ctr" rtl="0">
+              <a:lnSpc>
+                <a:spcPct val="100000"/>
+              </a:lnSpc>
+              <a:spcBef>
+                <a:spcPts val="0"/>
+              </a:spcBef>
+              <a:spcAft>
+                <a:spcPts val="0"/>
+              </a:spcAft>
+              <a:buClr>
+                <a:schemeClr val="lt1"/>
+              </a:buClr>
+              <a:buSzPct val="25000"/>
+              <a:buFont typeface="Arial"/>
+              <a:buNone/>
             </a:pPr>
             <a:r>
-              <a:rPr lang="en-US" sz="2000" b="1" dirty="0" smtClean="0"/>
-              <a:t>a </a:t>
-            </a:r>
-            <a:r>
-              <a:rPr lang="en-US" sz="2000" b="1" dirty="0"/>
-              <a:t>type system </a:t>
-            </a:r>
-            <a:r>
-              <a:rPr lang="en-US" sz="2000" dirty="0"/>
-              <a:t>for protocol messages with a binary and XML-based encoding </a:t>
-            </a:r>
-            <a:r>
-              <a:rPr lang="en-US" sz="2000" dirty="0" smtClean="0"/>
-              <a:t>scheme,</a:t>
-            </a:r>
-          </a:p>
-          <a:p>
-            <a:pPr marL="342900" indent="-342900">
-              <a:buFont typeface="Arial" panose="020B0604020202020204" pitchFamily="34" charset="0"/>
-              <a:buChar char="•"/>
+              <a:rPr lang="en-US" sz="1800" b="1" i="0" u="none" strike="noStrike" cap="none" dirty="0">
+                <a:solidFill>
+                  <a:schemeClr val="lt1"/>
+                </a:solidFill>
+                <a:latin typeface="Arial"/>
+                <a:ea typeface="Arial"/>
+                <a:cs typeface="Arial"/>
+                <a:sym typeface="Arial"/>
+              </a:rPr>
+              <a:t>Publisher (Source)</a:t>
+            </a:r>
+          </a:p>
+        </p:txBody>
+      </p:sp>
+      <p:sp>
+        <p:nvSpPr>
+          <p:cNvPr id="7" name="Shape 178"/>
+          <p:cNvSpPr/>
+          <p:nvPr/>
+        </p:nvSpPr>
+        <p:spPr>
+          <a:xfrm>
+            <a:off x="5275397" y="1492158"/>
+            <a:ext cx="2080499" cy="807900"/>
+          </a:xfrm>
+          <a:prstGeom prst="roundRect">
+            <a:avLst>
+              <a:gd name="adj" fmla="val 16667"/>
+            </a:avLst>
+          </a:prstGeom>
+          <a:solidFill>
+            <a:schemeClr val="accent1"/>
+          </a:solidFill>
+          <a:ln w="19050" cap="flat" cmpd="sng">
+            <a:solidFill>
+              <a:schemeClr val="dk2"/>
+            </a:solidFill>
+            <a:prstDash val="solid"/>
+            <a:round/>
+            <a:headEnd type="none" w="med" len="med"/>
+            <a:tailEnd type="none" w="med" len="med"/>
+          </a:ln>
+        </p:spPr>
+        <p:txBody>
+          <a:bodyPr wrap="square" lIns="91425" tIns="91425" rIns="91425" bIns="91425" anchor="ctr" anchorCtr="0">
+            <a:noAutofit/>
+          </a:bodyPr>
+          <a:lstStyle>
+            <a:defPPr marR="0" lvl="0" algn="l" rtl="0">
+              <a:lnSpc>
+                <a:spcPct val="100000"/>
+              </a:lnSpc>
+              <a:spcBef>
+                <a:spcPts val="0"/>
+              </a:spcBef>
+              <a:spcAft>
+                <a:spcPts val="0"/>
+              </a:spcAft>
+            </a:defPPr>
+            <a:lvl1pPr marR="0" lvl="0" algn="l" rtl="0">
+              <a:lnSpc>
+                <a:spcPct val="100000"/>
+              </a:lnSpc>
+              <a:spcBef>
+                <a:spcPts val="0"/>
+              </a:spcBef>
+              <a:spcAft>
+                <a:spcPts val="0"/>
+              </a:spcAft>
+              <a:buNone/>
+              <a:defRPr sz="1400" b="0" i="0" u="none" strike="noStrike" cap="none">
+                <a:solidFill>
+                  <a:srgbClr val="000000"/>
+                </a:solidFill>
+                <a:latin typeface="Arial"/>
+                <a:ea typeface="Arial"/>
+                <a:cs typeface="Arial"/>
+                <a:sym typeface="Arial"/>
+              </a:defRPr>
+            </a:lvl1pPr>
+            <a:lvl2pPr marR="0" lvl="1" algn="l" rtl="0">
+              <a:lnSpc>
+                <a:spcPct val="100000"/>
+              </a:lnSpc>
+              <a:spcBef>
+                <a:spcPts val="0"/>
+              </a:spcBef>
+              <a:spcAft>
+                <a:spcPts val="0"/>
+              </a:spcAft>
+              <a:buNone/>
+              <a:defRPr sz="1400" b="0" i="0" u="none" strike="noStrike" cap="none">
+                <a:solidFill>
+                  <a:srgbClr val="000000"/>
+                </a:solidFill>
+                <a:latin typeface="Arial"/>
+                <a:ea typeface="Arial"/>
+                <a:cs typeface="Arial"/>
+                <a:sym typeface="Arial"/>
+              </a:defRPr>
+            </a:lvl2pPr>
+            <a:lvl3pPr marR="0" lvl="2" algn="l" rtl="0">
+              <a:lnSpc>
+                <a:spcPct val="100000"/>
+              </a:lnSpc>
+              <a:spcBef>
+                <a:spcPts val="0"/>
+              </a:spcBef>
+              <a:spcAft>
+                <a:spcPts val="0"/>
+              </a:spcAft>
+              <a:buNone/>
+              <a:defRPr sz="1400" b="0" i="0" u="none" strike="noStrike" cap="none">
+                <a:solidFill>
+                  <a:srgbClr val="000000"/>
+                </a:solidFill>
+                <a:latin typeface="Arial"/>
+                <a:ea typeface="Arial"/>
+                <a:cs typeface="Arial"/>
+                <a:sym typeface="Arial"/>
+              </a:defRPr>
+            </a:lvl3pPr>
+            <a:lvl4pPr marR="0" lvl="3" algn="l" rtl="0">
+              <a:lnSpc>
+                <a:spcPct val="100000"/>
+              </a:lnSpc>
+              <a:spcBef>
+                <a:spcPts val="0"/>
+              </a:spcBef>
+              <a:spcAft>
+                <a:spcPts val="0"/>
+              </a:spcAft>
+              <a:buNone/>
+              <a:defRPr sz="1400" b="0" i="0" u="none" strike="noStrike" cap="none">
+                <a:solidFill>
+                  <a:srgbClr val="000000"/>
+                </a:solidFill>
+                <a:latin typeface="Arial"/>
+                <a:ea typeface="Arial"/>
+                <a:cs typeface="Arial"/>
+                <a:sym typeface="Arial"/>
+              </a:defRPr>
+            </a:lvl4pPr>
+            <a:lvl5pPr marR="0" lvl="4" algn="l" rtl="0">
+              <a:lnSpc>
+                <a:spcPct val="100000"/>
+              </a:lnSpc>
+              <a:spcBef>
+                <a:spcPts val="0"/>
+              </a:spcBef>
+              <a:spcAft>
+                <a:spcPts val="0"/>
+              </a:spcAft>
+              <a:buNone/>
+              <a:defRPr sz="1400" b="0" i="0" u="none" strike="noStrike" cap="none">
+                <a:solidFill>
+                  <a:srgbClr val="000000"/>
+                </a:solidFill>
+                <a:latin typeface="Arial"/>
+                <a:ea typeface="Arial"/>
+                <a:cs typeface="Arial"/>
+                <a:sym typeface="Arial"/>
+              </a:defRPr>
+            </a:lvl5pPr>
+            <a:lvl6pPr marR="0" lvl="5" algn="l" rtl="0">
+              <a:lnSpc>
+                <a:spcPct val="100000"/>
+              </a:lnSpc>
+              <a:spcBef>
+                <a:spcPts val="0"/>
+              </a:spcBef>
+              <a:spcAft>
+                <a:spcPts val="0"/>
+              </a:spcAft>
+              <a:buNone/>
+              <a:defRPr sz="1400" b="0" i="0" u="none" strike="noStrike" cap="none">
+                <a:solidFill>
+                  <a:srgbClr val="000000"/>
+                </a:solidFill>
+                <a:latin typeface="Arial"/>
+                <a:ea typeface="Arial"/>
+                <a:cs typeface="Arial"/>
+                <a:sym typeface="Arial"/>
+              </a:defRPr>
+            </a:lvl6pPr>
+            <a:lvl7pPr marR="0" lvl="6" algn="l" rtl="0">
+              <a:lnSpc>
+                <a:spcPct val="100000"/>
+              </a:lnSpc>
+              <a:spcBef>
+                <a:spcPts val="0"/>
+              </a:spcBef>
+              <a:spcAft>
+                <a:spcPts val="0"/>
+              </a:spcAft>
+              <a:buNone/>
+              <a:defRPr sz="1400" b="0" i="0" u="none" strike="noStrike" cap="none">
+                <a:solidFill>
+                  <a:srgbClr val="000000"/>
+                </a:solidFill>
+                <a:latin typeface="Arial"/>
+                <a:ea typeface="Arial"/>
+                <a:cs typeface="Arial"/>
+                <a:sym typeface="Arial"/>
+              </a:defRPr>
+            </a:lvl7pPr>
+            <a:lvl8pPr marR="0" lvl="7" algn="l" rtl="0">
+              <a:lnSpc>
+                <a:spcPct val="100000"/>
+              </a:lnSpc>
+              <a:spcBef>
+                <a:spcPts val="0"/>
+              </a:spcBef>
+              <a:spcAft>
+                <a:spcPts val="0"/>
+              </a:spcAft>
+              <a:buNone/>
+              <a:defRPr sz="1400" b="0" i="0" u="none" strike="noStrike" cap="none">
+                <a:solidFill>
+                  <a:srgbClr val="000000"/>
+                </a:solidFill>
+                <a:latin typeface="Arial"/>
+                <a:ea typeface="Arial"/>
+                <a:cs typeface="Arial"/>
+                <a:sym typeface="Arial"/>
+              </a:defRPr>
+            </a:lvl8pPr>
+            <a:lvl9pPr marR="0" lvl="8" algn="l" rtl="0">
+              <a:lnSpc>
+                <a:spcPct val="100000"/>
+              </a:lnSpc>
+              <a:spcBef>
+                <a:spcPts val="0"/>
+              </a:spcBef>
+              <a:spcAft>
+                <a:spcPts val="0"/>
+              </a:spcAft>
+              <a:buNone/>
+              <a:defRPr sz="1400" b="0" i="0" u="none" strike="noStrike" cap="none">
+                <a:solidFill>
+                  <a:srgbClr val="000000"/>
+                </a:solidFill>
+                <a:latin typeface="Arial"/>
+                <a:ea typeface="Arial"/>
+                <a:cs typeface="Arial"/>
+                <a:sym typeface="Arial"/>
+              </a:defRPr>
+            </a:lvl9pPr>
+          </a:lstStyle>
+          <a:p>
+            <a:pPr marL="0" marR="0" lvl="0" indent="0" algn="ctr" rtl="0">
+              <a:lnSpc>
+                <a:spcPct val="100000"/>
+              </a:lnSpc>
+              <a:spcBef>
+                <a:spcPts val="0"/>
+              </a:spcBef>
+              <a:spcAft>
+                <a:spcPts val="0"/>
+              </a:spcAft>
+              <a:buClr>
+                <a:schemeClr val="lt1"/>
+              </a:buClr>
+              <a:buSzPct val="25000"/>
+              <a:buFont typeface="Arial"/>
+              <a:buNone/>
             </a:pPr>
             <a:r>
-              <a:rPr lang="en-US" sz="2000" b="1" dirty="0" smtClean="0"/>
-              <a:t>a </a:t>
-            </a:r>
-            <a:r>
-              <a:rPr lang="en-US" sz="2000" b="1" dirty="0"/>
-              <a:t>meta-model </a:t>
-            </a:r>
-            <a:r>
-              <a:rPr lang="en-US" sz="2000" dirty="0"/>
-              <a:t>for information modeling, that combines object-orientation with semantic triple-relations, and </a:t>
-            </a:r>
-          </a:p>
-          <a:p>
-            <a:pPr marL="342900" indent="-342900">
-              <a:buFont typeface="Arial" panose="020B0604020202020204" pitchFamily="34" charset="0"/>
-              <a:buChar char="•"/>
+              <a:rPr lang="en-US" sz="1800" b="1" i="0" u="none" strike="noStrike" cap="none" dirty="0">
+                <a:solidFill>
+                  <a:schemeClr val="lt1"/>
+                </a:solidFill>
+                <a:latin typeface="Arial"/>
+                <a:ea typeface="Arial"/>
+                <a:cs typeface="Arial"/>
+                <a:sym typeface="Arial"/>
+              </a:rPr>
+              <a:t>Subscriber (Sink)</a:t>
+            </a:r>
+          </a:p>
+        </p:txBody>
+      </p:sp>
+      <p:sp>
+        <p:nvSpPr>
+          <p:cNvPr id="8" name="Shape 179"/>
+          <p:cNvSpPr/>
+          <p:nvPr/>
+        </p:nvSpPr>
+        <p:spPr>
+          <a:xfrm>
+            <a:off x="2830542" y="1492158"/>
+            <a:ext cx="2080499" cy="807900"/>
+          </a:xfrm>
+          <a:prstGeom prst="roundRect">
+            <a:avLst>
+              <a:gd name="adj" fmla="val 16667"/>
+            </a:avLst>
+          </a:prstGeom>
+          <a:solidFill>
+            <a:srgbClr val="6D9EEB"/>
+          </a:solidFill>
+          <a:ln w="19050" cap="flat" cmpd="sng">
+            <a:solidFill>
+              <a:schemeClr val="dk2"/>
+            </a:solidFill>
+            <a:prstDash val="solid"/>
+            <a:round/>
+            <a:headEnd type="none" w="med" len="med"/>
+            <a:tailEnd type="none" w="med" len="med"/>
+          </a:ln>
+        </p:spPr>
+        <p:txBody>
+          <a:bodyPr wrap="square" lIns="91425" tIns="91425" rIns="91425" bIns="91425" anchor="ctr" anchorCtr="0">
+            <a:noAutofit/>
+          </a:bodyPr>
+          <a:lstStyle>
+            <a:defPPr marR="0" lvl="0" algn="l" rtl="0">
+              <a:lnSpc>
+                <a:spcPct val="100000"/>
+              </a:lnSpc>
+              <a:spcBef>
+                <a:spcPts val="0"/>
+              </a:spcBef>
+              <a:spcAft>
+                <a:spcPts val="0"/>
+              </a:spcAft>
+            </a:defPPr>
+            <a:lvl1pPr marR="0" lvl="0" algn="l" rtl="0">
+              <a:lnSpc>
+                <a:spcPct val="100000"/>
+              </a:lnSpc>
+              <a:spcBef>
+                <a:spcPts val="0"/>
+              </a:spcBef>
+              <a:spcAft>
+                <a:spcPts val="0"/>
+              </a:spcAft>
+              <a:buNone/>
+              <a:defRPr sz="1400" b="0" i="0" u="none" strike="noStrike" cap="none">
+                <a:solidFill>
+                  <a:srgbClr val="000000"/>
+                </a:solidFill>
+                <a:latin typeface="Arial"/>
+                <a:ea typeface="Arial"/>
+                <a:cs typeface="Arial"/>
+                <a:sym typeface="Arial"/>
+              </a:defRPr>
+            </a:lvl1pPr>
+            <a:lvl2pPr marR="0" lvl="1" algn="l" rtl="0">
+              <a:lnSpc>
+                <a:spcPct val="100000"/>
+              </a:lnSpc>
+              <a:spcBef>
+                <a:spcPts val="0"/>
+              </a:spcBef>
+              <a:spcAft>
+                <a:spcPts val="0"/>
+              </a:spcAft>
+              <a:buNone/>
+              <a:defRPr sz="1400" b="0" i="0" u="none" strike="noStrike" cap="none">
+                <a:solidFill>
+                  <a:srgbClr val="000000"/>
+                </a:solidFill>
+                <a:latin typeface="Arial"/>
+                <a:ea typeface="Arial"/>
+                <a:cs typeface="Arial"/>
+                <a:sym typeface="Arial"/>
+              </a:defRPr>
+            </a:lvl2pPr>
+            <a:lvl3pPr marR="0" lvl="2" algn="l" rtl="0">
+              <a:lnSpc>
+                <a:spcPct val="100000"/>
+              </a:lnSpc>
+              <a:spcBef>
+                <a:spcPts val="0"/>
+              </a:spcBef>
+              <a:spcAft>
+                <a:spcPts val="0"/>
+              </a:spcAft>
+              <a:buNone/>
+              <a:defRPr sz="1400" b="0" i="0" u="none" strike="noStrike" cap="none">
+                <a:solidFill>
+                  <a:srgbClr val="000000"/>
+                </a:solidFill>
+                <a:latin typeface="Arial"/>
+                <a:ea typeface="Arial"/>
+                <a:cs typeface="Arial"/>
+                <a:sym typeface="Arial"/>
+              </a:defRPr>
+            </a:lvl3pPr>
+            <a:lvl4pPr marR="0" lvl="3" algn="l" rtl="0">
+              <a:lnSpc>
+                <a:spcPct val="100000"/>
+              </a:lnSpc>
+              <a:spcBef>
+                <a:spcPts val="0"/>
+              </a:spcBef>
+              <a:spcAft>
+                <a:spcPts val="0"/>
+              </a:spcAft>
+              <a:buNone/>
+              <a:defRPr sz="1400" b="0" i="0" u="none" strike="noStrike" cap="none">
+                <a:solidFill>
+                  <a:srgbClr val="000000"/>
+                </a:solidFill>
+                <a:latin typeface="Arial"/>
+                <a:ea typeface="Arial"/>
+                <a:cs typeface="Arial"/>
+                <a:sym typeface="Arial"/>
+              </a:defRPr>
+            </a:lvl4pPr>
+            <a:lvl5pPr marR="0" lvl="4" algn="l" rtl="0">
+              <a:lnSpc>
+                <a:spcPct val="100000"/>
+              </a:lnSpc>
+              <a:spcBef>
+                <a:spcPts val="0"/>
+              </a:spcBef>
+              <a:spcAft>
+                <a:spcPts val="0"/>
+              </a:spcAft>
+              <a:buNone/>
+              <a:defRPr sz="1400" b="0" i="0" u="none" strike="noStrike" cap="none">
+                <a:solidFill>
+                  <a:srgbClr val="000000"/>
+                </a:solidFill>
+                <a:latin typeface="Arial"/>
+                <a:ea typeface="Arial"/>
+                <a:cs typeface="Arial"/>
+                <a:sym typeface="Arial"/>
+              </a:defRPr>
+            </a:lvl5pPr>
+            <a:lvl6pPr marR="0" lvl="5" algn="l" rtl="0">
+              <a:lnSpc>
+                <a:spcPct val="100000"/>
+              </a:lnSpc>
+              <a:spcBef>
+                <a:spcPts val="0"/>
+              </a:spcBef>
+              <a:spcAft>
+                <a:spcPts val="0"/>
+              </a:spcAft>
+              <a:buNone/>
+              <a:defRPr sz="1400" b="0" i="0" u="none" strike="noStrike" cap="none">
+                <a:solidFill>
+                  <a:srgbClr val="000000"/>
+                </a:solidFill>
+                <a:latin typeface="Arial"/>
+                <a:ea typeface="Arial"/>
+                <a:cs typeface="Arial"/>
+                <a:sym typeface="Arial"/>
+              </a:defRPr>
+            </a:lvl6pPr>
+            <a:lvl7pPr marR="0" lvl="6" algn="l" rtl="0">
+              <a:lnSpc>
+                <a:spcPct val="100000"/>
+              </a:lnSpc>
+              <a:spcBef>
+                <a:spcPts val="0"/>
+              </a:spcBef>
+              <a:spcAft>
+                <a:spcPts val="0"/>
+              </a:spcAft>
+              <a:buNone/>
+              <a:defRPr sz="1400" b="0" i="0" u="none" strike="noStrike" cap="none">
+                <a:solidFill>
+                  <a:srgbClr val="000000"/>
+                </a:solidFill>
+                <a:latin typeface="Arial"/>
+                <a:ea typeface="Arial"/>
+                <a:cs typeface="Arial"/>
+                <a:sym typeface="Arial"/>
+              </a:defRPr>
+            </a:lvl7pPr>
+            <a:lvl8pPr marR="0" lvl="7" algn="l" rtl="0">
+              <a:lnSpc>
+                <a:spcPct val="100000"/>
+              </a:lnSpc>
+              <a:spcBef>
+                <a:spcPts val="0"/>
+              </a:spcBef>
+              <a:spcAft>
+                <a:spcPts val="0"/>
+              </a:spcAft>
+              <a:buNone/>
+              <a:defRPr sz="1400" b="0" i="0" u="none" strike="noStrike" cap="none">
+                <a:solidFill>
+                  <a:srgbClr val="000000"/>
+                </a:solidFill>
+                <a:latin typeface="Arial"/>
+                <a:ea typeface="Arial"/>
+                <a:cs typeface="Arial"/>
+                <a:sym typeface="Arial"/>
+              </a:defRPr>
+            </a:lvl8pPr>
+            <a:lvl9pPr marR="0" lvl="8" algn="l" rtl="0">
+              <a:lnSpc>
+                <a:spcPct val="100000"/>
+              </a:lnSpc>
+              <a:spcBef>
+                <a:spcPts val="0"/>
+              </a:spcBef>
+              <a:spcAft>
+                <a:spcPts val="0"/>
+              </a:spcAft>
+              <a:buNone/>
+              <a:defRPr sz="1400" b="0" i="0" u="none" strike="noStrike" cap="none">
+                <a:solidFill>
+                  <a:srgbClr val="000000"/>
+                </a:solidFill>
+                <a:latin typeface="Arial"/>
+                <a:ea typeface="Arial"/>
+                <a:cs typeface="Arial"/>
+                <a:sym typeface="Arial"/>
+              </a:defRPr>
+            </a:lvl9pPr>
+          </a:lstStyle>
+          <a:p>
+            <a:pPr marL="0" marR="0" lvl="0" indent="0" algn="ctr" rtl="0">
+              <a:lnSpc>
+                <a:spcPct val="100000"/>
+              </a:lnSpc>
+              <a:spcBef>
+                <a:spcPts val="0"/>
+              </a:spcBef>
+              <a:spcAft>
+                <a:spcPts val="0"/>
+              </a:spcAft>
+              <a:buClr>
+                <a:schemeClr val="lt1"/>
+              </a:buClr>
+              <a:buSzPct val="25000"/>
+              <a:buFont typeface="Arial"/>
+              <a:buNone/>
             </a:pPr>
             <a:r>
-              <a:rPr lang="en-US" sz="2000" b="1" dirty="0" smtClean="0"/>
-              <a:t>a </a:t>
-            </a:r>
-            <a:r>
-              <a:rPr lang="en-US" sz="2000" b="1" dirty="0"/>
-              <a:t>set of 37 standard services</a:t>
-            </a:r>
-            <a:r>
-              <a:rPr lang="en-US" sz="2000" dirty="0"/>
-              <a:t> to interact with server-side information models. The signature of each service is defined as a request and response message in the protocol type system. </a:t>
-            </a:r>
-            <a:endParaRPr lang="en-US" sz="2000" dirty="0" smtClean="0"/>
-          </a:p>
-          <a:p>
-            <a:pPr marL="342900" indent="-342900">
-              <a:buFont typeface="Arial" panose="020B0604020202020204" pitchFamily="34" charset="0"/>
-              <a:buChar char="•"/>
+              <a:rPr lang="en-US" sz="1800" b="1" i="0" u="none" strike="noStrike" cap="none" dirty="0">
+                <a:solidFill>
+                  <a:schemeClr val="lt1"/>
+                </a:solidFill>
+                <a:latin typeface="Arial"/>
+                <a:ea typeface="Arial"/>
+                <a:cs typeface="Arial"/>
+                <a:sym typeface="Arial"/>
+              </a:rPr>
+              <a:t>MQTT Broker</a:t>
+            </a:r>
+          </a:p>
+        </p:txBody>
+      </p:sp>
+      <p:cxnSp>
+        <p:nvCxnSpPr>
+          <p:cNvPr id="9" name="Shape 180"/>
+          <p:cNvCxnSpPr>
+            <a:stCxn id="6" idx="2"/>
+          </p:cNvCxnSpPr>
+          <p:nvPr/>
+        </p:nvCxnSpPr>
+        <p:spPr>
+          <a:xfrm>
+            <a:off x="1425937" y="2300058"/>
+            <a:ext cx="5977" cy="3505519"/>
+          </a:xfrm>
+          <a:prstGeom prst="straightConnector1">
+            <a:avLst/>
+          </a:prstGeom>
+          <a:noFill/>
+          <a:ln w="19050" cap="flat" cmpd="sng">
+            <a:solidFill>
+              <a:schemeClr val="accent2"/>
+            </a:solidFill>
+            <a:prstDash val="solid"/>
+            <a:round/>
+            <a:headEnd type="none" w="med" len="med"/>
+            <a:tailEnd type="none" w="med" len="med"/>
+          </a:ln>
+        </p:spPr>
+      </p:cxnSp>
+      <p:cxnSp>
+        <p:nvCxnSpPr>
+          <p:cNvPr id="10" name="Shape 181"/>
+          <p:cNvCxnSpPr/>
+          <p:nvPr/>
+        </p:nvCxnSpPr>
+        <p:spPr>
+          <a:xfrm>
+            <a:off x="3870803" y="2300157"/>
+            <a:ext cx="42075" cy="3565805"/>
+          </a:xfrm>
+          <a:prstGeom prst="straightConnector1">
+            <a:avLst/>
+          </a:prstGeom>
+          <a:noFill/>
+          <a:ln w="19050" cap="flat" cmpd="sng">
+            <a:solidFill>
+              <a:srgbClr val="00B0F0"/>
+            </a:solidFill>
+            <a:prstDash val="solid"/>
+            <a:round/>
+            <a:headEnd type="none" w="med" len="med"/>
+            <a:tailEnd type="none" w="med" len="med"/>
+          </a:ln>
+        </p:spPr>
+      </p:cxnSp>
+      <p:cxnSp>
+        <p:nvCxnSpPr>
+          <p:cNvPr id="11" name="Shape 182"/>
+          <p:cNvCxnSpPr/>
+          <p:nvPr/>
+        </p:nvCxnSpPr>
+        <p:spPr>
+          <a:xfrm>
+            <a:off x="6387876" y="2300157"/>
+            <a:ext cx="15902" cy="3505420"/>
+          </a:xfrm>
+          <a:prstGeom prst="straightConnector1">
+            <a:avLst/>
+          </a:prstGeom>
+          <a:noFill/>
+          <a:ln w="19050" cap="flat" cmpd="sng">
+            <a:solidFill>
+              <a:srgbClr val="00B0F0"/>
+            </a:solidFill>
+            <a:prstDash val="solid"/>
+            <a:round/>
+            <a:headEnd type="none" w="med" len="med"/>
+            <a:tailEnd type="none" w="med" len="med"/>
+          </a:ln>
+        </p:spPr>
+      </p:cxnSp>
+      <p:cxnSp>
+        <p:nvCxnSpPr>
+          <p:cNvPr id="12" name="Shape 183"/>
+          <p:cNvCxnSpPr/>
+          <p:nvPr/>
+        </p:nvCxnSpPr>
+        <p:spPr>
+          <a:xfrm flipH="1">
+            <a:off x="3906795" y="3160102"/>
+            <a:ext cx="2465099" cy="16200"/>
+          </a:xfrm>
+          <a:prstGeom prst="straightConnector1">
+            <a:avLst/>
+          </a:prstGeom>
+          <a:noFill/>
+          <a:ln w="19050" cap="flat" cmpd="sng">
+            <a:solidFill>
+              <a:srgbClr val="00B0F0"/>
+            </a:solidFill>
+            <a:prstDash val="solid"/>
+            <a:round/>
+            <a:headEnd type="none" w="med" len="med"/>
+            <a:tailEnd type="triangle" w="lg" len="lg"/>
+          </a:ln>
+        </p:spPr>
+      </p:cxnSp>
+      <p:cxnSp>
+        <p:nvCxnSpPr>
+          <p:cNvPr id="13" name="Shape 184"/>
+          <p:cNvCxnSpPr/>
+          <p:nvPr/>
+        </p:nvCxnSpPr>
+        <p:spPr>
+          <a:xfrm rot="10800000" flipH="1">
+            <a:off x="1440601" y="4344321"/>
+            <a:ext cx="2432999" cy="16200"/>
+          </a:xfrm>
+          <a:prstGeom prst="straightConnector1">
+            <a:avLst/>
+          </a:prstGeom>
+          <a:noFill/>
+          <a:ln w="19050" cap="flat" cmpd="sng">
+            <a:solidFill>
+              <a:srgbClr val="00B0F0"/>
+            </a:solidFill>
+            <a:prstDash val="solid"/>
+            <a:round/>
+            <a:headEnd type="none" w="med" len="med"/>
+            <a:tailEnd type="triangle" w="lg" len="lg"/>
+          </a:ln>
+        </p:spPr>
+      </p:cxnSp>
+      <p:cxnSp>
+        <p:nvCxnSpPr>
+          <p:cNvPr id="14" name="Shape 185"/>
+          <p:cNvCxnSpPr/>
+          <p:nvPr/>
+        </p:nvCxnSpPr>
+        <p:spPr>
+          <a:xfrm rot="10800000" flipH="1">
+            <a:off x="3885261" y="5392864"/>
+            <a:ext cx="2490899" cy="8100"/>
+          </a:xfrm>
+          <a:prstGeom prst="straightConnector1">
+            <a:avLst/>
+          </a:prstGeom>
+          <a:noFill/>
+          <a:ln w="19050" cap="flat" cmpd="sng">
+            <a:solidFill>
+              <a:srgbClr val="00B0F0"/>
+            </a:solidFill>
+            <a:prstDash val="solid"/>
+            <a:round/>
+            <a:headEnd type="none" w="med" len="med"/>
+            <a:tailEnd type="triangle" w="lg" len="lg"/>
+          </a:ln>
+        </p:spPr>
+      </p:cxnSp>
+      <p:sp>
+        <p:nvSpPr>
+          <p:cNvPr id="15" name="Shape 186"/>
+          <p:cNvSpPr txBox="1"/>
+          <p:nvPr/>
+        </p:nvSpPr>
+        <p:spPr>
+          <a:xfrm>
+            <a:off x="4486152" y="2698543"/>
+            <a:ext cx="1306800" cy="461699"/>
+          </a:xfrm>
+          <a:prstGeom prst="rect">
+            <a:avLst/>
+          </a:prstGeom>
+          <a:noFill/>
+          <a:ln>
+            <a:noFill/>
+          </a:ln>
+        </p:spPr>
+        <p:txBody>
+          <a:bodyPr wrap="square" lIns="91425" tIns="91425" rIns="91425" bIns="91425" anchor="t" anchorCtr="0">
+            <a:noAutofit/>
+          </a:bodyPr>
+          <a:lstStyle>
+            <a:defPPr marR="0" lvl="0" algn="l" rtl="0">
+              <a:lnSpc>
+                <a:spcPct val="100000"/>
+              </a:lnSpc>
+              <a:spcBef>
+                <a:spcPts val="0"/>
+              </a:spcBef>
+              <a:spcAft>
+                <a:spcPts val="0"/>
+              </a:spcAft>
+            </a:defPPr>
+            <a:lvl1pPr marR="0" lvl="0" algn="l" rtl="0">
+              <a:lnSpc>
+                <a:spcPct val="100000"/>
+              </a:lnSpc>
+              <a:spcBef>
+                <a:spcPts val="0"/>
+              </a:spcBef>
+              <a:spcAft>
+                <a:spcPts val="0"/>
+              </a:spcAft>
+              <a:buNone/>
+              <a:defRPr sz="1400" b="0" i="0" u="none" strike="noStrike" cap="none">
+                <a:solidFill>
+                  <a:srgbClr val="000000"/>
+                </a:solidFill>
+                <a:latin typeface="Arial"/>
+                <a:ea typeface="Arial"/>
+                <a:cs typeface="Arial"/>
+                <a:sym typeface="Arial"/>
+              </a:defRPr>
+            </a:lvl1pPr>
+            <a:lvl2pPr marR="0" lvl="1" algn="l" rtl="0">
+              <a:lnSpc>
+                <a:spcPct val="100000"/>
+              </a:lnSpc>
+              <a:spcBef>
+                <a:spcPts val="0"/>
+              </a:spcBef>
+              <a:spcAft>
+                <a:spcPts val="0"/>
+              </a:spcAft>
+              <a:buNone/>
+              <a:defRPr sz="1400" b="0" i="0" u="none" strike="noStrike" cap="none">
+                <a:solidFill>
+                  <a:srgbClr val="000000"/>
+                </a:solidFill>
+                <a:latin typeface="Arial"/>
+                <a:ea typeface="Arial"/>
+                <a:cs typeface="Arial"/>
+                <a:sym typeface="Arial"/>
+              </a:defRPr>
+            </a:lvl2pPr>
+            <a:lvl3pPr marR="0" lvl="2" algn="l" rtl="0">
+              <a:lnSpc>
+                <a:spcPct val="100000"/>
+              </a:lnSpc>
+              <a:spcBef>
+                <a:spcPts val="0"/>
+              </a:spcBef>
+              <a:spcAft>
+                <a:spcPts val="0"/>
+              </a:spcAft>
+              <a:buNone/>
+              <a:defRPr sz="1400" b="0" i="0" u="none" strike="noStrike" cap="none">
+                <a:solidFill>
+                  <a:srgbClr val="000000"/>
+                </a:solidFill>
+                <a:latin typeface="Arial"/>
+                <a:ea typeface="Arial"/>
+                <a:cs typeface="Arial"/>
+                <a:sym typeface="Arial"/>
+              </a:defRPr>
+            </a:lvl3pPr>
+            <a:lvl4pPr marR="0" lvl="3" algn="l" rtl="0">
+              <a:lnSpc>
+                <a:spcPct val="100000"/>
+              </a:lnSpc>
+              <a:spcBef>
+                <a:spcPts val="0"/>
+              </a:spcBef>
+              <a:spcAft>
+                <a:spcPts val="0"/>
+              </a:spcAft>
+              <a:buNone/>
+              <a:defRPr sz="1400" b="0" i="0" u="none" strike="noStrike" cap="none">
+                <a:solidFill>
+                  <a:srgbClr val="000000"/>
+                </a:solidFill>
+                <a:latin typeface="Arial"/>
+                <a:ea typeface="Arial"/>
+                <a:cs typeface="Arial"/>
+                <a:sym typeface="Arial"/>
+              </a:defRPr>
+            </a:lvl4pPr>
+            <a:lvl5pPr marR="0" lvl="4" algn="l" rtl="0">
+              <a:lnSpc>
+                <a:spcPct val="100000"/>
+              </a:lnSpc>
+              <a:spcBef>
+                <a:spcPts val="0"/>
+              </a:spcBef>
+              <a:spcAft>
+                <a:spcPts val="0"/>
+              </a:spcAft>
+              <a:buNone/>
+              <a:defRPr sz="1400" b="0" i="0" u="none" strike="noStrike" cap="none">
+                <a:solidFill>
+                  <a:srgbClr val="000000"/>
+                </a:solidFill>
+                <a:latin typeface="Arial"/>
+                <a:ea typeface="Arial"/>
+                <a:cs typeface="Arial"/>
+                <a:sym typeface="Arial"/>
+              </a:defRPr>
+            </a:lvl5pPr>
+            <a:lvl6pPr marR="0" lvl="5" algn="l" rtl="0">
+              <a:lnSpc>
+                <a:spcPct val="100000"/>
+              </a:lnSpc>
+              <a:spcBef>
+                <a:spcPts val="0"/>
+              </a:spcBef>
+              <a:spcAft>
+                <a:spcPts val="0"/>
+              </a:spcAft>
+              <a:buNone/>
+              <a:defRPr sz="1400" b="0" i="0" u="none" strike="noStrike" cap="none">
+                <a:solidFill>
+                  <a:srgbClr val="000000"/>
+                </a:solidFill>
+                <a:latin typeface="Arial"/>
+                <a:ea typeface="Arial"/>
+                <a:cs typeface="Arial"/>
+                <a:sym typeface="Arial"/>
+              </a:defRPr>
+            </a:lvl6pPr>
+            <a:lvl7pPr marR="0" lvl="6" algn="l" rtl="0">
+              <a:lnSpc>
+                <a:spcPct val="100000"/>
+              </a:lnSpc>
+              <a:spcBef>
+                <a:spcPts val="0"/>
+              </a:spcBef>
+              <a:spcAft>
+                <a:spcPts val="0"/>
+              </a:spcAft>
+              <a:buNone/>
+              <a:defRPr sz="1400" b="0" i="0" u="none" strike="noStrike" cap="none">
+                <a:solidFill>
+                  <a:srgbClr val="000000"/>
+                </a:solidFill>
+                <a:latin typeface="Arial"/>
+                <a:ea typeface="Arial"/>
+                <a:cs typeface="Arial"/>
+                <a:sym typeface="Arial"/>
+              </a:defRPr>
+            </a:lvl7pPr>
+            <a:lvl8pPr marR="0" lvl="7" algn="l" rtl="0">
+              <a:lnSpc>
+                <a:spcPct val="100000"/>
+              </a:lnSpc>
+              <a:spcBef>
+                <a:spcPts val="0"/>
+              </a:spcBef>
+              <a:spcAft>
+                <a:spcPts val="0"/>
+              </a:spcAft>
+              <a:buNone/>
+              <a:defRPr sz="1400" b="0" i="0" u="none" strike="noStrike" cap="none">
+                <a:solidFill>
+                  <a:srgbClr val="000000"/>
+                </a:solidFill>
+                <a:latin typeface="Arial"/>
+                <a:ea typeface="Arial"/>
+                <a:cs typeface="Arial"/>
+                <a:sym typeface="Arial"/>
+              </a:defRPr>
+            </a:lvl8pPr>
+            <a:lvl9pPr marR="0" lvl="8" algn="l" rtl="0">
+              <a:lnSpc>
+                <a:spcPct val="100000"/>
+              </a:lnSpc>
+              <a:spcBef>
+                <a:spcPts val="0"/>
+              </a:spcBef>
+              <a:spcAft>
+                <a:spcPts val="0"/>
+              </a:spcAft>
+              <a:buNone/>
+              <a:defRPr sz="1400" b="0" i="0" u="none" strike="noStrike" cap="none">
+                <a:solidFill>
+                  <a:srgbClr val="000000"/>
+                </a:solidFill>
+                <a:latin typeface="Arial"/>
+                <a:ea typeface="Arial"/>
+                <a:cs typeface="Arial"/>
+                <a:sym typeface="Arial"/>
+              </a:defRPr>
+            </a:lvl9pPr>
+          </a:lstStyle>
+          <a:p>
+            <a:pPr marL="0" marR="0" lvl="0" indent="0" algn="ctr" rtl="0">
+              <a:lnSpc>
+                <a:spcPct val="100000"/>
+              </a:lnSpc>
+              <a:spcBef>
+                <a:spcPts val="0"/>
+              </a:spcBef>
+              <a:spcAft>
+                <a:spcPts val="0"/>
+              </a:spcAft>
+              <a:buClr>
+                <a:srgbClr val="000000"/>
+              </a:buClr>
+              <a:buSzPct val="25000"/>
+              <a:buFont typeface="Arial"/>
+              <a:buNone/>
             </a:pPr>
-            <a:endParaRPr lang="en-US" sz="2000" dirty="0"/>
-          </a:p>
-          <a:p>
-            <a:r>
-              <a:rPr lang="en-US" sz="2000" dirty="0" smtClean="0"/>
-              <a:t>The </a:t>
-            </a:r>
-            <a:r>
-              <a:rPr lang="en-US" sz="2000" dirty="0"/>
-              <a:t>standard itself can be purchased from IEC or downloaded for free on the website of the OPC Foundation at </a:t>
-            </a:r>
-            <a:r>
-              <a:rPr lang="en-US" sz="2000" dirty="0">
-                <a:hlinkClick r:id="rId2"/>
+            <a:r>
+              <a:rPr lang="en-US" sz="1800" b="1" i="0" u="none" strike="noStrike" cap="none" dirty="0">
+                <a:solidFill>
+                  <a:schemeClr val="tx1"/>
+                </a:solidFill>
+                <a:latin typeface="Arial"/>
+                <a:ea typeface="Arial"/>
+                <a:cs typeface="Arial"/>
+                <a:sym typeface="Arial"/>
               </a:rPr>
-              <a:t>https://opcfoundation.org</a:t>
-            </a:r>
-            <a:r>
-              <a:rPr lang="en-US" sz="2000" dirty="0" smtClean="0">
-                <a:hlinkClick r:id="rId2"/>
+              <a:t>sub(</a:t>
+            </a:r>
+            <a:r>
+              <a:rPr lang="en-US" sz="1800" b="1" i="0" u="none" strike="noStrike" cap="none" dirty="0">
+                <a:solidFill>
+                  <a:srgbClr val="FFFF00"/>
+                </a:solidFill>
+                <a:latin typeface="Arial"/>
+                <a:ea typeface="Arial"/>
+                <a:cs typeface="Arial"/>
+                <a:sym typeface="Arial"/>
               </a:rPr>
-              <a:t>/</a:t>
-            </a:r>
-            <a:r>
-              <a:rPr lang="en-US" sz="2000" dirty="0" smtClean="0"/>
+              <a:t>topic</a:t>
+            </a:r>
+            <a:r>
+              <a:rPr lang="en-US" sz="1800" b="1" i="0" u="none" strike="noStrike" cap="none" dirty="0">
+                <a:solidFill>
+                  <a:schemeClr val="tx1"/>
+                </a:solidFill>
+                <a:latin typeface="Arial"/>
+                <a:ea typeface="Arial"/>
+                <a:cs typeface="Arial"/>
+                <a:sym typeface="Arial"/>
+              </a:rPr>
+              <a:t>)</a:t>
+            </a:r>
+          </a:p>
+        </p:txBody>
+      </p:sp>
+      <p:sp>
+        <p:nvSpPr>
+          <p:cNvPr id="16" name="Shape 187"/>
+          <p:cNvSpPr txBox="1"/>
+          <p:nvPr/>
+        </p:nvSpPr>
+        <p:spPr>
+          <a:xfrm>
+            <a:off x="4140608" y="4920842"/>
+            <a:ext cx="1942798" cy="528314"/>
+          </a:xfrm>
+          <a:prstGeom prst="rect">
+            <a:avLst/>
+          </a:prstGeom>
+          <a:noFill/>
+          <a:ln>
+            <a:noFill/>
+          </a:ln>
+        </p:spPr>
+        <p:txBody>
+          <a:bodyPr wrap="square" lIns="91425" tIns="91425" rIns="91425" bIns="91425" anchor="t" anchorCtr="0">
+            <a:noAutofit/>
+          </a:bodyPr>
+          <a:lstStyle>
+            <a:defPPr marR="0" lvl="0" algn="l" rtl="0">
+              <a:lnSpc>
+                <a:spcPct val="100000"/>
+              </a:lnSpc>
+              <a:spcBef>
+                <a:spcPts val="0"/>
+              </a:spcBef>
+              <a:spcAft>
+                <a:spcPts val="0"/>
+              </a:spcAft>
+            </a:defPPr>
+            <a:lvl1pPr marR="0" lvl="0" algn="l" rtl="0">
+              <a:lnSpc>
+                <a:spcPct val="100000"/>
+              </a:lnSpc>
+              <a:spcBef>
+                <a:spcPts val="0"/>
+              </a:spcBef>
+              <a:spcAft>
+                <a:spcPts val="0"/>
+              </a:spcAft>
+              <a:buNone/>
+              <a:defRPr sz="1400" b="0" i="0" u="none" strike="noStrike" cap="none">
+                <a:solidFill>
+                  <a:srgbClr val="000000"/>
+                </a:solidFill>
+                <a:latin typeface="Arial"/>
+                <a:ea typeface="Arial"/>
+                <a:cs typeface="Arial"/>
+                <a:sym typeface="Arial"/>
+              </a:defRPr>
+            </a:lvl1pPr>
+            <a:lvl2pPr marR="0" lvl="1" algn="l" rtl="0">
+              <a:lnSpc>
+                <a:spcPct val="100000"/>
+              </a:lnSpc>
+              <a:spcBef>
+                <a:spcPts val="0"/>
+              </a:spcBef>
+              <a:spcAft>
+                <a:spcPts val="0"/>
+              </a:spcAft>
+              <a:buNone/>
+              <a:defRPr sz="1400" b="0" i="0" u="none" strike="noStrike" cap="none">
+                <a:solidFill>
+                  <a:srgbClr val="000000"/>
+                </a:solidFill>
+                <a:latin typeface="Arial"/>
+                <a:ea typeface="Arial"/>
+                <a:cs typeface="Arial"/>
+                <a:sym typeface="Arial"/>
+              </a:defRPr>
+            </a:lvl2pPr>
+            <a:lvl3pPr marR="0" lvl="2" algn="l" rtl="0">
+              <a:lnSpc>
+                <a:spcPct val="100000"/>
+              </a:lnSpc>
+              <a:spcBef>
+                <a:spcPts val="0"/>
+              </a:spcBef>
+              <a:spcAft>
+                <a:spcPts val="0"/>
+              </a:spcAft>
+              <a:buNone/>
+              <a:defRPr sz="1400" b="0" i="0" u="none" strike="noStrike" cap="none">
+                <a:solidFill>
+                  <a:srgbClr val="000000"/>
+                </a:solidFill>
+                <a:latin typeface="Arial"/>
+                <a:ea typeface="Arial"/>
+                <a:cs typeface="Arial"/>
+                <a:sym typeface="Arial"/>
+              </a:defRPr>
+            </a:lvl3pPr>
+            <a:lvl4pPr marR="0" lvl="3" algn="l" rtl="0">
+              <a:lnSpc>
+                <a:spcPct val="100000"/>
+              </a:lnSpc>
+              <a:spcBef>
+                <a:spcPts val="0"/>
+              </a:spcBef>
+              <a:spcAft>
+                <a:spcPts val="0"/>
+              </a:spcAft>
+              <a:buNone/>
+              <a:defRPr sz="1400" b="0" i="0" u="none" strike="noStrike" cap="none">
+                <a:solidFill>
+                  <a:srgbClr val="000000"/>
+                </a:solidFill>
+                <a:latin typeface="Arial"/>
+                <a:ea typeface="Arial"/>
+                <a:cs typeface="Arial"/>
+                <a:sym typeface="Arial"/>
+              </a:defRPr>
+            </a:lvl4pPr>
+            <a:lvl5pPr marR="0" lvl="4" algn="l" rtl="0">
+              <a:lnSpc>
+                <a:spcPct val="100000"/>
+              </a:lnSpc>
+              <a:spcBef>
+                <a:spcPts val="0"/>
+              </a:spcBef>
+              <a:spcAft>
+                <a:spcPts val="0"/>
+              </a:spcAft>
+              <a:buNone/>
+              <a:defRPr sz="1400" b="0" i="0" u="none" strike="noStrike" cap="none">
+                <a:solidFill>
+                  <a:srgbClr val="000000"/>
+                </a:solidFill>
+                <a:latin typeface="Arial"/>
+                <a:ea typeface="Arial"/>
+                <a:cs typeface="Arial"/>
+                <a:sym typeface="Arial"/>
+              </a:defRPr>
+            </a:lvl5pPr>
+            <a:lvl6pPr marR="0" lvl="5" algn="l" rtl="0">
+              <a:lnSpc>
+                <a:spcPct val="100000"/>
+              </a:lnSpc>
+              <a:spcBef>
+                <a:spcPts val="0"/>
+              </a:spcBef>
+              <a:spcAft>
+                <a:spcPts val="0"/>
+              </a:spcAft>
+              <a:buNone/>
+              <a:defRPr sz="1400" b="0" i="0" u="none" strike="noStrike" cap="none">
+                <a:solidFill>
+                  <a:srgbClr val="000000"/>
+                </a:solidFill>
+                <a:latin typeface="Arial"/>
+                <a:ea typeface="Arial"/>
+                <a:cs typeface="Arial"/>
+                <a:sym typeface="Arial"/>
+              </a:defRPr>
+            </a:lvl6pPr>
+            <a:lvl7pPr marR="0" lvl="6" algn="l" rtl="0">
+              <a:lnSpc>
+                <a:spcPct val="100000"/>
+              </a:lnSpc>
+              <a:spcBef>
+                <a:spcPts val="0"/>
+              </a:spcBef>
+              <a:spcAft>
+                <a:spcPts val="0"/>
+              </a:spcAft>
+              <a:buNone/>
+              <a:defRPr sz="1400" b="0" i="0" u="none" strike="noStrike" cap="none">
+                <a:solidFill>
+                  <a:srgbClr val="000000"/>
+                </a:solidFill>
+                <a:latin typeface="Arial"/>
+                <a:ea typeface="Arial"/>
+                <a:cs typeface="Arial"/>
+                <a:sym typeface="Arial"/>
+              </a:defRPr>
+            </a:lvl7pPr>
+            <a:lvl8pPr marR="0" lvl="7" algn="l" rtl="0">
+              <a:lnSpc>
+                <a:spcPct val="100000"/>
+              </a:lnSpc>
+              <a:spcBef>
+                <a:spcPts val="0"/>
+              </a:spcBef>
+              <a:spcAft>
+                <a:spcPts val="0"/>
+              </a:spcAft>
+              <a:buNone/>
+              <a:defRPr sz="1400" b="0" i="0" u="none" strike="noStrike" cap="none">
+                <a:solidFill>
+                  <a:srgbClr val="000000"/>
+                </a:solidFill>
+                <a:latin typeface="Arial"/>
+                <a:ea typeface="Arial"/>
+                <a:cs typeface="Arial"/>
+                <a:sym typeface="Arial"/>
+              </a:defRPr>
+            </a:lvl8pPr>
+            <a:lvl9pPr marR="0" lvl="8" algn="l" rtl="0">
+              <a:lnSpc>
+                <a:spcPct val="100000"/>
+              </a:lnSpc>
+              <a:spcBef>
+                <a:spcPts val="0"/>
+              </a:spcBef>
+              <a:spcAft>
+                <a:spcPts val="0"/>
+              </a:spcAft>
+              <a:buNone/>
+              <a:defRPr sz="1400" b="0" i="0" u="none" strike="noStrike" cap="none">
+                <a:solidFill>
+                  <a:srgbClr val="000000"/>
+                </a:solidFill>
+                <a:latin typeface="Arial"/>
+                <a:ea typeface="Arial"/>
+                <a:cs typeface="Arial"/>
+                <a:sym typeface="Arial"/>
+              </a:defRPr>
+            </a:lvl9pPr>
+          </a:lstStyle>
+          <a:p>
+            <a:pPr marL="0" marR="0" lvl="0" indent="0" algn="ctr" rtl="0">
+              <a:lnSpc>
+                <a:spcPct val="100000"/>
+              </a:lnSpc>
+              <a:spcBef>
+                <a:spcPts val="0"/>
+              </a:spcBef>
+              <a:spcAft>
+                <a:spcPts val="0"/>
+              </a:spcAft>
+              <a:buClr>
+                <a:srgbClr val="000000"/>
+              </a:buClr>
+              <a:buSzPct val="25000"/>
+              <a:buFont typeface="Arial"/>
+              <a:buNone/>
+            </a:pPr>
+            <a:r>
+              <a:rPr lang="en-US" sz="1800" b="1" i="0" u="none" strike="noStrike" cap="none" dirty="0">
+                <a:solidFill>
+                  <a:schemeClr val="tx1"/>
+                </a:solidFill>
+                <a:latin typeface="Arial"/>
+                <a:ea typeface="Arial"/>
+                <a:cs typeface="Arial"/>
+                <a:sym typeface="Arial"/>
+              </a:rPr>
+              <a:t>pub(</a:t>
+            </a:r>
+            <a:r>
+              <a:rPr lang="en-US" sz="1800" b="1" i="0" u="none" strike="noStrike" cap="none" dirty="0">
+                <a:solidFill>
+                  <a:srgbClr val="FFFF00"/>
+                </a:solidFill>
+                <a:latin typeface="Arial"/>
+                <a:ea typeface="Arial"/>
+                <a:cs typeface="Arial"/>
+                <a:sym typeface="Arial"/>
+              </a:rPr>
+              <a:t>topic</a:t>
+            </a:r>
+            <a:r>
+              <a:rPr lang="en-US" sz="1800" b="1" i="0" u="none" strike="noStrike" cap="none" dirty="0">
+                <a:solidFill>
+                  <a:schemeClr val="tx1"/>
+                </a:solidFill>
+                <a:latin typeface="Arial"/>
+                <a:ea typeface="Arial"/>
+                <a:cs typeface="Arial"/>
+                <a:sym typeface="Arial"/>
+              </a:rPr>
+              <a:t>, data)</a:t>
+            </a:r>
+          </a:p>
+        </p:txBody>
+      </p:sp>
+      <p:sp>
+        <p:nvSpPr>
+          <p:cNvPr id="17" name="Shape 188"/>
+          <p:cNvSpPr txBox="1"/>
+          <p:nvPr/>
+        </p:nvSpPr>
+        <p:spPr>
+          <a:xfrm>
+            <a:off x="1685722" y="3882450"/>
+            <a:ext cx="1942798" cy="461699"/>
+          </a:xfrm>
+          <a:prstGeom prst="rect">
+            <a:avLst/>
+          </a:prstGeom>
+          <a:noFill/>
+          <a:ln>
+            <a:noFill/>
+          </a:ln>
+        </p:spPr>
+        <p:txBody>
+          <a:bodyPr wrap="square" lIns="91425" tIns="91425" rIns="91425" bIns="91425" anchor="t" anchorCtr="0">
+            <a:noAutofit/>
+          </a:bodyPr>
+          <a:lstStyle>
+            <a:defPPr marR="0" lvl="0" algn="l" rtl="0">
+              <a:lnSpc>
+                <a:spcPct val="100000"/>
+              </a:lnSpc>
+              <a:spcBef>
+                <a:spcPts val="0"/>
+              </a:spcBef>
+              <a:spcAft>
+                <a:spcPts val="0"/>
+              </a:spcAft>
+            </a:defPPr>
+            <a:lvl1pPr marR="0" lvl="0" algn="l" rtl="0">
+              <a:lnSpc>
+                <a:spcPct val="100000"/>
+              </a:lnSpc>
+              <a:spcBef>
+                <a:spcPts val="0"/>
+              </a:spcBef>
+              <a:spcAft>
+                <a:spcPts val="0"/>
+              </a:spcAft>
+              <a:buNone/>
+              <a:defRPr sz="1400" b="0" i="0" u="none" strike="noStrike" cap="none">
+                <a:solidFill>
+                  <a:srgbClr val="000000"/>
+                </a:solidFill>
+                <a:latin typeface="Arial"/>
+                <a:ea typeface="Arial"/>
+                <a:cs typeface="Arial"/>
+                <a:sym typeface="Arial"/>
+              </a:defRPr>
+            </a:lvl1pPr>
+            <a:lvl2pPr marR="0" lvl="1" algn="l" rtl="0">
+              <a:lnSpc>
+                <a:spcPct val="100000"/>
+              </a:lnSpc>
+              <a:spcBef>
+                <a:spcPts val="0"/>
+              </a:spcBef>
+              <a:spcAft>
+                <a:spcPts val="0"/>
+              </a:spcAft>
+              <a:buNone/>
+              <a:defRPr sz="1400" b="0" i="0" u="none" strike="noStrike" cap="none">
+                <a:solidFill>
+                  <a:srgbClr val="000000"/>
+                </a:solidFill>
+                <a:latin typeface="Arial"/>
+                <a:ea typeface="Arial"/>
+                <a:cs typeface="Arial"/>
+                <a:sym typeface="Arial"/>
+              </a:defRPr>
+            </a:lvl2pPr>
+            <a:lvl3pPr marR="0" lvl="2" algn="l" rtl="0">
+              <a:lnSpc>
+                <a:spcPct val="100000"/>
+              </a:lnSpc>
+              <a:spcBef>
+                <a:spcPts val="0"/>
+              </a:spcBef>
+              <a:spcAft>
+                <a:spcPts val="0"/>
+              </a:spcAft>
+              <a:buNone/>
+              <a:defRPr sz="1400" b="0" i="0" u="none" strike="noStrike" cap="none">
+                <a:solidFill>
+                  <a:srgbClr val="000000"/>
+                </a:solidFill>
+                <a:latin typeface="Arial"/>
+                <a:ea typeface="Arial"/>
+                <a:cs typeface="Arial"/>
+                <a:sym typeface="Arial"/>
+              </a:defRPr>
+            </a:lvl3pPr>
+            <a:lvl4pPr marR="0" lvl="3" algn="l" rtl="0">
+              <a:lnSpc>
+                <a:spcPct val="100000"/>
+              </a:lnSpc>
+              <a:spcBef>
+                <a:spcPts val="0"/>
+              </a:spcBef>
+              <a:spcAft>
+                <a:spcPts val="0"/>
+              </a:spcAft>
+              <a:buNone/>
+              <a:defRPr sz="1400" b="0" i="0" u="none" strike="noStrike" cap="none">
+                <a:solidFill>
+                  <a:srgbClr val="000000"/>
+                </a:solidFill>
+                <a:latin typeface="Arial"/>
+                <a:ea typeface="Arial"/>
+                <a:cs typeface="Arial"/>
+                <a:sym typeface="Arial"/>
+              </a:defRPr>
+            </a:lvl4pPr>
+            <a:lvl5pPr marR="0" lvl="4" algn="l" rtl="0">
+              <a:lnSpc>
+                <a:spcPct val="100000"/>
+              </a:lnSpc>
+              <a:spcBef>
+                <a:spcPts val="0"/>
+              </a:spcBef>
+              <a:spcAft>
+                <a:spcPts val="0"/>
+              </a:spcAft>
+              <a:buNone/>
+              <a:defRPr sz="1400" b="0" i="0" u="none" strike="noStrike" cap="none">
+                <a:solidFill>
+                  <a:srgbClr val="000000"/>
+                </a:solidFill>
+                <a:latin typeface="Arial"/>
+                <a:ea typeface="Arial"/>
+                <a:cs typeface="Arial"/>
+                <a:sym typeface="Arial"/>
+              </a:defRPr>
+            </a:lvl5pPr>
+            <a:lvl6pPr marR="0" lvl="5" algn="l" rtl="0">
+              <a:lnSpc>
+                <a:spcPct val="100000"/>
+              </a:lnSpc>
+              <a:spcBef>
+                <a:spcPts val="0"/>
+              </a:spcBef>
+              <a:spcAft>
+                <a:spcPts val="0"/>
+              </a:spcAft>
+              <a:buNone/>
+              <a:defRPr sz="1400" b="0" i="0" u="none" strike="noStrike" cap="none">
+                <a:solidFill>
+                  <a:srgbClr val="000000"/>
+                </a:solidFill>
+                <a:latin typeface="Arial"/>
+                <a:ea typeface="Arial"/>
+                <a:cs typeface="Arial"/>
+                <a:sym typeface="Arial"/>
+              </a:defRPr>
+            </a:lvl6pPr>
+            <a:lvl7pPr marR="0" lvl="6" algn="l" rtl="0">
+              <a:lnSpc>
+                <a:spcPct val="100000"/>
+              </a:lnSpc>
+              <a:spcBef>
+                <a:spcPts val="0"/>
+              </a:spcBef>
+              <a:spcAft>
+                <a:spcPts val="0"/>
+              </a:spcAft>
+              <a:buNone/>
+              <a:defRPr sz="1400" b="0" i="0" u="none" strike="noStrike" cap="none">
+                <a:solidFill>
+                  <a:srgbClr val="000000"/>
+                </a:solidFill>
+                <a:latin typeface="Arial"/>
+                <a:ea typeface="Arial"/>
+                <a:cs typeface="Arial"/>
+                <a:sym typeface="Arial"/>
+              </a:defRPr>
+            </a:lvl7pPr>
+            <a:lvl8pPr marR="0" lvl="7" algn="l" rtl="0">
+              <a:lnSpc>
+                <a:spcPct val="100000"/>
+              </a:lnSpc>
+              <a:spcBef>
+                <a:spcPts val="0"/>
+              </a:spcBef>
+              <a:spcAft>
+                <a:spcPts val="0"/>
+              </a:spcAft>
+              <a:buNone/>
+              <a:defRPr sz="1400" b="0" i="0" u="none" strike="noStrike" cap="none">
+                <a:solidFill>
+                  <a:srgbClr val="000000"/>
+                </a:solidFill>
+                <a:latin typeface="Arial"/>
+                <a:ea typeface="Arial"/>
+                <a:cs typeface="Arial"/>
+                <a:sym typeface="Arial"/>
+              </a:defRPr>
+            </a:lvl8pPr>
+            <a:lvl9pPr marR="0" lvl="8" algn="l" rtl="0">
+              <a:lnSpc>
+                <a:spcPct val="100000"/>
+              </a:lnSpc>
+              <a:spcBef>
+                <a:spcPts val="0"/>
+              </a:spcBef>
+              <a:spcAft>
+                <a:spcPts val="0"/>
+              </a:spcAft>
+              <a:buNone/>
+              <a:defRPr sz="1400" b="0" i="0" u="none" strike="noStrike" cap="none">
+                <a:solidFill>
+                  <a:srgbClr val="000000"/>
+                </a:solidFill>
+                <a:latin typeface="Arial"/>
+                <a:ea typeface="Arial"/>
+                <a:cs typeface="Arial"/>
+                <a:sym typeface="Arial"/>
+              </a:defRPr>
+            </a:lvl9pPr>
+          </a:lstStyle>
+          <a:p>
+            <a:pPr marL="0" marR="0" lvl="0" indent="0" algn="ctr" rtl="0">
+              <a:lnSpc>
+                <a:spcPct val="100000"/>
+              </a:lnSpc>
+              <a:spcBef>
+                <a:spcPts val="0"/>
+              </a:spcBef>
+              <a:spcAft>
+                <a:spcPts val="0"/>
+              </a:spcAft>
+              <a:buClr>
+                <a:srgbClr val="000000"/>
+              </a:buClr>
+              <a:buSzPct val="25000"/>
+              <a:buFont typeface="Arial"/>
+              <a:buNone/>
+            </a:pPr>
+            <a:r>
+              <a:rPr lang="en-US" sz="1800" b="1" i="0" u="none" strike="noStrike" cap="none" dirty="0">
+                <a:solidFill>
+                  <a:schemeClr val="tx1"/>
+                </a:solidFill>
+                <a:latin typeface="Arial"/>
+                <a:ea typeface="Arial"/>
+                <a:cs typeface="Arial"/>
+                <a:sym typeface="Arial"/>
+              </a:rPr>
+              <a:t>pub(</a:t>
+            </a:r>
+            <a:r>
+              <a:rPr lang="en-US" sz="1800" b="1" i="0" u="none" strike="noStrike" cap="none" dirty="0">
+                <a:solidFill>
+                  <a:srgbClr val="FFFF00"/>
+                </a:solidFill>
+                <a:latin typeface="Arial"/>
+                <a:ea typeface="Arial"/>
+                <a:cs typeface="Arial"/>
+                <a:sym typeface="Arial"/>
+              </a:rPr>
+              <a:t>topic</a:t>
+            </a:r>
+            <a:r>
+              <a:rPr lang="en-US" sz="1800" b="1" i="0" u="none" strike="noStrike" cap="none" dirty="0">
+                <a:solidFill>
+                  <a:schemeClr val="tx1"/>
+                </a:solidFill>
+                <a:latin typeface="Arial"/>
+                <a:ea typeface="Arial"/>
+                <a:cs typeface="Arial"/>
+                <a:sym typeface="Arial"/>
+              </a:rPr>
+              <a:t>, data)</a:t>
+            </a:r>
+          </a:p>
+        </p:txBody>
+      </p:sp>
+      <p:sp>
+        <p:nvSpPr>
+          <p:cNvPr id="18" name="Shape 189"/>
+          <p:cNvSpPr txBox="1">
+            <a:spLocks noGrp="1"/>
+          </p:cNvSpPr>
+          <p:nvPr/>
+        </p:nvSpPr>
+        <p:spPr>
+          <a:xfrm>
+            <a:off x="7619194" y="1145005"/>
+            <a:ext cx="3941698" cy="4853700"/>
+          </a:xfrm>
+          <a:prstGeom prst="rect">
+            <a:avLst/>
+          </a:prstGeom>
+          <a:noFill/>
+          <a:ln>
+            <a:noFill/>
+          </a:ln>
+        </p:spPr>
+        <p:txBody>
+          <a:bodyPr wrap="square" lIns="121900" tIns="121900" rIns="121900" bIns="121900" anchor="ctr" anchorCtr="0">
+            <a:noAutofit/>
+          </a:bodyPr>
+          <a:lstStyle>
+            <a:defPPr marR="0" lvl="0" algn="l" rtl="0">
+              <a:lnSpc>
+                <a:spcPct val="100000"/>
+              </a:lnSpc>
+              <a:spcBef>
+                <a:spcPts val="0"/>
+              </a:spcBef>
+              <a:spcAft>
+                <a:spcPts val="0"/>
+              </a:spcAft>
+            </a:defPPr>
+            <a:lvl1pPr marL="0" marR="0" lvl="0" indent="0" algn="l" rtl="0">
+              <a:lnSpc>
+                <a:spcPct val="115000"/>
+              </a:lnSpc>
+              <a:spcBef>
+                <a:spcPts val="0"/>
+              </a:spcBef>
+              <a:spcAft>
+                <a:spcPts val="2100"/>
+              </a:spcAft>
+              <a:buClr>
+                <a:schemeClr val="lt2"/>
+              </a:buClr>
+              <a:buSzPct val="79166"/>
+              <a:buFont typeface="Roboto"/>
+              <a:buChar char="●"/>
+              <a:defRPr sz="2400" b="0" i="0" u="none" strike="noStrike" cap="none">
+                <a:solidFill>
+                  <a:schemeClr val="lt2"/>
+                </a:solidFill>
+                <a:latin typeface="Roboto"/>
+                <a:ea typeface="Roboto"/>
+                <a:cs typeface="Roboto"/>
+                <a:sym typeface="Roboto"/>
+              </a:defRPr>
+            </a:lvl1pPr>
+            <a:lvl2pPr marL="609600" marR="0" lvl="1" indent="0" algn="l" rtl="0">
+              <a:lnSpc>
+                <a:spcPct val="115000"/>
+              </a:lnSpc>
+              <a:spcBef>
+                <a:spcPts val="0"/>
+              </a:spcBef>
+              <a:spcAft>
+                <a:spcPts val="2100"/>
+              </a:spcAft>
+              <a:buClr>
+                <a:schemeClr val="lt2"/>
+              </a:buClr>
+              <a:buSzPct val="100000"/>
+              <a:buFont typeface="Roboto"/>
+              <a:buChar char="○"/>
+              <a:defRPr sz="1900" b="0" i="0" u="none" strike="noStrike" cap="none">
+                <a:solidFill>
+                  <a:schemeClr val="lt2"/>
+                </a:solidFill>
+                <a:latin typeface="Roboto"/>
+                <a:ea typeface="Roboto"/>
+                <a:cs typeface="Roboto"/>
+                <a:sym typeface="Roboto"/>
+              </a:defRPr>
+            </a:lvl2pPr>
+            <a:lvl3pPr marL="1219200" marR="0" lvl="2" indent="0" algn="l" rtl="0">
+              <a:lnSpc>
+                <a:spcPct val="115000"/>
+              </a:lnSpc>
+              <a:spcBef>
+                <a:spcPts val="0"/>
+              </a:spcBef>
+              <a:spcAft>
+                <a:spcPts val="2100"/>
+              </a:spcAft>
+              <a:buClr>
+                <a:schemeClr val="lt2"/>
+              </a:buClr>
+              <a:buSzPct val="100000"/>
+              <a:buFont typeface="Roboto"/>
+              <a:buChar char="■"/>
+              <a:defRPr sz="1900" b="0" i="0" u="none" strike="noStrike" cap="none">
+                <a:solidFill>
+                  <a:schemeClr val="lt2"/>
+                </a:solidFill>
+                <a:latin typeface="Roboto"/>
+                <a:ea typeface="Roboto"/>
+                <a:cs typeface="Roboto"/>
+                <a:sym typeface="Roboto"/>
+              </a:defRPr>
+            </a:lvl3pPr>
+            <a:lvl4pPr marL="1828800" marR="0" lvl="3" indent="0" algn="l" rtl="0">
+              <a:lnSpc>
+                <a:spcPct val="115000"/>
+              </a:lnSpc>
+              <a:spcBef>
+                <a:spcPts val="0"/>
+              </a:spcBef>
+              <a:spcAft>
+                <a:spcPts val="2100"/>
+              </a:spcAft>
+              <a:buClr>
+                <a:schemeClr val="lt2"/>
+              </a:buClr>
+              <a:buSzPct val="100000"/>
+              <a:buFont typeface="Roboto"/>
+              <a:buChar char="●"/>
+              <a:defRPr sz="1900" b="0" i="0" u="none" strike="noStrike" cap="none">
+                <a:solidFill>
+                  <a:schemeClr val="lt2"/>
+                </a:solidFill>
+                <a:latin typeface="Roboto"/>
+                <a:ea typeface="Roboto"/>
+                <a:cs typeface="Roboto"/>
+                <a:sym typeface="Roboto"/>
+              </a:defRPr>
+            </a:lvl4pPr>
+            <a:lvl5pPr marL="2438400" marR="0" lvl="4" indent="0" algn="l" rtl="0">
+              <a:lnSpc>
+                <a:spcPct val="115000"/>
+              </a:lnSpc>
+              <a:spcBef>
+                <a:spcPts val="0"/>
+              </a:spcBef>
+              <a:spcAft>
+                <a:spcPts val="2100"/>
+              </a:spcAft>
+              <a:buClr>
+                <a:schemeClr val="lt2"/>
+              </a:buClr>
+              <a:buSzPct val="100000"/>
+              <a:buFont typeface="Roboto"/>
+              <a:buChar char="○"/>
+              <a:defRPr sz="1900" b="0" i="0" u="none" strike="noStrike" cap="none">
+                <a:solidFill>
+                  <a:schemeClr val="lt2"/>
+                </a:solidFill>
+                <a:latin typeface="Roboto"/>
+                <a:ea typeface="Roboto"/>
+                <a:cs typeface="Roboto"/>
+                <a:sym typeface="Roboto"/>
+              </a:defRPr>
+            </a:lvl5pPr>
+            <a:lvl6pPr marL="3048000" marR="0" lvl="5" indent="0" algn="l" rtl="0">
+              <a:lnSpc>
+                <a:spcPct val="115000"/>
+              </a:lnSpc>
+              <a:spcBef>
+                <a:spcPts val="0"/>
+              </a:spcBef>
+              <a:spcAft>
+                <a:spcPts val="2100"/>
+              </a:spcAft>
+              <a:buClr>
+                <a:schemeClr val="lt2"/>
+              </a:buClr>
+              <a:buSzPct val="100000"/>
+              <a:buFont typeface="Roboto"/>
+              <a:buChar char="■"/>
+              <a:defRPr sz="1900" b="0" i="0" u="none" strike="noStrike" cap="none">
+                <a:solidFill>
+                  <a:schemeClr val="lt2"/>
+                </a:solidFill>
+                <a:latin typeface="Roboto"/>
+                <a:ea typeface="Roboto"/>
+                <a:cs typeface="Roboto"/>
+                <a:sym typeface="Roboto"/>
+              </a:defRPr>
+            </a:lvl6pPr>
+            <a:lvl7pPr marL="3657600" marR="0" lvl="6" indent="0" algn="l" rtl="0">
+              <a:lnSpc>
+                <a:spcPct val="115000"/>
+              </a:lnSpc>
+              <a:spcBef>
+                <a:spcPts val="0"/>
+              </a:spcBef>
+              <a:spcAft>
+                <a:spcPts val="2100"/>
+              </a:spcAft>
+              <a:buClr>
+                <a:schemeClr val="lt2"/>
+              </a:buClr>
+              <a:buSzPct val="100000"/>
+              <a:buFont typeface="Roboto"/>
+              <a:buChar char="●"/>
+              <a:defRPr sz="1900" b="0" i="0" u="none" strike="noStrike" cap="none">
+                <a:solidFill>
+                  <a:schemeClr val="lt2"/>
+                </a:solidFill>
+                <a:latin typeface="Roboto"/>
+                <a:ea typeface="Roboto"/>
+                <a:cs typeface="Roboto"/>
+                <a:sym typeface="Roboto"/>
+              </a:defRPr>
+            </a:lvl7pPr>
+            <a:lvl8pPr marL="4267200" marR="0" lvl="7" indent="0" algn="l" rtl="0">
+              <a:lnSpc>
+                <a:spcPct val="115000"/>
+              </a:lnSpc>
+              <a:spcBef>
+                <a:spcPts val="0"/>
+              </a:spcBef>
+              <a:spcAft>
+                <a:spcPts val="2100"/>
+              </a:spcAft>
+              <a:buClr>
+                <a:schemeClr val="lt2"/>
+              </a:buClr>
+              <a:buSzPct val="100000"/>
+              <a:buFont typeface="Roboto"/>
+              <a:buChar char="○"/>
+              <a:defRPr sz="1900" b="0" i="0" u="none" strike="noStrike" cap="none">
+                <a:solidFill>
+                  <a:schemeClr val="lt2"/>
+                </a:solidFill>
+                <a:latin typeface="Roboto"/>
+                <a:ea typeface="Roboto"/>
+                <a:cs typeface="Roboto"/>
+                <a:sym typeface="Roboto"/>
+              </a:defRPr>
+            </a:lvl8pPr>
+            <a:lvl9pPr marL="4876800" marR="0" lvl="8" indent="0" algn="l" rtl="0">
+              <a:lnSpc>
+                <a:spcPct val="115000"/>
+              </a:lnSpc>
+              <a:spcBef>
+                <a:spcPts val="0"/>
+              </a:spcBef>
+              <a:spcAft>
+                <a:spcPts val="2100"/>
+              </a:spcAft>
+              <a:buClr>
+                <a:schemeClr val="lt2"/>
+              </a:buClr>
+              <a:buSzPct val="100000"/>
+              <a:buFont typeface="Roboto"/>
+              <a:buChar char="■"/>
+              <a:defRPr sz="1900" b="0" i="0" u="none" strike="noStrike" cap="none">
+                <a:solidFill>
+                  <a:schemeClr val="lt2"/>
+                </a:solidFill>
+                <a:latin typeface="Roboto"/>
+                <a:ea typeface="Roboto"/>
+                <a:cs typeface="Roboto"/>
+                <a:sym typeface="Roboto"/>
+              </a:defRPr>
+            </a:lvl9pPr>
+          </a:lstStyle>
+          <a:p>
+            <a:pPr marL="0" marR="0" lvl="0" indent="0" algn="l" rtl="0">
+              <a:lnSpc>
+                <a:spcPct val="100000"/>
+              </a:lnSpc>
+              <a:spcBef>
+                <a:spcPts val="0"/>
+              </a:spcBef>
+              <a:spcAft>
+                <a:spcPts val="0"/>
+              </a:spcAft>
+              <a:buClr>
+                <a:srgbClr val="404040"/>
+              </a:buClr>
+              <a:buSzPct val="25000"/>
+              <a:buFont typeface="Arial"/>
+              <a:buNone/>
+            </a:pPr>
+            <a:r>
+              <a:rPr lang="en-US" sz="1800" dirty="0">
+                <a:solidFill>
+                  <a:schemeClr val="tx1"/>
+                </a:solidFill>
+              </a:rPr>
+              <a:t>Network decoupling: publisher and subscriber do not need to know each other IP address</a:t>
+            </a:r>
+          </a:p>
+          <a:p>
+            <a:pPr marL="0" marR="0" lvl="0" indent="0" algn="l" rtl="0">
+              <a:lnSpc>
+                <a:spcPct val="100000"/>
+              </a:lnSpc>
+              <a:spcBef>
+                <a:spcPts val="0"/>
+              </a:spcBef>
+              <a:spcAft>
+                <a:spcPts val="0"/>
+              </a:spcAft>
+              <a:buClr>
+                <a:srgbClr val="404040"/>
+              </a:buClr>
+              <a:buSzPct val="25000"/>
+              <a:buFont typeface="Arial"/>
+              <a:buNone/>
+            </a:pPr>
+            <a:endParaRPr sz="1800" dirty="0">
+              <a:solidFill>
+                <a:schemeClr val="tx1"/>
+              </a:solidFill>
+            </a:endParaRPr>
+          </a:p>
+          <a:p>
+            <a:pPr marL="0" marR="0" lvl="0" indent="0" algn="l" rtl="0">
+              <a:lnSpc>
+                <a:spcPct val="100000"/>
+              </a:lnSpc>
+              <a:spcBef>
+                <a:spcPts val="0"/>
+              </a:spcBef>
+              <a:spcAft>
+                <a:spcPts val="0"/>
+              </a:spcAft>
+              <a:buClr>
+                <a:srgbClr val="404040"/>
+              </a:buClr>
+              <a:buSzPct val="25000"/>
+              <a:buFont typeface="Arial"/>
+              <a:buNone/>
+            </a:pPr>
+            <a:r>
+              <a:rPr lang="en-US" sz="1800" dirty="0">
+                <a:solidFill>
+                  <a:schemeClr val="tx1"/>
+                </a:solidFill>
+              </a:rPr>
+              <a:t>Time decoupling: Publisher and subscriber do not need to run at the same time. </a:t>
+            </a:r>
+          </a:p>
+          <a:p>
+            <a:pPr marL="0" marR="0" lvl="0" indent="0" algn="l" rtl="0">
+              <a:lnSpc>
+                <a:spcPct val="100000"/>
+              </a:lnSpc>
+              <a:spcBef>
+                <a:spcPts val="0"/>
+              </a:spcBef>
+              <a:spcAft>
+                <a:spcPts val="0"/>
+              </a:spcAft>
+              <a:buClr>
+                <a:srgbClr val="404040"/>
+              </a:buClr>
+              <a:buSzPct val="25000"/>
+              <a:buFont typeface="Arial"/>
+              <a:buNone/>
+            </a:pPr>
+            <a:endParaRPr sz="1800" dirty="0">
+              <a:solidFill>
+                <a:schemeClr val="tx1"/>
+              </a:solidFill>
+            </a:endParaRPr>
+          </a:p>
+          <a:p>
+            <a:pPr marL="0" marR="0" lvl="0" indent="0" algn="l" rtl="0">
+              <a:lnSpc>
+                <a:spcPct val="100000"/>
+              </a:lnSpc>
+              <a:spcBef>
+                <a:spcPts val="0"/>
+              </a:spcBef>
+              <a:spcAft>
+                <a:spcPts val="0"/>
+              </a:spcAft>
+              <a:buClr>
+                <a:srgbClr val="404040"/>
+              </a:buClr>
+              <a:buSzPct val="25000"/>
+              <a:buFont typeface="Arial"/>
+              <a:buNone/>
+            </a:pPr>
+            <a:r>
+              <a:rPr lang="en-US" sz="1800" dirty="0">
+                <a:solidFill>
+                  <a:schemeClr val="tx1"/>
+                </a:solidFill>
+              </a:rPr>
+              <a:t>Synchronization decoupling: pub/sub is non-blocking</a:t>
+            </a:r>
+            <a:r>
+              <a:rPr lang="en-US" sz="1800" dirty="0" smtClean="0">
+                <a:solidFill>
+                  <a:schemeClr val="tx1"/>
+                </a:solidFill>
+              </a:rPr>
               <a:t>.</a:t>
             </a:r>
-            <a:endParaRPr lang="en-US" sz="2000" dirty="0"/>
+          </a:p>
+          <a:p>
+            <a:pPr>
+              <a:lnSpc>
+                <a:spcPct val="100000"/>
+              </a:lnSpc>
+              <a:spcAft>
+                <a:spcPts val="0"/>
+              </a:spcAft>
+              <a:buClr>
+                <a:srgbClr val="404040"/>
+              </a:buClr>
+              <a:buSzPct val="25000"/>
+              <a:buNone/>
+            </a:pPr>
+            <a:r>
+              <a:rPr lang="en-US" sz="1800" dirty="0">
+                <a:solidFill>
+                  <a:schemeClr val="tx1"/>
+                </a:solidFill>
+              </a:rPr>
+              <a:t>Pub/Sub provides a greater scalability than the traditional client-server approach because its operations can be highly parallelized and event-driven. </a:t>
+            </a:r>
+          </a:p>
+          <a:p>
+            <a:pPr marL="0" marR="0" lvl="0" indent="0" algn="l" rtl="0">
+              <a:lnSpc>
+                <a:spcPct val="100000"/>
+              </a:lnSpc>
+              <a:spcBef>
+                <a:spcPts val="0"/>
+              </a:spcBef>
+              <a:spcAft>
+                <a:spcPts val="0"/>
+              </a:spcAft>
+              <a:buClr>
+                <a:srgbClr val="404040"/>
+              </a:buClr>
+              <a:buSzPct val="25000"/>
+              <a:buFont typeface="Arial"/>
+              <a:buNone/>
+            </a:pPr>
+            <a:endParaRPr lang="en-US" sz="1800" dirty="0">
+              <a:solidFill>
+                <a:schemeClr val="tx1"/>
+              </a:solidFill>
+            </a:endParaRPr>
+          </a:p>
+        </p:txBody>
+      </p:sp>
+      <p:sp>
+        <p:nvSpPr>
+          <p:cNvPr id="20" name="Shape 191"/>
+          <p:cNvSpPr txBox="1">
+            <a:spLocks noGrp="1"/>
+          </p:cNvSpPr>
+          <p:nvPr/>
+        </p:nvSpPr>
+        <p:spPr>
+          <a:xfrm>
+            <a:off x="11036735" y="5660653"/>
+            <a:ext cx="731700" cy="524700"/>
+          </a:xfrm>
+          <a:prstGeom prst="rect">
+            <a:avLst/>
+          </a:prstGeom>
+          <a:noFill/>
+          <a:ln>
+            <a:noFill/>
+          </a:ln>
+        </p:spPr>
+        <p:txBody>
+          <a:bodyPr wrap="square" lIns="121900" tIns="121900" rIns="121900" bIns="121900" anchor="ctr" anchorCtr="0">
+            <a:noAutofit/>
+          </a:bodyPr>
+          <a:lstStyle>
+            <a:defPPr marR="0" lvl="0" algn="l" rtl="0">
+              <a:lnSpc>
+                <a:spcPct val="100000"/>
+              </a:lnSpc>
+              <a:spcBef>
+                <a:spcPts val="0"/>
+              </a:spcBef>
+              <a:spcAft>
+                <a:spcPts val="0"/>
+              </a:spcAft>
+            </a:defPPr>
+            <a:lvl1pPr marR="0" lvl="0" algn="l" rtl="0">
+              <a:lnSpc>
+                <a:spcPct val="100000"/>
+              </a:lnSpc>
+              <a:spcBef>
+                <a:spcPts val="0"/>
+              </a:spcBef>
+              <a:spcAft>
+                <a:spcPts val="0"/>
+              </a:spcAft>
+              <a:buNone/>
+              <a:defRPr sz="1400" b="0" i="0" u="none" strike="noStrike" cap="none">
+                <a:solidFill>
+                  <a:srgbClr val="000000"/>
+                </a:solidFill>
+                <a:latin typeface="Arial"/>
+                <a:ea typeface="Arial"/>
+                <a:cs typeface="Arial"/>
+                <a:sym typeface="Arial"/>
+              </a:defRPr>
+            </a:lvl1pPr>
+            <a:lvl2pPr marR="0" lvl="1" algn="l" rtl="0">
+              <a:lnSpc>
+                <a:spcPct val="100000"/>
+              </a:lnSpc>
+              <a:spcBef>
+                <a:spcPts val="0"/>
+              </a:spcBef>
+              <a:spcAft>
+                <a:spcPts val="0"/>
+              </a:spcAft>
+              <a:buNone/>
+              <a:defRPr sz="1400" b="0" i="0" u="none" strike="noStrike" cap="none">
+                <a:solidFill>
+                  <a:srgbClr val="000000"/>
+                </a:solidFill>
+                <a:latin typeface="Arial"/>
+                <a:ea typeface="Arial"/>
+                <a:cs typeface="Arial"/>
+                <a:sym typeface="Arial"/>
+              </a:defRPr>
+            </a:lvl2pPr>
+            <a:lvl3pPr marR="0" lvl="2" algn="l" rtl="0">
+              <a:lnSpc>
+                <a:spcPct val="100000"/>
+              </a:lnSpc>
+              <a:spcBef>
+                <a:spcPts val="0"/>
+              </a:spcBef>
+              <a:spcAft>
+                <a:spcPts val="0"/>
+              </a:spcAft>
+              <a:buNone/>
+              <a:defRPr sz="1400" b="0" i="0" u="none" strike="noStrike" cap="none">
+                <a:solidFill>
+                  <a:srgbClr val="000000"/>
+                </a:solidFill>
+                <a:latin typeface="Arial"/>
+                <a:ea typeface="Arial"/>
+                <a:cs typeface="Arial"/>
+                <a:sym typeface="Arial"/>
+              </a:defRPr>
+            </a:lvl3pPr>
+            <a:lvl4pPr marR="0" lvl="3" algn="l" rtl="0">
+              <a:lnSpc>
+                <a:spcPct val="100000"/>
+              </a:lnSpc>
+              <a:spcBef>
+                <a:spcPts val="0"/>
+              </a:spcBef>
+              <a:spcAft>
+                <a:spcPts val="0"/>
+              </a:spcAft>
+              <a:buNone/>
+              <a:defRPr sz="1400" b="0" i="0" u="none" strike="noStrike" cap="none">
+                <a:solidFill>
+                  <a:srgbClr val="000000"/>
+                </a:solidFill>
+                <a:latin typeface="Arial"/>
+                <a:ea typeface="Arial"/>
+                <a:cs typeface="Arial"/>
+                <a:sym typeface="Arial"/>
+              </a:defRPr>
+            </a:lvl4pPr>
+            <a:lvl5pPr marR="0" lvl="4" algn="l" rtl="0">
+              <a:lnSpc>
+                <a:spcPct val="100000"/>
+              </a:lnSpc>
+              <a:spcBef>
+                <a:spcPts val="0"/>
+              </a:spcBef>
+              <a:spcAft>
+                <a:spcPts val="0"/>
+              </a:spcAft>
+              <a:buNone/>
+              <a:defRPr sz="1400" b="0" i="0" u="none" strike="noStrike" cap="none">
+                <a:solidFill>
+                  <a:srgbClr val="000000"/>
+                </a:solidFill>
+                <a:latin typeface="Arial"/>
+                <a:ea typeface="Arial"/>
+                <a:cs typeface="Arial"/>
+                <a:sym typeface="Arial"/>
+              </a:defRPr>
+            </a:lvl5pPr>
+            <a:lvl6pPr marR="0" lvl="5" algn="l" rtl="0">
+              <a:lnSpc>
+                <a:spcPct val="100000"/>
+              </a:lnSpc>
+              <a:spcBef>
+                <a:spcPts val="0"/>
+              </a:spcBef>
+              <a:spcAft>
+                <a:spcPts val="0"/>
+              </a:spcAft>
+              <a:buNone/>
+              <a:defRPr sz="1400" b="0" i="0" u="none" strike="noStrike" cap="none">
+                <a:solidFill>
+                  <a:srgbClr val="000000"/>
+                </a:solidFill>
+                <a:latin typeface="Arial"/>
+                <a:ea typeface="Arial"/>
+                <a:cs typeface="Arial"/>
+                <a:sym typeface="Arial"/>
+              </a:defRPr>
+            </a:lvl6pPr>
+            <a:lvl7pPr marR="0" lvl="6" algn="l" rtl="0">
+              <a:lnSpc>
+                <a:spcPct val="100000"/>
+              </a:lnSpc>
+              <a:spcBef>
+                <a:spcPts val="0"/>
+              </a:spcBef>
+              <a:spcAft>
+                <a:spcPts val="0"/>
+              </a:spcAft>
+              <a:buNone/>
+              <a:defRPr sz="1400" b="0" i="0" u="none" strike="noStrike" cap="none">
+                <a:solidFill>
+                  <a:srgbClr val="000000"/>
+                </a:solidFill>
+                <a:latin typeface="Arial"/>
+                <a:ea typeface="Arial"/>
+                <a:cs typeface="Arial"/>
+                <a:sym typeface="Arial"/>
+              </a:defRPr>
+            </a:lvl7pPr>
+            <a:lvl8pPr marR="0" lvl="7" algn="l" rtl="0">
+              <a:lnSpc>
+                <a:spcPct val="100000"/>
+              </a:lnSpc>
+              <a:spcBef>
+                <a:spcPts val="0"/>
+              </a:spcBef>
+              <a:spcAft>
+                <a:spcPts val="0"/>
+              </a:spcAft>
+              <a:buNone/>
+              <a:defRPr sz="1400" b="0" i="0" u="none" strike="noStrike" cap="none">
+                <a:solidFill>
+                  <a:srgbClr val="000000"/>
+                </a:solidFill>
+                <a:latin typeface="Arial"/>
+                <a:ea typeface="Arial"/>
+                <a:cs typeface="Arial"/>
+                <a:sym typeface="Arial"/>
+              </a:defRPr>
+            </a:lvl8pPr>
+            <a:lvl9pPr marR="0" lvl="8" algn="l" rtl="0">
+              <a:lnSpc>
+                <a:spcPct val="100000"/>
+              </a:lnSpc>
+              <a:spcBef>
+                <a:spcPts val="0"/>
+              </a:spcBef>
+              <a:spcAft>
+                <a:spcPts val="0"/>
+              </a:spcAft>
+              <a:buNone/>
+              <a:defRPr sz="1400" b="0" i="0" u="none" strike="noStrike" cap="none">
+                <a:solidFill>
+                  <a:srgbClr val="000000"/>
+                </a:solidFill>
+                <a:latin typeface="Arial"/>
+                <a:ea typeface="Arial"/>
+                <a:cs typeface="Arial"/>
+                <a:sym typeface="Arial"/>
+              </a:defRPr>
+            </a:lvl9pPr>
+          </a:lstStyle>
+          <a:p>
+            <a:pPr lvl="0" rtl="0">
+              <a:spcBef>
+                <a:spcPts val="0"/>
+              </a:spcBef>
+              <a:buClr>
+                <a:srgbClr val="000000"/>
+              </a:buClr>
+              <a:buSzPct val="25000"/>
+              <a:buFont typeface="Arial"/>
+              <a:buNone/>
+            </a:pPr>
+            <a:fld id="{00000000-1234-1234-1234-123412341234}" type="slidenum">
+              <a:rPr lang="en-US" sz="1900"/>
+              <a:pPr lvl="0" rtl="0">
+                <a:spcBef>
+                  <a:spcPts val="0"/>
+                </a:spcBef>
+                <a:buClr>
+                  <a:srgbClr val="000000"/>
+                </a:buClr>
+                <a:buSzPct val="25000"/>
+                <a:buFont typeface="Arial"/>
+                <a:buNone/>
+              </a:pPr>
+              <a:t>15</a:t>
+            </a:fld>
+            <a:endParaRPr lang="en-US" sz="1900"/>
           </a:p>
         </p:txBody>
       </p:sp>
     </p:spTree>
     <p:extLst>
       <p:ext uri="{BB962C8B-B14F-4D97-AF65-F5344CB8AC3E}">
-        <p14:creationId xmlns:p14="http://schemas.microsoft.com/office/powerpoint/2010/main" val="1847734264"/>
+        <p14:creationId xmlns:p14="http://schemas.microsoft.com/office/powerpoint/2010/main" val="502003491"/>
       </p:ext>
     </p:extLst>
   </p:cSld>
@@ -18319,6 +21220,1360 @@
 </file>
 
 <file path=ppt/slides/slide16.xml><?xml version="1.0" encoding="utf-8"?>
+<p:sld xmlns:a="http://schemas.openxmlformats.org/drawingml/2006/main" xmlns:r="http://schemas.openxmlformats.org/officeDocument/2006/relationships" xmlns:p="http://schemas.openxmlformats.org/presentationml/2006/main">
+  <p:cSld>
+    <p:spTree>
+      <p:nvGrpSpPr>
+        <p:cNvPr id="1" name=""/>
+        <p:cNvGrpSpPr/>
+        <p:nvPr/>
+      </p:nvGrpSpPr>
+      <p:grpSpPr>
+        <a:xfrm>
+          <a:off x="0" y="0"/>
+          <a:ext cx="0" cy="0"/>
+          <a:chOff x="0" y="0"/>
+          <a:chExt cx="0" cy="0"/>
+        </a:xfrm>
+      </p:grpSpPr>
+      <p:sp>
+        <p:nvSpPr>
+          <p:cNvPr id="3" name="Title 2"/>
+          <p:cNvSpPr>
+            <a:spLocks noGrp="1"/>
+          </p:cNvSpPr>
+          <p:nvPr>
+            <p:ph type="title"/>
+          </p:nvPr>
+        </p:nvSpPr>
+        <p:spPr/>
+        <p:txBody>
+          <a:bodyPr/>
+          <a:lstStyle/>
+          <a:p>
+            <a:r>
+              <a:rPr lang="en-US" dirty="0" smtClean="0">
+                <a:solidFill>
+                  <a:schemeClr val="accent3">
+                    <a:alpha val="90000"/>
+                  </a:schemeClr>
+                </a:solidFill>
+              </a:rPr>
+              <a:t>What</a:t>
+            </a:r>
+            <a:r>
+              <a:rPr lang="en-US" dirty="0" smtClean="0"/>
+              <a:t> is OPC-UA?</a:t>
+            </a:r>
+            <a:endParaRPr lang="en-US" dirty="0"/>
+          </a:p>
+        </p:txBody>
+      </p:sp>
+      <p:sp>
+        <p:nvSpPr>
+          <p:cNvPr id="4" name="Text Placeholder 3"/>
+          <p:cNvSpPr>
+            <a:spLocks noGrp="1"/>
+          </p:cNvSpPr>
+          <p:nvPr>
+            <p:ph type="body" sz="quarter" idx="13"/>
+          </p:nvPr>
+        </p:nvSpPr>
+        <p:spPr/>
+        <p:txBody>
+          <a:bodyPr/>
+          <a:lstStyle/>
+          <a:p>
+            <a:endParaRPr lang="en-US"/>
+          </a:p>
+        </p:txBody>
+      </p:sp>
+      <p:sp>
+        <p:nvSpPr>
+          <p:cNvPr id="5" name="Content Placeholder 4"/>
+          <p:cNvSpPr>
+            <a:spLocks noGrp="1"/>
+          </p:cNvSpPr>
+          <p:nvPr>
+            <p:ph sz="quarter" idx="15"/>
+          </p:nvPr>
+        </p:nvSpPr>
+        <p:spPr/>
+        <p:txBody>
+          <a:bodyPr/>
+          <a:lstStyle/>
+          <a:p>
+            <a:r>
+              <a:rPr lang="en-US" sz="2000" dirty="0"/>
+              <a:t>OPC UA is a protocol for industrial communication and has been standardized in the IEC 62541 series. At its core, OPC UA </a:t>
+            </a:r>
+            <a:r>
+              <a:rPr lang="en-US" sz="2000" dirty="0" smtClean="0"/>
+              <a:t>defines: </a:t>
+            </a:r>
+          </a:p>
+          <a:p>
+            <a:pPr marL="342900" indent="-342900">
+              <a:buFont typeface="Arial" panose="020B0604020202020204" pitchFamily="34" charset="0"/>
+              <a:buChar char="•"/>
+            </a:pPr>
+            <a:r>
+              <a:rPr lang="en-US" sz="2000" b="1" dirty="0" smtClean="0"/>
+              <a:t>OPC Unified Architecture (OPC-UA</a:t>
+            </a:r>
+            <a:r>
+              <a:rPr lang="en-US" sz="2000" dirty="0" smtClean="0"/>
+              <a:t>) is a platform independent service-oriented architecture that integrates all the functionality of the individual OPC </a:t>
+            </a:r>
+            <a:r>
+              <a:rPr lang="en-US" sz="2000" dirty="0" err="1" smtClean="0"/>
+              <a:t>Calssica</a:t>
+            </a:r>
+            <a:r>
+              <a:rPr lang="en-US" sz="2000" dirty="0" smtClean="0"/>
+              <a:t> specifications into one extensible framework.</a:t>
+            </a:r>
+            <a:endParaRPr lang="en-US" sz="2000" dirty="0" smtClean="0"/>
+          </a:p>
+          <a:p>
+            <a:pPr marL="342900" indent="-342900">
+              <a:buFont typeface="Arial" panose="020B0604020202020204" pitchFamily="34" charset="0"/>
+              <a:buChar char="•"/>
+            </a:pPr>
+            <a:r>
+              <a:rPr lang="en-US" sz="2000" b="1" dirty="0" smtClean="0"/>
+              <a:t>an</a:t>
+            </a:r>
+            <a:r>
+              <a:rPr lang="en-US" sz="2000" b="1" dirty="0" smtClean="0"/>
+              <a:t> </a:t>
+            </a:r>
+            <a:r>
+              <a:rPr lang="en-US" sz="2000" b="1" dirty="0"/>
+              <a:t>asynchronous protocol </a:t>
+            </a:r>
+            <a:r>
+              <a:rPr lang="en-US" sz="2000" dirty="0"/>
+              <a:t>(built upon TCP, HTTP or SOAP) that defines the exchange of messages via sessions, (on top of) secure communication channels, (on top of) raw </a:t>
+            </a:r>
+            <a:r>
+              <a:rPr lang="en-US" sz="2000" dirty="0" smtClean="0"/>
+              <a:t>connections,</a:t>
+            </a:r>
+          </a:p>
+          <a:p>
+            <a:pPr marL="342900" indent="-342900">
+              <a:buFont typeface="Arial" panose="020B0604020202020204" pitchFamily="34" charset="0"/>
+              <a:buChar char="•"/>
+            </a:pPr>
+            <a:r>
+              <a:rPr lang="en-US" sz="2000" b="1" dirty="0" smtClean="0"/>
+              <a:t>a </a:t>
+            </a:r>
+            <a:r>
+              <a:rPr lang="en-US" sz="2000" b="1" dirty="0"/>
+              <a:t>type system </a:t>
+            </a:r>
+            <a:r>
+              <a:rPr lang="en-US" sz="2000" dirty="0"/>
+              <a:t>for protocol messages with a binary and XML-based encoding </a:t>
+            </a:r>
+            <a:r>
+              <a:rPr lang="en-US" sz="2000" dirty="0" smtClean="0"/>
+              <a:t>scheme,</a:t>
+            </a:r>
+          </a:p>
+          <a:p>
+            <a:pPr marL="342900" indent="-342900">
+              <a:buFont typeface="Arial" panose="020B0604020202020204" pitchFamily="34" charset="0"/>
+              <a:buChar char="•"/>
+            </a:pPr>
+            <a:r>
+              <a:rPr lang="en-US" sz="2000" b="1" dirty="0" smtClean="0"/>
+              <a:t>a </a:t>
+            </a:r>
+            <a:r>
+              <a:rPr lang="en-US" sz="2000" b="1" dirty="0"/>
+              <a:t>meta-model </a:t>
+            </a:r>
+            <a:r>
+              <a:rPr lang="en-US" sz="2000" dirty="0"/>
+              <a:t>for information modeling, that combines object-orientation with semantic triple-relations, and </a:t>
+            </a:r>
+          </a:p>
+          <a:p>
+            <a:pPr marL="342900" indent="-342900">
+              <a:buFont typeface="Arial" panose="020B0604020202020204" pitchFamily="34" charset="0"/>
+              <a:buChar char="•"/>
+            </a:pPr>
+            <a:r>
+              <a:rPr lang="en-US" sz="2000" b="1" dirty="0" smtClean="0"/>
+              <a:t>a </a:t>
+            </a:r>
+            <a:r>
+              <a:rPr lang="en-US" sz="2000" b="1" dirty="0"/>
+              <a:t>set of 37 standard services</a:t>
+            </a:r>
+            <a:r>
+              <a:rPr lang="en-US" sz="2000" dirty="0"/>
+              <a:t> to interact with server-side information models. The signature of each service is defined as a request and response message in the protocol type system. </a:t>
+            </a:r>
+            <a:endParaRPr lang="en-US" sz="2000" dirty="0" smtClean="0"/>
+          </a:p>
+          <a:p>
+            <a:pPr marL="342900" indent="-342900">
+              <a:buFont typeface="Arial" panose="020B0604020202020204" pitchFamily="34" charset="0"/>
+              <a:buChar char="•"/>
+            </a:pPr>
+            <a:endParaRPr lang="en-US" sz="2000" dirty="0"/>
+          </a:p>
+          <a:p>
+            <a:r>
+              <a:rPr lang="en-US" sz="2000" dirty="0" smtClean="0"/>
+              <a:t>The </a:t>
+            </a:r>
+            <a:r>
+              <a:rPr lang="en-US" sz="2000" dirty="0"/>
+              <a:t>standard itself can be purchased from IEC or downloaded for free on the website of the OPC Foundation at </a:t>
+            </a:r>
+            <a:r>
+              <a:rPr lang="en-US" sz="2000" dirty="0">
+                <a:hlinkClick r:id="rId3"/>
+              </a:rPr>
+              <a:t>https://opcfoundation.org</a:t>
+            </a:r>
+            <a:r>
+              <a:rPr lang="en-US" sz="2000" dirty="0" smtClean="0">
+                <a:hlinkClick r:id="rId3"/>
+              </a:rPr>
+              <a:t>/</a:t>
+            </a:r>
+            <a:r>
+              <a:rPr lang="en-US" sz="2000" dirty="0" smtClean="0"/>
+              <a:t>.</a:t>
+            </a:r>
+            <a:endParaRPr lang="en-US" sz="2000" dirty="0"/>
+          </a:p>
+        </p:txBody>
+      </p:sp>
+    </p:spTree>
+    <p:extLst>
+      <p:ext uri="{BB962C8B-B14F-4D97-AF65-F5344CB8AC3E}">
+        <p14:creationId xmlns:p14="http://schemas.microsoft.com/office/powerpoint/2010/main" val="1199334682"/>
+      </p:ext>
+    </p:extLst>
+  </p:cSld>
+  <p:clrMapOvr>
+    <a:masterClrMapping/>
+  </p:clrMapOvr>
+  <mc:AlternateContent xmlns:mc="http://schemas.openxmlformats.org/markup-compatibility/2006" xmlns:p14="http://schemas.microsoft.com/office/powerpoint/2010/main">
+    <mc:Choice Requires="p14">
+      <p:transition spd="med" p14:dur="700">
+        <p:fade/>
+      </p:transition>
+    </mc:Choice>
+    <mc:Fallback xmlns="">
+      <p:transition spd="med">
+        <p:fade/>
+      </p:transition>
+    </mc:Fallback>
+  </mc:AlternateContent>
+  <p:timing>
+    <p:tnLst>
+      <p:par>
+        <p:cTn id="1" dur="indefinite" restart="never" nodeType="tmRoot"/>
+      </p:par>
+    </p:tnLst>
+  </p:timing>
+</p:sld>
+</file>
+
+<file path=ppt/slides/slide17.xml><?xml version="1.0" encoding="utf-8"?>
+<p:sld xmlns:a="http://schemas.openxmlformats.org/drawingml/2006/main" xmlns:r="http://schemas.openxmlformats.org/officeDocument/2006/relationships" xmlns:p="http://schemas.openxmlformats.org/presentationml/2006/main">
+  <p:cSld>
+    <p:spTree>
+      <p:nvGrpSpPr>
+        <p:cNvPr id="1" name=""/>
+        <p:cNvGrpSpPr/>
+        <p:nvPr/>
+      </p:nvGrpSpPr>
+      <p:grpSpPr>
+        <a:xfrm>
+          <a:off x="0" y="0"/>
+          <a:ext cx="0" cy="0"/>
+          <a:chOff x="0" y="0"/>
+          <a:chExt cx="0" cy="0"/>
+        </a:xfrm>
+      </p:grpSpPr>
+      <p:sp>
+        <p:nvSpPr>
+          <p:cNvPr id="2" name="Title 1"/>
+          <p:cNvSpPr>
+            <a:spLocks noGrp="1"/>
+          </p:cNvSpPr>
+          <p:nvPr>
+            <p:ph type="title"/>
+          </p:nvPr>
+        </p:nvSpPr>
+        <p:spPr/>
+        <p:txBody>
+          <a:bodyPr/>
+          <a:lstStyle/>
+          <a:p>
+            <a:r>
+              <a:rPr lang="en-US" dirty="0" smtClean="0">
+                <a:solidFill>
+                  <a:schemeClr val="accent3">
+                    <a:alpha val="90000"/>
+                  </a:schemeClr>
+                </a:solidFill>
+              </a:rPr>
+              <a:t>OPC-</a:t>
+            </a:r>
+            <a:r>
+              <a:rPr lang="en-US" dirty="0" err="1" smtClean="0">
+                <a:solidFill>
+                  <a:schemeClr val="accent3">
+                    <a:alpha val="90000"/>
+                  </a:schemeClr>
+                </a:solidFill>
+              </a:rPr>
+              <a:t>Ua</a:t>
+            </a:r>
+            <a:endParaRPr lang="en-US" dirty="0">
+              <a:solidFill>
+                <a:schemeClr val="accent3">
+                  <a:alpha val="90000"/>
+                </a:schemeClr>
+              </a:solidFill>
+            </a:endParaRPr>
+          </a:p>
+        </p:txBody>
+      </p:sp>
+      <p:sp>
+        <p:nvSpPr>
+          <p:cNvPr id="3" name="Text Placeholder 2"/>
+          <p:cNvSpPr>
+            <a:spLocks noGrp="1"/>
+          </p:cNvSpPr>
+          <p:nvPr>
+            <p:ph type="body" sz="quarter" idx="13"/>
+          </p:nvPr>
+        </p:nvSpPr>
+        <p:spPr/>
+        <p:txBody>
+          <a:bodyPr/>
+          <a:lstStyle/>
+          <a:p>
+            <a:endParaRPr lang="en-US"/>
+          </a:p>
+        </p:txBody>
+      </p:sp>
+      <p:sp>
+        <p:nvSpPr>
+          <p:cNvPr id="4" name="Slide Number Placeholder 3"/>
+          <p:cNvSpPr>
+            <a:spLocks noGrp="1"/>
+          </p:cNvSpPr>
+          <p:nvPr>
+            <p:ph type="sldNum" sz="quarter" idx="14"/>
+          </p:nvPr>
+        </p:nvSpPr>
+        <p:spPr/>
+        <p:txBody>
+          <a:bodyPr/>
+          <a:lstStyle/>
+          <a:p>
+            <a:pPr eaLnBrk="0" fontAlgn="base" hangingPunct="0">
+              <a:spcBef>
+                <a:spcPct val="50000"/>
+              </a:spcBef>
+              <a:spcAft>
+                <a:spcPct val="0"/>
+              </a:spcAft>
+            </a:pPr>
+            <a:fld id="{FD44707B-D922-47D5-BD24-D96E91B70543}" type="slidenum">
+              <a:rPr lang="en-US" smtClean="0">
+                <a:solidFill>
+                  <a:prstClr val="white"/>
+                </a:solidFill>
+              </a:rPr>
+              <a:pPr eaLnBrk="0" fontAlgn="base" hangingPunct="0">
+                <a:spcBef>
+                  <a:spcPct val="50000"/>
+                </a:spcBef>
+                <a:spcAft>
+                  <a:spcPct val="0"/>
+                </a:spcAft>
+              </a:pPr>
+              <a:t>17</a:t>
+            </a:fld>
+            <a:endParaRPr lang="en-US" dirty="0">
+              <a:solidFill>
+                <a:prstClr val="white"/>
+              </a:solidFill>
+            </a:endParaRPr>
+          </a:p>
+        </p:txBody>
+      </p:sp>
+      <p:sp>
+        <p:nvSpPr>
+          <p:cNvPr id="5" name="Content Placeholder 4"/>
+          <p:cNvSpPr>
+            <a:spLocks noGrp="1"/>
+          </p:cNvSpPr>
+          <p:nvPr>
+            <p:ph sz="quarter" idx="15"/>
+          </p:nvPr>
+        </p:nvSpPr>
+        <p:spPr>
+          <a:xfrm>
+            <a:off x="471951" y="1233488"/>
+            <a:ext cx="5319249" cy="4649787"/>
+          </a:xfrm>
+        </p:spPr>
+        <p:txBody>
+          <a:bodyPr/>
+          <a:lstStyle/>
+          <a:p>
+            <a:pPr marL="342900" indent="-342900">
+              <a:buFont typeface="Arial" panose="020B0604020202020204" pitchFamily="34" charset="0"/>
+              <a:buChar char="•"/>
+            </a:pPr>
+            <a:r>
+              <a:rPr lang="en-US" sz="1800" dirty="0" smtClean="0">
+                <a:solidFill>
+                  <a:schemeClr val="accent3"/>
+                </a:solidFill>
+              </a:rPr>
+              <a:t>OPC-UA</a:t>
+            </a:r>
+            <a:r>
+              <a:rPr lang="en-US" sz="1800" dirty="0" smtClean="0"/>
+              <a:t> tries to solve large scale industrial networking and automation process with platform independent, service oriented and object base data communication architecture. </a:t>
+            </a:r>
+          </a:p>
+          <a:p>
+            <a:pPr marL="342900" indent="-342900">
+              <a:buFont typeface="Arial" panose="020B0604020202020204" pitchFamily="34" charset="0"/>
+              <a:buChar char="•"/>
+            </a:pPr>
+            <a:r>
+              <a:rPr lang="en-US" sz="1800" dirty="0">
+                <a:solidFill>
+                  <a:schemeClr val="accent3"/>
+                </a:solidFill>
+              </a:rPr>
+              <a:t>OPC-UA </a:t>
+            </a:r>
+            <a:r>
+              <a:rPr lang="en-US" sz="1800" dirty="0" smtClean="0"/>
+              <a:t>provides integrated models and services to ease management of numerous devices and client connections.</a:t>
+            </a:r>
+          </a:p>
+          <a:p>
+            <a:pPr marL="342900" indent="-342900">
+              <a:buFont typeface="Arial" panose="020B0604020202020204" pitchFamily="34" charset="0"/>
+              <a:buChar char="•"/>
+            </a:pPr>
+            <a:r>
+              <a:rPr lang="en-US" sz="1800" dirty="0">
+                <a:solidFill>
+                  <a:schemeClr val="accent3"/>
+                </a:solidFill>
+              </a:rPr>
+              <a:t>Device/Sensor</a:t>
+            </a:r>
+            <a:r>
+              <a:rPr lang="en-US" sz="1800" dirty="0" smtClean="0"/>
+              <a:t> represented as node object with object-oriented approach custom methods, data fields can be added, OPC Server service are used to access nodes through the provided address spaces.</a:t>
+            </a:r>
+          </a:p>
+          <a:p>
+            <a:pPr marL="342900" indent="-342900">
+              <a:buFont typeface="Arial" panose="020B0604020202020204" pitchFamily="34" charset="0"/>
+              <a:buChar char="•"/>
+            </a:pPr>
+            <a:r>
+              <a:rPr lang="en-US" sz="1800" dirty="0">
+                <a:solidFill>
+                  <a:schemeClr val="accent3"/>
+                </a:solidFill>
+              </a:rPr>
+              <a:t>Client</a:t>
+            </a:r>
+            <a:r>
+              <a:rPr lang="en-US" sz="1800" dirty="0" smtClean="0"/>
+              <a:t> are end points where control and automation handled with connecting to server. </a:t>
+            </a:r>
+          </a:p>
+          <a:p>
+            <a:endParaRPr lang="en-US" sz="1800" dirty="0"/>
+          </a:p>
+        </p:txBody>
+      </p:sp>
+      <p:sp>
+        <p:nvSpPr>
+          <p:cNvPr id="6" name="Rounded Rectangle 5"/>
+          <p:cNvSpPr/>
+          <p:nvPr/>
+        </p:nvSpPr>
+        <p:spPr>
+          <a:xfrm>
+            <a:off x="5852160" y="795247"/>
+            <a:ext cx="2133600" cy="1143000"/>
+          </a:xfrm>
+          <a:prstGeom prst="roundRect">
+            <a:avLst/>
+          </a:prstGeom>
+          <a:solidFill>
+            <a:schemeClr val="accent6">
+              <a:lumMod val="75000"/>
+            </a:schemeClr>
+          </a:solidFill>
+          <a:ln w="3175">
+            <a:solidFill>
+              <a:schemeClr val="tx1"/>
+            </a:solidFill>
+          </a:ln>
+          <a:effectLst>
+            <a:outerShdw blurRad="50800" dist="127000" dir="2700000" algn="tl" rotWithShape="0">
+              <a:prstClr val="black">
+                <a:alpha val="40000"/>
+              </a:prstClr>
+            </a:outerShdw>
+          </a:effectLst>
+        </p:spPr>
+        <p:style>
+          <a:lnRef idx="2">
+            <a:schemeClr val="accent1">
+              <a:shade val="50000"/>
+            </a:schemeClr>
+          </a:lnRef>
+          <a:fillRef idx="1">
+            <a:schemeClr val="accent1"/>
+          </a:fillRef>
+          <a:effectRef idx="0">
+            <a:schemeClr val="accent1"/>
+          </a:effectRef>
+          <a:fontRef idx="minor">
+            <a:schemeClr val="lt1"/>
+          </a:fontRef>
+        </p:style>
+        <p:txBody>
+          <a:bodyPr rtlCol="0" anchor="ctr"/>
+          <a:lstStyle/>
+          <a:p>
+            <a:pPr algn="ctr"/>
+            <a:r>
+              <a:rPr lang="en-US" dirty="0" smtClean="0"/>
+              <a:t>Drive Device</a:t>
+            </a:r>
+            <a:endParaRPr lang="en-US" dirty="0" smtClean="0"/>
+          </a:p>
+        </p:txBody>
+      </p:sp>
+      <p:sp>
+        <p:nvSpPr>
+          <p:cNvPr id="7" name="Rounded Rectangle 6"/>
+          <p:cNvSpPr/>
+          <p:nvPr/>
+        </p:nvSpPr>
+        <p:spPr>
+          <a:xfrm>
+            <a:off x="5852160" y="2195249"/>
+            <a:ext cx="2133600" cy="1143000"/>
+          </a:xfrm>
+          <a:prstGeom prst="roundRect">
+            <a:avLst/>
+          </a:prstGeom>
+          <a:solidFill>
+            <a:schemeClr val="tx2">
+              <a:lumMod val="75000"/>
+            </a:schemeClr>
+          </a:solidFill>
+          <a:ln w="3175">
+            <a:solidFill>
+              <a:schemeClr val="tx1"/>
+            </a:solidFill>
+          </a:ln>
+          <a:effectLst>
+            <a:outerShdw blurRad="50800" dist="127000" dir="2700000" algn="tl" rotWithShape="0">
+              <a:prstClr val="black">
+                <a:alpha val="40000"/>
+              </a:prstClr>
+            </a:outerShdw>
+          </a:effectLst>
+        </p:spPr>
+        <p:style>
+          <a:lnRef idx="2">
+            <a:schemeClr val="accent1">
+              <a:shade val="50000"/>
+            </a:schemeClr>
+          </a:lnRef>
+          <a:fillRef idx="1">
+            <a:schemeClr val="accent1"/>
+          </a:fillRef>
+          <a:effectRef idx="0">
+            <a:schemeClr val="accent1"/>
+          </a:effectRef>
+          <a:fontRef idx="minor">
+            <a:schemeClr val="lt1"/>
+          </a:fontRef>
+        </p:style>
+        <p:txBody>
+          <a:bodyPr rtlCol="0" anchor="ctr"/>
+          <a:lstStyle/>
+          <a:p>
+            <a:pPr algn="ctr"/>
+            <a:r>
+              <a:rPr lang="en-US" dirty="0" smtClean="0"/>
+              <a:t>PLC Device</a:t>
+            </a:r>
+            <a:endParaRPr lang="en-US" dirty="0" smtClean="0"/>
+          </a:p>
+        </p:txBody>
+      </p:sp>
+      <p:sp>
+        <p:nvSpPr>
+          <p:cNvPr id="8" name="Rounded Rectangle 7"/>
+          <p:cNvSpPr/>
+          <p:nvPr/>
+        </p:nvSpPr>
+        <p:spPr>
+          <a:xfrm>
+            <a:off x="5852160" y="3733800"/>
+            <a:ext cx="2133600" cy="1143000"/>
+          </a:xfrm>
+          <a:prstGeom prst="roundRect">
+            <a:avLst/>
+          </a:prstGeom>
+          <a:solidFill>
+            <a:schemeClr val="accent4">
+              <a:lumMod val="60000"/>
+              <a:lumOff val="40000"/>
+            </a:schemeClr>
+          </a:solidFill>
+          <a:ln w="3175">
+            <a:solidFill>
+              <a:schemeClr val="tx1"/>
+            </a:solidFill>
+          </a:ln>
+          <a:effectLst>
+            <a:outerShdw blurRad="50800" dist="127000" dir="2700000" algn="tl" rotWithShape="0">
+              <a:prstClr val="black">
+                <a:alpha val="40000"/>
+              </a:prstClr>
+            </a:outerShdw>
+          </a:effectLst>
+        </p:spPr>
+        <p:style>
+          <a:lnRef idx="2">
+            <a:schemeClr val="accent1">
+              <a:shade val="50000"/>
+            </a:schemeClr>
+          </a:lnRef>
+          <a:fillRef idx="1">
+            <a:schemeClr val="accent1"/>
+          </a:fillRef>
+          <a:effectRef idx="0">
+            <a:schemeClr val="accent1"/>
+          </a:effectRef>
+          <a:fontRef idx="minor">
+            <a:schemeClr val="lt1"/>
+          </a:fontRef>
+        </p:style>
+        <p:txBody>
+          <a:bodyPr rtlCol="0" anchor="ctr"/>
+          <a:lstStyle/>
+          <a:p>
+            <a:pPr algn="ctr"/>
+            <a:r>
+              <a:rPr lang="en-US" dirty="0" smtClean="0"/>
+              <a:t>Robot</a:t>
+            </a:r>
+            <a:endParaRPr lang="en-US" dirty="0" smtClean="0"/>
+          </a:p>
+        </p:txBody>
+      </p:sp>
+      <p:sp>
+        <p:nvSpPr>
+          <p:cNvPr id="10" name="Rectangle 9"/>
+          <p:cNvSpPr/>
+          <p:nvPr/>
+        </p:nvSpPr>
+        <p:spPr>
+          <a:xfrm>
+            <a:off x="8595360" y="4039631"/>
+            <a:ext cx="1645920" cy="640080"/>
+          </a:xfrm>
+          <a:prstGeom prst="rect">
+            <a:avLst/>
+          </a:prstGeom>
+          <a:solidFill>
+            <a:schemeClr val="accent5">
+              <a:lumMod val="60000"/>
+              <a:lumOff val="40000"/>
+            </a:schemeClr>
+          </a:solidFill>
+          <a:ln w="3175">
+            <a:solidFill>
+              <a:schemeClr val="tx1"/>
+            </a:solidFill>
+          </a:ln>
+          <a:effectLst>
+            <a:outerShdw blurRad="50800" dist="127000" dir="2700000" algn="tl" rotWithShape="0">
+              <a:prstClr val="black">
+                <a:alpha val="40000"/>
+              </a:prstClr>
+            </a:outerShdw>
+          </a:effectLst>
+        </p:spPr>
+        <p:style>
+          <a:lnRef idx="2">
+            <a:schemeClr val="accent1">
+              <a:shade val="50000"/>
+            </a:schemeClr>
+          </a:lnRef>
+          <a:fillRef idx="1">
+            <a:schemeClr val="accent1"/>
+          </a:fillRef>
+          <a:effectRef idx="0">
+            <a:schemeClr val="accent1"/>
+          </a:effectRef>
+          <a:fontRef idx="minor">
+            <a:schemeClr val="lt1"/>
+          </a:fontRef>
+        </p:style>
+        <p:txBody>
+          <a:bodyPr rtlCol="0" anchor="ctr"/>
+          <a:lstStyle/>
+          <a:p>
+            <a:pPr algn="ctr"/>
+            <a:r>
+              <a:rPr lang="en-US" dirty="0" smtClean="0"/>
+              <a:t>OPC Remote Control Client</a:t>
+            </a:r>
+            <a:endParaRPr lang="en-US" dirty="0" smtClean="0"/>
+          </a:p>
+        </p:txBody>
+      </p:sp>
+      <p:sp>
+        <p:nvSpPr>
+          <p:cNvPr id="11" name="Rounded Rectangle 10"/>
+          <p:cNvSpPr/>
+          <p:nvPr/>
+        </p:nvSpPr>
+        <p:spPr>
+          <a:xfrm>
+            <a:off x="10439400" y="4679711"/>
+            <a:ext cx="1645920" cy="640080"/>
+          </a:xfrm>
+          <a:prstGeom prst="roundRect">
+            <a:avLst/>
+          </a:prstGeom>
+          <a:solidFill>
+            <a:srgbClr val="00B050"/>
+          </a:solidFill>
+          <a:ln w="3175">
+            <a:solidFill>
+              <a:schemeClr val="tx1"/>
+            </a:solidFill>
+          </a:ln>
+          <a:effectLst>
+            <a:outerShdw blurRad="50800" dist="127000" dir="2700000" algn="tl" rotWithShape="0">
+              <a:prstClr val="black">
+                <a:alpha val="40000"/>
+              </a:prstClr>
+            </a:outerShdw>
+          </a:effectLst>
+        </p:spPr>
+        <p:style>
+          <a:lnRef idx="2">
+            <a:schemeClr val="accent1">
+              <a:shade val="50000"/>
+            </a:schemeClr>
+          </a:lnRef>
+          <a:fillRef idx="1">
+            <a:schemeClr val="accent1"/>
+          </a:fillRef>
+          <a:effectRef idx="0">
+            <a:schemeClr val="accent1"/>
+          </a:effectRef>
+          <a:fontRef idx="minor">
+            <a:schemeClr val="lt1"/>
+          </a:fontRef>
+        </p:style>
+        <p:txBody>
+          <a:bodyPr rtlCol="0" anchor="ctr"/>
+          <a:lstStyle/>
+          <a:p>
+            <a:pPr algn="ctr"/>
+            <a:r>
+              <a:rPr lang="en-US" dirty="0" smtClean="0"/>
+              <a:t>Solar Panel Farm</a:t>
+            </a:r>
+            <a:endParaRPr lang="en-US" dirty="0" smtClean="0"/>
+          </a:p>
+        </p:txBody>
+      </p:sp>
+      <p:sp>
+        <p:nvSpPr>
+          <p:cNvPr id="13" name="Rectangle 12"/>
+          <p:cNvSpPr/>
+          <p:nvPr/>
+        </p:nvSpPr>
+        <p:spPr>
+          <a:xfrm>
+            <a:off x="8869680" y="2433141"/>
+            <a:ext cx="1097280" cy="640080"/>
+          </a:xfrm>
+          <a:prstGeom prst="rect">
+            <a:avLst/>
+          </a:prstGeom>
+          <a:solidFill>
+            <a:schemeClr val="accent1"/>
+          </a:solidFill>
+          <a:ln w="3175">
+            <a:solidFill>
+              <a:schemeClr val="tx1"/>
+            </a:solidFill>
+          </a:ln>
+          <a:effectLst>
+            <a:outerShdw blurRad="50800" dist="127000" dir="2700000" algn="tl" rotWithShape="0">
+              <a:prstClr val="black">
+                <a:alpha val="40000"/>
+              </a:prstClr>
+            </a:outerShdw>
+          </a:effectLst>
+        </p:spPr>
+        <p:style>
+          <a:lnRef idx="2">
+            <a:schemeClr val="accent1">
+              <a:shade val="50000"/>
+            </a:schemeClr>
+          </a:lnRef>
+          <a:fillRef idx="1">
+            <a:schemeClr val="accent1"/>
+          </a:fillRef>
+          <a:effectRef idx="0">
+            <a:schemeClr val="accent1"/>
+          </a:effectRef>
+          <a:fontRef idx="minor">
+            <a:schemeClr val="lt1"/>
+          </a:fontRef>
+        </p:style>
+        <p:txBody>
+          <a:bodyPr rtlCol="0" anchor="ctr"/>
+          <a:lstStyle/>
+          <a:p>
+            <a:pPr algn="ctr"/>
+            <a:r>
+              <a:rPr lang="en-US" dirty="0" smtClean="0"/>
+              <a:t>OPC-UA Server</a:t>
+            </a:r>
+            <a:endParaRPr lang="en-US" dirty="0" smtClean="0"/>
+          </a:p>
+        </p:txBody>
+      </p:sp>
+      <p:sp>
+        <p:nvSpPr>
+          <p:cNvPr id="14" name="Rectangle 13"/>
+          <p:cNvSpPr/>
+          <p:nvPr/>
+        </p:nvSpPr>
+        <p:spPr>
+          <a:xfrm>
+            <a:off x="10713720" y="2433141"/>
+            <a:ext cx="1097280" cy="640080"/>
+          </a:xfrm>
+          <a:prstGeom prst="rect">
+            <a:avLst/>
+          </a:prstGeom>
+          <a:solidFill>
+            <a:schemeClr val="accent1"/>
+          </a:solidFill>
+          <a:ln w="3175">
+            <a:solidFill>
+              <a:schemeClr val="tx1"/>
+            </a:solidFill>
+          </a:ln>
+          <a:effectLst>
+            <a:outerShdw blurRad="50800" dist="127000" dir="2700000" algn="tl" rotWithShape="0">
+              <a:prstClr val="black">
+                <a:alpha val="40000"/>
+              </a:prstClr>
+            </a:outerShdw>
+          </a:effectLst>
+        </p:spPr>
+        <p:style>
+          <a:lnRef idx="2">
+            <a:schemeClr val="accent1">
+              <a:shade val="50000"/>
+            </a:schemeClr>
+          </a:lnRef>
+          <a:fillRef idx="1">
+            <a:schemeClr val="accent1"/>
+          </a:fillRef>
+          <a:effectRef idx="0">
+            <a:schemeClr val="accent1"/>
+          </a:effectRef>
+          <a:fontRef idx="minor">
+            <a:schemeClr val="lt1"/>
+          </a:fontRef>
+        </p:style>
+        <p:txBody>
+          <a:bodyPr rtlCol="0" anchor="ctr"/>
+          <a:lstStyle/>
+          <a:p>
+            <a:pPr algn="ctr"/>
+            <a:r>
+              <a:rPr lang="en-US"/>
+              <a:t>OPC-UA Server</a:t>
+            </a:r>
+            <a:endParaRPr lang="en-US" dirty="0"/>
+          </a:p>
+        </p:txBody>
+      </p:sp>
+      <p:sp>
+        <p:nvSpPr>
+          <p:cNvPr id="15" name="Rectangle 14"/>
+          <p:cNvSpPr/>
+          <p:nvPr/>
+        </p:nvSpPr>
+        <p:spPr>
+          <a:xfrm>
+            <a:off x="8595360" y="990600"/>
+            <a:ext cx="1645920" cy="640080"/>
+          </a:xfrm>
+          <a:prstGeom prst="rect">
+            <a:avLst/>
+          </a:prstGeom>
+          <a:solidFill>
+            <a:schemeClr val="accent5">
+              <a:lumMod val="60000"/>
+              <a:lumOff val="40000"/>
+            </a:schemeClr>
+          </a:solidFill>
+          <a:ln w="3175">
+            <a:solidFill>
+              <a:schemeClr val="tx1"/>
+            </a:solidFill>
+          </a:ln>
+          <a:effectLst>
+            <a:outerShdw blurRad="50800" dist="127000" dir="2700000" algn="tl" rotWithShape="0">
+              <a:prstClr val="black">
+                <a:alpha val="40000"/>
+              </a:prstClr>
+            </a:outerShdw>
+          </a:effectLst>
+        </p:spPr>
+        <p:style>
+          <a:lnRef idx="2">
+            <a:schemeClr val="accent1">
+              <a:shade val="50000"/>
+            </a:schemeClr>
+          </a:lnRef>
+          <a:fillRef idx="1">
+            <a:schemeClr val="accent1"/>
+          </a:fillRef>
+          <a:effectRef idx="0">
+            <a:schemeClr val="accent1"/>
+          </a:effectRef>
+          <a:fontRef idx="minor">
+            <a:schemeClr val="lt1"/>
+          </a:fontRef>
+        </p:style>
+        <p:txBody>
+          <a:bodyPr rtlCol="0" anchor="ctr"/>
+          <a:lstStyle/>
+          <a:p>
+            <a:pPr algn="ctr"/>
+            <a:r>
+              <a:rPr lang="en-US" dirty="0" smtClean="0"/>
+              <a:t>OPC Factory Client</a:t>
+            </a:r>
+            <a:endParaRPr lang="en-US" dirty="0" smtClean="0"/>
+          </a:p>
+        </p:txBody>
+      </p:sp>
+      <p:cxnSp>
+        <p:nvCxnSpPr>
+          <p:cNvPr id="17" name="Straight Arrow Connector 16"/>
+          <p:cNvCxnSpPr>
+            <a:stCxn id="13" idx="2"/>
+            <a:endCxn id="10" idx="0"/>
+          </p:cNvCxnSpPr>
+          <p:nvPr/>
+        </p:nvCxnSpPr>
+        <p:spPr>
+          <a:xfrm>
+            <a:off x="9418320" y="3073221"/>
+            <a:ext cx="0" cy="966410"/>
+          </a:xfrm>
+          <a:prstGeom prst="straightConnector1">
+            <a:avLst/>
+          </a:prstGeom>
+          <a:ln>
+            <a:solidFill>
+              <a:schemeClr val="tx1"/>
+            </a:solidFill>
+            <a:tailEnd type="triangle"/>
+          </a:ln>
+        </p:spPr>
+        <p:style>
+          <a:lnRef idx="2">
+            <a:schemeClr val="dk1"/>
+          </a:lnRef>
+          <a:fillRef idx="0">
+            <a:schemeClr val="dk1"/>
+          </a:fillRef>
+          <a:effectRef idx="1">
+            <a:schemeClr val="dk1"/>
+          </a:effectRef>
+          <a:fontRef idx="minor">
+            <a:schemeClr val="tx1"/>
+          </a:fontRef>
+        </p:style>
+      </p:cxnSp>
+      <p:cxnSp>
+        <p:nvCxnSpPr>
+          <p:cNvPr id="18" name="Straight Arrow Connector 17"/>
+          <p:cNvCxnSpPr>
+            <a:stCxn id="11" idx="0"/>
+            <a:endCxn id="14" idx="2"/>
+          </p:cNvCxnSpPr>
+          <p:nvPr/>
+        </p:nvCxnSpPr>
+        <p:spPr>
+          <a:xfrm flipV="1">
+            <a:off x="11262360" y="3073221"/>
+            <a:ext cx="0" cy="1606490"/>
+          </a:xfrm>
+          <a:prstGeom prst="straightConnector1">
+            <a:avLst/>
+          </a:prstGeom>
+          <a:ln>
+            <a:solidFill>
+              <a:schemeClr val="tx1"/>
+            </a:solidFill>
+            <a:tailEnd type="triangle"/>
+          </a:ln>
+        </p:spPr>
+        <p:style>
+          <a:lnRef idx="2">
+            <a:schemeClr val="dk1"/>
+          </a:lnRef>
+          <a:fillRef idx="0">
+            <a:schemeClr val="dk1"/>
+          </a:fillRef>
+          <a:effectRef idx="1">
+            <a:schemeClr val="dk1"/>
+          </a:effectRef>
+          <a:fontRef idx="minor">
+            <a:schemeClr val="tx1"/>
+          </a:fontRef>
+        </p:style>
+      </p:cxnSp>
+      <p:cxnSp>
+        <p:nvCxnSpPr>
+          <p:cNvPr id="22" name="Elbow Connector 21"/>
+          <p:cNvCxnSpPr>
+            <a:stCxn id="6" idx="3"/>
+            <a:endCxn id="13" idx="1"/>
+          </p:cNvCxnSpPr>
+          <p:nvPr/>
+        </p:nvCxnSpPr>
+        <p:spPr>
+          <a:xfrm>
+            <a:off x="7985760" y="1366747"/>
+            <a:ext cx="883920" cy="1386434"/>
+          </a:xfrm>
+          <a:prstGeom prst="bentConnector3">
+            <a:avLst>
+              <a:gd name="adj1" fmla="val 50000"/>
+            </a:avLst>
+          </a:prstGeom>
+          <a:ln>
+            <a:solidFill>
+              <a:schemeClr val="tx1"/>
+            </a:solidFill>
+            <a:tailEnd type="triangle"/>
+          </a:ln>
+        </p:spPr>
+        <p:style>
+          <a:lnRef idx="2">
+            <a:schemeClr val="dk1"/>
+          </a:lnRef>
+          <a:fillRef idx="0">
+            <a:schemeClr val="dk1"/>
+          </a:fillRef>
+          <a:effectRef idx="1">
+            <a:schemeClr val="dk1"/>
+          </a:effectRef>
+          <a:fontRef idx="minor">
+            <a:schemeClr val="tx1"/>
+          </a:fontRef>
+        </p:style>
+      </p:cxnSp>
+      <p:cxnSp>
+        <p:nvCxnSpPr>
+          <p:cNvPr id="23" name="Elbow Connector 22"/>
+          <p:cNvCxnSpPr>
+            <a:stCxn id="7" idx="3"/>
+            <a:endCxn id="13" idx="1"/>
+          </p:cNvCxnSpPr>
+          <p:nvPr/>
+        </p:nvCxnSpPr>
+        <p:spPr>
+          <a:xfrm flipV="1">
+            <a:off x="7985760" y="2753181"/>
+            <a:ext cx="883920" cy="13568"/>
+          </a:xfrm>
+          <a:prstGeom prst="bentConnector3">
+            <a:avLst>
+              <a:gd name="adj1" fmla="val 50000"/>
+            </a:avLst>
+          </a:prstGeom>
+          <a:ln>
+            <a:solidFill>
+              <a:schemeClr val="tx1"/>
+            </a:solidFill>
+            <a:tailEnd type="triangle"/>
+          </a:ln>
+        </p:spPr>
+        <p:style>
+          <a:lnRef idx="2">
+            <a:schemeClr val="dk1"/>
+          </a:lnRef>
+          <a:fillRef idx="0">
+            <a:schemeClr val="dk1"/>
+          </a:fillRef>
+          <a:effectRef idx="1">
+            <a:schemeClr val="dk1"/>
+          </a:effectRef>
+          <a:fontRef idx="minor">
+            <a:schemeClr val="tx1"/>
+          </a:fontRef>
+        </p:style>
+      </p:cxnSp>
+      <p:cxnSp>
+        <p:nvCxnSpPr>
+          <p:cNvPr id="28" name="Elbow Connector 27"/>
+          <p:cNvCxnSpPr>
+            <a:stCxn id="8" idx="3"/>
+            <a:endCxn id="13" idx="1"/>
+          </p:cNvCxnSpPr>
+          <p:nvPr/>
+        </p:nvCxnSpPr>
+        <p:spPr>
+          <a:xfrm flipV="1">
+            <a:off x="7985760" y="2753181"/>
+            <a:ext cx="883920" cy="1552119"/>
+          </a:xfrm>
+          <a:prstGeom prst="bentConnector3">
+            <a:avLst>
+              <a:gd name="adj1" fmla="val 50000"/>
+            </a:avLst>
+          </a:prstGeom>
+          <a:ln>
+            <a:solidFill>
+              <a:schemeClr val="tx1"/>
+            </a:solidFill>
+            <a:tailEnd type="triangle"/>
+          </a:ln>
+        </p:spPr>
+        <p:style>
+          <a:lnRef idx="2">
+            <a:schemeClr val="dk1"/>
+          </a:lnRef>
+          <a:fillRef idx="0">
+            <a:schemeClr val="dk1"/>
+          </a:fillRef>
+          <a:effectRef idx="1">
+            <a:schemeClr val="dk1"/>
+          </a:effectRef>
+          <a:fontRef idx="minor">
+            <a:schemeClr val="tx1"/>
+          </a:fontRef>
+        </p:style>
+      </p:cxnSp>
+      <p:cxnSp>
+        <p:nvCxnSpPr>
+          <p:cNvPr id="41" name="Straight Connector 40"/>
+          <p:cNvCxnSpPr/>
+          <p:nvPr/>
+        </p:nvCxnSpPr>
+        <p:spPr>
+          <a:xfrm>
+            <a:off x="9418320" y="3529240"/>
+            <a:ext cx="1844040" cy="0"/>
+          </a:xfrm>
+          <a:prstGeom prst="line">
+            <a:avLst/>
+          </a:prstGeom>
+          <a:ln>
+            <a:solidFill>
+              <a:schemeClr val="tx1"/>
+            </a:solidFill>
+          </a:ln>
+        </p:spPr>
+        <p:style>
+          <a:lnRef idx="2">
+            <a:schemeClr val="dk1"/>
+          </a:lnRef>
+          <a:fillRef idx="0">
+            <a:schemeClr val="dk1"/>
+          </a:fillRef>
+          <a:effectRef idx="1">
+            <a:schemeClr val="dk1"/>
+          </a:effectRef>
+          <a:fontRef idx="minor">
+            <a:schemeClr val="tx1"/>
+          </a:fontRef>
+        </p:style>
+      </p:cxnSp>
+      <p:cxnSp>
+        <p:nvCxnSpPr>
+          <p:cNvPr id="43" name="Straight Arrow Connector 42"/>
+          <p:cNvCxnSpPr>
+            <a:stCxn id="13" idx="0"/>
+            <a:endCxn id="15" idx="2"/>
+          </p:cNvCxnSpPr>
+          <p:nvPr/>
+        </p:nvCxnSpPr>
+        <p:spPr>
+          <a:xfrm flipV="1">
+            <a:off x="9418320" y="1630680"/>
+            <a:ext cx="0" cy="802461"/>
+          </a:xfrm>
+          <a:prstGeom prst="straightConnector1">
+            <a:avLst/>
+          </a:prstGeom>
+          <a:ln>
+            <a:solidFill>
+              <a:schemeClr val="tx1"/>
+            </a:solidFill>
+            <a:tailEnd type="triangle"/>
+          </a:ln>
+        </p:spPr>
+        <p:style>
+          <a:lnRef idx="2">
+            <a:schemeClr val="dk1"/>
+          </a:lnRef>
+          <a:fillRef idx="0">
+            <a:schemeClr val="dk1"/>
+          </a:fillRef>
+          <a:effectRef idx="1">
+            <a:schemeClr val="dk1"/>
+          </a:effectRef>
+          <a:fontRef idx="minor">
+            <a:schemeClr val="tx1"/>
+          </a:fontRef>
+        </p:style>
+      </p:cxnSp>
+      <p:cxnSp>
+        <p:nvCxnSpPr>
+          <p:cNvPr id="45" name="Elbow Connector 44"/>
+          <p:cNvCxnSpPr>
+            <a:endCxn id="15" idx="3"/>
+          </p:cNvCxnSpPr>
+          <p:nvPr/>
+        </p:nvCxnSpPr>
+        <p:spPr>
+          <a:xfrm rot="16200000" flipV="1">
+            <a:off x="9625621" y="1926300"/>
+            <a:ext cx="1456109" cy="224789"/>
+          </a:xfrm>
+          <a:prstGeom prst="bentConnector2">
+            <a:avLst/>
+          </a:prstGeom>
+          <a:ln>
+            <a:solidFill>
+              <a:schemeClr val="tx1"/>
+            </a:solidFill>
+            <a:tailEnd type="triangle"/>
+          </a:ln>
+        </p:spPr>
+        <p:style>
+          <a:lnRef idx="2">
+            <a:schemeClr val="dk1"/>
+          </a:lnRef>
+          <a:fillRef idx="0">
+            <a:schemeClr val="dk1"/>
+          </a:fillRef>
+          <a:effectRef idx="1">
+            <a:schemeClr val="dk1"/>
+          </a:effectRef>
+          <a:fontRef idx="minor">
+            <a:schemeClr val="tx1"/>
+          </a:fontRef>
+        </p:style>
+      </p:cxnSp>
+      <p:cxnSp>
+        <p:nvCxnSpPr>
+          <p:cNvPr id="48" name="Straight Connector 47"/>
+          <p:cNvCxnSpPr>
+            <a:stCxn id="13" idx="3"/>
+            <a:endCxn id="14" idx="1"/>
+          </p:cNvCxnSpPr>
+          <p:nvPr/>
+        </p:nvCxnSpPr>
+        <p:spPr>
+          <a:xfrm>
+            <a:off x="9966960" y="2753181"/>
+            <a:ext cx="746760" cy="0"/>
+          </a:xfrm>
+          <a:prstGeom prst="line">
+            <a:avLst/>
+          </a:prstGeom>
+          <a:ln>
+            <a:solidFill>
+              <a:schemeClr val="tx1"/>
+            </a:solidFill>
+          </a:ln>
+        </p:spPr>
+        <p:style>
+          <a:lnRef idx="2">
+            <a:schemeClr val="dk1"/>
+          </a:lnRef>
+          <a:fillRef idx="0">
+            <a:schemeClr val="dk1"/>
+          </a:fillRef>
+          <a:effectRef idx="1">
+            <a:schemeClr val="dk1"/>
+          </a:effectRef>
+          <a:fontRef idx="minor">
+            <a:schemeClr val="tx1"/>
+          </a:fontRef>
+        </p:style>
+      </p:cxnSp>
+    </p:spTree>
+    <p:extLst>
+      <p:ext uri="{BB962C8B-B14F-4D97-AF65-F5344CB8AC3E}">
+        <p14:creationId xmlns:p14="http://schemas.microsoft.com/office/powerpoint/2010/main" val="3061792774"/>
+      </p:ext>
+    </p:extLst>
+  </p:cSld>
+  <p:clrMapOvr>
+    <a:masterClrMapping/>
+  </p:clrMapOvr>
+  <mc:AlternateContent xmlns:mc="http://schemas.openxmlformats.org/markup-compatibility/2006" xmlns:p14="http://schemas.microsoft.com/office/powerpoint/2010/main">
+    <mc:Choice Requires="p14">
+      <p:transition spd="med" p14:dur="700">
+        <p:fade/>
+      </p:transition>
+    </mc:Choice>
+    <mc:Fallback xmlns="">
+      <p:transition spd="med">
+        <p:fade/>
+      </p:transition>
+    </mc:Fallback>
+  </mc:AlternateContent>
+</p:sld>
+</file>
+
+<file path=ppt/slides/slide18.xml><?xml version="1.0" encoding="utf-8"?>
 <p:sld xmlns:a="http://schemas.openxmlformats.org/drawingml/2006/main" xmlns:r="http://schemas.openxmlformats.org/officeDocument/2006/relationships" xmlns:p="http://schemas.openxmlformats.org/presentationml/2006/main">
   <p:cSld>
     <p:spTree>
@@ -19343,7 +23598,1547 @@
 </p:sld>
 </file>
 
-<file path=ppt/slides/slide17.xml><?xml version="1.0" encoding="utf-8"?>
+<file path=ppt/slides/slide19.xml><?xml version="1.0" encoding="utf-8"?>
+<p:sld xmlns:a="http://schemas.openxmlformats.org/drawingml/2006/main" xmlns:r="http://schemas.openxmlformats.org/officeDocument/2006/relationships" xmlns:p="http://schemas.openxmlformats.org/presentationml/2006/main">
+  <p:cSld>
+    <p:spTree>
+      <p:nvGrpSpPr>
+        <p:cNvPr id="1" name=""/>
+        <p:cNvGrpSpPr/>
+        <p:nvPr/>
+      </p:nvGrpSpPr>
+      <p:grpSpPr>
+        <a:xfrm>
+          <a:off x="0" y="0"/>
+          <a:ext cx="0" cy="0"/>
+          <a:chOff x="0" y="0"/>
+          <a:chExt cx="0" cy="0"/>
+        </a:xfrm>
+      </p:grpSpPr>
+      <p:sp>
+        <p:nvSpPr>
+          <p:cNvPr id="3" name="Title 2"/>
+          <p:cNvSpPr>
+            <a:spLocks noGrp="1"/>
+          </p:cNvSpPr>
+          <p:nvPr>
+            <p:ph type="title"/>
+          </p:nvPr>
+        </p:nvSpPr>
+        <p:spPr/>
+        <p:txBody>
+          <a:bodyPr/>
+          <a:lstStyle/>
+          <a:p>
+            <a:r>
+              <a:rPr lang="en-US" dirty="0" smtClean="0">
+                <a:solidFill>
+                  <a:schemeClr val="accent3">
+                    <a:alpha val="90000"/>
+                  </a:schemeClr>
+                </a:solidFill>
+              </a:rPr>
+              <a:t>Service </a:t>
+            </a:r>
+            <a:r>
+              <a:rPr lang="en-US" dirty="0" smtClean="0"/>
+              <a:t>discovery Models</a:t>
+            </a:r>
+            <a:endParaRPr lang="en-US" dirty="0"/>
+          </a:p>
+        </p:txBody>
+      </p:sp>
+      <p:sp>
+        <p:nvSpPr>
+          <p:cNvPr id="4" name="Text Placeholder 3"/>
+          <p:cNvSpPr>
+            <a:spLocks noGrp="1"/>
+          </p:cNvSpPr>
+          <p:nvPr>
+            <p:ph type="body" sz="quarter" idx="13"/>
+          </p:nvPr>
+        </p:nvSpPr>
+        <p:spPr/>
+        <p:txBody>
+          <a:bodyPr/>
+          <a:lstStyle/>
+          <a:p>
+            <a:endParaRPr lang="en-US"/>
+          </a:p>
+        </p:txBody>
+      </p:sp>
+      <p:sp>
+        <p:nvSpPr>
+          <p:cNvPr id="2" name="Slide Number Placeholder 1"/>
+          <p:cNvSpPr>
+            <a:spLocks noGrp="1"/>
+          </p:cNvSpPr>
+          <p:nvPr>
+            <p:ph type="sldNum" sz="quarter" idx="14"/>
+          </p:nvPr>
+        </p:nvSpPr>
+        <p:spPr/>
+        <p:txBody>
+          <a:bodyPr/>
+          <a:lstStyle/>
+          <a:p>
+            <a:pPr eaLnBrk="0" fontAlgn="base" hangingPunct="0">
+              <a:spcBef>
+                <a:spcPct val="50000"/>
+              </a:spcBef>
+              <a:spcAft>
+                <a:spcPct val="0"/>
+              </a:spcAft>
+            </a:pPr>
+            <a:fld id="{FD44707B-D922-47D5-BD24-D96E91B70543}" type="slidenum">
+              <a:rPr lang="en-US" smtClean="0">
+                <a:solidFill>
+                  <a:prstClr val="white"/>
+                </a:solidFill>
+              </a:rPr>
+              <a:pPr eaLnBrk="0" fontAlgn="base" hangingPunct="0">
+                <a:spcBef>
+                  <a:spcPct val="50000"/>
+                </a:spcBef>
+                <a:spcAft>
+                  <a:spcPct val="0"/>
+                </a:spcAft>
+              </a:pPr>
+              <a:t>19</a:t>
+            </a:fld>
+            <a:endParaRPr lang="en-US" dirty="0">
+              <a:solidFill>
+                <a:prstClr val="white"/>
+              </a:solidFill>
+            </a:endParaRPr>
+          </a:p>
+        </p:txBody>
+      </p:sp>
+      <p:pic>
+        <p:nvPicPr>
+          <p:cNvPr id="6" name="Content Placeholder 5"/>
+          <p:cNvPicPr>
+            <a:picLocks noGrp="1" noChangeAspect="1"/>
+          </p:cNvPicPr>
+          <p:nvPr>
+            <p:ph sz="quarter" idx="15"/>
+          </p:nvPr>
+        </p:nvPicPr>
+        <p:blipFill>
+          <a:blip r:embed="rId2"/>
+          <a:stretch>
+            <a:fillRect/>
+          </a:stretch>
+        </p:blipFill>
+        <p:spPr>
+          <a:xfrm>
+            <a:off x="12192000" y="1029068"/>
+            <a:ext cx="7646619" cy="4990732"/>
+          </a:xfrm>
+          <a:prstGeom prst="rect">
+            <a:avLst/>
+          </a:prstGeom>
+        </p:spPr>
+      </p:pic>
+      <p:sp>
+        <p:nvSpPr>
+          <p:cNvPr id="7" name="TextBox 6"/>
+          <p:cNvSpPr txBox="1"/>
+          <p:nvPr/>
+        </p:nvSpPr>
+        <p:spPr>
+          <a:xfrm>
+            <a:off x="471950" y="1029068"/>
+            <a:ext cx="2663309" cy="5355312"/>
+          </a:xfrm>
+          <a:prstGeom prst="rect">
+            <a:avLst/>
+          </a:prstGeom>
+          <a:noFill/>
+        </p:spPr>
+        <p:txBody>
+          <a:bodyPr wrap="square" rtlCol="0">
+            <a:spAutoFit/>
+          </a:bodyPr>
+          <a:lstStyle/>
+          <a:p>
+            <a:r>
+              <a:rPr lang="en-US" dirty="0"/>
+              <a:t>The </a:t>
+            </a:r>
+            <a:r>
+              <a:rPr lang="en-US" i="1" dirty="0"/>
+              <a:t>Subscription Service Set </a:t>
+            </a:r>
+            <a:r>
+              <a:rPr lang="en-US" dirty="0"/>
+              <a:t>defines </a:t>
+            </a:r>
+            <a:r>
+              <a:rPr lang="en-US" i="1" dirty="0"/>
+              <a:t>Services </a:t>
+            </a:r>
+            <a:r>
+              <a:rPr lang="en-US" dirty="0"/>
+              <a:t>that allow </a:t>
+            </a:r>
+            <a:r>
+              <a:rPr lang="en-US" i="1" dirty="0"/>
+              <a:t>Clients </a:t>
+            </a:r>
+            <a:r>
+              <a:rPr lang="en-US" dirty="0"/>
+              <a:t>to create, modify and </a:t>
+            </a:r>
+            <a:r>
+              <a:rPr lang="en-US" dirty="0" smtClean="0"/>
+              <a:t>delete </a:t>
+            </a:r>
+            <a:r>
+              <a:rPr lang="en-US" i="1" dirty="0"/>
+              <a:t>s</a:t>
+            </a:r>
+            <a:r>
+              <a:rPr lang="en-US" i="1" dirty="0" smtClean="0"/>
+              <a:t>ubscriptions</a:t>
+            </a:r>
+            <a:r>
+              <a:rPr lang="en-US" dirty="0"/>
+              <a:t>. </a:t>
+            </a:r>
+            <a:endParaRPr lang="en-US" dirty="0" smtClean="0"/>
+          </a:p>
+          <a:p>
+            <a:endParaRPr lang="en-US" i="1" dirty="0"/>
+          </a:p>
+          <a:p>
+            <a:r>
+              <a:rPr lang="en-US" i="1" dirty="0" smtClean="0"/>
+              <a:t>Subscriptions </a:t>
+            </a:r>
+            <a:r>
+              <a:rPr lang="en-US" dirty="0"/>
+              <a:t>send </a:t>
+            </a:r>
+            <a:r>
+              <a:rPr lang="en-US" dirty="0" smtClean="0"/>
+              <a:t>n</a:t>
+            </a:r>
+            <a:r>
+              <a:rPr lang="en-US" i="1" dirty="0" smtClean="0"/>
+              <a:t>otifications </a:t>
+            </a:r>
+            <a:r>
+              <a:rPr lang="en-US" dirty="0"/>
+              <a:t>generated by </a:t>
+            </a:r>
+            <a:r>
+              <a:rPr lang="en-US" i="1" dirty="0" err="1"/>
+              <a:t>MonitoredItems</a:t>
+            </a:r>
+            <a:r>
+              <a:rPr lang="en-US" i="1" dirty="0"/>
+              <a:t> </a:t>
+            </a:r>
+            <a:r>
+              <a:rPr lang="en-US" dirty="0"/>
+              <a:t>to the </a:t>
+            </a:r>
+            <a:r>
+              <a:rPr lang="en-US" i="1" dirty="0"/>
+              <a:t>Client</a:t>
+            </a:r>
+            <a:r>
+              <a:rPr lang="en-US" dirty="0" smtClean="0"/>
+              <a:t>.</a:t>
+            </a:r>
+          </a:p>
+          <a:p>
+            <a:r>
+              <a:rPr lang="en-US" dirty="0"/>
+              <a:t/>
+            </a:r>
+            <a:br>
+              <a:rPr lang="en-US" dirty="0"/>
+            </a:br>
+            <a:r>
+              <a:rPr lang="en-US" i="1" dirty="0"/>
+              <a:t>Subscription Services </a:t>
+            </a:r>
+            <a:r>
+              <a:rPr lang="en-US" dirty="0"/>
+              <a:t>also provide for </a:t>
+            </a:r>
+            <a:r>
+              <a:rPr lang="en-US" i="1" dirty="0"/>
+              <a:t>Client </a:t>
+            </a:r>
+            <a:r>
+              <a:rPr lang="en-US" dirty="0"/>
+              <a:t>recovery from missed </a:t>
+            </a:r>
+            <a:r>
+              <a:rPr lang="en-US" i="1" dirty="0"/>
+              <a:t>Messages </a:t>
+            </a:r>
+            <a:r>
+              <a:rPr lang="en-US" dirty="0"/>
+              <a:t>and communication</a:t>
+            </a:r>
+            <a:br>
+              <a:rPr lang="en-US" dirty="0"/>
+            </a:br>
+            <a:r>
+              <a:rPr lang="en-US" dirty="0"/>
+              <a:t>failures. </a:t>
+            </a:r>
+            <a:br>
+              <a:rPr lang="en-US" dirty="0"/>
+            </a:br>
+            <a:endParaRPr lang="en-US" dirty="0" smtClean="0">
+              <a:latin typeface="+mn-lt"/>
+            </a:endParaRPr>
+          </a:p>
+        </p:txBody>
+      </p:sp>
+      <p:sp>
+        <p:nvSpPr>
+          <p:cNvPr id="10" name="Rectangle 9"/>
+          <p:cNvSpPr/>
+          <p:nvPr/>
+        </p:nvSpPr>
+        <p:spPr>
+          <a:xfrm>
+            <a:off x="5257800" y="1029068"/>
+            <a:ext cx="6462252" cy="4990732"/>
+          </a:xfrm>
+          <a:prstGeom prst="rect">
+            <a:avLst/>
+          </a:prstGeom>
+          <a:noFill/>
+          <a:ln>
+            <a:solidFill>
+              <a:schemeClr val="tx1"/>
+            </a:solidFill>
+          </a:ln>
+        </p:spPr>
+        <p:style>
+          <a:lnRef idx="2">
+            <a:schemeClr val="accent1">
+              <a:shade val="50000"/>
+            </a:schemeClr>
+          </a:lnRef>
+          <a:fillRef idx="1">
+            <a:schemeClr val="accent1"/>
+          </a:fillRef>
+          <a:effectRef idx="0">
+            <a:schemeClr val="accent1"/>
+          </a:effectRef>
+          <a:fontRef idx="minor">
+            <a:schemeClr val="lt1"/>
+          </a:fontRef>
+        </p:style>
+        <p:txBody>
+          <a:bodyPr rtlCol="0" anchor="ctr"/>
+          <a:lstStyle/>
+          <a:p>
+            <a:pPr algn="ctr"/>
+            <a:endParaRPr lang="en-US" smtClean="0"/>
+          </a:p>
+        </p:txBody>
+      </p:sp>
+      <p:sp>
+        <p:nvSpPr>
+          <p:cNvPr id="11" name="Rectangle 10"/>
+          <p:cNvSpPr/>
+          <p:nvPr/>
+        </p:nvSpPr>
+        <p:spPr>
+          <a:xfrm>
+            <a:off x="8153400" y="1201100"/>
+            <a:ext cx="3414252" cy="4666300"/>
+          </a:xfrm>
+          <a:prstGeom prst="rect">
+            <a:avLst/>
+          </a:prstGeom>
+          <a:noFill/>
+          <a:ln>
+            <a:solidFill>
+              <a:schemeClr val="tx1"/>
+            </a:solidFill>
+          </a:ln>
+        </p:spPr>
+        <p:style>
+          <a:lnRef idx="2">
+            <a:schemeClr val="accent1">
+              <a:shade val="50000"/>
+            </a:schemeClr>
+          </a:lnRef>
+          <a:fillRef idx="1">
+            <a:schemeClr val="accent1"/>
+          </a:fillRef>
+          <a:effectRef idx="0">
+            <a:schemeClr val="accent1"/>
+          </a:effectRef>
+          <a:fontRef idx="minor">
+            <a:schemeClr val="lt1"/>
+          </a:fontRef>
+        </p:style>
+        <p:txBody>
+          <a:bodyPr rtlCol="0" anchor="t"/>
+          <a:lstStyle/>
+          <a:p>
+            <a:r>
+              <a:rPr lang="en-US" dirty="0" smtClean="0"/>
+              <a:t>OPC UA Address Space</a:t>
+            </a:r>
+          </a:p>
+        </p:txBody>
+      </p:sp>
+      <p:sp>
+        <p:nvSpPr>
+          <p:cNvPr id="12" name="Rectangle 11"/>
+          <p:cNvSpPr/>
+          <p:nvPr/>
+        </p:nvSpPr>
+        <p:spPr>
+          <a:xfrm>
+            <a:off x="5791200" y="1704925"/>
+            <a:ext cx="1890252" cy="2134647"/>
+          </a:xfrm>
+          <a:prstGeom prst="rect">
+            <a:avLst/>
+          </a:prstGeom>
+          <a:noFill/>
+          <a:ln>
+            <a:solidFill>
+              <a:schemeClr val="tx1"/>
+            </a:solidFill>
+          </a:ln>
+        </p:spPr>
+        <p:style>
+          <a:lnRef idx="2">
+            <a:schemeClr val="accent1">
+              <a:shade val="50000"/>
+            </a:schemeClr>
+          </a:lnRef>
+          <a:fillRef idx="1">
+            <a:schemeClr val="accent1"/>
+          </a:fillRef>
+          <a:effectRef idx="0">
+            <a:schemeClr val="accent1"/>
+          </a:effectRef>
+          <a:fontRef idx="minor">
+            <a:schemeClr val="lt1"/>
+          </a:fontRef>
+        </p:style>
+        <p:txBody>
+          <a:bodyPr rtlCol="0" anchor="ctr"/>
+          <a:lstStyle/>
+          <a:p>
+            <a:pPr algn="ctr"/>
+            <a:r>
+              <a:rPr lang="en-US" dirty="0" smtClean="0"/>
+              <a:t>Monitored </a:t>
+            </a:r>
+          </a:p>
+          <a:p>
+            <a:pPr algn="ctr"/>
+            <a:r>
+              <a:rPr lang="en-US" dirty="0" smtClean="0"/>
+              <a:t>Item</a:t>
+            </a:r>
+          </a:p>
+        </p:txBody>
+      </p:sp>
+      <p:sp>
+        <p:nvSpPr>
+          <p:cNvPr id="13" name="Rectangle 12"/>
+          <p:cNvSpPr/>
+          <p:nvPr/>
+        </p:nvSpPr>
+        <p:spPr>
+          <a:xfrm>
+            <a:off x="5791200" y="4525373"/>
+            <a:ext cx="1890252" cy="808627"/>
+          </a:xfrm>
+          <a:prstGeom prst="rect">
+            <a:avLst/>
+          </a:prstGeom>
+          <a:noFill/>
+          <a:ln>
+            <a:solidFill>
+              <a:schemeClr val="tx1"/>
+            </a:solidFill>
+          </a:ln>
+        </p:spPr>
+        <p:style>
+          <a:lnRef idx="2">
+            <a:schemeClr val="accent1">
+              <a:shade val="50000"/>
+            </a:schemeClr>
+          </a:lnRef>
+          <a:fillRef idx="1">
+            <a:schemeClr val="accent1"/>
+          </a:fillRef>
+          <a:effectRef idx="0">
+            <a:schemeClr val="accent1"/>
+          </a:effectRef>
+          <a:fontRef idx="minor">
+            <a:schemeClr val="lt1"/>
+          </a:fontRef>
+        </p:style>
+        <p:txBody>
+          <a:bodyPr rtlCol="0" anchor="ctr"/>
+          <a:lstStyle/>
+          <a:p>
+            <a:pPr algn="ctr"/>
+            <a:r>
+              <a:rPr lang="en-US" dirty="0" smtClean="0"/>
+              <a:t>Subscription</a:t>
+            </a:r>
+          </a:p>
+        </p:txBody>
+      </p:sp>
+      <p:sp>
+        <p:nvSpPr>
+          <p:cNvPr id="14" name="Rounded Rectangle 13"/>
+          <p:cNvSpPr/>
+          <p:nvPr/>
+        </p:nvSpPr>
+        <p:spPr>
+          <a:xfrm>
+            <a:off x="8794343" y="1883135"/>
+            <a:ext cx="2133600" cy="2620373"/>
+          </a:xfrm>
+          <a:prstGeom prst="roundRect">
+            <a:avLst/>
+          </a:prstGeom>
+          <a:noFill/>
+          <a:ln>
+            <a:solidFill>
+              <a:schemeClr val="tx1"/>
+            </a:solidFill>
+          </a:ln>
+        </p:spPr>
+        <p:style>
+          <a:lnRef idx="2">
+            <a:schemeClr val="accent1">
+              <a:shade val="50000"/>
+            </a:schemeClr>
+          </a:lnRef>
+          <a:fillRef idx="1">
+            <a:schemeClr val="accent1"/>
+          </a:fillRef>
+          <a:effectRef idx="0">
+            <a:schemeClr val="accent1"/>
+          </a:effectRef>
+          <a:fontRef idx="minor">
+            <a:schemeClr val="lt1"/>
+          </a:fontRef>
+        </p:style>
+        <p:txBody>
+          <a:bodyPr rtlCol="0" anchor="t"/>
+          <a:lstStyle/>
+          <a:p>
+            <a:pPr algn="ctr"/>
+            <a:r>
+              <a:rPr lang="en-US" dirty="0" smtClean="0"/>
+              <a:t>Node</a:t>
+            </a:r>
+          </a:p>
+          <a:p>
+            <a:pPr algn="ctr"/>
+            <a:endParaRPr lang="en-US" dirty="0"/>
+          </a:p>
+          <a:p>
+            <a:pPr algn="ctr"/>
+            <a:endParaRPr lang="en-US" dirty="0" smtClean="0"/>
+          </a:p>
+          <a:p>
+            <a:pPr algn="ctr"/>
+            <a:endParaRPr lang="en-US" dirty="0"/>
+          </a:p>
+          <a:p>
+            <a:pPr algn="ctr"/>
+            <a:endParaRPr lang="en-US" dirty="0" smtClean="0"/>
+          </a:p>
+          <a:p>
+            <a:pPr algn="ctr"/>
+            <a:endParaRPr lang="en-US" dirty="0"/>
+          </a:p>
+          <a:p>
+            <a:pPr algn="ctr"/>
+            <a:endParaRPr lang="en-US" dirty="0" smtClean="0"/>
+          </a:p>
+          <a:p>
+            <a:pPr algn="ctr"/>
+            <a:r>
+              <a:rPr lang="en-US" dirty="0" smtClean="0"/>
+              <a:t>Events</a:t>
+            </a:r>
+          </a:p>
+        </p:txBody>
+      </p:sp>
+      <p:sp>
+        <p:nvSpPr>
+          <p:cNvPr id="15" name="Rectangle 14"/>
+          <p:cNvSpPr/>
+          <p:nvPr/>
+        </p:nvSpPr>
+        <p:spPr>
+          <a:xfrm>
+            <a:off x="9113891" y="2681001"/>
+            <a:ext cx="1463161" cy="943450"/>
+          </a:xfrm>
+          <a:prstGeom prst="rect">
+            <a:avLst/>
+          </a:prstGeom>
+          <a:noFill/>
+          <a:ln>
+            <a:solidFill>
+              <a:schemeClr val="tx1"/>
+            </a:solidFill>
+          </a:ln>
+        </p:spPr>
+        <p:style>
+          <a:lnRef idx="2">
+            <a:schemeClr val="accent1">
+              <a:shade val="50000"/>
+            </a:schemeClr>
+          </a:lnRef>
+          <a:fillRef idx="1">
+            <a:schemeClr val="accent1"/>
+          </a:fillRef>
+          <a:effectRef idx="0">
+            <a:schemeClr val="accent1"/>
+          </a:effectRef>
+          <a:fontRef idx="minor">
+            <a:schemeClr val="lt1"/>
+          </a:fontRef>
+        </p:style>
+        <p:txBody>
+          <a:bodyPr rtlCol="0" anchor="t"/>
+          <a:lstStyle/>
+          <a:p>
+            <a:pPr algn="ctr"/>
+            <a:r>
+              <a:rPr lang="en-US" dirty="0" smtClean="0"/>
+              <a:t>Attributes</a:t>
+            </a:r>
+          </a:p>
+        </p:txBody>
+      </p:sp>
+      <p:cxnSp>
+        <p:nvCxnSpPr>
+          <p:cNvPr id="21" name="Straight Arrow Connector 20"/>
+          <p:cNvCxnSpPr/>
+          <p:nvPr/>
+        </p:nvCxnSpPr>
+        <p:spPr>
+          <a:xfrm>
+            <a:off x="3343275" y="2772248"/>
+            <a:ext cx="2447925" cy="1"/>
+          </a:xfrm>
+          <a:prstGeom prst="straightConnector1">
+            <a:avLst/>
+          </a:prstGeom>
+          <a:ln w="57150" cap="rnd">
+            <a:solidFill>
+              <a:schemeClr val="tx1"/>
+            </a:solidFill>
+            <a:prstDash val="solid"/>
+            <a:tailEnd type="triangle"/>
+          </a:ln>
+        </p:spPr>
+        <p:style>
+          <a:lnRef idx="1">
+            <a:schemeClr val="accent1"/>
+          </a:lnRef>
+          <a:fillRef idx="0">
+            <a:schemeClr val="accent1"/>
+          </a:fillRef>
+          <a:effectRef idx="0">
+            <a:schemeClr val="accent1"/>
+          </a:effectRef>
+          <a:fontRef idx="minor">
+            <a:schemeClr val="tx1"/>
+          </a:fontRef>
+        </p:style>
+      </p:cxnSp>
+      <p:sp>
+        <p:nvSpPr>
+          <p:cNvPr id="23" name="TextBox 22"/>
+          <p:cNvSpPr txBox="1"/>
+          <p:nvPr/>
+        </p:nvSpPr>
+        <p:spPr>
+          <a:xfrm>
+            <a:off x="3413329" y="2115399"/>
+            <a:ext cx="2057400" cy="646331"/>
+          </a:xfrm>
+          <a:prstGeom prst="rect">
+            <a:avLst/>
+          </a:prstGeom>
+          <a:noFill/>
+        </p:spPr>
+        <p:txBody>
+          <a:bodyPr wrap="square" rtlCol="0">
+            <a:spAutoFit/>
+          </a:bodyPr>
+          <a:lstStyle/>
+          <a:p>
+            <a:r>
+              <a:rPr lang="en-US" dirty="0" smtClean="0">
+                <a:latin typeface="+mn-lt"/>
+              </a:rPr>
+              <a:t>Monitored Item services</a:t>
+            </a:r>
+          </a:p>
+        </p:txBody>
+      </p:sp>
+      <p:cxnSp>
+        <p:nvCxnSpPr>
+          <p:cNvPr id="25" name="Straight Arrow Connector 24"/>
+          <p:cNvCxnSpPr>
+            <a:endCxn id="13" idx="1"/>
+          </p:cNvCxnSpPr>
+          <p:nvPr/>
+        </p:nvCxnSpPr>
+        <p:spPr>
+          <a:xfrm flipV="1">
+            <a:off x="3343275" y="4929687"/>
+            <a:ext cx="2447925" cy="31022"/>
+          </a:xfrm>
+          <a:prstGeom prst="straightConnector1">
+            <a:avLst/>
+          </a:prstGeom>
+          <a:ln w="57150" cap="rnd">
+            <a:solidFill>
+              <a:schemeClr val="tx1"/>
+            </a:solidFill>
+            <a:prstDash val="solid"/>
+            <a:tailEnd type="triangle"/>
+          </a:ln>
+        </p:spPr>
+        <p:style>
+          <a:lnRef idx="1">
+            <a:schemeClr val="accent1"/>
+          </a:lnRef>
+          <a:fillRef idx="0">
+            <a:schemeClr val="accent1"/>
+          </a:fillRef>
+          <a:effectRef idx="0">
+            <a:schemeClr val="accent1"/>
+          </a:effectRef>
+          <a:fontRef idx="minor">
+            <a:schemeClr val="tx1"/>
+          </a:fontRef>
+        </p:style>
+      </p:cxnSp>
+      <p:sp>
+        <p:nvSpPr>
+          <p:cNvPr id="26" name="TextBox 25"/>
+          <p:cNvSpPr txBox="1"/>
+          <p:nvPr/>
+        </p:nvSpPr>
+        <p:spPr>
+          <a:xfrm>
+            <a:off x="3459574" y="4314378"/>
+            <a:ext cx="2057400" cy="646331"/>
+          </a:xfrm>
+          <a:prstGeom prst="rect">
+            <a:avLst/>
+          </a:prstGeom>
+          <a:noFill/>
+        </p:spPr>
+        <p:txBody>
+          <a:bodyPr wrap="square" rtlCol="0">
+            <a:spAutoFit/>
+          </a:bodyPr>
+          <a:lstStyle/>
+          <a:p>
+            <a:r>
+              <a:rPr lang="en-US" dirty="0" smtClean="0">
+                <a:latin typeface="+mn-lt"/>
+              </a:rPr>
+              <a:t>Subscription services</a:t>
+            </a:r>
+          </a:p>
+        </p:txBody>
+      </p:sp>
+      <p:cxnSp>
+        <p:nvCxnSpPr>
+          <p:cNvPr id="28" name="Straight Arrow Connector 27"/>
+          <p:cNvCxnSpPr/>
+          <p:nvPr/>
+        </p:nvCxnSpPr>
+        <p:spPr>
+          <a:xfrm>
+            <a:off x="7734917" y="2925173"/>
+            <a:ext cx="1413385" cy="533"/>
+          </a:xfrm>
+          <a:prstGeom prst="straightConnector1">
+            <a:avLst/>
+          </a:prstGeom>
+          <a:ln w="57150" cap="rnd">
+            <a:solidFill>
+              <a:schemeClr val="tx1"/>
+            </a:solidFill>
+            <a:prstDash val="solid"/>
+            <a:tailEnd type="triangle"/>
+          </a:ln>
+        </p:spPr>
+        <p:style>
+          <a:lnRef idx="1">
+            <a:schemeClr val="accent1"/>
+          </a:lnRef>
+          <a:fillRef idx="0">
+            <a:schemeClr val="accent1"/>
+          </a:fillRef>
+          <a:effectRef idx="0">
+            <a:schemeClr val="accent1"/>
+          </a:effectRef>
+          <a:fontRef idx="minor">
+            <a:schemeClr val="tx1"/>
+          </a:fontRef>
+        </p:style>
+      </p:cxnSp>
+      <p:cxnSp>
+        <p:nvCxnSpPr>
+          <p:cNvPr id="30" name="Straight Arrow Connector 29"/>
+          <p:cNvCxnSpPr>
+            <a:stCxn id="12" idx="2"/>
+            <a:endCxn id="13" idx="0"/>
+          </p:cNvCxnSpPr>
+          <p:nvPr/>
+        </p:nvCxnSpPr>
+        <p:spPr>
+          <a:xfrm>
+            <a:off x="6736326" y="3839572"/>
+            <a:ext cx="0" cy="685801"/>
+          </a:xfrm>
+          <a:prstGeom prst="straightConnector1">
+            <a:avLst/>
+          </a:prstGeom>
+          <a:ln w="57150" cap="rnd">
+            <a:solidFill>
+              <a:schemeClr val="tx1"/>
+            </a:solidFill>
+            <a:prstDash val="solid"/>
+            <a:tailEnd type="triangle"/>
+          </a:ln>
+        </p:spPr>
+        <p:style>
+          <a:lnRef idx="1">
+            <a:schemeClr val="accent1"/>
+          </a:lnRef>
+          <a:fillRef idx="0">
+            <a:schemeClr val="accent1"/>
+          </a:fillRef>
+          <a:effectRef idx="0">
+            <a:schemeClr val="accent1"/>
+          </a:effectRef>
+          <a:fontRef idx="minor">
+            <a:schemeClr val="tx1"/>
+          </a:fontRef>
+        </p:style>
+      </p:cxnSp>
+      <p:cxnSp>
+        <p:nvCxnSpPr>
+          <p:cNvPr id="36" name="Straight Arrow Connector 35"/>
+          <p:cNvCxnSpPr/>
+          <p:nvPr/>
+        </p:nvCxnSpPr>
+        <p:spPr>
+          <a:xfrm>
+            <a:off x="7681452" y="3703541"/>
+            <a:ext cx="1112891" cy="308063"/>
+          </a:xfrm>
+          <a:prstGeom prst="straightConnector1">
+            <a:avLst/>
+          </a:prstGeom>
+          <a:ln w="57150" cap="rnd">
+            <a:solidFill>
+              <a:schemeClr val="tx1"/>
+            </a:solidFill>
+            <a:prstDash val="solid"/>
+            <a:tailEnd type="triangle"/>
+          </a:ln>
+        </p:spPr>
+        <p:style>
+          <a:lnRef idx="1">
+            <a:schemeClr val="accent1"/>
+          </a:lnRef>
+          <a:fillRef idx="0">
+            <a:schemeClr val="accent1"/>
+          </a:fillRef>
+          <a:effectRef idx="0">
+            <a:schemeClr val="accent1"/>
+          </a:effectRef>
+          <a:fontRef idx="minor">
+            <a:schemeClr val="tx1"/>
+          </a:fontRef>
+        </p:style>
+      </p:cxnSp>
+    </p:spTree>
+    <p:extLst>
+      <p:ext uri="{BB962C8B-B14F-4D97-AF65-F5344CB8AC3E}">
+        <p14:creationId xmlns:p14="http://schemas.microsoft.com/office/powerpoint/2010/main" val="2048395469"/>
+      </p:ext>
+    </p:extLst>
+  </p:cSld>
+  <p:clrMapOvr>
+    <a:masterClrMapping/>
+  </p:clrMapOvr>
+  <mc:AlternateContent xmlns:mc="http://schemas.openxmlformats.org/markup-compatibility/2006" xmlns:p14="http://schemas.microsoft.com/office/powerpoint/2010/main">
+    <mc:Choice Requires="p14">
+      <p:transition spd="med" p14:dur="700">
+        <p:fade/>
+      </p:transition>
+    </mc:Choice>
+    <mc:Fallback xmlns="">
+      <p:transition spd="med">
+        <p:fade/>
+      </p:transition>
+    </mc:Fallback>
+  </mc:AlternateContent>
+</p:sld>
+</file>
+
+<file path=ppt/slides/slide2.xml><?xml version="1.0" encoding="utf-8"?>
+<p:sld xmlns:a="http://schemas.openxmlformats.org/drawingml/2006/main" xmlns:r="http://schemas.openxmlformats.org/officeDocument/2006/relationships" xmlns:p="http://schemas.openxmlformats.org/presentationml/2006/main">
+  <p:cSld>
+    <p:spTree>
+      <p:nvGrpSpPr>
+        <p:cNvPr id="1" name=""/>
+        <p:cNvGrpSpPr/>
+        <p:nvPr/>
+      </p:nvGrpSpPr>
+      <p:grpSpPr>
+        <a:xfrm>
+          <a:off x="0" y="0"/>
+          <a:ext cx="0" cy="0"/>
+          <a:chOff x="0" y="0"/>
+          <a:chExt cx="0" cy="0"/>
+        </a:xfrm>
+      </p:grpSpPr>
+      <p:sp>
+        <p:nvSpPr>
+          <p:cNvPr id="4" name="Title 3"/>
+          <p:cNvSpPr>
+            <a:spLocks noGrp="1"/>
+          </p:cNvSpPr>
+          <p:nvPr>
+            <p:ph type="title"/>
+          </p:nvPr>
+        </p:nvSpPr>
+        <p:spPr/>
+        <p:txBody>
+          <a:bodyPr/>
+          <a:lstStyle/>
+          <a:p>
+            <a:r>
+              <a:rPr lang="en-US" dirty="0"/>
+              <a:t>Legal Notices and Disclaimers</a:t>
+            </a:r>
+          </a:p>
+        </p:txBody>
+      </p:sp>
+      <p:sp>
+        <p:nvSpPr>
+          <p:cNvPr id="5" name="Content Placeholder 4"/>
+          <p:cNvSpPr>
+            <a:spLocks noGrp="1"/>
+          </p:cNvSpPr>
+          <p:nvPr>
+            <p:ph idx="1"/>
+          </p:nvPr>
+        </p:nvSpPr>
+        <p:spPr/>
+        <p:txBody>
+          <a:bodyPr/>
+          <a:lstStyle/>
+          <a:p>
+            <a:r>
+              <a:rPr lang="en-US" sz="1200" dirty="0"/>
+              <a:t>Intel technologies’ features and benefits depend on system configuration and may require enabled hardware, software or service activation. Performance varies depending on system configuration. No computer system can be absolutely secure. Check with your system manufacturer or retailer or learn more at </a:t>
+            </a:r>
+            <a:r>
+              <a:rPr lang="en-US" sz="1200" dirty="0">
+                <a:hlinkClick r:id="rId3"/>
+              </a:rPr>
+              <a:t>www.intel.com</a:t>
+            </a:r>
+            <a:r>
+              <a:rPr lang="en-US" sz="1200" dirty="0"/>
+              <a:t>.</a:t>
+            </a:r>
+          </a:p>
+          <a:p>
+            <a:r>
+              <a:rPr lang="en-US" sz="1200"/>
+              <a:t>This </a:t>
+            </a:r>
+            <a:r>
+              <a:rPr lang="en-US" sz="1200" dirty="0"/>
+              <a:t>document contains information on products, services and/or processes in development. All information provided here is subject to change without notice. Contact your Intel representative to obtain the latest forecast, schedule, specifications and roadmaps.</a:t>
+            </a:r>
+          </a:p>
+          <a:p>
+            <a:pPr lvl="0"/>
+            <a:r>
+              <a:rPr lang="en-US" sz="1200" dirty="0"/>
+              <a:t>Any forecasts of goods and services needed for Intel’s operations are provided for discussion purposes only. Intel will have no liability to make any purchase in connection with forecasts published in this document.</a:t>
+            </a:r>
+          </a:p>
+          <a:p>
+            <a:pPr lvl="0"/>
+            <a:r>
+              <a:rPr lang="en-US" sz="1200" dirty="0"/>
+              <a:t>ARDUINO 101 and the ARDUINO infinity logo are trademarks or registered trademarks of Arduino, LLC.</a:t>
+            </a:r>
+          </a:p>
+          <a:p>
+            <a:r>
+              <a:rPr lang="en-US" sz="1200" dirty="0"/>
+              <a:t>Intel, the Intel logo, Intel Inside, the Intel Inside logo, OpenVINO, Intel Atom, Celeron, Intel Core, and Intel </a:t>
+            </a:r>
+            <a:r>
+              <a:rPr lang="en-US" sz="1200" dirty="0" err="1"/>
+              <a:t>Movidius</a:t>
+            </a:r>
+            <a:r>
+              <a:rPr lang="en-US" sz="1200" dirty="0"/>
+              <a:t> Myriad 2 are trademarks of Intel Corporation or its subsidiaries in the U.S. and/or other countries. </a:t>
+            </a:r>
+          </a:p>
+          <a:p>
+            <a:r>
+              <a:rPr lang="en-US" sz="1200" dirty="0"/>
+              <a:t>*Other names and brands may be claimed as the property of others. </a:t>
+            </a:r>
+          </a:p>
+          <a:p>
+            <a:endParaRPr lang="en-US" sz="1200" dirty="0"/>
+          </a:p>
+          <a:p>
+            <a:r>
+              <a:rPr lang="en-US" sz="1200" dirty="0"/>
+              <a:t>Copyright 2018 Intel Corporation. </a:t>
+            </a:r>
+          </a:p>
+        </p:txBody>
+      </p:sp>
+      <p:sp>
+        <p:nvSpPr>
+          <p:cNvPr id="6" name="Slide Number Placeholder 4">
+            <a:extLst>
+              <a:ext uri="{FF2B5EF4-FFF2-40B4-BE49-F238E27FC236}">
+                <a16:creationId xmlns:a16="http://schemas.microsoft.com/office/drawing/2014/main" xmlns="" id="{A2CC5965-A810-4428-AF69-DDA19DFEF8BC}"/>
+              </a:ext>
+            </a:extLst>
+          </p:cNvPr>
+          <p:cNvSpPr txBox="1">
+            <a:spLocks/>
+          </p:cNvSpPr>
+          <p:nvPr/>
+        </p:nvSpPr>
+        <p:spPr>
+          <a:xfrm>
+            <a:off x="11797792" y="6558315"/>
+            <a:ext cx="76944" cy="153888"/>
+          </a:xfrm>
+          <a:prstGeom prst="rect">
+            <a:avLst/>
+          </a:prstGeom>
+          <a:noFill/>
+          <a:ln w="50800" algn="ctr">
+            <a:noFill/>
+            <a:miter lim="800000"/>
+            <a:headEnd type="none" w="sm" len="sm"/>
+            <a:tailEnd type="none" w="sm" len="sm"/>
+          </a:ln>
+          <a:effectLst/>
+        </p:spPr>
+        <p:txBody>
+          <a:bodyPr wrap="none" lIns="0" tIns="0" rIns="0" bIns="0" anchor="ctr" anchorCtr="0">
+            <a:spAutoFit/>
+          </a:bodyPr>
+          <a:lstStyle>
+            <a:defPPr>
+              <a:defRPr lang="en-US"/>
+            </a:defPPr>
+            <a:lvl1pPr marL="0" algn="l" defTabSz="914400" rtl="0" eaLnBrk="1" latinLnBrk="0" hangingPunct="1">
+              <a:defRPr lang="en-US" sz="1067" kern="1200" smtClean="0">
+                <a:solidFill>
+                  <a:srgbClr val="FFFFFF"/>
+                </a:solidFill>
+                <a:latin typeface="+mn-lt"/>
+                <a:ea typeface="+mn-ea"/>
+                <a:cs typeface="Arial" panose="020B0604020202020204" pitchFamily="34" charset="0"/>
+              </a:defRPr>
+            </a:lvl1pPr>
+            <a:lvl2pPr marL="457200" algn="l" defTabSz="914400" rtl="0" eaLnBrk="1" latinLnBrk="0" hangingPunct="1">
+              <a:defRPr sz="1800" kern="1200">
+                <a:solidFill>
+                  <a:schemeClr val="tx1"/>
+                </a:solidFill>
+                <a:latin typeface="+mn-lt"/>
+                <a:ea typeface="+mn-ea"/>
+                <a:cs typeface="+mn-cs"/>
+              </a:defRPr>
+            </a:lvl2pPr>
+            <a:lvl3pPr marL="914400" algn="l" defTabSz="914400" rtl="0" eaLnBrk="1" latinLnBrk="0" hangingPunct="1">
+              <a:defRPr sz="1800" kern="1200">
+                <a:solidFill>
+                  <a:schemeClr val="tx1"/>
+                </a:solidFill>
+                <a:latin typeface="+mn-lt"/>
+                <a:ea typeface="+mn-ea"/>
+                <a:cs typeface="+mn-cs"/>
+              </a:defRPr>
+            </a:lvl3pPr>
+            <a:lvl4pPr marL="1371600" algn="l" defTabSz="914400" rtl="0" eaLnBrk="1" latinLnBrk="0" hangingPunct="1">
+              <a:defRPr sz="1800" kern="1200">
+                <a:solidFill>
+                  <a:schemeClr val="tx1"/>
+                </a:solidFill>
+                <a:latin typeface="+mn-lt"/>
+                <a:ea typeface="+mn-ea"/>
+                <a:cs typeface="+mn-cs"/>
+              </a:defRPr>
+            </a:lvl4pPr>
+            <a:lvl5pPr marL="1828800" algn="l" defTabSz="914400" rtl="0" eaLnBrk="1" latinLnBrk="0" hangingPunct="1">
+              <a:defRPr sz="1800" kern="1200">
+                <a:solidFill>
+                  <a:schemeClr val="tx1"/>
+                </a:solidFill>
+                <a:latin typeface="+mn-lt"/>
+                <a:ea typeface="+mn-ea"/>
+                <a:cs typeface="+mn-cs"/>
+              </a:defRPr>
+            </a:lvl5pPr>
+            <a:lvl6pPr marL="2286000" algn="l" defTabSz="914400" rtl="0" eaLnBrk="1" latinLnBrk="0" hangingPunct="1">
+              <a:defRPr sz="1800" kern="1200">
+                <a:solidFill>
+                  <a:schemeClr val="tx1"/>
+                </a:solidFill>
+                <a:latin typeface="+mn-lt"/>
+                <a:ea typeface="+mn-ea"/>
+                <a:cs typeface="+mn-cs"/>
+              </a:defRPr>
+            </a:lvl6pPr>
+            <a:lvl7pPr marL="2743200" algn="l" defTabSz="914400" rtl="0" eaLnBrk="1" latinLnBrk="0" hangingPunct="1">
+              <a:defRPr sz="1800" kern="1200">
+                <a:solidFill>
+                  <a:schemeClr val="tx1"/>
+                </a:solidFill>
+                <a:latin typeface="+mn-lt"/>
+                <a:ea typeface="+mn-ea"/>
+                <a:cs typeface="+mn-cs"/>
+              </a:defRPr>
+            </a:lvl7pPr>
+            <a:lvl8pPr marL="3200400" algn="l" defTabSz="914400" rtl="0" eaLnBrk="1" latinLnBrk="0" hangingPunct="1">
+              <a:defRPr sz="1800" kern="1200">
+                <a:solidFill>
+                  <a:schemeClr val="tx1"/>
+                </a:solidFill>
+                <a:latin typeface="+mn-lt"/>
+                <a:ea typeface="+mn-ea"/>
+                <a:cs typeface="+mn-cs"/>
+              </a:defRPr>
+            </a:lvl8pPr>
+            <a:lvl9pPr marL="3657600" algn="l" defTabSz="914400" rtl="0" eaLnBrk="1" latinLnBrk="0" hangingPunct="1">
+              <a:defRPr sz="1800" kern="1200">
+                <a:solidFill>
+                  <a:schemeClr val="tx1"/>
+                </a:solidFill>
+                <a:latin typeface="+mn-lt"/>
+                <a:ea typeface="+mn-ea"/>
+                <a:cs typeface="+mn-cs"/>
+              </a:defRPr>
+            </a:lvl9pPr>
+          </a:lstStyle>
+          <a:p>
+            <a:pPr eaLnBrk="0" fontAlgn="base" hangingPunct="0">
+              <a:spcBef>
+                <a:spcPct val="50000"/>
+              </a:spcBef>
+              <a:spcAft>
+                <a:spcPct val="0"/>
+              </a:spcAft>
+            </a:pPr>
+            <a:fld id="{FD44707B-D922-47D5-BD24-D96E91B70543}" type="slidenum">
+              <a:rPr lang="en-US" sz="1000" smtClean="0"/>
+              <a:pPr eaLnBrk="0" fontAlgn="base" hangingPunct="0">
+                <a:spcBef>
+                  <a:spcPct val="50000"/>
+                </a:spcBef>
+                <a:spcAft>
+                  <a:spcPct val="0"/>
+                </a:spcAft>
+              </a:pPr>
+              <a:t>2</a:t>
+            </a:fld>
+            <a:endParaRPr lang="en-US" sz="1000" dirty="0"/>
+          </a:p>
+        </p:txBody>
+      </p:sp>
+    </p:spTree>
+    <p:extLst>
+      <p:ext uri="{BB962C8B-B14F-4D97-AF65-F5344CB8AC3E}">
+        <p14:creationId xmlns:p14="http://schemas.microsoft.com/office/powerpoint/2010/main" val="995439926"/>
+      </p:ext>
+    </p:extLst>
+  </p:cSld>
+  <p:clrMapOvr>
+    <a:masterClrMapping/>
+  </p:clrMapOvr>
+  <mc:AlternateContent xmlns:mc="http://schemas.openxmlformats.org/markup-compatibility/2006" xmlns:p14="http://schemas.microsoft.com/office/powerpoint/2010/main">
+    <mc:Choice Requires="p14">
+      <p:transition spd="med" p14:dur="700">
+        <p:fade/>
+      </p:transition>
+    </mc:Choice>
+    <mc:Fallback xmlns="">
+      <p:transition spd="med">
+        <p:fade/>
+      </p:transition>
+    </mc:Fallback>
+  </mc:AlternateContent>
+</p:sld>
+</file>
+
+<file path=ppt/slides/slide20.xml><?xml version="1.0" encoding="utf-8"?>
+<p:sld xmlns:a="http://schemas.openxmlformats.org/drawingml/2006/main" xmlns:r="http://schemas.openxmlformats.org/officeDocument/2006/relationships" xmlns:p="http://schemas.openxmlformats.org/presentationml/2006/main">
+  <p:cSld>
+    <p:spTree>
+      <p:nvGrpSpPr>
+        <p:cNvPr id="1" name=""/>
+        <p:cNvGrpSpPr/>
+        <p:nvPr/>
+      </p:nvGrpSpPr>
+      <p:grpSpPr>
+        <a:xfrm>
+          <a:off x="0" y="0"/>
+          <a:ext cx="0" cy="0"/>
+          <a:chOff x="0" y="0"/>
+          <a:chExt cx="0" cy="0"/>
+        </a:xfrm>
+      </p:grpSpPr>
+      <p:sp>
+        <p:nvSpPr>
+          <p:cNvPr id="3" name="Title 2"/>
+          <p:cNvSpPr>
+            <a:spLocks noGrp="1"/>
+          </p:cNvSpPr>
+          <p:nvPr>
+            <p:ph type="title"/>
+          </p:nvPr>
+        </p:nvSpPr>
+        <p:spPr/>
+        <p:txBody>
+          <a:bodyPr/>
+          <a:lstStyle/>
+          <a:p>
+            <a:r>
+              <a:rPr lang="en-US" dirty="0" smtClean="0">
+                <a:solidFill>
+                  <a:schemeClr val="accent3">
+                    <a:alpha val="90000"/>
+                  </a:schemeClr>
+                </a:solidFill>
+              </a:rPr>
+              <a:t>Service </a:t>
+            </a:r>
+            <a:r>
+              <a:rPr lang="en-US" dirty="0" smtClean="0"/>
+              <a:t>discovery Models</a:t>
+            </a:r>
+            <a:endParaRPr lang="en-US" dirty="0"/>
+          </a:p>
+        </p:txBody>
+      </p:sp>
+      <p:sp>
+        <p:nvSpPr>
+          <p:cNvPr id="4" name="Text Placeholder 3"/>
+          <p:cNvSpPr>
+            <a:spLocks noGrp="1"/>
+          </p:cNvSpPr>
+          <p:nvPr>
+            <p:ph type="body" sz="quarter" idx="13"/>
+          </p:nvPr>
+        </p:nvSpPr>
+        <p:spPr/>
+        <p:txBody>
+          <a:bodyPr/>
+          <a:lstStyle/>
+          <a:p>
+            <a:endParaRPr lang="en-US"/>
+          </a:p>
+        </p:txBody>
+      </p:sp>
+      <p:sp>
+        <p:nvSpPr>
+          <p:cNvPr id="2" name="Slide Number Placeholder 1"/>
+          <p:cNvSpPr>
+            <a:spLocks noGrp="1"/>
+          </p:cNvSpPr>
+          <p:nvPr>
+            <p:ph type="sldNum" sz="quarter" idx="14"/>
+          </p:nvPr>
+        </p:nvSpPr>
+        <p:spPr/>
+        <p:txBody>
+          <a:bodyPr/>
+          <a:lstStyle/>
+          <a:p>
+            <a:pPr eaLnBrk="0" fontAlgn="base" hangingPunct="0">
+              <a:spcBef>
+                <a:spcPct val="50000"/>
+              </a:spcBef>
+              <a:spcAft>
+                <a:spcPct val="0"/>
+              </a:spcAft>
+            </a:pPr>
+            <a:fld id="{FD44707B-D922-47D5-BD24-D96E91B70543}" type="slidenum">
+              <a:rPr lang="en-US" smtClean="0">
+                <a:solidFill>
+                  <a:prstClr val="white"/>
+                </a:solidFill>
+              </a:rPr>
+              <a:pPr eaLnBrk="0" fontAlgn="base" hangingPunct="0">
+                <a:spcBef>
+                  <a:spcPct val="50000"/>
+                </a:spcBef>
+                <a:spcAft>
+                  <a:spcPct val="0"/>
+                </a:spcAft>
+              </a:pPr>
+              <a:t>20</a:t>
+            </a:fld>
+            <a:endParaRPr lang="en-US" dirty="0">
+              <a:solidFill>
+                <a:prstClr val="white"/>
+              </a:solidFill>
+            </a:endParaRPr>
+          </a:p>
+        </p:txBody>
+      </p:sp>
+      <p:pic>
+        <p:nvPicPr>
+          <p:cNvPr id="6" name="Content Placeholder 5"/>
+          <p:cNvPicPr>
+            <a:picLocks noGrp="1" noChangeAspect="1"/>
+          </p:cNvPicPr>
+          <p:nvPr>
+            <p:ph sz="quarter" idx="15"/>
+          </p:nvPr>
+        </p:nvPicPr>
+        <p:blipFill>
+          <a:blip r:embed="rId2"/>
+          <a:stretch>
+            <a:fillRect/>
+          </a:stretch>
+        </p:blipFill>
+        <p:spPr>
+          <a:xfrm>
+            <a:off x="4073433" y="1029068"/>
+            <a:ext cx="7646619" cy="4990732"/>
+          </a:xfrm>
+          <a:prstGeom prst="rect">
+            <a:avLst/>
+          </a:prstGeom>
+        </p:spPr>
+      </p:pic>
+      <p:sp>
+        <p:nvSpPr>
+          <p:cNvPr id="7" name="TextBox 6"/>
+          <p:cNvSpPr txBox="1"/>
+          <p:nvPr/>
+        </p:nvSpPr>
+        <p:spPr>
+          <a:xfrm>
+            <a:off x="471950" y="1029068"/>
+            <a:ext cx="3414249" cy="4247317"/>
+          </a:xfrm>
+          <a:prstGeom prst="rect">
+            <a:avLst/>
+          </a:prstGeom>
+          <a:noFill/>
+        </p:spPr>
+        <p:txBody>
+          <a:bodyPr wrap="square" rtlCol="0">
+            <a:spAutoFit/>
+          </a:bodyPr>
+          <a:lstStyle/>
+          <a:p>
+            <a:r>
+              <a:rPr lang="en-US" dirty="0"/>
+              <a:t>The </a:t>
+            </a:r>
+            <a:r>
+              <a:rPr lang="en-US" i="1" dirty="0"/>
+              <a:t>Subscription Service Set </a:t>
+            </a:r>
+            <a:r>
+              <a:rPr lang="en-US" dirty="0"/>
+              <a:t>defines </a:t>
+            </a:r>
+            <a:r>
+              <a:rPr lang="en-US" i="1" dirty="0"/>
+              <a:t>Services </a:t>
+            </a:r>
+            <a:r>
+              <a:rPr lang="en-US" dirty="0"/>
+              <a:t>that allow </a:t>
+            </a:r>
+            <a:r>
+              <a:rPr lang="en-US" i="1" dirty="0"/>
+              <a:t>Clients </a:t>
+            </a:r>
+            <a:r>
+              <a:rPr lang="en-US" dirty="0"/>
+              <a:t>to create, modify and </a:t>
+            </a:r>
+            <a:r>
+              <a:rPr lang="en-US" dirty="0" smtClean="0"/>
+              <a:t>delete </a:t>
+            </a:r>
+            <a:r>
+              <a:rPr lang="en-US" i="1" dirty="0"/>
+              <a:t>s</a:t>
+            </a:r>
+            <a:r>
+              <a:rPr lang="en-US" i="1" dirty="0" smtClean="0"/>
+              <a:t>ubscriptions</a:t>
+            </a:r>
+            <a:r>
+              <a:rPr lang="en-US" dirty="0"/>
+              <a:t>. </a:t>
+            </a:r>
+            <a:endParaRPr lang="en-US" dirty="0" smtClean="0"/>
+          </a:p>
+          <a:p>
+            <a:endParaRPr lang="en-US" i="1" dirty="0"/>
+          </a:p>
+          <a:p>
+            <a:r>
+              <a:rPr lang="en-US" i="1" dirty="0" smtClean="0"/>
+              <a:t>Subscriptions </a:t>
+            </a:r>
+            <a:r>
+              <a:rPr lang="en-US" dirty="0"/>
+              <a:t>send </a:t>
+            </a:r>
+            <a:r>
+              <a:rPr lang="en-US" dirty="0" smtClean="0"/>
+              <a:t>n</a:t>
+            </a:r>
+            <a:r>
+              <a:rPr lang="en-US" i="1" dirty="0" smtClean="0"/>
+              <a:t>otifications </a:t>
+            </a:r>
+            <a:r>
+              <a:rPr lang="en-US" dirty="0"/>
+              <a:t>generated by </a:t>
+            </a:r>
+            <a:r>
+              <a:rPr lang="en-US" i="1" dirty="0" err="1"/>
+              <a:t>MonitoredItems</a:t>
+            </a:r>
+            <a:r>
+              <a:rPr lang="en-US" i="1" dirty="0"/>
+              <a:t> </a:t>
+            </a:r>
+            <a:r>
+              <a:rPr lang="en-US" dirty="0"/>
+              <a:t>to the </a:t>
+            </a:r>
+            <a:r>
+              <a:rPr lang="en-US" i="1" dirty="0"/>
+              <a:t>Client</a:t>
+            </a:r>
+            <a:r>
+              <a:rPr lang="en-US" dirty="0" smtClean="0"/>
+              <a:t>.</a:t>
+            </a:r>
+          </a:p>
+          <a:p>
+            <a:r>
+              <a:rPr lang="en-US" dirty="0"/>
+              <a:t/>
+            </a:r>
+            <a:br>
+              <a:rPr lang="en-US" dirty="0"/>
+            </a:br>
+            <a:r>
+              <a:rPr lang="en-US" i="1" dirty="0"/>
+              <a:t>Subscription Services </a:t>
+            </a:r>
+            <a:r>
+              <a:rPr lang="en-US" dirty="0"/>
+              <a:t>also provide for </a:t>
+            </a:r>
+            <a:r>
+              <a:rPr lang="en-US" i="1" dirty="0"/>
+              <a:t>Client </a:t>
+            </a:r>
+            <a:r>
+              <a:rPr lang="en-US" dirty="0"/>
+              <a:t>recovery from missed </a:t>
+            </a:r>
+            <a:r>
+              <a:rPr lang="en-US" i="1" dirty="0"/>
+              <a:t>Messages </a:t>
+            </a:r>
+            <a:r>
+              <a:rPr lang="en-US" dirty="0"/>
+              <a:t>and communication</a:t>
+            </a:r>
+            <a:br>
+              <a:rPr lang="en-US" dirty="0"/>
+            </a:br>
+            <a:r>
+              <a:rPr lang="en-US" dirty="0"/>
+              <a:t>failures. </a:t>
+            </a:r>
+            <a:br>
+              <a:rPr lang="en-US" dirty="0"/>
+            </a:br>
+            <a:endParaRPr lang="en-US" dirty="0" smtClean="0">
+              <a:latin typeface="+mn-lt"/>
+            </a:endParaRPr>
+          </a:p>
+        </p:txBody>
+      </p:sp>
+    </p:spTree>
+    <p:extLst>
+      <p:ext uri="{BB962C8B-B14F-4D97-AF65-F5344CB8AC3E}">
+        <p14:creationId xmlns:p14="http://schemas.microsoft.com/office/powerpoint/2010/main" val="3380494753"/>
+      </p:ext>
+    </p:extLst>
+  </p:cSld>
+  <p:clrMapOvr>
+    <a:masterClrMapping/>
+  </p:clrMapOvr>
+  <mc:AlternateContent xmlns:mc="http://schemas.openxmlformats.org/markup-compatibility/2006" xmlns:p14="http://schemas.microsoft.com/office/powerpoint/2010/main">
+    <mc:Choice Requires="p14">
+      <p:transition spd="med" p14:dur="700">
+        <p:fade/>
+      </p:transition>
+    </mc:Choice>
+    <mc:Fallback xmlns="">
+      <p:transition spd="med">
+        <p:fade/>
+      </p:transition>
+    </mc:Fallback>
+  </mc:AlternateContent>
+</p:sld>
+</file>
+
+<file path=ppt/slides/slide21.xml><?xml version="1.0" encoding="utf-8"?>
 <p:sld xmlns:a="http://schemas.openxmlformats.org/drawingml/2006/main" xmlns:r="http://schemas.openxmlformats.org/officeDocument/2006/relationships" xmlns:p="http://schemas.openxmlformats.org/presentationml/2006/main">
   <p:cSld>
     <p:spTree>
@@ -19622,7 +25417,7 @@
 </p:sld>
 </file>
 
-<file path=ppt/slides/slide18.xml><?xml version="1.0" encoding="utf-8"?>
+<file path=ppt/slides/slide22.xml><?xml version="1.0" encoding="utf-8"?>
 <p:sld xmlns:a="http://schemas.openxmlformats.org/drawingml/2006/main" xmlns:r="http://schemas.openxmlformats.org/officeDocument/2006/relationships" xmlns:p="http://schemas.openxmlformats.org/presentationml/2006/main">
   <p:cSld>
     <p:spTree>
@@ -21445,7 +27240,757 @@
 </p:sld>
 </file>
 
-<file path=ppt/slides/slide19.xml><?xml version="1.0" encoding="utf-8"?>
+<file path=ppt/slides/slide23.xml><?xml version="1.0" encoding="utf-8"?>
+<p:sld xmlns:a="http://schemas.openxmlformats.org/drawingml/2006/main" xmlns:r="http://schemas.openxmlformats.org/officeDocument/2006/relationships" xmlns:p="http://schemas.openxmlformats.org/presentationml/2006/main">
+  <p:cSld>
+    <p:spTree>
+      <p:nvGrpSpPr>
+        <p:cNvPr id="1" name=""/>
+        <p:cNvGrpSpPr/>
+        <p:nvPr/>
+      </p:nvGrpSpPr>
+      <p:grpSpPr>
+        <a:xfrm>
+          <a:off x="0" y="0"/>
+          <a:ext cx="0" cy="0"/>
+          <a:chOff x="0" y="0"/>
+          <a:chExt cx="0" cy="0"/>
+        </a:xfrm>
+      </p:grpSpPr>
+      <p:sp>
+        <p:nvSpPr>
+          <p:cNvPr id="4" name="Title 3"/>
+          <p:cNvSpPr>
+            <a:spLocks noGrp="1"/>
+          </p:cNvSpPr>
+          <p:nvPr>
+            <p:ph type="title"/>
+          </p:nvPr>
+        </p:nvSpPr>
+        <p:spPr>
+          <a:xfrm>
+            <a:off x="471950" y="304701"/>
+            <a:ext cx="11248101" cy="652486"/>
+          </a:xfrm>
+        </p:spPr>
+        <p:txBody>
+          <a:bodyPr/>
+          <a:lstStyle/>
+          <a:p>
+            <a:r>
+              <a:rPr lang="en-US" dirty="0" smtClean="0">
+                <a:solidFill>
+                  <a:schemeClr val="accent3">
+                    <a:alpha val="90000"/>
+                  </a:schemeClr>
+                </a:solidFill>
+              </a:rPr>
+              <a:t>The </a:t>
+            </a:r>
+            <a:r>
+              <a:rPr lang="en-US" b="1" dirty="0" smtClean="0">
+                <a:solidFill>
+                  <a:schemeClr val="accent3">
+                    <a:alpha val="90000"/>
+                  </a:schemeClr>
+                </a:solidFill>
+              </a:rPr>
+              <a:t>OPC-UA</a:t>
+            </a:r>
+            <a:r>
+              <a:rPr lang="en-US" b="1" dirty="0" smtClean="0"/>
+              <a:t> </a:t>
+            </a:r>
+            <a:r>
+              <a:rPr lang="en-US" b="1" dirty="0"/>
+              <a:t>Unified Architecture</a:t>
+            </a:r>
+            <a:r>
+              <a:rPr lang="en-US" dirty="0"/>
+              <a:t> </a:t>
+            </a:r>
+            <a:r>
+              <a:rPr lang="en-US" dirty="0" smtClean="0"/>
+              <a:t>Specification</a:t>
+            </a:r>
+            <a:endParaRPr lang="en-US" dirty="0"/>
+          </a:p>
+        </p:txBody>
+      </p:sp>
+      <p:sp>
+        <p:nvSpPr>
+          <p:cNvPr id="5" name="Content Placeholder 4"/>
+          <p:cNvSpPr>
+            <a:spLocks noGrp="1"/>
+          </p:cNvSpPr>
+          <p:nvPr>
+            <p:ph idx="1"/>
+          </p:nvPr>
+        </p:nvSpPr>
+        <p:spPr>
+          <a:xfrm>
+            <a:off x="471950" y="1066800"/>
+            <a:ext cx="11248101" cy="4776641"/>
+          </a:xfrm>
+        </p:spPr>
+        <p:txBody>
+          <a:bodyPr numCol="1"/>
+          <a:lstStyle/>
+          <a:p>
+            <a:pPr marL="285750" indent="-285750">
+              <a:spcBef>
+                <a:spcPts val="600"/>
+              </a:spcBef>
+              <a:buFont typeface="Arial" panose="020B0604020202020204" pitchFamily="34" charset="0"/>
+              <a:buChar char="•"/>
+            </a:pPr>
+            <a:r>
+              <a:rPr lang="en-US" sz="1800" dirty="0">
+                <a:latin typeface="ArialMT"/>
+              </a:rPr>
+              <a:t>Part 1: OPC UA Specification: Part 1 – </a:t>
+            </a:r>
+            <a:r>
+              <a:rPr lang="en-US" sz="1800" dirty="0" smtClean="0">
+                <a:latin typeface="ArialMT"/>
+                <a:hlinkClick r:id="rId2"/>
+              </a:rPr>
+              <a:t>Concepts </a:t>
+            </a:r>
+            <a:endParaRPr lang="en-US" sz="1800" dirty="0" smtClean="0">
+              <a:latin typeface="ArialMT"/>
+            </a:endParaRPr>
+          </a:p>
+          <a:p>
+            <a:pPr marL="285750" indent="-285750">
+              <a:spcBef>
+                <a:spcPts val="600"/>
+              </a:spcBef>
+              <a:buFont typeface="Arial" panose="020B0604020202020204" pitchFamily="34" charset="0"/>
+              <a:buChar char="•"/>
+            </a:pPr>
+            <a:r>
+              <a:rPr lang="en-US" sz="1800" dirty="0" smtClean="0">
+                <a:latin typeface="ArialMT"/>
+              </a:rPr>
+              <a:t>Part 2: OPC UA Specification: Part 2 – </a:t>
+            </a:r>
+            <a:r>
+              <a:rPr lang="en-US" sz="1800" dirty="0" smtClean="0">
+                <a:latin typeface="ArialMT"/>
+                <a:hlinkClick r:id="rId3"/>
+              </a:rPr>
+              <a:t>Security Model</a:t>
+            </a:r>
+            <a:endParaRPr lang="en-US" sz="1800" dirty="0" smtClean="0">
+              <a:latin typeface="ArialMT"/>
+            </a:endParaRPr>
+          </a:p>
+          <a:p>
+            <a:pPr marL="285750" indent="-285750">
+              <a:spcBef>
+                <a:spcPts val="600"/>
+              </a:spcBef>
+              <a:buFont typeface="Arial" panose="020B0604020202020204" pitchFamily="34" charset="0"/>
+              <a:buChar char="•"/>
+            </a:pPr>
+            <a:r>
+              <a:rPr lang="en-US" sz="1800" dirty="0" smtClean="0">
+                <a:latin typeface="ArialMT"/>
+              </a:rPr>
+              <a:t>Part </a:t>
+            </a:r>
+            <a:r>
+              <a:rPr lang="en-US" sz="1800" dirty="0">
+                <a:latin typeface="ArialMT"/>
+              </a:rPr>
+              <a:t>3: OPC UA Specification: Part 3 – </a:t>
+            </a:r>
+            <a:r>
+              <a:rPr lang="en-US" sz="1800" dirty="0">
+                <a:latin typeface="ArialMT"/>
+                <a:hlinkClick r:id="rId4"/>
+              </a:rPr>
+              <a:t>Address Space </a:t>
+            </a:r>
+            <a:r>
+              <a:rPr lang="en-US" sz="1800" dirty="0" smtClean="0">
+                <a:latin typeface="ArialMT"/>
+                <a:hlinkClick r:id="rId4"/>
+              </a:rPr>
+              <a:t>Model</a:t>
+            </a:r>
+            <a:endParaRPr lang="en-US" sz="1800" dirty="0" smtClean="0">
+              <a:latin typeface="ArialMT"/>
+            </a:endParaRPr>
+          </a:p>
+          <a:p>
+            <a:pPr marL="285750" indent="-285750">
+              <a:spcBef>
+                <a:spcPts val="600"/>
+              </a:spcBef>
+              <a:buFont typeface="Arial" panose="020B0604020202020204" pitchFamily="34" charset="0"/>
+              <a:buChar char="•"/>
+            </a:pPr>
+            <a:r>
+              <a:rPr lang="en-US" sz="1800" dirty="0" smtClean="0">
+                <a:latin typeface="ArialMT"/>
+              </a:rPr>
+              <a:t>Part </a:t>
+            </a:r>
+            <a:r>
+              <a:rPr lang="en-US" sz="1800" dirty="0">
+                <a:latin typeface="ArialMT"/>
+              </a:rPr>
+              <a:t>4: OPC UA Specification: Part 4 – </a:t>
+            </a:r>
+            <a:r>
+              <a:rPr lang="en-US" sz="1800" dirty="0" smtClean="0">
+                <a:latin typeface="ArialMT"/>
+                <a:hlinkClick r:id="rId5"/>
+              </a:rPr>
+              <a:t>Services</a:t>
+            </a:r>
+            <a:endParaRPr lang="en-US" sz="1800" dirty="0" smtClean="0">
+              <a:latin typeface="ArialMT"/>
+            </a:endParaRPr>
+          </a:p>
+          <a:p>
+            <a:pPr marL="285750" indent="-285750">
+              <a:spcBef>
+                <a:spcPts val="600"/>
+              </a:spcBef>
+              <a:buFont typeface="Arial" panose="020B0604020202020204" pitchFamily="34" charset="0"/>
+              <a:buChar char="•"/>
+            </a:pPr>
+            <a:r>
+              <a:rPr lang="en-US" sz="1800" dirty="0" smtClean="0">
+                <a:latin typeface="ArialMT"/>
+              </a:rPr>
+              <a:t>Part </a:t>
+            </a:r>
+            <a:r>
+              <a:rPr lang="en-US" sz="1800" dirty="0">
+                <a:latin typeface="ArialMT"/>
+              </a:rPr>
+              <a:t>5: OPC UA </a:t>
+            </a:r>
+            <a:r>
+              <a:rPr lang="en-US" sz="1800" dirty="0" smtClean="0">
+                <a:latin typeface="ArialMT"/>
+              </a:rPr>
+              <a:t>Specification: Part </a:t>
+            </a:r>
+            <a:r>
+              <a:rPr lang="en-US" sz="1800" dirty="0">
+                <a:latin typeface="ArialMT"/>
+              </a:rPr>
+              <a:t>5 –</a:t>
+            </a:r>
+            <a:r>
+              <a:rPr lang="en-US" sz="1800" dirty="0" smtClean="0">
+                <a:latin typeface="ArialMT"/>
+              </a:rPr>
+              <a:t> </a:t>
+            </a:r>
+            <a:r>
+              <a:rPr lang="en-US" sz="1800" dirty="0">
+                <a:latin typeface="ArialMT"/>
+                <a:hlinkClick r:id="rId6"/>
+              </a:rPr>
+              <a:t>Information Model </a:t>
+            </a:r>
+            <a:r>
+              <a:rPr lang="en-US" sz="1800" dirty="0" smtClean="0">
+                <a:latin typeface="ArialMT"/>
+                <a:hlinkClick r:id="rId6"/>
+              </a:rPr>
+              <a:t>Release</a:t>
+            </a:r>
+            <a:endParaRPr lang="en-US" sz="1800" dirty="0" smtClean="0">
+              <a:latin typeface="ArialMT"/>
+            </a:endParaRPr>
+          </a:p>
+          <a:p>
+            <a:pPr marL="285750" indent="-285750">
+              <a:spcBef>
+                <a:spcPts val="600"/>
+              </a:spcBef>
+              <a:buFont typeface="Arial" panose="020B0604020202020204" pitchFamily="34" charset="0"/>
+              <a:buChar char="•"/>
+            </a:pPr>
+            <a:r>
+              <a:rPr lang="en-US" sz="1800" dirty="0" smtClean="0">
+                <a:latin typeface="ArialMT"/>
+              </a:rPr>
+              <a:t>Part </a:t>
+            </a:r>
+            <a:r>
+              <a:rPr lang="en-US" sz="1800" dirty="0">
+                <a:latin typeface="ArialMT"/>
+              </a:rPr>
+              <a:t>6: OPC UA Specification: Part 6 – </a:t>
+            </a:r>
+            <a:r>
+              <a:rPr lang="en-US" sz="1800" dirty="0" smtClean="0">
+                <a:latin typeface="ArialMT"/>
+                <a:hlinkClick r:id="rId7"/>
+              </a:rPr>
+              <a:t>Mappings</a:t>
+            </a:r>
+            <a:endParaRPr lang="en-US" sz="1800" dirty="0" smtClean="0">
+              <a:latin typeface="ArialMT"/>
+            </a:endParaRPr>
+          </a:p>
+          <a:p>
+            <a:pPr marL="285750" indent="-285750">
+              <a:spcBef>
+                <a:spcPts val="600"/>
+              </a:spcBef>
+              <a:buFont typeface="Arial" panose="020B0604020202020204" pitchFamily="34" charset="0"/>
+              <a:buChar char="•"/>
+            </a:pPr>
+            <a:r>
+              <a:rPr lang="en-US" sz="1800" dirty="0" smtClean="0">
+                <a:latin typeface="ArialMT"/>
+              </a:rPr>
+              <a:t>Part </a:t>
+            </a:r>
+            <a:r>
+              <a:rPr lang="en-US" sz="1800" dirty="0">
+                <a:latin typeface="ArialMT"/>
+              </a:rPr>
+              <a:t>7: OPC UA Specification: Part 7 – </a:t>
+            </a:r>
+            <a:r>
+              <a:rPr lang="en-US" sz="1800" dirty="0" smtClean="0">
+                <a:latin typeface="ArialMT"/>
+                <a:hlinkClick r:id="rId8"/>
+              </a:rPr>
+              <a:t>Profiles</a:t>
+            </a:r>
+            <a:endParaRPr lang="en-US" sz="1800" dirty="0" smtClean="0">
+              <a:latin typeface="ArialMT"/>
+            </a:endParaRPr>
+          </a:p>
+          <a:p>
+            <a:pPr marL="285750" indent="-285750">
+              <a:spcBef>
+                <a:spcPts val="600"/>
+              </a:spcBef>
+              <a:buFont typeface="Arial" panose="020B0604020202020204" pitchFamily="34" charset="0"/>
+              <a:buChar char="•"/>
+            </a:pPr>
+            <a:r>
+              <a:rPr lang="en-US" sz="1800" dirty="0" smtClean="0">
+                <a:latin typeface="ArialMT"/>
+              </a:rPr>
+              <a:t>Part 8: </a:t>
+            </a:r>
+            <a:r>
+              <a:rPr lang="en-US" sz="1800" dirty="0">
+                <a:latin typeface="ArialMT"/>
+              </a:rPr>
+              <a:t>OPC UA Specification: Part </a:t>
+            </a:r>
+            <a:r>
+              <a:rPr lang="en-US" sz="1800" dirty="0" smtClean="0">
+                <a:latin typeface="ArialMT"/>
+              </a:rPr>
+              <a:t>8 </a:t>
+            </a:r>
+            <a:r>
+              <a:rPr lang="en-US" sz="1800" dirty="0">
+                <a:latin typeface="ArialMT"/>
+              </a:rPr>
+              <a:t>– </a:t>
+            </a:r>
+            <a:r>
+              <a:rPr lang="en-US" sz="1800" dirty="0" smtClean="0">
+                <a:latin typeface="ArialMT"/>
+                <a:hlinkClick r:id="rId9"/>
+              </a:rPr>
+              <a:t>Data Access</a:t>
+            </a:r>
+            <a:endParaRPr lang="en-US" sz="1800" dirty="0" smtClean="0">
+              <a:latin typeface="ArialMT"/>
+            </a:endParaRPr>
+          </a:p>
+          <a:p>
+            <a:pPr marL="285750" indent="-285750">
+              <a:spcBef>
+                <a:spcPts val="600"/>
+              </a:spcBef>
+              <a:buFont typeface="Arial" panose="020B0604020202020204" pitchFamily="34" charset="0"/>
+              <a:buChar char="•"/>
+            </a:pPr>
+            <a:r>
+              <a:rPr lang="en-US" sz="1800" dirty="0" smtClean="0">
+                <a:latin typeface="ArialMT"/>
+              </a:rPr>
+              <a:t>Part </a:t>
+            </a:r>
+            <a:r>
+              <a:rPr lang="en-US" sz="1800" dirty="0">
+                <a:latin typeface="ArialMT"/>
+              </a:rPr>
+              <a:t>9: OPC UA Specification: Part 9 – </a:t>
+            </a:r>
+            <a:r>
+              <a:rPr lang="en-US" sz="1800" dirty="0">
+                <a:latin typeface="ArialMT"/>
+                <a:hlinkClick r:id="rId10"/>
+              </a:rPr>
+              <a:t>Alarms and </a:t>
+            </a:r>
+            <a:r>
+              <a:rPr lang="en-US" sz="1800" dirty="0" smtClean="0">
+                <a:latin typeface="ArialMT"/>
+                <a:hlinkClick r:id="rId10"/>
+              </a:rPr>
+              <a:t>conditions</a:t>
+            </a:r>
+            <a:endParaRPr lang="en-US" sz="1800" dirty="0" smtClean="0">
+              <a:latin typeface="ArialMT"/>
+            </a:endParaRPr>
+          </a:p>
+          <a:p>
+            <a:pPr marL="285750" indent="-285750">
+              <a:spcBef>
+                <a:spcPts val="600"/>
+              </a:spcBef>
+              <a:buFont typeface="Arial" panose="020B0604020202020204" pitchFamily="34" charset="0"/>
+              <a:buChar char="•"/>
+            </a:pPr>
+            <a:r>
+              <a:rPr lang="en-US" sz="1800" dirty="0" smtClean="0">
+                <a:latin typeface="ArialMT"/>
+              </a:rPr>
+              <a:t>Part </a:t>
+            </a:r>
+            <a:r>
+              <a:rPr lang="en-US" sz="1800" dirty="0">
+                <a:latin typeface="ArialMT"/>
+              </a:rPr>
+              <a:t>10: OPC UA Specification: Part 10 – </a:t>
+            </a:r>
+            <a:r>
+              <a:rPr lang="en-US" sz="1800" dirty="0" smtClean="0">
+                <a:latin typeface="ArialMT"/>
+                <a:hlinkClick r:id="rId11"/>
+              </a:rPr>
+              <a:t>Programs</a:t>
+            </a:r>
+            <a:endParaRPr lang="en-US" sz="1800" dirty="0" smtClean="0">
+              <a:latin typeface="ArialMT"/>
+            </a:endParaRPr>
+          </a:p>
+          <a:p>
+            <a:pPr marL="285750" indent="-285750">
+              <a:spcBef>
+                <a:spcPts val="600"/>
+              </a:spcBef>
+              <a:buFont typeface="Arial" panose="020B0604020202020204" pitchFamily="34" charset="0"/>
+              <a:buChar char="•"/>
+            </a:pPr>
+            <a:r>
+              <a:rPr lang="en-US" sz="1800" dirty="0" smtClean="0">
+                <a:latin typeface="ArialMT"/>
+              </a:rPr>
+              <a:t>Part </a:t>
+            </a:r>
+            <a:r>
+              <a:rPr lang="en-US" sz="1800" dirty="0">
+                <a:latin typeface="ArialMT"/>
+              </a:rPr>
+              <a:t>11: OPC </a:t>
+            </a:r>
+            <a:r>
+              <a:rPr lang="en-US" sz="1800">
+                <a:latin typeface="ArialMT"/>
+              </a:rPr>
+              <a:t>UA </a:t>
+            </a:r>
+            <a:r>
+              <a:rPr lang="en-US" sz="1800" smtClean="0">
+                <a:latin typeface="ArialMT"/>
+              </a:rPr>
+              <a:t>Specification: </a:t>
+            </a:r>
+            <a:r>
+              <a:rPr lang="en-US" sz="1800" dirty="0">
+                <a:latin typeface="ArialMT"/>
+              </a:rPr>
+              <a:t>Part 11 – </a:t>
+            </a:r>
+            <a:r>
+              <a:rPr lang="en-US" sz="1800" dirty="0">
+                <a:latin typeface="ArialMT"/>
+                <a:hlinkClick r:id="rId12"/>
+              </a:rPr>
+              <a:t>Historical </a:t>
+            </a:r>
+            <a:r>
+              <a:rPr lang="en-US" sz="1800" dirty="0" smtClean="0">
+                <a:latin typeface="ArialMT"/>
+                <a:hlinkClick r:id="rId12"/>
+              </a:rPr>
+              <a:t>Access</a:t>
+            </a:r>
+            <a:endParaRPr lang="en-US" sz="1800" dirty="0" smtClean="0">
+              <a:latin typeface="ArialMT"/>
+            </a:endParaRPr>
+          </a:p>
+          <a:p>
+            <a:pPr marL="285750" indent="-285750">
+              <a:spcBef>
+                <a:spcPts val="600"/>
+              </a:spcBef>
+              <a:buFont typeface="Arial" panose="020B0604020202020204" pitchFamily="34" charset="0"/>
+              <a:buChar char="•"/>
+            </a:pPr>
+            <a:r>
+              <a:rPr lang="en-US" sz="1800" dirty="0">
+                <a:latin typeface="ArialMT"/>
+              </a:rPr>
+              <a:t>Part </a:t>
+            </a:r>
+            <a:r>
+              <a:rPr lang="en-US" sz="1800" dirty="0" smtClean="0">
+                <a:latin typeface="ArialMT"/>
+              </a:rPr>
+              <a:t>12: </a:t>
+            </a:r>
+            <a:r>
+              <a:rPr lang="en-US" sz="1800" dirty="0">
+                <a:latin typeface="ArialMT"/>
+              </a:rPr>
+              <a:t>OPC UA Specification: Part </a:t>
+            </a:r>
+            <a:r>
+              <a:rPr lang="en-US" sz="1800" dirty="0" smtClean="0">
+                <a:latin typeface="ArialMT"/>
+              </a:rPr>
+              <a:t>12 </a:t>
+            </a:r>
+            <a:r>
+              <a:rPr lang="en-US" sz="1800" dirty="0">
+                <a:latin typeface="ArialMT"/>
+              </a:rPr>
+              <a:t>– </a:t>
+            </a:r>
+            <a:r>
+              <a:rPr lang="en-US" sz="1800" dirty="0" smtClean="0">
+                <a:latin typeface="ArialMT"/>
+                <a:hlinkClick r:id="rId13"/>
+              </a:rPr>
+              <a:t>Discovery and Global Services</a:t>
+            </a:r>
+            <a:endParaRPr lang="en-US" sz="1800" dirty="0">
+              <a:latin typeface="ArialMT"/>
+            </a:endParaRPr>
+          </a:p>
+          <a:p>
+            <a:pPr marL="285750" indent="-285750">
+              <a:spcBef>
+                <a:spcPts val="600"/>
+              </a:spcBef>
+              <a:buFont typeface="Arial" panose="020B0604020202020204" pitchFamily="34" charset="0"/>
+              <a:buChar char="•"/>
+            </a:pPr>
+            <a:r>
+              <a:rPr lang="en-US" sz="1800" dirty="0">
+                <a:latin typeface="ArialMT"/>
+              </a:rPr>
+              <a:t>Part </a:t>
+            </a:r>
+            <a:r>
+              <a:rPr lang="en-US" sz="1800" dirty="0" smtClean="0">
+                <a:latin typeface="ArialMT"/>
+              </a:rPr>
+              <a:t>13: </a:t>
+            </a:r>
+            <a:r>
+              <a:rPr lang="en-US" sz="1800" dirty="0">
+                <a:latin typeface="ArialMT"/>
+              </a:rPr>
+              <a:t>OPC UA Specification: Part </a:t>
+            </a:r>
+            <a:r>
+              <a:rPr lang="en-US" sz="1800" dirty="0" smtClean="0">
+                <a:latin typeface="ArialMT"/>
+              </a:rPr>
+              <a:t>13 </a:t>
+            </a:r>
+            <a:r>
+              <a:rPr lang="en-US" sz="1800" dirty="0">
+                <a:latin typeface="ArialMT"/>
+              </a:rPr>
+              <a:t>– </a:t>
+            </a:r>
+            <a:r>
+              <a:rPr lang="en-US" sz="1800" dirty="0" smtClean="0">
+                <a:latin typeface="ArialMT"/>
+                <a:hlinkClick r:id="rId14"/>
+              </a:rPr>
+              <a:t>Aggregates</a:t>
+            </a:r>
+            <a:endParaRPr lang="en-US" sz="1800" dirty="0">
+              <a:latin typeface="ArialMT"/>
+            </a:endParaRPr>
+          </a:p>
+          <a:p>
+            <a:pPr marL="285750" indent="-285750">
+              <a:spcBef>
+                <a:spcPts val="600"/>
+              </a:spcBef>
+              <a:buFont typeface="Arial" panose="020B0604020202020204" pitchFamily="34" charset="0"/>
+              <a:buChar char="•"/>
+            </a:pPr>
+            <a:r>
+              <a:rPr lang="en-US" sz="1800" dirty="0">
+                <a:latin typeface="ArialMT"/>
+              </a:rPr>
+              <a:t>Part </a:t>
+            </a:r>
+            <a:r>
+              <a:rPr lang="en-US" sz="1800" dirty="0" smtClean="0">
+                <a:latin typeface="ArialMT"/>
+              </a:rPr>
+              <a:t>14: </a:t>
+            </a:r>
+            <a:r>
+              <a:rPr lang="en-US" sz="1800" dirty="0">
+                <a:latin typeface="ArialMT"/>
+              </a:rPr>
+              <a:t>OPC UA Specification: Part </a:t>
+            </a:r>
+            <a:r>
+              <a:rPr lang="en-US" sz="1800" dirty="0" smtClean="0">
+                <a:latin typeface="ArialMT"/>
+              </a:rPr>
+              <a:t>14 </a:t>
+            </a:r>
+            <a:r>
+              <a:rPr lang="en-US" sz="1800" dirty="0">
+                <a:latin typeface="ArialMT"/>
+              </a:rPr>
+              <a:t>– </a:t>
+            </a:r>
+            <a:r>
+              <a:rPr lang="en-US" sz="1800" dirty="0" smtClean="0">
+                <a:latin typeface="ArialMT"/>
+                <a:hlinkClick r:id="rId15"/>
+              </a:rPr>
+              <a:t>Pub/Sub</a:t>
+            </a:r>
+            <a:r>
+              <a:rPr lang="en-US" sz="1800" dirty="0">
+                <a:latin typeface="ArialMT"/>
+              </a:rPr>
+              <a:t/>
+            </a:r>
+            <a:br>
+              <a:rPr lang="en-US" sz="1800" dirty="0">
+                <a:latin typeface="ArialMT"/>
+              </a:rPr>
+            </a:br>
+            <a:endParaRPr lang="en-US" sz="1800" dirty="0"/>
+          </a:p>
+        </p:txBody>
+      </p:sp>
+      <p:sp>
+        <p:nvSpPr>
+          <p:cNvPr id="6" name="Text Placeholder 5"/>
+          <p:cNvSpPr>
+            <a:spLocks noGrp="1"/>
+          </p:cNvSpPr>
+          <p:nvPr>
+            <p:ph type="body" sz="quarter" idx="13"/>
+          </p:nvPr>
+        </p:nvSpPr>
+        <p:spPr/>
+        <p:txBody>
+          <a:bodyPr/>
+          <a:lstStyle/>
+          <a:p>
+            <a:endParaRPr lang="en-US"/>
+          </a:p>
+        </p:txBody>
+      </p:sp>
+      <p:sp>
+        <p:nvSpPr>
+          <p:cNvPr id="2" name="Slide Number Placeholder 1"/>
+          <p:cNvSpPr>
+            <a:spLocks noGrp="1"/>
+          </p:cNvSpPr>
+          <p:nvPr>
+            <p:ph type="sldNum" sz="quarter" idx="14"/>
+          </p:nvPr>
+        </p:nvSpPr>
+        <p:spPr/>
+        <p:txBody>
+          <a:bodyPr/>
+          <a:lstStyle/>
+          <a:p>
+            <a:pPr eaLnBrk="0" fontAlgn="base" hangingPunct="0">
+              <a:spcBef>
+                <a:spcPct val="50000"/>
+              </a:spcBef>
+              <a:spcAft>
+                <a:spcPct val="0"/>
+              </a:spcAft>
+            </a:pPr>
+            <a:fld id="{FD44707B-D922-47D5-BD24-D96E91B70543}" type="slidenum">
+              <a:rPr lang="en-US" smtClean="0">
+                <a:solidFill>
+                  <a:prstClr val="white"/>
+                </a:solidFill>
+              </a:rPr>
+              <a:pPr eaLnBrk="0" fontAlgn="base" hangingPunct="0">
+                <a:spcBef>
+                  <a:spcPct val="50000"/>
+                </a:spcBef>
+                <a:spcAft>
+                  <a:spcPct val="0"/>
+                </a:spcAft>
+              </a:pPr>
+              <a:t>23</a:t>
+            </a:fld>
+            <a:endParaRPr lang="en-US" dirty="0">
+              <a:solidFill>
+                <a:prstClr val="white"/>
+              </a:solidFill>
+            </a:endParaRPr>
+          </a:p>
+        </p:txBody>
+      </p:sp>
+    </p:spTree>
+    <p:extLst>
+      <p:ext uri="{BB962C8B-B14F-4D97-AF65-F5344CB8AC3E}">
+        <p14:creationId xmlns:p14="http://schemas.microsoft.com/office/powerpoint/2010/main" val="1645224385"/>
+      </p:ext>
+    </p:extLst>
+  </p:cSld>
+  <p:clrMapOvr>
+    <a:masterClrMapping/>
+  </p:clrMapOvr>
+  <mc:AlternateContent xmlns:mc="http://schemas.openxmlformats.org/markup-compatibility/2006" xmlns:p14="http://schemas.microsoft.com/office/powerpoint/2010/main">
+    <mc:Choice Requires="p14">
+      <p:transition spd="med" p14:dur="700">
+        <p:fade/>
+      </p:transition>
+    </mc:Choice>
+    <mc:Fallback xmlns="">
+      <p:transition spd="med">
+        <p:fade/>
+      </p:transition>
+    </mc:Fallback>
+  </mc:AlternateContent>
+</p:sld>
+</file>
+
+<file path=ppt/slides/slide24.xml><?xml version="1.0" encoding="utf-8"?>
 <p:sld xmlns:a="http://schemas.openxmlformats.org/drawingml/2006/main" xmlns:r="http://schemas.openxmlformats.org/officeDocument/2006/relationships" xmlns:p="http://schemas.openxmlformats.org/presentationml/2006/main">
   <p:cSld>
     <p:spTree>
@@ -21808,7 +28353,7 @@
 </p:sld>
 </file>
 
-<file path=ppt/slides/slide2.xml><?xml version="1.0" encoding="utf-8"?>
+<file path=ppt/slides/slide25.xml><?xml version="1.0" encoding="utf-8"?>
 <p:sld xmlns:a="http://schemas.openxmlformats.org/drawingml/2006/main" xmlns:r="http://schemas.openxmlformats.org/officeDocument/2006/relationships" xmlns:p="http://schemas.openxmlformats.org/presentationml/2006/main">
   <p:cSld>
     <p:spTree>
@@ -21827,7 +28372,7 @@
       </p:grpSpPr>
       <p:sp>
         <p:nvSpPr>
-          <p:cNvPr id="4" name="Title 3"/>
+          <p:cNvPr id="2" name="Title 1"/>
           <p:cNvSpPr>
             <a:spLocks noGrp="1"/>
           </p:cNvSpPr>
@@ -21841,9 +28386,88 @@
           <a:lstStyle/>
           <a:p>
             <a:r>
-              <a:rPr lang="en-US" dirty="0"/>
-              <a:t>Legal Notices and Disclaimers</a:t>
-            </a:r>
+              <a:rPr lang="en-US" dirty="0" smtClean="0">
+                <a:solidFill>
+                  <a:schemeClr val="accent3">
+                    <a:alpha val="90000"/>
+                  </a:schemeClr>
+                </a:solidFill>
+              </a:rPr>
+              <a:t>Resources</a:t>
+            </a:r>
+            <a:endParaRPr lang="en-US" dirty="0">
+              <a:solidFill>
+                <a:schemeClr val="accent3">
+                  <a:alpha val="90000"/>
+                </a:schemeClr>
+              </a:solidFill>
+            </a:endParaRPr>
+          </a:p>
+        </p:txBody>
+      </p:sp>
+      <p:sp>
+        <p:nvSpPr>
+          <p:cNvPr id="3" name="Text Placeholder 2"/>
+          <p:cNvSpPr>
+            <a:spLocks noGrp="1"/>
+          </p:cNvSpPr>
+          <p:nvPr>
+            <p:ph type="body" sz="quarter" idx="13"/>
+          </p:nvPr>
+        </p:nvSpPr>
+        <p:spPr/>
+        <p:txBody>
+          <a:bodyPr/>
+          <a:lstStyle/>
+          <a:p>
+            <a:endParaRPr lang="en-US"/>
+          </a:p>
+        </p:txBody>
+      </p:sp>
+      <p:sp>
+        <p:nvSpPr>
+          <p:cNvPr id="4" name="Slide Number Placeholder 3"/>
+          <p:cNvSpPr>
+            <a:spLocks noGrp="1"/>
+          </p:cNvSpPr>
+          <p:nvPr>
+            <p:ph type="sldNum" sz="quarter" idx="14"/>
+          </p:nvPr>
+        </p:nvSpPr>
+        <p:spPr/>
+        <p:txBody>
+          <a:bodyPr/>
+          <a:lstStyle/>
+          <a:p>
+            <a:pPr eaLnBrk="0" fontAlgn="base" hangingPunct="0">
+              <a:spcBef>
+                <a:spcPct val="50000"/>
+              </a:spcBef>
+              <a:spcAft>
+                <a:spcPct val="0"/>
+              </a:spcAft>
+            </a:pPr>
+            <a:fld id="{FD44707B-D922-47D5-BD24-D96E91B70543}" type="slidenum">
+              <a:rPr lang="en-US" smtClean="0">
+                <a:solidFill>
+                  <a:prstClr val="white"/>
+                </a:solidFill>
+              </a:rPr>
+              <a:pPr eaLnBrk="0" fontAlgn="base" hangingPunct="0">
+                <a:spcBef>
+                  <a:spcPct val="50000"/>
+                </a:spcBef>
+                <a:spcAft>
+                  <a:spcPct val="0"/>
+                </a:spcAft>
+              </a:pPr>
+              <a:t>25</a:t>
+            </a:fld>
+            <a:endParaRPr lang="en-US" dirty="0">
+              <a:solidFill>
+                <a:prstClr val="white"/>
+              </a:solidFill>
+            </a:endParaRPr>
           </a:p>
         </p:txBody>
       </p:sp>
@@ -21854,7 +28478,7 @@
             <a:spLocks noGrp="1"/>
           </p:cNvSpPr>
           <p:nvPr>
-            <p:ph idx="1"/>
+            <p:ph sz="quarter" idx="15"/>
           </p:nvPr>
         </p:nvSpPr>
         <p:spPr/>
@@ -21862,235 +28486,18 @@
           <a:bodyPr/>
           <a:lstStyle/>
           <a:p>
-            <a:r>
-              <a:rPr lang="en-US" sz="1200" dirty="0"/>
-              <a:t>Intel technologies’ features and benefits depend on system configuration and may require enabled hardware, software or service activation. Performance varies depending on system configuration. No computer system can be absolutely secure. Check with your system manufacturer or retailer or learn more at </a:t>
-            </a:r>
-            <a:r>
-              <a:rPr lang="en-US" sz="1200" dirty="0">
-                <a:hlinkClick r:id="rId3"/>
-              </a:rPr>
-              <a:t>www.intel.com</a:t>
-            </a:r>
-            <a:r>
-              <a:rPr lang="en-US" sz="1200" dirty="0"/>
-              <a:t>.</a:t>
-            </a:r>
-          </a:p>
-          <a:p>
-            <a:r>
-              <a:rPr lang="en-US" sz="1200"/>
-              <a:t>This </a:t>
-            </a:r>
-            <a:r>
-              <a:rPr lang="en-US" sz="1200" dirty="0"/>
-              <a:t>document contains information on products, services and/or processes in development. All information provided here is subject to change without notice. Contact your Intel representative to obtain the latest forecast, schedule, specifications and roadmaps.</a:t>
-            </a:r>
-          </a:p>
-          <a:p>
-            <a:pPr lvl="0"/>
-            <a:r>
-              <a:rPr lang="en-US" sz="1200" dirty="0"/>
-              <a:t>Any forecasts of goods and services needed for Intel’s operations are provided for discussion purposes only. Intel will have no liability to make any purchase in connection with forecasts published in this document.</a:t>
-            </a:r>
-          </a:p>
-          <a:p>
-            <a:pPr lvl="0"/>
-            <a:r>
-              <a:rPr lang="en-US" sz="1200" dirty="0"/>
-              <a:t>ARDUINO 101 and the ARDUINO infinity logo are trademarks or registered trademarks of Arduino, LLC.</a:t>
-            </a:r>
-          </a:p>
-          <a:p>
-            <a:r>
-              <a:rPr lang="en-US" sz="1200" dirty="0"/>
-              <a:t>Intel, the Intel logo, Intel Inside, the Intel Inside logo, OpenVINO, Intel Atom, Celeron, Intel Core, and Intel </a:t>
-            </a:r>
-            <a:r>
-              <a:rPr lang="en-US" sz="1200" dirty="0" err="1"/>
-              <a:t>Movidius</a:t>
-            </a:r>
-            <a:r>
-              <a:rPr lang="en-US" sz="1200" dirty="0"/>
-              <a:t> Myriad 2 are trademarks of Intel Corporation or its subsidiaries in the U.S. and/or other countries. </a:t>
-            </a:r>
-          </a:p>
-          <a:p>
-            <a:r>
-              <a:rPr lang="en-US" sz="1200" dirty="0"/>
-              <a:t>*Other names and brands may be claimed as the property of others. </a:t>
-            </a:r>
-          </a:p>
-          <a:p>
-            <a:endParaRPr lang="en-US" sz="1200" dirty="0"/>
-          </a:p>
-          <a:p>
-            <a:r>
-              <a:rPr lang="en-US" sz="1200" dirty="0"/>
-              <a:t>Copyright 2018 Intel Corporation. </a:t>
-            </a:r>
-          </a:p>
-        </p:txBody>
-      </p:sp>
-      <p:sp>
-        <p:nvSpPr>
-          <p:cNvPr id="6" name="Slide Number Placeholder 4">
-            <a:extLst>
-              <a:ext uri="{FF2B5EF4-FFF2-40B4-BE49-F238E27FC236}">
-                <a16:creationId xmlns:a16="http://schemas.microsoft.com/office/drawing/2014/main" xmlns="" id="{A2CC5965-A810-4428-AF69-DDA19DFEF8BC}"/>
-              </a:ext>
-            </a:extLst>
-          </p:cNvPr>
-          <p:cNvSpPr txBox="1">
-            <a:spLocks/>
-          </p:cNvSpPr>
-          <p:nvPr/>
-        </p:nvSpPr>
-        <p:spPr>
-          <a:xfrm>
-            <a:off x="11797792" y="6558315"/>
-            <a:ext cx="76944" cy="153888"/>
-          </a:xfrm>
-          <a:prstGeom prst="rect">
-            <a:avLst/>
-          </a:prstGeom>
-          <a:noFill/>
-          <a:ln w="50800" algn="ctr">
-            <a:noFill/>
-            <a:miter lim="800000"/>
-            <a:headEnd type="none" w="sm" len="sm"/>
-            <a:tailEnd type="none" w="sm" len="sm"/>
-          </a:ln>
-          <a:effectLst/>
-        </p:spPr>
-        <p:txBody>
-          <a:bodyPr wrap="none" lIns="0" tIns="0" rIns="0" bIns="0" anchor="ctr" anchorCtr="0">
-            <a:spAutoFit/>
-          </a:bodyPr>
-          <a:lstStyle>
-            <a:defPPr>
-              <a:defRPr lang="en-US"/>
-            </a:defPPr>
-            <a:lvl1pPr marL="0" algn="l" defTabSz="914400" rtl="0" eaLnBrk="1" latinLnBrk="0" hangingPunct="1">
-              <a:defRPr lang="en-US" sz="1067" kern="1200" smtClean="0">
-                <a:solidFill>
-                  <a:srgbClr val="FFFFFF"/>
-                </a:solidFill>
-                <a:latin typeface="+mn-lt"/>
-                <a:ea typeface="+mn-ea"/>
-                <a:cs typeface="Arial" panose="020B0604020202020204" pitchFamily="34" charset="0"/>
-              </a:defRPr>
-            </a:lvl1pPr>
-            <a:lvl2pPr marL="457200" algn="l" defTabSz="914400" rtl="0" eaLnBrk="1" latinLnBrk="0" hangingPunct="1">
-              <a:defRPr sz="1800" kern="1200">
-                <a:solidFill>
-                  <a:schemeClr val="tx1"/>
-                </a:solidFill>
-                <a:latin typeface="+mn-lt"/>
-                <a:ea typeface="+mn-ea"/>
-                <a:cs typeface="+mn-cs"/>
-              </a:defRPr>
-            </a:lvl2pPr>
-            <a:lvl3pPr marL="914400" algn="l" defTabSz="914400" rtl="0" eaLnBrk="1" latinLnBrk="0" hangingPunct="1">
-              <a:defRPr sz="1800" kern="1200">
-                <a:solidFill>
-                  <a:schemeClr val="tx1"/>
-                </a:solidFill>
-                <a:latin typeface="+mn-lt"/>
-                <a:ea typeface="+mn-ea"/>
-                <a:cs typeface="+mn-cs"/>
-              </a:defRPr>
-            </a:lvl3pPr>
-            <a:lvl4pPr marL="1371600" algn="l" defTabSz="914400" rtl="0" eaLnBrk="1" latinLnBrk="0" hangingPunct="1">
-              <a:defRPr sz="1800" kern="1200">
-                <a:solidFill>
-                  <a:schemeClr val="tx1"/>
-                </a:solidFill>
-                <a:latin typeface="+mn-lt"/>
-                <a:ea typeface="+mn-ea"/>
-                <a:cs typeface="+mn-cs"/>
-              </a:defRPr>
-            </a:lvl4pPr>
-            <a:lvl5pPr marL="1828800" algn="l" defTabSz="914400" rtl="0" eaLnBrk="1" latinLnBrk="0" hangingPunct="1">
-              <a:defRPr sz="1800" kern="1200">
-                <a:solidFill>
-                  <a:schemeClr val="tx1"/>
-                </a:solidFill>
-                <a:latin typeface="+mn-lt"/>
-                <a:ea typeface="+mn-ea"/>
-                <a:cs typeface="+mn-cs"/>
-              </a:defRPr>
-            </a:lvl5pPr>
-            <a:lvl6pPr marL="2286000" algn="l" defTabSz="914400" rtl="0" eaLnBrk="1" latinLnBrk="0" hangingPunct="1">
-              <a:defRPr sz="1800" kern="1200">
-                <a:solidFill>
-                  <a:schemeClr val="tx1"/>
-                </a:solidFill>
-                <a:latin typeface="+mn-lt"/>
-                <a:ea typeface="+mn-ea"/>
-                <a:cs typeface="+mn-cs"/>
-              </a:defRPr>
-            </a:lvl6pPr>
-            <a:lvl7pPr marL="2743200" algn="l" defTabSz="914400" rtl="0" eaLnBrk="1" latinLnBrk="0" hangingPunct="1">
-              <a:defRPr sz="1800" kern="1200">
-                <a:solidFill>
-                  <a:schemeClr val="tx1"/>
-                </a:solidFill>
-                <a:latin typeface="+mn-lt"/>
-                <a:ea typeface="+mn-ea"/>
-                <a:cs typeface="+mn-cs"/>
-              </a:defRPr>
-            </a:lvl7pPr>
-            <a:lvl8pPr marL="3200400" algn="l" defTabSz="914400" rtl="0" eaLnBrk="1" latinLnBrk="0" hangingPunct="1">
-              <a:defRPr sz="1800" kern="1200">
-                <a:solidFill>
-                  <a:schemeClr val="tx1"/>
-                </a:solidFill>
-                <a:latin typeface="+mn-lt"/>
-                <a:ea typeface="+mn-ea"/>
-                <a:cs typeface="+mn-cs"/>
-              </a:defRPr>
-            </a:lvl8pPr>
-            <a:lvl9pPr marL="3657600" algn="l" defTabSz="914400" rtl="0" eaLnBrk="1" latinLnBrk="0" hangingPunct="1">
-              <a:defRPr sz="1800" kern="1200">
-                <a:solidFill>
-                  <a:schemeClr val="tx1"/>
-                </a:solidFill>
-                <a:latin typeface="+mn-lt"/>
-                <a:ea typeface="+mn-ea"/>
-                <a:cs typeface="+mn-cs"/>
-              </a:defRPr>
-            </a:lvl9pPr>
-          </a:lstStyle>
-          <a:p>
-            <a:pPr eaLnBrk="0" fontAlgn="base" hangingPunct="0">
-              <a:spcBef>
-                <a:spcPct val="50000"/>
-              </a:spcBef>
-              <a:spcAft>
-                <a:spcPct val="0"/>
-              </a:spcAft>
+            <a:pPr marL="342900" indent="-342900">
+              <a:buFont typeface="Arial" panose="020B0604020202020204" pitchFamily="34" charset="0"/>
+              <a:buChar char="•"/>
             </a:pPr>
-            <a:fld id="{FD44707B-D922-47D5-BD24-D96E91B70543}" type="slidenum">
-              <a:rPr lang="en-US" sz="1000" smtClean="0"/>
-              <a:pPr eaLnBrk="0" fontAlgn="base" hangingPunct="0">
-                <a:spcBef>
-                  <a:spcPct val="50000"/>
-                </a:spcBef>
-                <a:spcAft>
-                  <a:spcPct val="0"/>
-                </a:spcAft>
-              </a:pPr>
-              <a:t>2</a:t>
-            </a:fld>
-            <a:endParaRPr lang="en-US" sz="1000" dirty="0"/>
+            <a:endParaRPr lang="en-US" dirty="0"/>
           </a:p>
         </p:txBody>
       </p:sp>
     </p:spTree>
     <p:extLst>
       <p:ext uri="{BB962C8B-B14F-4D97-AF65-F5344CB8AC3E}">
-        <p14:creationId xmlns:p14="http://schemas.microsoft.com/office/powerpoint/2010/main" val="995439926"/>
+        <p14:creationId xmlns:p14="http://schemas.microsoft.com/office/powerpoint/2010/main" val="438045504"/>
       </p:ext>
     </p:extLst>
   </p:cSld>
@@ -22112,7 +28519,7 @@
 </p:sld>
 </file>
 
-<file path=ppt/slides/slide20.xml><?xml version="1.0" encoding="utf-8"?>
+<file path=ppt/slides/slide26.xml><?xml version="1.0" encoding="utf-8"?>
 <p:sld xmlns:a="http://schemas.openxmlformats.org/drawingml/2006/main" xmlns:r="http://schemas.openxmlformats.org/officeDocument/2006/relationships" xmlns:p="http://schemas.openxmlformats.org/presentationml/2006/main">
   <p:cSld>
     <p:spTree>
@@ -22174,7 +28581,7 @@
                   <a:spcPct val="0"/>
                 </a:spcAft>
               </a:pPr>
-              <a:t>20</a:t>
+              <a:t>26</a:t>
             </a:fld>
             <a:endParaRPr lang="en-US" dirty="0">
               <a:solidFill>
@@ -22216,7 +28623,7 @@
 </p:sld>
 </file>
 
-<file path=ppt/slides/slide21.xml><?xml version="1.0" encoding="utf-8"?>
+<file path=ppt/slides/slide27.xml><?xml version="1.0" encoding="utf-8"?>
 <p:sld xmlns:a="http://schemas.openxmlformats.org/drawingml/2006/main" xmlns:r="http://schemas.openxmlformats.org/officeDocument/2006/relationships" xmlns:p="http://schemas.openxmlformats.org/presentationml/2006/main" show="0">
   <p:cSld>
     <p:spTree>
@@ -22311,7 +28718,7 @@
                   <a:spcPct val="0"/>
                 </a:spcAft>
               </a:pPr>
-              <a:t>21</a:t>
+              <a:t>27</a:t>
             </a:fld>
             <a:endParaRPr lang="en-US" dirty="0">
               <a:solidFill>
@@ -24839,7 +31246,7 @@
                 <a:buFont typeface="Arial"/>
                 <a:buNone/>
               </a:pPr>
-              <a:t>21</a:t>
+              <a:t>27</a:t>
             </a:fld>
             <a:endParaRPr lang="en-US" sz="1900"/>
           </a:p>
@@ -24877,7 +31284,7 @@
 </p:sld>
 </file>
 
-<file path=ppt/slides/slide22.xml><?xml version="1.0" encoding="utf-8"?>
+<file path=ppt/slides/slide28.xml><?xml version="1.0" encoding="utf-8"?>
 <p:sld xmlns:a="http://schemas.openxmlformats.org/drawingml/2006/main" xmlns:r="http://schemas.openxmlformats.org/officeDocument/2006/relationships" xmlns:p="http://schemas.openxmlformats.org/presentationml/2006/main" show="0">
   <p:cSld>
     <p:spTree>
@@ -24990,7 +31397,7 @@
             </a:pPr>
             <a:fld id="{00000000-1234-1234-1234-123412341234}" type="slidenum">
               <a:rPr lang="en-US"/>
-              <a:t>22</a:t>
+              <a:t>28</a:t>
             </a:fld>
             <a:endParaRPr lang="en-US" dirty="0"/>
           </a:p>
@@ -28629,7 +35036,12 @@
             <p:ph type="title"/>
           </p:nvPr>
         </p:nvSpPr>
-        <p:spPr/>
+        <p:spPr>
+          <a:xfrm>
+            <a:off x="471951" y="304703"/>
+            <a:ext cx="11248101" cy="1356397"/>
+          </a:xfrm>
+        </p:spPr>
         <p:txBody>
           <a:bodyPr/>
           <a:lstStyle/>
@@ -28642,11 +35054,11 @@
                   </a:schemeClr>
                 </a:solidFill>
               </a:rPr>
-              <a:t>Scalability Model </a:t>
+              <a:t>Protocol </a:t>
             </a:r>
             <a:r>
               <a:rPr lang="en-US" dirty="0" smtClean="0"/>
-              <a:t>Needs Domain Gateways</a:t>
+              <a:t>Scalability Model Needs Domain Translation Gateways</a:t>
             </a:r>
             <a:endParaRPr lang="en-US" dirty="0"/>
           </a:p>
@@ -28776,7 +35188,7 @@
         </p:nvSpPr>
         <p:spPr>
           <a:xfrm>
-            <a:off x="381000" y="1701164"/>
+            <a:off x="471951" y="2057117"/>
             <a:ext cx="5829096" cy="3139321"/>
           </a:xfrm>
           <a:prstGeom prst="rect">

--- a/presentations/Industrial-Protocols.pptx
+++ b/presentations/Industrial-Protocols.pptx
@@ -28485,6 +28485,35 @@
         <p:txBody>
           <a:bodyPr/>
           <a:lstStyle/>
+          <a:p>
+            <a:pPr marL="342900" indent="-342900">
+              <a:buFont typeface="Arial" panose="020B0604020202020204" pitchFamily="34" charset="0"/>
+              <a:buChar char="•"/>
+            </a:pPr>
+            <a:r>
+              <a:rPr lang="en-US" dirty="0" smtClean="0">
+                <a:hlinkClick r:id="rId2"/>
+              </a:rPr>
+              <a:t>MQTT.org</a:t>
+            </a:r>
+            <a:endParaRPr lang="en-US" dirty="0" smtClean="0"/>
+          </a:p>
+          <a:p>
+            <a:pPr marL="342900" indent="-342900">
+              <a:buFont typeface="Arial" panose="020B0604020202020204" pitchFamily="34" charset="0"/>
+              <a:buChar char="•"/>
+            </a:pPr>
+            <a:r>
+              <a:rPr lang="en-US" dirty="0" smtClean="0">
+                <a:hlinkClick r:id="rId3"/>
+              </a:rPr>
+              <a:t>Publishing Sensor Data with MQTT Video</a:t>
+            </a:r>
+            <a:r>
+              <a:rPr lang="en-US" dirty="0" smtClean="0"/>
+              <a:t> </a:t>
+            </a:r>
+          </a:p>
           <a:p>
             <a:pPr marL="342900" indent="-342900">
               <a:buFont typeface="Arial" panose="020B0604020202020204" pitchFamily="34" charset="0"/>
